--- a/aulas/Aula_1_Ambiente_de_desenvolvimento.pptx
+++ b/aulas/Aula_1_Ambiente_de_desenvolvimento.pptx
@@ -21,6 +21,9 @@
     <p:sldId id="268" r:id="rId16"/>
     <p:sldId id="269" r:id="rId17"/>
     <p:sldId id="270" r:id="rId18"/>
+    <p:sldId id="271" r:id="rId19"/>
+    <p:sldId id="272" r:id="rId20"/>
+    <p:sldId id="273" r:id="rId21"/>
   </p:sldIdLst>
   <p:sldSz cx="12192000" cy="6858000"/>
   <p:notesSz cx="7559675" cy="10691813"/>
@@ -57,7 +60,7 @@
         <p:spPr>
           <a:xfrm>
             <a:off x="640080" y="5760"/>
-            <a:ext cx="10699200" cy="1053360"/>
+            <a:ext cx="10698840" cy="1053000"/>
           </a:xfrm>
           <a:prstGeom prst="rect">
             <a:avLst/>
@@ -97,7 +100,7 @@
         <p:spPr>
           <a:xfrm>
             <a:off x="182880" y="1188720"/>
-            <a:ext cx="11795400" cy="3977280"/>
+            <a:ext cx="11795040" cy="3976920"/>
           </a:xfrm>
           <a:prstGeom prst="rect">
             <a:avLst/>
@@ -161,7 +164,7 @@
         <p:txBody>
           <a:bodyPr/>
           <a:p>
-            <a:fld id="{1927DB4C-622E-4DC4-BC9D-8CD959EA4262}" type="slidenum">
+            <a:fld id="{AC92F9F5-6D2A-4C71-BDD6-EBF984B45E73}" type="slidenum">
               <a:t>&lt;#&gt;</a:t>
             </a:fld>
           </a:p>
@@ -223,7 +226,7 @@
         <p:spPr>
           <a:xfrm>
             <a:off x="640080" y="5760"/>
-            <a:ext cx="10699200" cy="1053360"/>
+            <a:ext cx="10698840" cy="1053000"/>
           </a:xfrm>
           <a:prstGeom prst="rect">
             <a:avLst/>
@@ -263,7 +266,7 @@
         <p:spPr>
           <a:xfrm>
             <a:off x="182880" y="1188720"/>
-            <a:ext cx="11795400" cy="3977280"/>
+            <a:ext cx="11795040" cy="3976920"/>
           </a:xfrm>
           <a:prstGeom prst="rect">
             <a:avLst/>
@@ -327,7 +330,7 @@
         <p:txBody>
           <a:bodyPr/>
           <a:p>
-            <a:fld id="{5D1611BE-D10D-4ADA-BD9E-E9E6F2148918}" type="slidenum">
+            <a:fld id="{F96BDF46-6145-4588-B505-0FA6DD3AF1C8}" type="slidenum">
               <a:t>&lt;#&gt;</a:t>
             </a:fld>
           </a:p>
@@ -389,14 +392,12 @@
         <p:spPr>
           <a:xfrm>
             <a:off x="640080" y="5760"/>
-            <a:ext cx="10699200" cy="1053360"/>
+            <a:ext cx="10698840" cy="1053000"/>
           </a:xfrm>
           <a:prstGeom prst="rect">
             <a:avLst/>
           </a:prstGeom>
-          <a:solidFill>
-            <a:srgbClr val="99cc99"/>
-          </a:solidFill>
+          <a:noFill/>
           <a:ln w="0">
             <a:noFill/>
           </a:ln>
@@ -440,7 +441,7 @@
         <p:spPr>
           <a:xfrm>
             <a:off x="182880" y="1188720"/>
-            <a:ext cx="11795400" cy="3977280"/>
+            <a:ext cx="11795040" cy="3976920"/>
           </a:xfrm>
           <a:prstGeom prst="rect">
             <a:avLst/>
@@ -452,7 +453,7 @@
         </p:spPr>
         <p:txBody>
           <a:bodyPr lIns="0" rIns="0" tIns="0" bIns="0" anchor="t">
-            <a:noAutofit/>
+            <a:normAutofit/>
           </a:bodyPr>
           <a:p>
             <a:pPr marL="432000" indent="-324000">
@@ -665,7 +666,7 @@
         <p:spPr>
           <a:xfrm>
             <a:off x="4169520" y="6492240"/>
-            <a:ext cx="3863880" cy="227520"/>
+            <a:ext cx="3863520" cy="227160"/>
           </a:xfrm>
           <a:prstGeom prst="rect">
             <a:avLst/>
@@ -737,7 +738,7 @@
         <p:spPr>
           <a:xfrm>
             <a:off x="9209160" y="6492240"/>
-            <a:ext cx="2840040" cy="227520"/>
+            <a:ext cx="2839680" cy="227160"/>
           </a:xfrm>
           <a:prstGeom prst="rect">
             <a:avLst/>
@@ -778,7 +779,7 @@
                 <a:tab algn="l" pos="0"/>
               </a:tabLst>
             </a:pPr>
-            <a:fld id="{6F4F1D97-DAC7-48BA-A7A8-16AFB5A0D0BB}" type="slidenum">
+            <a:fld id="{1FEA55D0-0F5C-4C38-AA4D-85879BD24DF8}" type="slidenum">
               <a:rPr b="0" lang="pt-BR" sz="1400" spc="-1" strike="noStrike">
                 <a:solidFill>
                   <a:srgbClr val="000000"/>
@@ -809,7 +810,7 @@
         <p:spPr>
           <a:xfrm>
             <a:off x="609480" y="6492240"/>
-            <a:ext cx="2840040" cy="227520"/>
+            <a:ext cx="2839680" cy="227160"/>
           </a:xfrm>
           <a:prstGeom prst="rect">
             <a:avLst/>
@@ -975,7 +976,7 @@
         <p:spPr>
           <a:xfrm>
             <a:off x="12960" y="6120"/>
-            <a:ext cx="673200" cy="1053720"/>
+            <a:ext cx="672840" cy="1053360"/>
           </a:xfrm>
           <a:prstGeom prst="rect">
             <a:avLst/>
@@ -1022,7 +1023,7 @@
         <p:spPr>
           <a:xfrm>
             <a:off x="11247120" y="6480"/>
-            <a:ext cx="949680" cy="1053720"/>
+            <a:ext cx="949320" cy="1053360"/>
           </a:xfrm>
           <a:prstGeom prst="rect">
             <a:avLst/>
@@ -1068,13 +1069,13 @@
         </p:nvPicPr>
         <p:blipFill>
           <a:blip r:embed="rId2"/>
-          <a:srcRect l="0" t="0" r="75485" b="0"/>
+          <a:srcRect l="0" t="0" r="75472" b="0"/>
           <a:stretch/>
         </p:blipFill>
         <p:spPr>
           <a:xfrm>
             <a:off x="11592720" y="360000"/>
-            <a:ext cx="466920" cy="539640"/>
+            <a:ext cx="466560" cy="539280"/>
           </a:xfrm>
           <a:prstGeom prst="rect">
             <a:avLst/>
@@ -1097,14 +1098,12 @@
         <p:spPr>
           <a:xfrm>
             <a:off x="640080" y="5760"/>
-            <a:ext cx="10699200" cy="1053360"/>
+            <a:ext cx="10698840" cy="1053000"/>
           </a:xfrm>
           <a:prstGeom prst="rect">
             <a:avLst/>
           </a:prstGeom>
-          <a:solidFill>
-            <a:srgbClr val="99cc99"/>
-          </a:solidFill>
+          <a:noFill/>
           <a:ln w="0">
             <a:noFill/>
           </a:ln>
@@ -1148,7 +1147,7 @@
         <p:spPr>
           <a:xfrm>
             <a:off x="182880" y="1188720"/>
-            <a:ext cx="11795400" cy="3977280"/>
+            <a:ext cx="11795040" cy="3976920"/>
           </a:xfrm>
           <a:prstGeom prst="rect">
             <a:avLst/>
@@ -1160,7 +1159,7 @@
         </p:spPr>
         <p:txBody>
           <a:bodyPr lIns="0" rIns="0" tIns="0" bIns="0" anchor="t">
-            <a:noAutofit/>
+            <a:normAutofit/>
           </a:bodyPr>
           <a:p>
             <a:pPr marL="432000" indent="-324000">
@@ -1373,7 +1372,7 @@
         <p:spPr>
           <a:xfrm>
             <a:off x="4169520" y="6492240"/>
-            <a:ext cx="3863880" cy="227520"/>
+            <a:ext cx="3863520" cy="227160"/>
           </a:xfrm>
           <a:prstGeom prst="rect">
             <a:avLst/>
@@ -1445,7 +1444,7 @@
         <p:spPr>
           <a:xfrm>
             <a:off x="9209160" y="6492240"/>
-            <a:ext cx="2840040" cy="227520"/>
+            <a:ext cx="2839680" cy="227160"/>
           </a:xfrm>
           <a:prstGeom prst="rect">
             <a:avLst/>
@@ -1486,7 +1485,7 @@
                 <a:tab algn="l" pos="0"/>
               </a:tabLst>
             </a:pPr>
-            <a:fld id="{EA0363C0-14FC-4091-A6C7-3CA51F12506B}" type="slidenum">
+            <a:fld id="{50161005-4A56-4C41-87A8-CD6C42916E9B}" type="slidenum">
               <a:rPr b="0" lang="pt-BR" sz="1400" spc="-1" strike="noStrike">
                 <a:solidFill>
                   <a:srgbClr val="000000"/>
@@ -1517,7 +1516,7 @@
         <p:spPr>
           <a:xfrm>
             <a:off x="609480" y="6492240"/>
-            <a:ext cx="2840040" cy="227520"/>
+            <a:ext cx="2839680" cy="227160"/>
           </a:xfrm>
           <a:prstGeom prst="rect">
             <a:avLst/>
@@ -1603,7 +1602,7 @@
         <p:spPr>
           <a:xfrm>
             <a:off x="1105920" y="2382480"/>
-            <a:ext cx="10013760" cy="1929960"/>
+            <a:ext cx="10013400" cy="1929600"/>
           </a:xfrm>
           <a:prstGeom prst="rect">
             <a:avLst/>
@@ -1656,7 +1655,7 @@
         <p:spPr>
           <a:xfrm>
             <a:off x="983520" y="373320"/>
-            <a:ext cx="10040400" cy="1447920"/>
+            <a:ext cx="10040040" cy="1447560"/>
           </a:xfrm>
           <a:prstGeom prst="rect">
             <a:avLst/>
@@ -1694,6 +1693,7 @@
                   <a:srgbClr val="355e00"/>
                 </a:solidFill>
                 <a:latin typeface="Arial"/>
+                <a:ea typeface="DejaVu Sans"/>
               </a:rPr>
               <a:t>Programação aplicada à Engenharia Cartográfica</a:t>
             </a:r>
@@ -1715,7 +1715,7 @@
         <p:spPr>
           <a:xfrm>
             <a:off x="1170360" y="4855680"/>
-            <a:ext cx="9999360" cy="1789920"/>
+            <a:ext cx="9999000" cy="1789560"/>
           </a:xfrm>
           <a:prstGeom prst="rect">
             <a:avLst/>
@@ -1747,6 +1747,7 @@
                   <a:srgbClr val="000000"/>
                 </a:solidFill>
                 <a:latin typeface="Arial"/>
+                <a:ea typeface="DejaVu Sans"/>
               </a:rPr>
               <a:t>Prof. Dr. Maurício Carvalho Mathias de Paulo</a:t>
             </a:r>
@@ -1769,6 +1770,7 @@
                   <a:srgbClr val="000000"/>
                 </a:solidFill>
                 <a:latin typeface="Arial"/>
+                <a:ea typeface="DejaVu Sans"/>
               </a:rPr>
               <a:t>Prof. Me. Raphael Luiz França Greco</a:t>
             </a:r>
@@ -1817,8 +1819,9 @@
                   <a:srgbClr val="355e00"/>
                 </a:solidFill>
                 <a:latin typeface="Arial"/>
-              </a:rPr>
-              <a:t>Rio de Janeiro-RJ, 2025</a:t>
+                <a:ea typeface="DejaVu Sans"/>
+              </a:rPr>
+              <a:t>Rio de Janeiro-RJ, 2026</a:t>
             </a:r>
             <a:endParaRPr b="0" lang="pt-BR" sz="2000" spc="-1" strike="noStrike">
               <a:solidFill>
@@ -1843,7 +1846,7 @@
         <p:txBody>
           <a:bodyPr/>
           <a:p>
-            <a:fld id="{4D082946-666C-4489-B51A-5087BD8C427C}" type="slidenum">
+            <a:fld id="{3216B74C-0AFB-454B-B83F-53FB70BA2198}" type="slidenum">
               <a:t>1</a:t>
             </a:fld>
           </a:p>
@@ -1881,7 +1884,7 @@
       </p:grpSpPr>
       <p:sp>
         <p:nvSpPr>
-          <p:cNvPr id="43" name="PlaceHolder 1"/>
+          <p:cNvPr id="42" name="PlaceHolder 1"/>
           <p:cNvSpPr>
             <a:spLocks noGrp="1"/>
           </p:cNvSpPr>
@@ -1892,7 +1895,7 @@
         <p:spPr>
           <a:xfrm>
             <a:off x="640080" y="5760"/>
-            <a:ext cx="10699200" cy="1053360"/>
+            <a:ext cx="10698840" cy="1053000"/>
           </a:xfrm>
           <a:prstGeom prst="rect">
             <a:avLst/>
@@ -1925,7 +1928,7 @@
                 </a:solidFill>
                 <a:latin typeface="Arial"/>
               </a:rPr>
-              <a:t>Estrutura dos projetos</a:t>
+              <a:t>Ciclos de desenvolvimento</a:t>
             </a:r>
             <a:endParaRPr b="0" lang="pt-BR" sz="3630" spc="-1" strike="noStrike">
               <a:solidFill>
@@ -1938,7 +1941,7 @@
       </p:sp>
       <p:sp>
         <p:nvSpPr>
-          <p:cNvPr id="44" name="PlaceHolder 2"/>
+          <p:cNvPr id="43" name="PlaceHolder 2"/>
           <p:cNvSpPr>
             <a:spLocks noGrp="1"/>
           </p:cNvSpPr>
@@ -1949,7 +1952,7 @@
         <p:spPr>
           <a:xfrm>
             <a:off x="182880" y="1188720"/>
-            <a:ext cx="11795400" cy="3977280"/>
+            <a:ext cx="11795040" cy="3976920"/>
           </a:xfrm>
           <a:prstGeom prst="rect">
             <a:avLst/>
@@ -1985,7 +1988,7 @@
                 </a:solidFill>
                 <a:latin typeface="Arial"/>
               </a:rPr>
-              <a:t>/docs</a:t>
+              <a:t>Desenvolvimento ágil em ciclos de 2 semanas</a:t>
             </a:r>
             <a:endParaRPr b="0" lang="pt-BR" sz="2400" spc="-1" strike="noStrike">
               <a:solidFill>
@@ -2010,13 +2013,24 @@
               <a:buChar char=""/>
             </a:pPr>
             <a:r>
+              <a:rPr b="0" lang="pt-BR" sz="2200" spc="-1" strike="noStrike" u="sng">
+                <a:solidFill>
+                  <a:srgbClr val="0000ee"/>
+                </a:solidFill>
+                <a:uFillTx/>
+                <a:latin typeface="Arial"/>
+                <a:hlinkClick r:id="rId1"/>
+              </a:rPr>
+              <a:t>https://ronjeffries.com/xprog/what-is-extreme-programming/</a:t>
+            </a:r>
+            <a:r>
               <a:rPr b="0" lang="pt-BR" sz="2200" spc="-1" strike="noStrike">
                 <a:solidFill>
                   <a:srgbClr val="000000"/>
                 </a:solidFill>
                 <a:latin typeface="Arial"/>
               </a:rPr>
-              <a:t>Diagrama de classes: Representa visualmente as principais classes que serão implementadas.</a:t>
+              <a:t> </a:t>
             </a:r>
             <a:endParaRPr b="0" lang="pt-BR" sz="2200" spc="-1" strike="noStrike">
               <a:solidFill>
@@ -2047,7 +2061,7 @@
                 </a:solidFill>
                 <a:latin typeface="Arial"/>
               </a:rPr>
-              <a:t>Fluxogramas: Representa uma visão geral de um procedimento importante.</a:t>
+              <a:t>Programação em pares (Xtreme programming - XP)</a:t>
             </a:r>
             <a:endParaRPr b="0" lang="pt-BR" sz="2200" spc="-1" strike="noStrike">
               <a:solidFill>
@@ -2056,124 +2070,77 @@
               <a:latin typeface="Arial"/>
             </a:endParaRPr>
           </a:p>
-          <a:p>
-            <a:pPr marL="432000" indent="-324000">
-              <a:lnSpc>
-                <a:spcPct val="100000"/>
-              </a:lnSpc>
-              <a:spcAft>
-                <a:spcPts val="1049"/>
-              </a:spcAft>
-              <a:buClr>
-                <a:srgbClr val="000000"/>
-              </a:buClr>
-              <a:buSzPct val="45000"/>
-              <a:buFont typeface="Wingdings" charset="2"/>
-              <a:buChar char=""/>
-            </a:pPr>
-            <a:r>
-              <a:rPr b="0" lang="pt-BR" sz="2400" spc="-1" strike="noStrike">
-                <a:solidFill>
-                  <a:srgbClr val="000000"/>
-                </a:solidFill>
-                <a:latin typeface="Arial"/>
-              </a:rPr>
-              <a:t>/src</a:t>
-            </a:r>
-            <a:endParaRPr b="0" lang="pt-BR" sz="2400" spc="-1" strike="noStrike">
-              <a:solidFill>
-                <a:srgbClr val="000000"/>
-              </a:solidFill>
-              <a:latin typeface="Arial"/>
-            </a:endParaRPr>
-          </a:p>
-          <a:p>
-            <a:pPr lvl="1" marL="864000" indent="-324000">
-              <a:lnSpc>
-                <a:spcPct val="100000"/>
-              </a:lnSpc>
-              <a:spcAft>
-                <a:spcPts val="1026"/>
-              </a:spcAft>
-              <a:buClr>
-                <a:srgbClr val="000000"/>
-              </a:buClr>
-              <a:buSzPct val="45000"/>
-              <a:buFont typeface="Wingdings" charset="2"/>
-              <a:buChar char=""/>
-            </a:pPr>
-            <a:r>
-              <a:rPr b="0" lang="pt-BR" sz="2200" spc="-1" strike="noStrike">
-                <a:solidFill>
-                  <a:srgbClr val="000000"/>
-                </a:solidFill>
-                <a:latin typeface="Arial"/>
-              </a:rPr>
-              <a:t>Exemplos de código</a:t>
-            </a:r>
-            <a:endParaRPr b="0" lang="pt-BR" sz="2200" spc="-1" strike="noStrike">
-              <a:solidFill>
-                <a:srgbClr val="000000"/>
-              </a:solidFill>
-              <a:latin typeface="Arial"/>
-            </a:endParaRPr>
-          </a:p>
-          <a:p>
-            <a:pPr marL="432000" indent="-324000">
-              <a:lnSpc>
-                <a:spcPct val="100000"/>
-              </a:lnSpc>
-              <a:spcAft>
-                <a:spcPts val="1049"/>
-              </a:spcAft>
-              <a:buClr>
-                <a:srgbClr val="000000"/>
-              </a:buClr>
-              <a:buSzPct val="45000"/>
-              <a:buFont typeface="Wingdings" charset="2"/>
-              <a:buChar char=""/>
-            </a:pPr>
-            <a:r>
-              <a:rPr b="0" lang="pt-BR" sz="2400" spc="-1" strike="noStrike">
-                <a:solidFill>
-                  <a:srgbClr val="000000"/>
-                </a:solidFill>
-                <a:latin typeface="Arial"/>
-              </a:rPr>
-              <a:t>/tests</a:t>
-            </a:r>
-            <a:endParaRPr b="0" lang="pt-BR" sz="2400" spc="-1" strike="noStrike">
-              <a:solidFill>
-                <a:srgbClr val="000000"/>
-              </a:solidFill>
-              <a:latin typeface="Arial"/>
-            </a:endParaRPr>
-          </a:p>
-          <a:p>
-            <a:pPr lvl="1" marL="864000" indent="-324000">
-              <a:lnSpc>
-                <a:spcPct val="100000"/>
-              </a:lnSpc>
-              <a:spcAft>
-                <a:spcPts val="1026"/>
-              </a:spcAft>
-              <a:buClr>
-                <a:srgbClr val="000000"/>
-              </a:buClr>
-              <a:buSzPct val="45000"/>
-              <a:buFont typeface="Wingdings" charset="2"/>
-              <a:buChar char=""/>
-            </a:pPr>
-            <a:r>
-              <a:rPr b="0" lang="pt-BR" sz="2200" spc="-1" strike="noStrike">
-                <a:solidFill>
-                  <a:srgbClr val="000000"/>
-                </a:solidFill>
-                <a:latin typeface="Arial"/>
-              </a:rPr>
-              <a:t>Testes unitários: Verificam partes do código utilizando entradas e saídas controladas.</a:t>
-            </a:r>
-            <a:endParaRPr b="0" lang="pt-BR" sz="2200" spc="-1" strike="noStrike">
+        </p:txBody>
+      </p:sp>
+      <p:pic>
+        <p:nvPicPr>
+          <p:cNvPr id="44" name="" descr=""/>
+          <p:cNvPicPr/>
+          <p:nvPr/>
+        </p:nvPicPr>
+        <p:blipFill>
+          <a:blip r:embed="rId2"/>
+          <a:stretch/>
+        </p:blipFill>
+        <p:spPr>
+          <a:xfrm>
+            <a:off x="2340000" y="2520000"/>
+            <a:ext cx="8174520" cy="4337280"/>
+          </a:xfrm>
+          <a:prstGeom prst="rect">
+            <a:avLst/>
+          </a:prstGeom>
+          <a:ln w="0">
+            <a:noFill/>
+          </a:ln>
+        </p:spPr>
+      </p:pic>
+      <p:sp>
+        <p:nvSpPr>
+          <p:cNvPr id="45" name=""/>
+          <p:cNvSpPr/>
+          <p:nvPr/>
+        </p:nvSpPr>
+        <p:spPr>
+          <a:xfrm>
+            <a:off x="3960000" y="6493320"/>
+            <a:ext cx="5399280" cy="345600"/>
+          </a:xfrm>
+          <a:prstGeom prst="rect">
+            <a:avLst/>
+          </a:prstGeom>
+          <a:noFill/>
+          <a:ln w="0">
+            <a:noFill/>
+          </a:ln>
+        </p:spPr>
+        <p:style>
+          <a:lnRef idx="0"/>
+          <a:fillRef idx="0"/>
+          <a:effectRef idx="0"/>
+          <a:fontRef idx="minor"/>
+        </p:style>
+        <p:txBody>
+          <a:bodyPr lIns="90000" rIns="90000" tIns="45000" bIns="45000" anchor="t">
+            <a:noAutofit/>
+          </a:bodyPr>
+          <a:p>
+            <a:pPr>
+              <a:lnSpc>
+                <a:spcPct val="100000"/>
+              </a:lnSpc>
+            </a:pPr>
+            <a:r>
+              <a:rPr b="0" lang="pt-BR" sz="1800" spc="-1" strike="noStrike">
+                <a:solidFill>
+                  <a:srgbClr val="000000"/>
+                </a:solidFill>
+                <a:latin typeface="Arial"/>
+                <a:ea typeface="DejaVu Sans"/>
+              </a:rPr>
+              <a:t>Fonte: https://newline.tech/extreme-programming/</a:t>
+            </a:r>
+            <a:endParaRPr b="0" lang="pt-BR" sz="1800" spc="-1" strike="noStrike">
               <a:solidFill>
                 <a:srgbClr val="000000"/>
               </a:solidFill>
@@ -2196,7 +2163,7 @@
         <p:txBody>
           <a:bodyPr/>
           <a:p>
-            <a:fld id="{8BE1C8C6-4225-4910-8BEA-57DCADD4CAEB}" type="slidenum">
+            <a:fld id="{3DF1378F-C895-4396-857D-EB89E116D213}" type="slidenum">
               <a:t>10</a:t>
             </a:fld>
           </a:p>
@@ -2234,7 +2201,7 @@
       </p:grpSpPr>
       <p:sp>
         <p:nvSpPr>
-          <p:cNvPr id="45" name="PlaceHolder 1"/>
+          <p:cNvPr id="46" name="PlaceHolder 1"/>
           <p:cNvSpPr>
             <a:spLocks noGrp="1"/>
           </p:cNvSpPr>
@@ -2245,7 +2212,7 @@
         <p:spPr>
           <a:xfrm>
             <a:off x="640080" y="5760"/>
-            <a:ext cx="10699200" cy="1053360"/>
+            <a:ext cx="10698840" cy="1053000"/>
           </a:xfrm>
           <a:prstGeom prst="rect">
             <a:avLst/>
@@ -2278,7 +2245,7 @@
                 </a:solidFill>
                 <a:latin typeface="Arial"/>
               </a:rPr>
-              <a:t>Avaliação</a:t>
+              <a:t>Projetos</a:t>
             </a:r>
             <a:endParaRPr b="0" lang="pt-BR" sz="3630" spc="-1" strike="noStrike">
               <a:solidFill>
@@ -2291,7 +2258,7 @@
       </p:sp>
       <p:sp>
         <p:nvSpPr>
-          <p:cNvPr id="46" name="PlaceHolder 2"/>
+          <p:cNvPr id="47" name="PlaceHolder 2"/>
           <p:cNvSpPr>
             <a:spLocks noGrp="1"/>
           </p:cNvSpPr>
@@ -2302,7 +2269,7 @@
         <p:spPr>
           <a:xfrm>
             <a:off x="182880" y="1188720"/>
-            <a:ext cx="11795400" cy="3977280"/>
+            <a:ext cx="11795040" cy="4975920"/>
           </a:xfrm>
           <a:prstGeom prst="rect">
             <a:avLst/>
@@ -2338,7 +2305,7 @@
                 </a:solidFill>
                 <a:latin typeface="Arial"/>
               </a:rPr>
-              <a:t>6 – Implementação (entrega no classroom)</a:t>
+              <a:t>Plugin Hello Map</a:t>
             </a:r>
             <a:endParaRPr b="0" lang="pt-BR" sz="2400" spc="-1" strike="noStrike">
               <a:solidFill>
@@ -2363,15 +2330,15 @@
               <a:buChar char=""/>
             </a:pPr>
             <a:r>
-              <a:rPr b="0" lang="pt-BR" sz="2200" spc="-1" strike="noStrike">
-                <a:solidFill>
-                  <a:srgbClr val="000000"/>
-                </a:solidFill>
-                <a:latin typeface="Arial"/>
-              </a:rPr>
-              <a:t>Em pares.</a:t>
-            </a:r>
-            <a:endParaRPr b="0" lang="pt-BR" sz="2200" spc="-1" strike="noStrike">
+              <a:rPr b="0" lang="pt-BR" sz="1800" spc="-1" strike="noStrike">
+                <a:solidFill>
+                  <a:srgbClr val="000000"/>
+                </a:solidFill>
+                <a:latin typeface="Arial"/>
+              </a:rPr>
+              <a:t>Carregar dados matriciais e vetoriais no QGIS (GDAL opcional)</a:t>
+            </a:r>
+            <a:endParaRPr b="0" lang="pt-BR" sz="1800" spc="-1" strike="noStrike">
               <a:solidFill>
                 <a:srgbClr val="000000"/>
               </a:solidFill>
@@ -2400,7 +2367,7 @@
                 </a:solidFill>
                 <a:latin typeface="Arial"/>
               </a:rPr>
-              <a:t>3 – Apresentação oral do código (no computador)</a:t>
+              <a:t>Abrir coordenadas da rede de monitoramento SIRGAS e converter para um arquivo vetorial</a:t>
             </a:r>
             <a:endParaRPr b="0" lang="pt-BR" sz="2400" spc="-1" strike="noStrike">
               <a:solidFill>
@@ -2425,15 +2392,15 @@
               <a:buChar char=""/>
             </a:pPr>
             <a:r>
-              <a:rPr b="0" lang="pt-BR" sz="2200" spc="-1" strike="noStrike">
-                <a:solidFill>
-                  <a:srgbClr val="000000"/>
-                </a:solidFill>
-                <a:latin typeface="Arial"/>
-              </a:rPr>
-              <a:t>Alternado entre os dos dois membros do par.</a:t>
-            </a:r>
-            <a:endParaRPr b="0" lang="pt-BR" sz="2200" spc="-1" strike="noStrike">
+              <a:rPr b="0" lang="pt-BR" sz="1800" spc="-1" strike="noStrike">
+                <a:solidFill>
+                  <a:srgbClr val="000000"/>
+                </a:solidFill>
+                <a:latin typeface="Arial"/>
+              </a:rPr>
+              <a:t>Baixar e manipular dados tabulados com Pandas e escrever com Geopandas.</a:t>
+            </a:r>
+            <a:endParaRPr b="0" lang="pt-BR" sz="1800" spc="-1" strike="noStrike">
               <a:solidFill>
                 <a:srgbClr val="000000"/>
               </a:solidFill>
@@ -2462,7 +2429,7 @@
                 </a:solidFill>
                 <a:latin typeface="Arial"/>
               </a:rPr>
-              <a:t>1 – Inovação</a:t>
+              <a:t>Processing Plugin de extrair cotas de um Modelo Digital de Superfícies</a:t>
             </a:r>
             <a:endParaRPr b="0" lang="pt-BR" sz="2400" spc="-1" strike="noStrike">
               <a:solidFill>
@@ -2487,15 +2454,170 @@
               <a:buChar char=""/>
             </a:pPr>
             <a:r>
-              <a:rPr b="0" lang="pt-BR" sz="2200" spc="-1" strike="noStrike">
-                <a:solidFill>
-                  <a:srgbClr val="000000"/>
-                </a:solidFill>
-                <a:latin typeface="Arial"/>
-              </a:rPr>
-              <a:t>Ponto para ideias interessantes que o par tiver. </a:t>
-            </a:r>
-            <a:endParaRPr b="0" lang="pt-BR" sz="2200" spc="-1" strike="noStrike">
+              <a:rPr b="0" lang="pt-BR" sz="1800" spc="-1" strike="noStrike">
+                <a:solidFill>
+                  <a:srgbClr val="000000"/>
+                </a:solidFill>
+                <a:latin typeface="Arial"/>
+              </a:rPr>
+              <a:t>Manipular dados matriciais e vetoriais no QGIS</a:t>
+            </a:r>
+            <a:endParaRPr b="0" lang="pt-BR" sz="1800" spc="-1" strike="noStrike">
+              <a:solidFill>
+                <a:srgbClr val="000000"/>
+              </a:solidFill>
+              <a:latin typeface="Arial"/>
+            </a:endParaRPr>
+          </a:p>
+          <a:p>
+            <a:pPr marL="432000" indent="-324000">
+              <a:lnSpc>
+                <a:spcPct val="100000"/>
+              </a:lnSpc>
+              <a:spcAft>
+                <a:spcPts val="1049"/>
+              </a:spcAft>
+              <a:buClr>
+                <a:srgbClr val="000000"/>
+              </a:buClr>
+              <a:buSzPct val="45000"/>
+              <a:buFont typeface="Wingdings" charset="2"/>
+              <a:buChar char=""/>
+            </a:pPr>
+            <a:r>
+              <a:rPr b="0" lang="pt-BR" sz="2400" spc="-1" strike="noStrike">
+                <a:solidFill>
+                  <a:srgbClr val="000000"/>
+                </a:solidFill>
+                <a:latin typeface="Arial"/>
+              </a:rPr>
+              <a:t>Operações topológicas</a:t>
+            </a:r>
+            <a:endParaRPr b="0" lang="pt-BR" sz="2400" spc="-1" strike="noStrike">
+              <a:solidFill>
+                <a:srgbClr val="000000"/>
+              </a:solidFill>
+              <a:latin typeface="Arial"/>
+            </a:endParaRPr>
+          </a:p>
+          <a:p>
+            <a:pPr lvl="1" marL="864000" indent="-324000">
+              <a:lnSpc>
+                <a:spcPct val="100000"/>
+              </a:lnSpc>
+              <a:spcAft>
+                <a:spcPts val="1026"/>
+              </a:spcAft>
+              <a:buClr>
+                <a:srgbClr val="000000"/>
+              </a:buClr>
+              <a:buSzPct val="45000"/>
+              <a:buFont typeface="Wingdings" charset="2"/>
+              <a:buChar char=""/>
+            </a:pPr>
+            <a:r>
+              <a:rPr b="0" lang="pt-BR" sz="1800" spc="-1" strike="noStrike">
+                <a:solidFill>
+                  <a:srgbClr val="000000"/>
+                </a:solidFill>
+                <a:latin typeface="Arial"/>
+              </a:rPr>
+              <a:t>Processing Plugin com model builder para resolver um problema de geoprocessamento.</a:t>
+            </a:r>
+            <a:endParaRPr b="0" lang="pt-BR" sz="1800" spc="-1" strike="noStrike">
+              <a:solidFill>
+                <a:srgbClr val="000000"/>
+              </a:solidFill>
+              <a:latin typeface="Arial"/>
+            </a:endParaRPr>
+          </a:p>
+          <a:p>
+            <a:pPr marL="432000" indent="-324000">
+              <a:lnSpc>
+                <a:spcPct val="100000"/>
+              </a:lnSpc>
+              <a:spcAft>
+                <a:spcPts val="1049"/>
+              </a:spcAft>
+              <a:buClr>
+                <a:srgbClr val="000000"/>
+              </a:buClr>
+              <a:buSzPct val="45000"/>
+              <a:buFont typeface="Wingdings" charset="2"/>
+              <a:buChar char=""/>
+            </a:pPr>
+            <a:r>
+              <a:rPr b="0" lang="pt-BR" sz="2400" spc="-1" strike="noStrike">
+                <a:solidFill>
+                  <a:srgbClr val="000000"/>
+                </a:solidFill>
+                <a:latin typeface="Arial"/>
+              </a:rPr>
+              <a:t>FastAPI/Taipy</a:t>
+            </a:r>
+            <a:endParaRPr b="0" lang="pt-BR" sz="2400" spc="-1" strike="noStrike">
+              <a:solidFill>
+                <a:srgbClr val="000000"/>
+              </a:solidFill>
+              <a:latin typeface="Arial"/>
+            </a:endParaRPr>
+          </a:p>
+          <a:p>
+            <a:pPr lvl="1" marL="864000" indent="-324000">
+              <a:lnSpc>
+                <a:spcPct val="100000"/>
+              </a:lnSpc>
+              <a:spcAft>
+                <a:spcPts val="1026"/>
+              </a:spcAft>
+              <a:buClr>
+                <a:srgbClr val="000000"/>
+              </a:buClr>
+              <a:buSzPct val="45000"/>
+              <a:buFont typeface="Wingdings" charset="2"/>
+              <a:buChar char=""/>
+            </a:pPr>
+            <a:r>
+              <a:rPr b="0" lang="pt-BR" sz="1800" spc="-1" strike="noStrike">
+                <a:solidFill>
+                  <a:srgbClr val="000000"/>
+                </a:solidFill>
+                <a:latin typeface="Arial"/>
+              </a:rPr>
+              <a:t>Criar interface web e API web para os projetos 2, 3 e 4.</a:t>
+            </a:r>
+            <a:endParaRPr b="0" lang="pt-BR" sz="1800" spc="-1" strike="noStrike">
+              <a:solidFill>
+                <a:srgbClr val="000000"/>
+              </a:solidFill>
+              <a:latin typeface="Arial"/>
+            </a:endParaRPr>
+          </a:p>
+          <a:p>
+            <a:pPr marL="432000" indent="-324000">
+              <a:lnSpc>
+                <a:spcPct val="100000"/>
+              </a:lnSpc>
+              <a:spcAft>
+                <a:spcPts val="1049"/>
+              </a:spcAft>
+              <a:buClr>
+                <a:srgbClr val="000000"/>
+              </a:buClr>
+              <a:buSzPct val="45000"/>
+              <a:buFont typeface="Wingdings" charset="2"/>
+              <a:buChar char=""/>
+            </a:pPr>
+            <a:r>
+              <a:rPr b="0" lang="pt-BR" sz="2400" spc="-1" strike="noStrike">
+                <a:solidFill>
+                  <a:srgbClr val="000000"/>
+                </a:solidFill>
+                <a:latin typeface="Arial"/>
+              </a:rPr>
+              <a:t>(Opcional): RasterIO+Sklearn (XGBoost)</a:t>
+            </a:r>
+            <a:endParaRPr b="0" lang="pt-BR" sz="2400" spc="-1" strike="noStrike">
               <a:solidFill>
                 <a:srgbClr val="000000"/>
               </a:solidFill>
@@ -2518,7 +2640,7 @@
         <p:txBody>
           <a:bodyPr/>
           <a:p>
-            <a:fld id="{966E789C-6D1B-4808-B835-12324D0C0355}" type="slidenum">
+            <a:fld id="{77E4539B-F3A1-4C41-BD11-D379102C6FC8}" type="slidenum">
               <a:t>11</a:t>
             </a:fld>
           </a:p>
@@ -2556,7 +2678,7 @@
       </p:grpSpPr>
       <p:sp>
         <p:nvSpPr>
-          <p:cNvPr id="47" name="PlaceHolder 1"/>
+          <p:cNvPr id="48" name="PlaceHolder 1"/>
           <p:cNvSpPr>
             <a:spLocks noGrp="1"/>
           </p:cNvSpPr>
@@ -2567,7 +2689,7 @@
         <p:spPr>
           <a:xfrm>
             <a:off x="640080" y="5760"/>
-            <a:ext cx="10699200" cy="1053360"/>
+            <a:ext cx="10698840" cy="1053000"/>
           </a:xfrm>
           <a:prstGeom prst="rect">
             <a:avLst/>
@@ -2600,7 +2722,7 @@
                 </a:solidFill>
                 <a:latin typeface="Arial"/>
               </a:rPr>
-              <a:t>Cronograma de aulas</a:t>
+              <a:t>Estrutura dos projetos</a:t>
             </a:r>
             <a:endParaRPr b="0" lang="pt-BR" sz="3630" spc="-1" strike="noStrike">
               <a:solidFill>
@@ -2611,33 +2733,255 @@
           </a:p>
         </p:txBody>
       </p:sp>
-      <p:pic>
-        <p:nvPicPr>
-          <p:cNvPr id="48" name="" descr=""/>
-          <p:cNvPicPr/>
-          <p:nvPr/>
-        </p:nvPicPr>
-        <p:blipFill>
-          <a:blip r:embed="rId1"/>
-          <a:srcRect l="67170" t="18339" r="66579" b="144324"/>
-          <a:stretch/>
-        </p:blipFill>
+      <p:sp>
+        <p:nvSpPr>
+          <p:cNvPr id="49" name="PlaceHolder 2"/>
+          <p:cNvSpPr>
+            <a:spLocks noGrp="1"/>
+          </p:cNvSpPr>
+          <p:nvPr>
+            <p:ph/>
+          </p:nvPr>
+        </p:nvSpPr>
         <p:spPr>
           <a:xfrm>
-            <a:off x="3799080" y="1260000"/>
-            <a:ext cx="4516560" cy="5579640"/>
+            <a:off x="182880" y="1188720"/>
+            <a:ext cx="11795040" cy="3976920"/>
           </a:xfrm>
           <a:prstGeom prst="rect">
             <a:avLst/>
           </a:prstGeom>
+          <a:noFill/>
           <a:ln w="0">
             <a:noFill/>
           </a:ln>
         </p:spPr>
-      </p:pic>
+        <p:txBody>
+          <a:bodyPr lIns="0" rIns="0" tIns="0" bIns="0" anchor="t">
+            <a:noAutofit/>
+          </a:bodyPr>
+          <a:p>
+            <a:pPr marL="432000" indent="-324000">
+              <a:lnSpc>
+                <a:spcPct val="100000"/>
+              </a:lnSpc>
+              <a:spcAft>
+                <a:spcPts val="1049"/>
+              </a:spcAft>
+              <a:buClr>
+                <a:srgbClr val="000000"/>
+              </a:buClr>
+              <a:buSzPct val="45000"/>
+              <a:buFont typeface="Wingdings" charset="2"/>
+              <a:buChar char=""/>
+            </a:pPr>
+            <a:r>
+              <a:rPr b="0" lang="pt-BR" sz="2400" spc="-1" strike="noStrike">
+                <a:solidFill>
+                  <a:srgbClr val="000000"/>
+                </a:solidFill>
+                <a:latin typeface="Arial"/>
+              </a:rPr>
+              <a:t>/docs</a:t>
+            </a:r>
+            <a:endParaRPr b="0" lang="pt-BR" sz="2400" spc="-1" strike="noStrike">
+              <a:solidFill>
+                <a:srgbClr val="000000"/>
+              </a:solidFill>
+              <a:latin typeface="Arial"/>
+            </a:endParaRPr>
+          </a:p>
+          <a:p>
+            <a:pPr lvl="1" marL="864000" indent="-324000">
+              <a:lnSpc>
+                <a:spcPct val="100000"/>
+              </a:lnSpc>
+              <a:spcAft>
+                <a:spcPts val="1026"/>
+              </a:spcAft>
+              <a:buClr>
+                <a:srgbClr val="000000"/>
+              </a:buClr>
+              <a:buSzPct val="45000"/>
+              <a:buFont typeface="Wingdings" charset="2"/>
+              <a:buChar char=""/>
+            </a:pPr>
+            <a:r>
+              <a:rPr b="0" lang="pt-BR" sz="2200" spc="-1" strike="noStrike">
+                <a:solidFill>
+                  <a:srgbClr val="000000"/>
+                </a:solidFill>
+                <a:latin typeface="Arial"/>
+              </a:rPr>
+              <a:t>Diagrama de classes: Representa visualmente as principais classes que serão implementadas.</a:t>
+            </a:r>
+            <a:endParaRPr b="0" lang="pt-BR" sz="2200" spc="-1" strike="noStrike">
+              <a:solidFill>
+                <a:srgbClr val="000000"/>
+              </a:solidFill>
+              <a:latin typeface="Arial"/>
+            </a:endParaRPr>
+          </a:p>
+          <a:p>
+            <a:pPr lvl="1" marL="864000" indent="-324000">
+              <a:lnSpc>
+                <a:spcPct val="100000"/>
+              </a:lnSpc>
+              <a:spcAft>
+                <a:spcPts val="1026"/>
+              </a:spcAft>
+              <a:buClr>
+                <a:srgbClr val="000000"/>
+              </a:buClr>
+              <a:buSzPct val="45000"/>
+              <a:buFont typeface="Wingdings" charset="2"/>
+              <a:buChar char=""/>
+            </a:pPr>
+            <a:r>
+              <a:rPr b="0" lang="pt-BR" sz="2200" spc="-1" strike="noStrike">
+                <a:solidFill>
+                  <a:srgbClr val="000000"/>
+                </a:solidFill>
+                <a:latin typeface="Arial"/>
+              </a:rPr>
+              <a:t>Fluxogramas: Representa uma visão geral de um procedimento importante.</a:t>
+            </a:r>
+            <a:endParaRPr b="0" lang="pt-BR" sz="2200" spc="-1" strike="noStrike">
+              <a:solidFill>
+                <a:srgbClr val="000000"/>
+              </a:solidFill>
+              <a:latin typeface="Arial"/>
+            </a:endParaRPr>
+          </a:p>
+          <a:p>
+            <a:pPr marL="432000" indent="-324000">
+              <a:lnSpc>
+                <a:spcPct val="100000"/>
+              </a:lnSpc>
+              <a:spcAft>
+                <a:spcPts val="1049"/>
+              </a:spcAft>
+              <a:buClr>
+                <a:srgbClr val="000000"/>
+              </a:buClr>
+              <a:buSzPct val="45000"/>
+              <a:buFont typeface="Wingdings" charset="2"/>
+              <a:buChar char=""/>
+            </a:pPr>
+            <a:r>
+              <a:rPr b="0" lang="pt-BR" sz="2400" spc="-1" strike="noStrike">
+                <a:solidFill>
+                  <a:srgbClr val="000000"/>
+                </a:solidFill>
+                <a:latin typeface="Arial"/>
+              </a:rPr>
+              <a:t>/src</a:t>
+            </a:r>
+            <a:endParaRPr b="0" lang="pt-BR" sz="2400" spc="-1" strike="noStrike">
+              <a:solidFill>
+                <a:srgbClr val="000000"/>
+              </a:solidFill>
+              <a:latin typeface="Arial"/>
+            </a:endParaRPr>
+          </a:p>
+          <a:p>
+            <a:pPr lvl="1" marL="864000" indent="-324000">
+              <a:lnSpc>
+                <a:spcPct val="100000"/>
+              </a:lnSpc>
+              <a:spcAft>
+                <a:spcPts val="1026"/>
+              </a:spcAft>
+              <a:buClr>
+                <a:srgbClr val="000000"/>
+              </a:buClr>
+              <a:buSzPct val="45000"/>
+              <a:buFont typeface="Wingdings" charset="2"/>
+              <a:buChar char=""/>
+            </a:pPr>
+            <a:r>
+              <a:rPr b="0" lang="pt-BR" sz="2200" spc="-1" strike="noStrike">
+                <a:solidFill>
+                  <a:srgbClr val="000000"/>
+                </a:solidFill>
+                <a:latin typeface="Arial"/>
+              </a:rPr>
+              <a:t>Exemplos de código</a:t>
+            </a:r>
+            <a:endParaRPr b="0" lang="pt-BR" sz="2200" spc="-1" strike="noStrike">
+              <a:solidFill>
+                <a:srgbClr val="000000"/>
+              </a:solidFill>
+              <a:latin typeface="Arial"/>
+            </a:endParaRPr>
+          </a:p>
+          <a:p>
+            <a:pPr marL="432000" indent="-324000">
+              <a:lnSpc>
+                <a:spcPct val="100000"/>
+              </a:lnSpc>
+              <a:spcAft>
+                <a:spcPts val="1049"/>
+              </a:spcAft>
+              <a:buClr>
+                <a:srgbClr val="000000"/>
+              </a:buClr>
+              <a:buSzPct val="45000"/>
+              <a:buFont typeface="Wingdings" charset="2"/>
+              <a:buChar char=""/>
+            </a:pPr>
+            <a:r>
+              <a:rPr b="0" lang="pt-BR" sz="2400" spc="-1" strike="noStrike">
+                <a:solidFill>
+                  <a:srgbClr val="000000"/>
+                </a:solidFill>
+                <a:latin typeface="Arial"/>
+              </a:rPr>
+              <a:t>/tests</a:t>
+            </a:r>
+            <a:endParaRPr b="0" lang="pt-BR" sz="2400" spc="-1" strike="noStrike">
+              <a:solidFill>
+                <a:srgbClr val="000000"/>
+              </a:solidFill>
+              <a:latin typeface="Arial"/>
+            </a:endParaRPr>
+          </a:p>
+          <a:p>
+            <a:pPr lvl="1" marL="864000" indent="-324000">
+              <a:lnSpc>
+                <a:spcPct val="100000"/>
+              </a:lnSpc>
+              <a:spcAft>
+                <a:spcPts val="1026"/>
+              </a:spcAft>
+              <a:buClr>
+                <a:srgbClr val="000000"/>
+              </a:buClr>
+              <a:buSzPct val="45000"/>
+              <a:buFont typeface="Wingdings" charset="2"/>
+              <a:buChar char=""/>
+            </a:pPr>
+            <a:r>
+              <a:rPr b="0" lang="pt-BR" sz="2200" spc="-1" strike="noStrike">
+                <a:solidFill>
+                  <a:srgbClr val="000000"/>
+                </a:solidFill>
+                <a:latin typeface="Arial"/>
+              </a:rPr>
+              <a:t>Testes unitários: Verificam partes do código utilizando entradas e saídas controladas.</a:t>
+            </a:r>
+            <a:endParaRPr b="0" lang="pt-BR" sz="2200" spc="-1" strike="noStrike">
+              <a:solidFill>
+                <a:srgbClr val="000000"/>
+              </a:solidFill>
+              <a:latin typeface="Arial"/>
+            </a:endParaRPr>
+          </a:p>
+        </p:txBody>
+      </p:sp>
       <p:sp>
         <p:nvSpPr>
-          <p:cNvPr id="3" name="PlaceHolder 2"/>
+          <p:cNvPr id="4" name="PlaceHolder 3"/>
           <p:cNvSpPr>
             <a:spLocks noGrp="1"/>
           </p:cNvSpPr>
@@ -2649,7 +2993,7 @@
         <p:txBody>
           <a:bodyPr/>
           <a:p>
-            <a:fld id="{2FFA28D1-653E-45F9-AC76-9644E2EE9E50}" type="slidenum">
+            <a:fld id="{617A36F5-56E7-4861-A50E-3EF50004BD7E}" type="slidenum">
               <a:t>12</a:t>
             </a:fld>
           </a:p>
@@ -2687,7 +3031,7 @@
       </p:grpSpPr>
       <p:sp>
         <p:nvSpPr>
-          <p:cNvPr id="49" name="PlaceHolder 1"/>
+          <p:cNvPr id="50" name="PlaceHolder 1"/>
           <p:cNvSpPr>
             <a:spLocks noGrp="1"/>
           </p:cNvSpPr>
@@ -2698,7 +3042,7 @@
         <p:spPr>
           <a:xfrm>
             <a:off x="640080" y="5760"/>
-            <a:ext cx="10699200" cy="1053360"/>
+            <a:ext cx="10698840" cy="1053000"/>
           </a:xfrm>
           <a:prstGeom prst="rect">
             <a:avLst/>
@@ -2731,7 +3075,7 @@
                 </a:solidFill>
                 <a:latin typeface="Arial"/>
               </a:rPr>
-              <a:t>Bibliotecas úteis</a:t>
+              <a:t>Avaliação</a:t>
             </a:r>
             <a:endParaRPr b="0" lang="pt-BR" sz="3630" spc="-1" strike="noStrike">
               <a:solidFill>
@@ -2744,7 +3088,7 @@
       </p:sp>
       <p:sp>
         <p:nvSpPr>
-          <p:cNvPr id="50" name="PlaceHolder 2"/>
+          <p:cNvPr id="51" name="PlaceHolder 2"/>
           <p:cNvSpPr>
             <a:spLocks noGrp="1"/>
           </p:cNvSpPr>
@@ -2755,7 +3099,7 @@
         <p:spPr>
           <a:xfrm>
             <a:off x="182880" y="1188720"/>
-            <a:ext cx="11795400" cy="4124160"/>
+            <a:ext cx="11795040" cy="3976920"/>
           </a:xfrm>
           <a:prstGeom prst="rect">
             <a:avLst/>
@@ -2791,7 +3135,7 @@
                 </a:solidFill>
                 <a:latin typeface="Arial"/>
               </a:rPr>
-              <a:t>Matemática: Numpy, Scipy</a:t>
+              <a:t>6 – Implementação (entrega no classroom)</a:t>
             </a:r>
             <a:endParaRPr b="0" lang="pt-BR" sz="2400" spc="-1" strike="noStrike">
               <a:solidFill>
@@ -2801,6 +3145,37 @@
             </a:endParaRPr>
           </a:p>
           <a:p>
+            <a:pPr lvl="1" marL="864000" indent="-324000">
+              <a:lnSpc>
+                <a:spcPct val="100000"/>
+              </a:lnSpc>
+              <a:spcAft>
+                <a:spcPts val="1026"/>
+              </a:spcAft>
+              <a:buClr>
+                <a:srgbClr val="000000"/>
+              </a:buClr>
+              <a:buSzPct val="45000"/>
+              <a:buFont typeface="Wingdings" charset="2"/>
+              <a:buChar char=""/>
+            </a:pPr>
+            <a:r>
+              <a:rPr b="0" lang="pt-BR" sz="2200" spc="-1" strike="noStrike">
+                <a:solidFill>
+                  <a:srgbClr val="000000"/>
+                </a:solidFill>
+                <a:latin typeface="Arial"/>
+              </a:rPr>
+              <a:t>Em pares.</a:t>
+            </a:r>
+            <a:endParaRPr b="0" lang="pt-BR" sz="2200" spc="-1" strike="noStrike">
+              <a:solidFill>
+                <a:srgbClr val="000000"/>
+              </a:solidFill>
+              <a:latin typeface="Arial"/>
+            </a:endParaRPr>
+          </a:p>
+          <a:p>
             <a:pPr marL="432000" indent="-324000">
               <a:lnSpc>
                 <a:spcPct val="100000"/>
@@ -2822,7 +3197,7 @@
                 </a:solidFill>
                 <a:latin typeface="Arial"/>
               </a:rPr>
-              <a:t>Interface gráfica (GUI): PyQt5, Tkinter</a:t>
+              <a:t>3 – Apresentação oral do código (no computador)</a:t>
             </a:r>
             <a:endParaRPr b="0" lang="pt-BR" sz="2400" spc="-1" strike="noStrike">
               <a:solidFill>
@@ -2832,6 +3207,37 @@
             </a:endParaRPr>
           </a:p>
           <a:p>
+            <a:pPr lvl="1" marL="864000" indent="-324000">
+              <a:lnSpc>
+                <a:spcPct val="100000"/>
+              </a:lnSpc>
+              <a:spcAft>
+                <a:spcPts val="1026"/>
+              </a:spcAft>
+              <a:buClr>
+                <a:srgbClr val="000000"/>
+              </a:buClr>
+              <a:buSzPct val="45000"/>
+              <a:buFont typeface="Wingdings" charset="2"/>
+              <a:buChar char=""/>
+            </a:pPr>
+            <a:r>
+              <a:rPr b="0" lang="pt-BR" sz="2200" spc="-1" strike="noStrike">
+                <a:solidFill>
+                  <a:srgbClr val="000000"/>
+                </a:solidFill>
+                <a:latin typeface="Arial"/>
+              </a:rPr>
+              <a:t>Alternado entre os dos dois membros do par.</a:t>
+            </a:r>
+            <a:endParaRPr b="0" lang="pt-BR" sz="2200" spc="-1" strike="noStrike">
+              <a:solidFill>
+                <a:srgbClr val="000000"/>
+              </a:solidFill>
+              <a:latin typeface="Arial"/>
+            </a:endParaRPr>
+          </a:p>
+          <a:p>
             <a:pPr marL="432000" indent="-324000">
               <a:lnSpc>
                 <a:spcPct val="100000"/>
@@ -2853,7 +3259,7 @@
                 </a:solidFill>
                 <a:latin typeface="Arial"/>
               </a:rPr>
-              <a:t>Análises em SIG: PyQGIS, OGR</a:t>
+              <a:t>1 – Inovação</a:t>
             </a:r>
             <a:endParaRPr b="0" lang="pt-BR" sz="2400" spc="-1" strike="noStrike">
               <a:solidFill>
@@ -2863,185 +3269,30 @@
             </a:endParaRPr>
           </a:p>
           <a:p>
-            <a:pPr marL="432000" indent="-324000">
-              <a:lnSpc>
-                <a:spcPct val="100000"/>
-              </a:lnSpc>
-              <a:spcAft>
-                <a:spcPts val="1049"/>
-              </a:spcAft>
-              <a:buClr>
-                <a:srgbClr val="000000"/>
-              </a:buClr>
-              <a:buSzPct val="45000"/>
-              <a:buFont typeface="Wingdings" charset="2"/>
-              <a:buChar char=""/>
-            </a:pPr>
-            <a:r>
-              <a:rPr b="0" lang="pt-BR" sz="2400" spc="-1" strike="noStrike">
-                <a:solidFill>
-                  <a:srgbClr val="000000"/>
-                </a:solidFill>
-                <a:latin typeface="Arial"/>
-              </a:rPr>
-              <a:t>Dados raster geográficos: GDAL, Fiona, Rasterio,</a:t>
-            </a:r>
-            <a:endParaRPr b="0" lang="pt-BR" sz="2400" spc="-1" strike="noStrike">
-              <a:solidFill>
-                <a:srgbClr val="000000"/>
-              </a:solidFill>
-              <a:latin typeface="Arial"/>
-            </a:endParaRPr>
-          </a:p>
-          <a:p>
-            <a:pPr marL="432000" indent="-324000">
-              <a:lnSpc>
-                <a:spcPct val="100000"/>
-              </a:lnSpc>
-              <a:spcAft>
-                <a:spcPts val="1049"/>
-              </a:spcAft>
-              <a:buClr>
-                <a:srgbClr val="000000"/>
-              </a:buClr>
-              <a:buSzPct val="45000"/>
-              <a:buFont typeface="Wingdings" charset="2"/>
-              <a:buChar char=""/>
-            </a:pPr>
-            <a:r>
-              <a:rPr b="0" lang="pt-BR" sz="2400" spc="-1" strike="noStrike">
-                <a:solidFill>
-                  <a:srgbClr val="000000"/>
-                </a:solidFill>
-                <a:latin typeface="Arial"/>
-              </a:rPr>
-              <a:t>Dataframes (tabelas): Pandas, Geopandas, Polars</a:t>
-            </a:r>
-            <a:endParaRPr b="0" lang="pt-BR" sz="2400" spc="-1" strike="noStrike">
-              <a:solidFill>
-                <a:srgbClr val="000000"/>
-              </a:solidFill>
-              <a:latin typeface="Arial"/>
-            </a:endParaRPr>
-          </a:p>
-          <a:p>
-            <a:pPr marL="432000" indent="-324000">
-              <a:lnSpc>
-                <a:spcPct val="100000"/>
-              </a:lnSpc>
-              <a:spcAft>
-                <a:spcPts val="1049"/>
-              </a:spcAft>
-              <a:buClr>
-                <a:srgbClr val="000000"/>
-              </a:buClr>
-              <a:buSzPct val="45000"/>
-              <a:buFont typeface="Wingdings" charset="2"/>
-              <a:buChar char=""/>
-            </a:pPr>
-            <a:r>
-              <a:rPr b="0" lang="pt-BR" sz="2400" spc="-1" strike="noStrike">
-                <a:solidFill>
-                  <a:srgbClr val="000000"/>
-                </a:solidFill>
-                <a:latin typeface="Arial"/>
-              </a:rPr>
-              <a:t>Gráficos científicos: Matplotlib, Plotly</a:t>
-            </a:r>
-            <a:endParaRPr b="0" lang="pt-BR" sz="2400" spc="-1" strike="noStrike">
-              <a:solidFill>
-                <a:srgbClr val="000000"/>
-              </a:solidFill>
-              <a:latin typeface="Arial"/>
-            </a:endParaRPr>
-          </a:p>
-          <a:p>
-            <a:pPr marL="432000" indent="-324000">
-              <a:lnSpc>
-                <a:spcPct val="100000"/>
-              </a:lnSpc>
-              <a:spcAft>
-                <a:spcPts val="1049"/>
-              </a:spcAft>
-              <a:buClr>
-                <a:srgbClr val="000000"/>
-              </a:buClr>
-              <a:buSzPct val="45000"/>
-              <a:buFont typeface="Wingdings" charset="2"/>
-              <a:buChar char=""/>
-            </a:pPr>
-            <a:r>
-              <a:rPr b="0" lang="pt-BR" sz="2400" spc="-1" strike="noStrike">
-                <a:solidFill>
-                  <a:srgbClr val="000000"/>
-                </a:solidFill>
-                <a:latin typeface="Arial"/>
-              </a:rPr>
-              <a:t>Backend Web: FastAPI, Flask, Django</a:t>
-            </a:r>
-            <a:endParaRPr b="0" lang="pt-BR" sz="2400" spc="-1" strike="noStrike">
-              <a:solidFill>
-                <a:srgbClr val="000000"/>
-              </a:solidFill>
-              <a:latin typeface="Arial"/>
-            </a:endParaRPr>
-          </a:p>
-          <a:p>
-            <a:pPr marL="432000" indent="-324000">
-              <a:lnSpc>
-                <a:spcPct val="100000"/>
-              </a:lnSpc>
-              <a:spcAft>
-                <a:spcPts val="1049"/>
-              </a:spcAft>
-              <a:buClr>
-                <a:srgbClr val="000000"/>
-              </a:buClr>
-              <a:buSzPct val="45000"/>
-              <a:buFont typeface="Wingdings" charset="2"/>
-              <a:buChar char=""/>
-            </a:pPr>
-            <a:r>
-              <a:rPr b="0" lang="pt-BR" sz="2400" spc="-1" strike="noStrike">
-                <a:solidFill>
-                  <a:srgbClr val="000000"/>
-                </a:solidFill>
-                <a:latin typeface="Arial"/>
-              </a:rPr>
-              <a:t>Backend com interface: Taipy, Streamlit</a:t>
-            </a:r>
-            <a:endParaRPr b="0" lang="pt-BR" sz="2400" spc="-1" strike="noStrike">
-              <a:solidFill>
-                <a:srgbClr val="000000"/>
-              </a:solidFill>
-              <a:latin typeface="Arial"/>
-            </a:endParaRPr>
-          </a:p>
-          <a:p>
-            <a:pPr marL="432000" indent="-324000">
-              <a:lnSpc>
-                <a:spcPct val="100000"/>
-              </a:lnSpc>
-              <a:spcAft>
-                <a:spcPts val="1049"/>
-              </a:spcAft>
-              <a:buClr>
-                <a:srgbClr val="000000"/>
-              </a:buClr>
-              <a:buSzPct val="45000"/>
-              <a:buFont typeface="Wingdings" charset="2"/>
-              <a:buChar char=""/>
-            </a:pPr>
-            <a:r>
-              <a:rPr b="0" lang="pt-BR" sz="2400" spc="-1" strike="noStrike">
-                <a:solidFill>
-                  <a:srgbClr val="000000"/>
-                </a:solidFill>
-                <a:latin typeface="Arial"/>
-              </a:rPr>
-              <a:t>Aprendizado de máquina: Sklearn, Keras, Torch, Tensorflow, Jax</a:t>
-            </a:r>
-            <a:endParaRPr b="0" lang="pt-BR" sz="2400" spc="-1" strike="noStrike">
+            <a:pPr lvl="1" marL="864000" indent="-324000">
+              <a:lnSpc>
+                <a:spcPct val="100000"/>
+              </a:lnSpc>
+              <a:spcAft>
+                <a:spcPts val="1026"/>
+              </a:spcAft>
+              <a:buClr>
+                <a:srgbClr val="000000"/>
+              </a:buClr>
+              <a:buSzPct val="45000"/>
+              <a:buFont typeface="Wingdings" charset="2"/>
+              <a:buChar char=""/>
+            </a:pPr>
+            <a:r>
+              <a:rPr b="0" lang="pt-BR" sz="2200" spc="-1" strike="noStrike">
+                <a:solidFill>
+                  <a:srgbClr val="000000"/>
+                </a:solidFill>
+                <a:latin typeface="Arial"/>
+              </a:rPr>
+              <a:t>Ponto para ideias interessantes que o par tiver. </a:t>
+            </a:r>
+            <a:endParaRPr b="0" lang="pt-BR" sz="2200" spc="-1" strike="noStrike">
               <a:solidFill>
                 <a:srgbClr val="000000"/>
               </a:solidFill>
@@ -3064,7 +3315,7 @@
         <p:txBody>
           <a:bodyPr/>
           <a:p>
-            <a:fld id="{82D801EF-5AA6-461B-B2AB-8890C7B544FE}" type="slidenum">
+            <a:fld id="{9013B032-E6A8-4078-A614-6719A3F16647}" type="slidenum">
               <a:t>13</a:t>
             </a:fld>
           </a:p>
@@ -3102,7 +3353,7 @@
       </p:grpSpPr>
       <p:sp>
         <p:nvSpPr>
-          <p:cNvPr id="51" name="PlaceHolder 1"/>
+          <p:cNvPr id="52" name="PlaceHolder 1"/>
           <p:cNvSpPr>
             <a:spLocks noGrp="1"/>
           </p:cNvSpPr>
@@ -3113,7 +3364,7 @@
         <p:spPr>
           <a:xfrm>
             <a:off x="640080" y="5760"/>
-            <a:ext cx="10699200" cy="1053360"/>
+            <a:ext cx="10698840" cy="1053000"/>
           </a:xfrm>
           <a:prstGeom prst="rect">
             <a:avLst/>
@@ -3146,7 +3397,7 @@
                 </a:solidFill>
                 <a:latin typeface="Arial"/>
               </a:rPr>
-              <a:t>Prática</a:t>
+              <a:t>Cronograma de aulas</a:t>
             </a:r>
             <a:endParaRPr b="0" lang="pt-BR" sz="3630" spc="-1" strike="noStrike">
               <a:solidFill>
@@ -3157,435 +3408,33 @@
           </a:p>
         </p:txBody>
       </p:sp>
-      <p:sp>
-        <p:nvSpPr>
-          <p:cNvPr id="52" name="PlaceHolder 2"/>
-          <p:cNvSpPr>
-            <a:spLocks noGrp="1"/>
-          </p:cNvSpPr>
-          <p:nvPr>
-            <p:ph/>
-          </p:nvPr>
-        </p:nvSpPr>
+      <p:pic>
+        <p:nvPicPr>
+          <p:cNvPr id="53" name="" descr=""/>
+          <p:cNvPicPr/>
+          <p:nvPr/>
+        </p:nvPicPr>
+        <p:blipFill>
+          <a:blip r:embed="rId1"/>
+          <a:srcRect l="67166" t="18335" r="66575" b="144304"/>
+          <a:stretch/>
+        </p:blipFill>
         <p:spPr>
           <a:xfrm>
-            <a:off x="182880" y="1188720"/>
-            <a:ext cx="11795400" cy="5865120"/>
+            <a:off x="3799080" y="1260000"/>
+            <a:ext cx="4516200" cy="5579280"/>
           </a:xfrm>
           <a:prstGeom prst="rect">
             <a:avLst/>
           </a:prstGeom>
-          <a:noFill/>
           <a:ln w="0">
             <a:noFill/>
           </a:ln>
         </p:spPr>
-        <p:txBody>
-          <a:bodyPr lIns="0" rIns="0" tIns="0" bIns="0" anchor="t">
-            <a:noAutofit/>
-          </a:bodyPr>
-          <a:p>
-            <a:pPr marL="432000" indent="-324000">
-              <a:lnSpc>
-                <a:spcPct val="100000"/>
-              </a:lnSpc>
-              <a:spcAft>
-                <a:spcPts val="1049"/>
-              </a:spcAft>
-              <a:buClr>
-                <a:srgbClr val="000000"/>
-              </a:buClr>
-              <a:buSzPct val="45000"/>
-              <a:buFont typeface="Wingdings" charset="2"/>
-              <a:buChar char=""/>
-            </a:pPr>
-            <a:r>
-              <a:rPr b="0" lang="pt-BR" sz="2400" spc="-1" strike="noStrike">
-                <a:solidFill>
-                  <a:srgbClr val="000000"/>
-                </a:solidFill>
-                <a:latin typeface="Arial"/>
-              </a:rPr>
-              <a:t>Fluxograma no VSCodium</a:t>
-            </a:r>
-            <a:endParaRPr b="0" lang="pt-BR" sz="2400" spc="-1" strike="noStrike">
-              <a:solidFill>
-                <a:srgbClr val="000000"/>
-              </a:solidFill>
-              <a:latin typeface="Arial"/>
-            </a:endParaRPr>
-          </a:p>
-          <a:p>
-            <a:pPr marL="432000" indent="-324000">
-              <a:lnSpc>
-                <a:spcPct val="100000"/>
-              </a:lnSpc>
-              <a:spcAft>
-                <a:spcPts val="1049"/>
-              </a:spcAft>
-              <a:buClr>
-                <a:srgbClr val="000000"/>
-              </a:buClr>
-              <a:buSzPct val="45000"/>
-              <a:buFont typeface="Wingdings" charset="2"/>
-              <a:buChar char=""/>
-            </a:pPr>
-            <a:r>
-              <a:rPr b="0" lang="pt-BR" sz="2400" spc="-1" strike="noStrike">
-                <a:solidFill>
-                  <a:srgbClr val="000000"/>
-                </a:solidFill>
-                <a:latin typeface="Arial"/>
-              </a:rPr>
-              <a:t>Debug no VSCodium</a:t>
-            </a:r>
-            <a:endParaRPr b="0" lang="pt-BR" sz="2400" spc="-1" strike="noStrike">
-              <a:solidFill>
-                <a:srgbClr val="000000"/>
-              </a:solidFill>
-              <a:latin typeface="Arial"/>
-            </a:endParaRPr>
-          </a:p>
-          <a:p>
-            <a:pPr marL="432000" indent="-324000">
-              <a:lnSpc>
-                <a:spcPct val="100000"/>
-              </a:lnSpc>
-              <a:spcAft>
-                <a:spcPts val="1049"/>
-              </a:spcAft>
-              <a:buClr>
-                <a:srgbClr val="000000"/>
-              </a:buClr>
-              <a:buSzPct val="45000"/>
-              <a:buFont typeface="Wingdings" charset="2"/>
-              <a:buChar char=""/>
-            </a:pPr>
-            <a:r>
-              <a:rPr b="0" lang="pt-BR" sz="2400" spc="-1" strike="noStrike">
-                <a:solidFill>
-                  <a:srgbClr val="000000"/>
-                </a:solidFill>
-                <a:latin typeface="Arial"/>
-              </a:rPr>
-              <a:t>Inicializando ambiente:</a:t>
-            </a:r>
-            <a:endParaRPr b="0" lang="pt-BR" sz="2400" spc="-1" strike="noStrike">
-              <a:solidFill>
-                <a:srgbClr val="000000"/>
-              </a:solidFill>
-              <a:latin typeface="Arial"/>
-            </a:endParaRPr>
-          </a:p>
-          <a:p>
-            <a:pPr lvl="1" marL="864000" indent="-324000">
-              <a:lnSpc>
-                <a:spcPct val="100000"/>
-              </a:lnSpc>
-              <a:spcAft>
-                <a:spcPts val="1026"/>
-              </a:spcAft>
-              <a:buClr>
-                <a:srgbClr val="000000"/>
-              </a:buClr>
-              <a:buSzPct val="45000"/>
-              <a:buFont typeface="Wingdings" charset="2"/>
-              <a:buChar char=""/>
-            </a:pPr>
-            <a:r>
-              <a:rPr b="0" lang="pt-BR" sz="2200" spc="-1" strike="noStrike">
-                <a:solidFill>
-                  <a:srgbClr val="000000"/>
-                </a:solidFill>
-                <a:latin typeface="Arial"/>
-              </a:rPr>
-              <a:t>conda create -n hello</a:t>
-            </a:r>
-            <a:endParaRPr b="0" lang="pt-BR" sz="2200" spc="-1" strike="noStrike">
-              <a:solidFill>
-                <a:srgbClr val="000000"/>
-              </a:solidFill>
-              <a:latin typeface="Arial"/>
-            </a:endParaRPr>
-          </a:p>
-          <a:p>
-            <a:pPr marL="432000" indent="-324000">
-              <a:lnSpc>
-                <a:spcPct val="100000"/>
-              </a:lnSpc>
-              <a:spcAft>
-                <a:spcPts val="1049"/>
-              </a:spcAft>
-              <a:buClr>
-                <a:srgbClr val="000000"/>
-              </a:buClr>
-              <a:buSzPct val="45000"/>
-              <a:buFont typeface="Wingdings" charset="2"/>
-              <a:buChar char=""/>
-            </a:pPr>
-            <a:r>
-              <a:rPr b="0" lang="pt-BR" sz="2400" spc="-1" strike="noStrike">
-                <a:solidFill>
-                  <a:srgbClr val="000000"/>
-                </a:solidFill>
-                <a:latin typeface="Arial"/>
-              </a:rPr>
-              <a:t>Ativar o ambiente criado:</a:t>
-            </a:r>
-            <a:endParaRPr b="0" lang="pt-BR" sz="2400" spc="-1" strike="noStrike">
-              <a:solidFill>
-                <a:srgbClr val="000000"/>
-              </a:solidFill>
-              <a:latin typeface="Arial"/>
-            </a:endParaRPr>
-          </a:p>
-          <a:p>
-            <a:pPr lvl="1" marL="864000" indent="-324000">
-              <a:lnSpc>
-                <a:spcPct val="100000"/>
-              </a:lnSpc>
-              <a:spcAft>
-                <a:spcPts val="1026"/>
-              </a:spcAft>
-              <a:buClr>
-                <a:srgbClr val="000000"/>
-              </a:buClr>
-              <a:buSzPct val="45000"/>
-              <a:buFont typeface="Wingdings" charset="2"/>
-              <a:buChar char=""/>
-            </a:pPr>
-            <a:r>
-              <a:rPr b="0" lang="pt-BR" sz="2200" spc="-1" strike="noStrike">
-                <a:solidFill>
-                  <a:srgbClr val="000000"/>
-                </a:solidFill>
-                <a:latin typeface="Arial"/>
-              </a:rPr>
-              <a:t>conda activate hello</a:t>
-            </a:r>
-            <a:endParaRPr b="0" lang="pt-BR" sz="2200" spc="-1" strike="noStrike">
-              <a:solidFill>
-                <a:srgbClr val="000000"/>
-              </a:solidFill>
-              <a:latin typeface="Arial"/>
-            </a:endParaRPr>
-          </a:p>
-          <a:p>
-            <a:pPr marL="432000" indent="-324000">
-              <a:lnSpc>
-                <a:spcPct val="100000"/>
-              </a:lnSpc>
-              <a:spcAft>
-                <a:spcPts val="1049"/>
-              </a:spcAft>
-              <a:buClr>
-                <a:srgbClr val="000000"/>
-              </a:buClr>
-              <a:buSzPct val="45000"/>
-              <a:buFont typeface="Wingdings" charset="2"/>
-              <a:buChar char=""/>
-            </a:pPr>
-            <a:r>
-              <a:rPr b="0" lang="pt-BR" sz="2400" spc="-1" strike="noStrike">
-                <a:solidFill>
-                  <a:srgbClr val="000000"/>
-                </a:solidFill>
-                <a:latin typeface="Arial"/>
-              </a:rPr>
-              <a:t>Instalando pacotes:</a:t>
-            </a:r>
-            <a:endParaRPr b="0" lang="pt-BR" sz="2400" spc="-1" strike="noStrike">
-              <a:solidFill>
-                <a:srgbClr val="000000"/>
-              </a:solidFill>
-              <a:latin typeface="Arial"/>
-            </a:endParaRPr>
-          </a:p>
-          <a:p>
-            <a:pPr lvl="1" marL="864000" indent="-324000">
-              <a:lnSpc>
-                <a:spcPct val="100000"/>
-              </a:lnSpc>
-              <a:spcAft>
-                <a:spcPts val="1026"/>
-              </a:spcAft>
-              <a:buClr>
-                <a:srgbClr val="000000"/>
-              </a:buClr>
-              <a:buSzPct val="45000"/>
-              <a:buFont typeface="Wingdings" charset="2"/>
-              <a:buChar char=""/>
-            </a:pPr>
-            <a:r>
-              <a:rPr b="0" lang="pt-BR" sz="2200" spc="-1" strike="noStrike">
-                <a:solidFill>
-                  <a:srgbClr val="000000"/>
-                </a:solidFill>
-                <a:latin typeface="Arial"/>
-                <a:ea typeface="SimSun"/>
-              </a:rPr>
-              <a:t>conda install scipy</a:t>
-            </a:r>
-            <a:endParaRPr b="0" lang="pt-BR" sz="2200" spc="-1" strike="noStrike">
-              <a:solidFill>
-                <a:srgbClr val="000000"/>
-              </a:solidFill>
-              <a:latin typeface="Arial"/>
-            </a:endParaRPr>
-          </a:p>
-          <a:p>
-            <a:pPr marL="432000" indent="-324000">
-              <a:lnSpc>
-                <a:spcPct val="100000"/>
-              </a:lnSpc>
-              <a:spcAft>
-                <a:spcPts val="1049"/>
-              </a:spcAft>
-              <a:buClr>
-                <a:srgbClr val="000000"/>
-              </a:buClr>
-              <a:buSzPct val="45000"/>
-              <a:buFont typeface="Wingdings" charset="2"/>
-              <a:buChar char=""/>
-            </a:pPr>
-            <a:r>
-              <a:rPr b="0" lang="pt-BR" sz="2400" spc="-1" strike="noStrike">
-                <a:solidFill>
-                  <a:srgbClr val="000000"/>
-                </a:solidFill>
-                <a:latin typeface="Arial"/>
-                <a:ea typeface="SimSun"/>
-              </a:rPr>
-              <a:t>No VSCodium</a:t>
-            </a:r>
-            <a:endParaRPr b="0" lang="pt-BR" sz="2400" spc="-1" strike="noStrike">
-              <a:solidFill>
-                <a:srgbClr val="000000"/>
-              </a:solidFill>
-              <a:latin typeface="Arial"/>
-            </a:endParaRPr>
-          </a:p>
-          <a:p>
-            <a:pPr lvl="1" marL="864000" indent="-324000">
-              <a:lnSpc>
-                <a:spcPct val="100000"/>
-              </a:lnSpc>
-              <a:spcAft>
-                <a:spcPts val="1026"/>
-              </a:spcAft>
-              <a:buClr>
-                <a:srgbClr val="000000"/>
-              </a:buClr>
-              <a:buSzPct val="45000"/>
-              <a:buFont typeface="Wingdings" charset="2"/>
-              <a:buChar char=""/>
-            </a:pPr>
-            <a:r>
-              <a:rPr b="0" lang="pt-BR" sz="2200" spc="-1" strike="noStrike">
-                <a:solidFill>
-                  <a:srgbClr val="000000"/>
-                </a:solidFill>
-                <a:latin typeface="Arial"/>
-                <a:ea typeface="SimSun"/>
-              </a:rPr>
-              <a:t>Ctrl+Shift+P</a:t>
-            </a:r>
-            <a:endParaRPr b="0" lang="pt-BR" sz="2200" spc="-1" strike="noStrike">
-              <a:solidFill>
-                <a:srgbClr val="000000"/>
-              </a:solidFill>
-              <a:latin typeface="Arial"/>
-            </a:endParaRPr>
-          </a:p>
-          <a:p>
-            <a:pPr lvl="1" marL="864000" indent="-324000">
-              <a:lnSpc>
-                <a:spcPct val="100000"/>
-              </a:lnSpc>
-              <a:spcAft>
-                <a:spcPts val="1026"/>
-              </a:spcAft>
-              <a:buClr>
-                <a:srgbClr val="000000"/>
-              </a:buClr>
-              <a:buSzPct val="45000"/>
-              <a:buFont typeface="Wingdings" charset="2"/>
-              <a:buChar char=""/>
-            </a:pPr>
-            <a:r>
-              <a:rPr b="0" lang="pt-BR" sz="2200" spc="-1" strike="noStrike">
-                <a:solidFill>
-                  <a:srgbClr val="000000"/>
-                </a:solidFill>
-                <a:latin typeface="Arial"/>
-                <a:ea typeface="SimSun"/>
-              </a:rPr>
-              <a:t>Select Python Interpreter</a:t>
-            </a:r>
-            <a:endParaRPr b="0" lang="pt-BR" sz="2200" spc="-1" strike="noStrike">
-              <a:solidFill>
-                <a:srgbClr val="000000"/>
-              </a:solidFill>
-              <a:latin typeface="Arial"/>
-            </a:endParaRPr>
-          </a:p>
-          <a:p>
-            <a:pPr marL="432000" indent="-324000">
-              <a:lnSpc>
-                <a:spcPct val="100000"/>
-              </a:lnSpc>
-              <a:spcAft>
-                <a:spcPts val="1049"/>
-              </a:spcAft>
-              <a:buClr>
-                <a:srgbClr val="000000"/>
-              </a:buClr>
-              <a:buSzPct val="45000"/>
-              <a:buFont typeface="Wingdings" charset="2"/>
-              <a:buChar char=""/>
-            </a:pPr>
-            <a:r>
-              <a:rPr b="0" lang="pt-BR" sz="2400" spc="-1" strike="noStrike">
-                <a:solidFill>
-                  <a:srgbClr val="000000"/>
-                </a:solidFill>
-                <a:latin typeface="Arial"/>
-                <a:ea typeface="SimSun"/>
-              </a:rPr>
-              <a:t>Parar debugar: F5</a:t>
-            </a:r>
-            <a:endParaRPr b="0" lang="pt-BR" sz="2400" spc="-1" strike="noStrike">
-              <a:solidFill>
-                <a:srgbClr val="000000"/>
-              </a:solidFill>
-              <a:latin typeface="Arial"/>
-            </a:endParaRPr>
-          </a:p>
-          <a:p>
-            <a:pPr marL="432000" indent="0">
-              <a:lnSpc>
-                <a:spcPct val="100000"/>
-              </a:lnSpc>
-              <a:spcAft>
-                <a:spcPts val="1049"/>
-              </a:spcAft>
-              <a:buNone/>
-              <a:tabLst>
-                <a:tab algn="l" pos="0"/>
-              </a:tabLst>
-            </a:pPr>
-            <a:endParaRPr b="0" lang="pt-BR" sz="2400" spc="-1" strike="noStrike">
-              <a:solidFill>
-                <a:srgbClr val="000000"/>
-              </a:solidFill>
-              <a:latin typeface="Arial"/>
-            </a:endParaRPr>
-          </a:p>
-        </p:txBody>
-      </p:sp>
+      </p:pic>
       <p:sp>
         <p:nvSpPr>
-          <p:cNvPr id="4" name="PlaceHolder 3"/>
+          <p:cNvPr id="3" name="PlaceHolder 2"/>
           <p:cNvSpPr>
             <a:spLocks noGrp="1"/>
           </p:cNvSpPr>
@@ -3597,7 +3446,7 @@
         <p:txBody>
           <a:bodyPr/>
           <a:p>
-            <a:fld id="{7464C0A6-EA49-4563-B4A6-068900365B4F}" type="slidenum">
+            <a:fld id="{785926A0-AE12-48B2-9096-D2B523FBDD72}" type="slidenum">
               <a:t>14</a:t>
             </a:fld>
           </a:p>
@@ -3617,6 +3466,1487 @@
 </file>
 
 <file path=ppt/slides/slide15.xml><?xml version="1.0" encoding="utf-8"?>
+<p:sld xmlns:a="http://schemas.openxmlformats.org/drawingml/2006/main" xmlns:p="http://schemas.openxmlformats.org/presentationml/2006/main" xmlns:r="http://schemas.openxmlformats.org/officeDocument/2006/relationships" xmlns:p14="http://schemas.microsoft.com/office/powerpoint/2010/main" xmlns:p15="http://schemas.microsoft.com/office/powerpoint/2012/main" xmlns:mc="http://schemas.openxmlformats.org/markup-compatibility/2006">
+  <p:cSld>
+    <p:spTree>
+      <p:nvGrpSpPr>
+        <p:cNvPr id="1" name=""/>
+        <p:cNvGrpSpPr/>
+        <p:nvPr/>
+      </p:nvGrpSpPr>
+      <p:grpSpPr>
+        <a:xfrm>
+          <a:off x="0" y="0"/>
+          <a:ext cx="0" cy="0"/>
+          <a:chOff x="0" y="0"/>
+          <a:chExt cx="0" cy="0"/>
+        </a:xfrm>
+      </p:grpSpPr>
+      <p:sp>
+        <p:nvSpPr>
+          <p:cNvPr id="54" name="PlaceHolder 1"/>
+          <p:cNvSpPr>
+            <a:spLocks noGrp="1"/>
+          </p:cNvSpPr>
+          <p:nvPr>
+            <p:ph type="title"/>
+          </p:nvPr>
+        </p:nvSpPr>
+        <p:spPr>
+          <a:xfrm>
+            <a:off x="640080" y="5760"/>
+            <a:ext cx="10698840" cy="1053000"/>
+          </a:xfrm>
+          <a:prstGeom prst="rect">
+            <a:avLst/>
+          </a:prstGeom>
+          <a:solidFill>
+            <a:srgbClr val="99cc99"/>
+          </a:solidFill>
+          <a:ln w="0">
+            <a:noFill/>
+          </a:ln>
+        </p:spPr>
+        <p:txBody>
+          <a:bodyPr lIns="0" rIns="0" tIns="0" bIns="0" anchor="ctr">
+            <a:noAutofit/>
+          </a:bodyPr>
+          <a:p>
+            <a:pPr indent="0" algn="ctr">
+              <a:lnSpc>
+                <a:spcPct val="100000"/>
+              </a:lnSpc>
+              <a:buNone/>
+              <a:tabLst>
+                <a:tab algn="l" pos="0"/>
+              </a:tabLst>
+            </a:pPr>
+            <a:r>
+              <a:rPr b="0" lang="pt-BR" sz="3630" spc="-1" strike="noStrike">
+                <a:solidFill>
+                  <a:srgbClr val="355e00"/>
+                </a:solidFill>
+                <a:latin typeface="Arial"/>
+              </a:rPr>
+              <a:t>Bibliotecas úteis</a:t>
+            </a:r>
+            <a:endParaRPr b="0" lang="pt-BR" sz="3630" spc="-1" strike="noStrike">
+              <a:solidFill>
+                <a:srgbClr val="000000"/>
+              </a:solidFill>
+              <a:latin typeface="Arial"/>
+            </a:endParaRPr>
+          </a:p>
+        </p:txBody>
+      </p:sp>
+      <p:sp>
+        <p:nvSpPr>
+          <p:cNvPr id="55" name="PlaceHolder 2"/>
+          <p:cNvSpPr>
+            <a:spLocks noGrp="1"/>
+          </p:cNvSpPr>
+          <p:nvPr>
+            <p:ph/>
+          </p:nvPr>
+        </p:nvSpPr>
+        <p:spPr>
+          <a:xfrm>
+            <a:off x="182880" y="1188720"/>
+            <a:ext cx="11795040" cy="4123800"/>
+          </a:xfrm>
+          <a:prstGeom prst="rect">
+            <a:avLst/>
+          </a:prstGeom>
+          <a:noFill/>
+          <a:ln w="0">
+            <a:noFill/>
+          </a:ln>
+        </p:spPr>
+        <p:txBody>
+          <a:bodyPr lIns="0" rIns="0" tIns="0" bIns="0" anchor="t">
+            <a:noAutofit/>
+          </a:bodyPr>
+          <a:p>
+            <a:pPr marL="432000" indent="-324000">
+              <a:lnSpc>
+                <a:spcPct val="100000"/>
+              </a:lnSpc>
+              <a:spcAft>
+                <a:spcPts val="1049"/>
+              </a:spcAft>
+              <a:buClr>
+                <a:srgbClr val="000000"/>
+              </a:buClr>
+              <a:buSzPct val="45000"/>
+              <a:buFont typeface="Wingdings" charset="2"/>
+              <a:buChar char=""/>
+            </a:pPr>
+            <a:r>
+              <a:rPr b="0" lang="pt-BR" sz="2400" spc="-1" strike="noStrike">
+                <a:solidFill>
+                  <a:srgbClr val="000000"/>
+                </a:solidFill>
+                <a:latin typeface="Arial"/>
+              </a:rPr>
+              <a:t>Matemática: Numpy, Scipy</a:t>
+            </a:r>
+            <a:endParaRPr b="0" lang="pt-BR" sz="2400" spc="-1" strike="noStrike">
+              <a:solidFill>
+                <a:srgbClr val="000000"/>
+              </a:solidFill>
+              <a:latin typeface="Arial"/>
+            </a:endParaRPr>
+          </a:p>
+          <a:p>
+            <a:pPr marL="432000" indent="-324000">
+              <a:lnSpc>
+                <a:spcPct val="100000"/>
+              </a:lnSpc>
+              <a:spcAft>
+                <a:spcPts val="1049"/>
+              </a:spcAft>
+              <a:buClr>
+                <a:srgbClr val="000000"/>
+              </a:buClr>
+              <a:buSzPct val="45000"/>
+              <a:buFont typeface="Wingdings" charset="2"/>
+              <a:buChar char=""/>
+            </a:pPr>
+            <a:r>
+              <a:rPr b="0" lang="pt-BR" sz="2400" spc="-1" strike="noStrike">
+                <a:solidFill>
+                  <a:srgbClr val="000000"/>
+                </a:solidFill>
+                <a:latin typeface="Arial"/>
+              </a:rPr>
+              <a:t>Interface gráfica (GUI): PyQt5, Tkinter</a:t>
+            </a:r>
+            <a:endParaRPr b="0" lang="pt-BR" sz="2400" spc="-1" strike="noStrike">
+              <a:solidFill>
+                <a:srgbClr val="000000"/>
+              </a:solidFill>
+              <a:latin typeface="Arial"/>
+            </a:endParaRPr>
+          </a:p>
+          <a:p>
+            <a:pPr marL="432000" indent="-324000">
+              <a:lnSpc>
+                <a:spcPct val="100000"/>
+              </a:lnSpc>
+              <a:spcAft>
+                <a:spcPts val="1049"/>
+              </a:spcAft>
+              <a:buClr>
+                <a:srgbClr val="000000"/>
+              </a:buClr>
+              <a:buSzPct val="45000"/>
+              <a:buFont typeface="Wingdings" charset="2"/>
+              <a:buChar char=""/>
+            </a:pPr>
+            <a:r>
+              <a:rPr b="0" lang="pt-BR" sz="2400" spc="-1" strike="noStrike">
+                <a:solidFill>
+                  <a:srgbClr val="000000"/>
+                </a:solidFill>
+                <a:latin typeface="Arial"/>
+              </a:rPr>
+              <a:t>Análises em SIG: PyQGIS, OGR</a:t>
+            </a:r>
+            <a:endParaRPr b="0" lang="pt-BR" sz="2400" spc="-1" strike="noStrike">
+              <a:solidFill>
+                <a:srgbClr val="000000"/>
+              </a:solidFill>
+              <a:latin typeface="Arial"/>
+            </a:endParaRPr>
+          </a:p>
+          <a:p>
+            <a:pPr marL="432000" indent="-324000">
+              <a:lnSpc>
+                <a:spcPct val="100000"/>
+              </a:lnSpc>
+              <a:spcAft>
+                <a:spcPts val="1049"/>
+              </a:spcAft>
+              <a:buClr>
+                <a:srgbClr val="000000"/>
+              </a:buClr>
+              <a:buSzPct val="45000"/>
+              <a:buFont typeface="Wingdings" charset="2"/>
+              <a:buChar char=""/>
+            </a:pPr>
+            <a:r>
+              <a:rPr b="0" lang="pt-BR" sz="2400" spc="-1" strike="noStrike">
+                <a:solidFill>
+                  <a:srgbClr val="000000"/>
+                </a:solidFill>
+                <a:latin typeface="Arial"/>
+              </a:rPr>
+              <a:t>Dados raster geográficos: GDAL, Fiona, Rasterio,</a:t>
+            </a:r>
+            <a:endParaRPr b="0" lang="pt-BR" sz="2400" spc="-1" strike="noStrike">
+              <a:solidFill>
+                <a:srgbClr val="000000"/>
+              </a:solidFill>
+              <a:latin typeface="Arial"/>
+            </a:endParaRPr>
+          </a:p>
+          <a:p>
+            <a:pPr marL="432000" indent="-324000">
+              <a:lnSpc>
+                <a:spcPct val="100000"/>
+              </a:lnSpc>
+              <a:spcAft>
+                <a:spcPts val="1049"/>
+              </a:spcAft>
+              <a:buClr>
+                <a:srgbClr val="000000"/>
+              </a:buClr>
+              <a:buSzPct val="45000"/>
+              <a:buFont typeface="Wingdings" charset="2"/>
+              <a:buChar char=""/>
+            </a:pPr>
+            <a:r>
+              <a:rPr b="0" lang="pt-BR" sz="2400" spc="-1" strike="noStrike">
+                <a:solidFill>
+                  <a:srgbClr val="000000"/>
+                </a:solidFill>
+                <a:latin typeface="Arial"/>
+              </a:rPr>
+              <a:t>Dataframes (tabelas): Pandas, Geopandas, Polars</a:t>
+            </a:r>
+            <a:endParaRPr b="0" lang="pt-BR" sz="2400" spc="-1" strike="noStrike">
+              <a:solidFill>
+                <a:srgbClr val="000000"/>
+              </a:solidFill>
+              <a:latin typeface="Arial"/>
+            </a:endParaRPr>
+          </a:p>
+          <a:p>
+            <a:pPr marL="432000" indent="-324000">
+              <a:lnSpc>
+                <a:spcPct val="100000"/>
+              </a:lnSpc>
+              <a:spcAft>
+                <a:spcPts val="1049"/>
+              </a:spcAft>
+              <a:buClr>
+                <a:srgbClr val="000000"/>
+              </a:buClr>
+              <a:buSzPct val="45000"/>
+              <a:buFont typeface="Wingdings" charset="2"/>
+              <a:buChar char=""/>
+            </a:pPr>
+            <a:r>
+              <a:rPr b="0" lang="pt-BR" sz="2400" spc="-1" strike="noStrike">
+                <a:solidFill>
+                  <a:srgbClr val="000000"/>
+                </a:solidFill>
+                <a:latin typeface="Arial"/>
+              </a:rPr>
+              <a:t>Gráficos científicos: Matplotlib, Plotly</a:t>
+            </a:r>
+            <a:endParaRPr b="0" lang="pt-BR" sz="2400" spc="-1" strike="noStrike">
+              <a:solidFill>
+                <a:srgbClr val="000000"/>
+              </a:solidFill>
+              <a:latin typeface="Arial"/>
+            </a:endParaRPr>
+          </a:p>
+          <a:p>
+            <a:pPr marL="432000" indent="-324000">
+              <a:lnSpc>
+                <a:spcPct val="100000"/>
+              </a:lnSpc>
+              <a:spcAft>
+                <a:spcPts val="1049"/>
+              </a:spcAft>
+              <a:buClr>
+                <a:srgbClr val="000000"/>
+              </a:buClr>
+              <a:buSzPct val="45000"/>
+              <a:buFont typeface="Wingdings" charset="2"/>
+              <a:buChar char=""/>
+            </a:pPr>
+            <a:r>
+              <a:rPr b="0" lang="pt-BR" sz="2400" spc="-1" strike="noStrike">
+                <a:solidFill>
+                  <a:srgbClr val="000000"/>
+                </a:solidFill>
+                <a:latin typeface="Arial"/>
+              </a:rPr>
+              <a:t>Backend Web: FastAPI, Flask, Django</a:t>
+            </a:r>
+            <a:endParaRPr b="0" lang="pt-BR" sz="2400" spc="-1" strike="noStrike">
+              <a:solidFill>
+                <a:srgbClr val="000000"/>
+              </a:solidFill>
+              <a:latin typeface="Arial"/>
+            </a:endParaRPr>
+          </a:p>
+          <a:p>
+            <a:pPr marL="432000" indent="-324000">
+              <a:lnSpc>
+                <a:spcPct val="100000"/>
+              </a:lnSpc>
+              <a:spcAft>
+                <a:spcPts val="1049"/>
+              </a:spcAft>
+              <a:buClr>
+                <a:srgbClr val="000000"/>
+              </a:buClr>
+              <a:buSzPct val="45000"/>
+              <a:buFont typeface="Wingdings" charset="2"/>
+              <a:buChar char=""/>
+            </a:pPr>
+            <a:r>
+              <a:rPr b="0" lang="pt-BR" sz="2400" spc="-1" strike="noStrike">
+                <a:solidFill>
+                  <a:srgbClr val="000000"/>
+                </a:solidFill>
+                <a:latin typeface="Arial"/>
+              </a:rPr>
+              <a:t>Backend com interface: Taipy, Streamlit</a:t>
+            </a:r>
+            <a:endParaRPr b="0" lang="pt-BR" sz="2400" spc="-1" strike="noStrike">
+              <a:solidFill>
+                <a:srgbClr val="000000"/>
+              </a:solidFill>
+              <a:latin typeface="Arial"/>
+            </a:endParaRPr>
+          </a:p>
+          <a:p>
+            <a:pPr marL="432000" indent="-324000">
+              <a:lnSpc>
+                <a:spcPct val="100000"/>
+              </a:lnSpc>
+              <a:spcAft>
+                <a:spcPts val="1049"/>
+              </a:spcAft>
+              <a:buClr>
+                <a:srgbClr val="000000"/>
+              </a:buClr>
+              <a:buSzPct val="45000"/>
+              <a:buFont typeface="Wingdings" charset="2"/>
+              <a:buChar char=""/>
+            </a:pPr>
+            <a:r>
+              <a:rPr b="0" lang="pt-BR" sz="2400" spc="-1" strike="noStrike">
+                <a:solidFill>
+                  <a:srgbClr val="000000"/>
+                </a:solidFill>
+                <a:latin typeface="Arial"/>
+              </a:rPr>
+              <a:t>Aprendizado de máquina: Sklearn, Keras, Torch, Tensorflow, Jax</a:t>
+            </a:r>
+            <a:endParaRPr b="0" lang="pt-BR" sz="2400" spc="-1" strike="noStrike">
+              <a:solidFill>
+                <a:srgbClr val="000000"/>
+              </a:solidFill>
+              <a:latin typeface="Arial"/>
+            </a:endParaRPr>
+          </a:p>
+        </p:txBody>
+      </p:sp>
+      <p:sp>
+        <p:nvSpPr>
+          <p:cNvPr id="4" name="PlaceHolder 3"/>
+          <p:cNvSpPr>
+            <a:spLocks noGrp="1"/>
+          </p:cNvSpPr>
+          <p:nvPr>
+            <p:ph type="sldNum" idx="5"/>
+          </p:nvPr>
+        </p:nvSpPr>
+        <p:spPr/>
+        <p:txBody>
+          <a:bodyPr/>
+          <a:p>
+            <a:fld id="{93554351-A8E9-42AF-900D-3808742979F1}" type="slidenum">
+              <a:t>15</a:t>
+            </a:fld>
+          </a:p>
+        </p:txBody>
+      </p:sp>
+    </p:spTree>
+  </p:cSld>
+  <mc:AlternateContent>
+    <mc:Choice Requires="p14">
+      <p:transition spd="slow" p14:dur="2000"/>
+    </mc:Choice>
+    <mc:Fallback>
+      <p:transition spd="slow"/>
+    </mc:Fallback>
+  </mc:AlternateContent>
+</p:sld>
+</file>
+
+<file path=ppt/slides/slide16.xml><?xml version="1.0" encoding="utf-8"?>
+<p:sld xmlns:a="http://schemas.openxmlformats.org/drawingml/2006/main" xmlns:p="http://schemas.openxmlformats.org/presentationml/2006/main" xmlns:r="http://schemas.openxmlformats.org/officeDocument/2006/relationships" xmlns:p14="http://schemas.microsoft.com/office/powerpoint/2010/main" xmlns:p15="http://schemas.microsoft.com/office/powerpoint/2012/main" xmlns:mc="http://schemas.openxmlformats.org/markup-compatibility/2006">
+  <p:cSld>
+    <p:spTree>
+      <p:nvGrpSpPr>
+        <p:cNvPr id="1" name=""/>
+        <p:cNvGrpSpPr/>
+        <p:nvPr/>
+      </p:nvGrpSpPr>
+      <p:grpSpPr>
+        <a:xfrm>
+          <a:off x="0" y="0"/>
+          <a:ext cx="0" cy="0"/>
+          <a:chOff x="0" y="0"/>
+          <a:chExt cx="0" cy="0"/>
+        </a:xfrm>
+      </p:grpSpPr>
+      <p:sp>
+        <p:nvSpPr>
+          <p:cNvPr id="56" name="PlaceHolder 1"/>
+          <p:cNvSpPr>
+            <a:spLocks noGrp="1"/>
+          </p:cNvSpPr>
+          <p:nvPr>
+            <p:ph type="title"/>
+          </p:nvPr>
+        </p:nvSpPr>
+        <p:spPr>
+          <a:xfrm>
+            <a:off x="640080" y="5760"/>
+            <a:ext cx="10698840" cy="1053000"/>
+          </a:xfrm>
+          <a:prstGeom prst="rect">
+            <a:avLst/>
+          </a:prstGeom>
+          <a:solidFill>
+            <a:srgbClr val="99cc99"/>
+          </a:solidFill>
+          <a:ln w="0">
+            <a:noFill/>
+          </a:ln>
+        </p:spPr>
+        <p:txBody>
+          <a:bodyPr lIns="0" rIns="0" tIns="0" bIns="0" anchor="ctr">
+            <a:noAutofit/>
+          </a:bodyPr>
+          <a:p>
+            <a:pPr indent="0" algn="ctr">
+              <a:lnSpc>
+                <a:spcPct val="100000"/>
+              </a:lnSpc>
+              <a:buNone/>
+              <a:tabLst>
+                <a:tab algn="l" pos="0"/>
+              </a:tabLst>
+            </a:pPr>
+            <a:r>
+              <a:rPr b="0" lang="pt-BR" sz="3630" spc="-1" strike="noStrike">
+                <a:solidFill>
+                  <a:srgbClr val="355e00"/>
+                </a:solidFill>
+                <a:latin typeface="Arial"/>
+              </a:rPr>
+              <a:t>Prática</a:t>
+            </a:r>
+            <a:endParaRPr b="0" lang="pt-BR" sz="3630" spc="-1" strike="noStrike">
+              <a:solidFill>
+                <a:srgbClr val="000000"/>
+              </a:solidFill>
+              <a:latin typeface="Arial"/>
+            </a:endParaRPr>
+          </a:p>
+        </p:txBody>
+      </p:sp>
+      <p:sp>
+        <p:nvSpPr>
+          <p:cNvPr id="57" name="PlaceHolder 2"/>
+          <p:cNvSpPr>
+            <a:spLocks noGrp="1"/>
+          </p:cNvSpPr>
+          <p:nvPr>
+            <p:ph/>
+          </p:nvPr>
+        </p:nvSpPr>
+        <p:spPr>
+          <a:xfrm>
+            <a:off x="182880" y="1188720"/>
+            <a:ext cx="11795040" cy="5864760"/>
+          </a:xfrm>
+          <a:prstGeom prst="rect">
+            <a:avLst/>
+          </a:prstGeom>
+          <a:noFill/>
+          <a:ln w="0">
+            <a:noFill/>
+          </a:ln>
+        </p:spPr>
+        <p:txBody>
+          <a:bodyPr lIns="0" rIns="0" tIns="0" bIns="0" anchor="t">
+            <a:noAutofit/>
+          </a:bodyPr>
+          <a:p>
+            <a:pPr marL="432000" indent="-324000">
+              <a:lnSpc>
+                <a:spcPct val="100000"/>
+              </a:lnSpc>
+              <a:spcAft>
+                <a:spcPts val="1049"/>
+              </a:spcAft>
+              <a:buClr>
+                <a:srgbClr val="000000"/>
+              </a:buClr>
+              <a:buSzPct val="45000"/>
+              <a:buFont typeface="Wingdings" charset="2"/>
+              <a:buChar char=""/>
+            </a:pPr>
+            <a:r>
+              <a:rPr b="0" lang="pt-BR" sz="2400" spc="-1" strike="noStrike">
+                <a:solidFill>
+                  <a:srgbClr val="000000"/>
+                </a:solidFill>
+                <a:latin typeface="Arial"/>
+              </a:rPr>
+              <a:t>Criar a pasta do projeto e acessar a pasta</a:t>
+            </a:r>
+            <a:endParaRPr b="0" lang="pt-BR" sz="2400" spc="-1" strike="noStrike">
+              <a:solidFill>
+                <a:srgbClr val="000000"/>
+              </a:solidFill>
+              <a:latin typeface="Arial"/>
+            </a:endParaRPr>
+          </a:p>
+          <a:p>
+            <a:pPr lvl="1" marL="864000" indent="-324000">
+              <a:lnSpc>
+                <a:spcPct val="100000"/>
+              </a:lnSpc>
+              <a:spcBef>
+                <a:spcPts val="1134"/>
+              </a:spcBef>
+              <a:buClr>
+                <a:srgbClr val="000000"/>
+              </a:buClr>
+              <a:buSzPct val="75000"/>
+              <a:buFont typeface="Symbol" charset="2"/>
+              <a:buChar char=""/>
+            </a:pPr>
+            <a:r>
+              <a:rPr b="0" lang="pt-BR" sz="2400" spc="-1" strike="noStrike">
+                <a:solidFill>
+                  <a:srgbClr val="000000"/>
+                </a:solidFill>
+                <a:latin typeface="Arial"/>
+              </a:rPr>
+              <a:t>mkdir projeto0</a:t>
+            </a:r>
+            <a:endParaRPr b="0" lang="pt-BR" sz="2400" spc="-1" strike="noStrike">
+              <a:solidFill>
+                <a:srgbClr val="000000"/>
+              </a:solidFill>
+              <a:latin typeface="Arial"/>
+            </a:endParaRPr>
+          </a:p>
+          <a:p>
+            <a:pPr lvl="1" marL="864000" indent="-324000">
+              <a:lnSpc>
+                <a:spcPct val="100000"/>
+              </a:lnSpc>
+              <a:spcBef>
+                <a:spcPts val="1134"/>
+              </a:spcBef>
+              <a:buClr>
+                <a:srgbClr val="000000"/>
+              </a:buClr>
+              <a:buSzPct val="75000"/>
+              <a:buFont typeface="Symbol" charset="2"/>
+              <a:buChar char=""/>
+            </a:pPr>
+            <a:r>
+              <a:rPr b="0" lang="pt-BR" sz="2400" spc="-1" strike="noStrike">
+                <a:solidFill>
+                  <a:srgbClr val="000000"/>
+                </a:solidFill>
+                <a:latin typeface="Arial"/>
+              </a:rPr>
+              <a:t>cd projecto0</a:t>
+            </a:r>
+            <a:endParaRPr b="0" lang="pt-BR" sz="2400" spc="-1" strike="noStrike">
+              <a:solidFill>
+                <a:srgbClr val="000000"/>
+              </a:solidFill>
+              <a:latin typeface="Arial"/>
+            </a:endParaRPr>
+          </a:p>
+          <a:p>
+            <a:pPr marL="432000" indent="-324000">
+              <a:lnSpc>
+                <a:spcPct val="100000"/>
+              </a:lnSpc>
+              <a:spcAft>
+                <a:spcPts val="1049"/>
+              </a:spcAft>
+              <a:buClr>
+                <a:srgbClr val="000000"/>
+              </a:buClr>
+              <a:buSzPct val="45000"/>
+              <a:buFont typeface="Wingdings" charset="2"/>
+              <a:buChar char=""/>
+            </a:pPr>
+            <a:r>
+              <a:rPr b="0" lang="pt-BR" sz="2400" spc="-1" strike="noStrike">
+                <a:solidFill>
+                  <a:srgbClr val="000000"/>
+                </a:solidFill>
+                <a:latin typeface="Arial"/>
+              </a:rPr>
+              <a:t>Inicializar o ambiente</a:t>
+            </a:r>
+            <a:endParaRPr b="0" lang="pt-BR" sz="2400" spc="-1" strike="noStrike">
+              <a:solidFill>
+                <a:srgbClr val="000000"/>
+              </a:solidFill>
+              <a:latin typeface="Arial"/>
+            </a:endParaRPr>
+          </a:p>
+          <a:p>
+            <a:pPr lvl="1" marL="864000" indent="-324000">
+              <a:lnSpc>
+                <a:spcPct val="100000"/>
+              </a:lnSpc>
+              <a:spcAft>
+                <a:spcPts val="1026"/>
+              </a:spcAft>
+              <a:buClr>
+                <a:srgbClr val="000000"/>
+              </a:buClr>
+              <a:buSzPct val="45000"/>
+              <a:buFont typeface="Wingdings" charset="2"/>
+              <a:buChar char=""/>
+            </a:pPr>
+            <a:r>
+              <a:rPr b="0" lang="pt-BR" sz="2200" spc="-1" strike="noStrike">
+                <a:solidFill>
+                  <a:srgbClr val="000000"/>
+                </a:solidFill>
+                <a:latin typeface="Arial"/>
+              </a:rPr>
+              <a:t>pixi init</a:t>
+            </a:r>
+            <a:endParaRPr b="0" lang="pt-BR" sz="2200" spc="-1" strike="noStrike">
+              <a:solidFill>
+                <a:srgbClr val="000000"/>
+              </a:solidFill>
+              <a:latin typeface="Arial"/>
+            </a:endParaRPr>
+          </a:p>
+          <a:p>
+            <a:pPr marL="432000" indent="-324000">
+              <a:lnSpc>
+                <a:spcPct val="100000"/>
+              </a:lnSpc>
+              <a:spcAft>
+                <a:spcPts val="1049"/>
+              </a:spcAft>
+              <a:buClr>
+                <a:srgbClr val="000000"/>
+              </a:buClr>
+              <a:buSzPct val="45000"/>
+              <a:buFont typeface="Wingdings" charset="2"/>
+              <a:buChar char=""/>
+            </a:pPr>
+            <a:r>
+              <a:rPr b="0" lang="pt-BR" sz="2400" spc="-1" strike="noStrike">
+                <a:solidFill>
+                  <a:srgbClr val="000000"/>
+                </a:solidFill>
+                <a:latin typeface="Arial"/>
+              </a:rPr>
+              <a:t>Ativar o ambiente criado:</a:t>
+            </a:r>
+            <a:endParaRPr b="0" lang="pt-BR" sz="2400" spc="-1" strike="noStrike">
+              <a:solidFill>
+                <a:srgbClr val="000000"/>
+              </a:solidFill>
+              <a:latin typeface="Arial"/>
+            </a:endParaRPr>
+          </a:p>
+          <a:p>
+            <a:pPr marL="432000" indent="-324000">
+              <a:lnSpc>
+                <a:spcPct val="100000"/>
+              </a:lnSpc>
+              <a:spcAft>
+                <a:spcPts val="1049"/>
+              </a:spcAft>
+              <a:buClr>
+                <a:srgbClr val="000000"/>
+              </a:buClr>
+              <a:buSzPct val="45000"/>
+              <a:buFont typeface="Wingdings" charset="2"/>
+              <a:buChar char=""/>
+            </a:pPr>
+            <a:r>
+              <a:rPr b="0" lang="pt-BR" sz="2400" spc="-1" strike="noStrike">
+                <a:solidFill>
+                  <a:srgbClr val="000000"/>
+                </a:solidFill>
+                <a:latin typeface="Arial"/>
+              </a:rPr>
+              <a:t>Instalando pacotes:</a:t>
+            </a:r>
+            <a:endParaRPr b="0" lang="pt-BR" sz="2400" spc="-1" strike="noStrike">
+              <a:solidFill>
+                <a:srgbClr val="000000"/>
+              </a:solidFill>
+              <a:latin typeface="Arial"/>
+            </a:endParaRPr>
+          </a:p>
+          <a:p>
+            <a:pPr lvl="1" marL="864000" indent="-324000">
+              <a:lnSpc>
+                <a:spcPct val="100000"/>
+              </a:lnSpc>
+              <a:spcAft>
+                <a:spcPts val="1026"/>
+              </a:spcAft>
+              <a:buClr>
+                <a:srgbClr val="000000"/>
+              </a:buClr>
+              <a:buSzPct val="45000"/>
+              <a:buFont typeface="Wingdings" charset="2"/>
+              <a:buChar char=""/>
+            </a:pPr>
+            <a:r>
+              <a:rPr b="0" lang="pt-BR" sz="2200" spc="-1" strike="noStrike">
+                <a:solidFill>
+                  <a:srgbClr val="000000"/>
+                </a:solidFill>
+                <a:latin typeface="Arial"/>
+                <a:ea typeface="SimSun"/>
+              </a:rPr>
+              <a:t>pixi add planetary-computer pydantic</a:t>
+            </a:r>
+            <a:endParaRPr b="0" lang="pt-BR" sz="2200" spc="-1" strike="noStrike">
+              <a:solidFill>
+                <a:srgbClr val="000000"/>
+              </a:solidFill>
+              <a:latin typeface="Arial"/>
+            </a:endParaRPr>
+          </a:p>
+          <a:p>
+            <a:pPr marL="432000" indent="-324000">
+              <a:lnSpc>
+                <a:spcPct val="100000"/>
+              </a:lnSpc>
+              <a:spcAft>
+                <a:spcPts val="1049"/>
+              </a:spcAft>
+              <a:buClr>
+                <a:srgbClr val="000000"/>
+              </a:buClr>
+              <a:buSzPct val="45000"/>
+              <a:buFont typeface="Wingdings" charset="2"/>
+              <a:buChar char=""/>
+            </a:pPr>
+            <a:r>
+              <a:rPr b="0" lang="pt-BR" sz="2400" spc="-1" strike="noStrike">
+                <a:solidFill>
+                  <a:srgbClr val="000000"/>
+                </a:solidFill>
+                <a:latin typeface="Arial"/>
+                <a:ea typeface="SimSun"/>
+              </a:rPr>
+              <a:t>No VSCodium</a:t>
+            </a:r>
+            <a:endParaRPr b="0" lang="pt-BR" sz="2400" spc="-1" strike="noStrike">
+              <a:solidFill>
+                <a:srgbClr val="000000"/>
+              </a:solidFill>
+              <a:latin typeface="Arial"/>
+            </a:endParaRPr>
+          </a:p>
+          <a:p>
+            <a:pPr lvl="1" marL="864000" indent="-324000">
+              <a:lnSpc>
+                <a:spcPct val="100000"/>
+              </a:lnSpc>
+              <a:spcAft>
+                <a:spcPts val="1026"/>
+              </a:spcAft>
+              <a:buClr>
+                <a:srgbClr val="000000"/>
+              </a:buClr>
+              <a:buSzPct val="45000"/>
+              <a:buFont typeface="Wingdings" charset="2"/>
+              <a:buChar char=""/>
+            </a:pPr>
+            <a:r>
+              <a:rPr b="0" lang="pt-BR" sz="2200" spc="-1" strike="noStrike">
+                <a:solidFill>
+                  <a:srgbClr val="000000"/>
+                </a:solidFill>
+                <a:latin typeface="Arial"/>
+                <a:ea typeface="SimSun"/>
+              </a:rPr>
+              <a:t>Ctrl+Shift+P</a:t>
+            </a:r>
+            <a:endParaRPr b="0" lang="pt-BR" sz="2200" spc="-1" strike="noStrike">
+              <a:solidFill>
+                <a:srgbClr val="000000"/>
+              </a:solidFill>
+              <a:latin typeface="Arial"/>
+            </a:endParaRPr>
+          </a:p>
+          <a:p>
+            <a:pPr lvl="1" marL="864000" indent="-324000">
+              <a:lnSpc>
+                <a:spcPct val="100000"/>
+              </a:lnSpc>
+              <a:spcAft>
+                <a:spcPts val="1026"/>
+              </a:spcAft>
+              <a:buClr>
+                <a:srgbClr val="000000"/>
+              </a:buClr>
+              <a:buSzPct val="45000"/>
+              <a:buFont typeface="Wingdings" charset="2"/>
+              <a:buChar char=""/>
+            </a:pPr>
+            <a:r>
+              <a:rPr b="0" lang="pt-BR" sz="2200" spc="-1" strike="noStrike">
+                <a:solidFill>
+                  <a:srgbClr val="000000"/>
+                </a:solidFill>
+                <a:latin typeface="Arial"/>
+                <a:ea typeface="SimSun"/>
+              </a:rPr>
+              <a:t>Select Python Interpreter</a:t>
+            </a:r>
+            <a:endParaRPr b="0" lang="pt-BR" sz="2200" spc="-1" strike="noStrike">
+              <a:solidFill>
+                <a:srgbClr val="000000"/>
+              </a:solidFill>
+              <a:latin typeface="Arial"/>
+            </a:endParaRPr>
+          </a:p>
+          <a:p>
+            <a:pPr marL="432000" indent="-324000">
+              <a:lnSpc>
+                <a:spcPct val="100000"/>
+              </a:lnSpc>
+              <a:spcAft>
+                <a:spcPts val="1049"/>
+              </a:spcAft>
+              <a:buClr>
+                <a:srgbClr val="000000"/>
+              </a:buClr>
+              <a:buSzPct val="45000"/>
+              <a:buFont typeface="Wingdings" charset="2"/>
+              <a:buChar char=""/>
+            </a:pPr>
+            <a:r>
+              <a:rPr b="0" lang="pt-BR" sz="2400" spc="-1" strike="noStrike">
+                <a:solidFill>
+                  <a:srgbClr val="000000"/>
+                </a:solidFill>
+                <a:latin typeface="Arial"/>
+                <a:ea typeface="SimSun"/>
+              </a:rPr>
+              <a:t>Parar debugar: F5</a:t>
+            </a:r>
+            <a:endParaRPr b="0" lang="pt-BR" sz="2400" spc="-1" strike="noStrike">
+              <a:solidFill>
+                <a:srgbClr val="000000"/>
+              </a:solidFill>
+              <a:latin typeface="Arial"/>
+            </a:endParaRPr>
+          </a:p>
+          <a:p>
+            <a:pPr marL="432000" indent="0">
+              <a:lnSpc>
+                <a:spcPct val="100000"/>
+              </a:lnSpc>
+              <a:spcAft>
+                <a:spcPts val="1049"/>
+              </a:spcAft>
+              <a:buNone/>
+              <a:tabLst>
+                <a:tab algn="l" pos="0"/>
+              </a:tabLst>
+            </a:pPr>
+            <a:endParaRPr b="0" lang="pt-BR" sz="2400" spc="-1" strike="noStrike">
+              <a:solidFill>
+                <a:srgbClr val="000000"/>
+              </a:solidFill>
+              <a:latin typeface="Arial"/>
+            </a:endParaRPr>
+          </a:p>
+        </p:txBody>
+      </p:sp>
+      <p:sp>
+        <p:nvSpPr>
+          <p:cNvPr id="4" name="PlaceHolder 3"/>
+          <p:cNvSpPr>
+            <a:spLocks noGrp="1"/>
+          </p:cNvSpPr>
+          <p:nvPr>
+            <p:ph type="sldNum" idx="5"/>
+          </p:nvPr>
+        </p:nvSpPr>
+        <p:spPr/>
+        <p:txBody>
+          <a:bodyPr/>
+          <a:p>
+            <a:fld id="{A97C07D5-D3EA-4A7D-B2EC-D80CB98CAA3A}" type="slidenum">
+              <a:t>16</a:t>
+            </a:fld>
+          </a:p>
+        </p:txBody>
+      </p:sp>
+    </p:spTree>
+  </p:cSld>
+  <mc:AlternateContent>
+    <mc:Choice Requires="p14">
+      <p:transition spd="slow" p14:dur="2000"/>
+    </mc:Choice>
+    <mc:Fallback>
+      <p:transition spd="slow"/>
+    </mc:Fallback>
+  </mc:AlternateContent>
+</p:sld>
+</file>
+
+<file path=ppt/slides/slide17.xml><?xml version="1.0" encoding="utf-8"?>
+<p:sld xmlns:a="http://schemas.openxmlformats.org/drawingml/2006/main" xmlns:p="http://schemas.openxmlformats.org/presentationml/2006/main" xmlns:r="http://schemas.openxmlformats.org/officeDocument/2006/relationships" xmlns:p14="http://schemas.microsoft.com/office/powerpoint/2010/main" xmlns:p15="http://schemas.microsoft.com/office/powerpoint/2012/main" xmlns:mc="http://schemas.openxmlformats.org/markup-compatibility/2006">
+  <p:cSld>
+    <p:spTree>
+      <p:nvGrpSpPr>
+        <p:cNvPr id="1" name=""/>
+        <p:cNvGrpSpPr/>
+        <p:nvPr/>
+      </p:nvGrpSpPr>
+      <p:grpSpPr>
+        <a:xfrm>
+          <a:off x="0" y="0"/>
+          <a:ext cx="0" cy="0"/>
+          <a:chOff x="0" y="0"/>
+          <a:chExt cx="0" cy="0"/>
+        </a:xfrm>
+      </p:grpSpPr>
+      <p:sp>
+        <p:nvSpPr>
+          <p:cNvPr id="58" name="PlaceHolder 1"/>
+          <p:cNvSpPr>
+            <a:spLocks noGrp="1"/>
+          </p:cNvSpPr>
+          <p:nvPr>
+            <p:ph type="title"/>
+          </p:nvPr>
+        </p:nvSpPr>
+        <p:spPr>
+          <a:xfrm>
+            <a:off x="640080" y="5760"/>
+            <a:ext cx="10698840" cy="1053000"/>
+          </a:xfrm>
+          <a:prstGeom prst="rect">
+            <a:avLst/>
+          </a:prstGeom>
+          <a:solidFill>
+            <a:srgbClr val="99cc99"/>
+          </a:solidFill>
+          <a:ln w="0">
+            <a:noFill/>
+          </a:ln>
+        </p:spPr>
+        <p:txBody>
+          <a:bodyPr lIns="0" rIns="0" tIns="0" bIns="0" anchor="ctr">
+            <a:noAutofit/>
+          </a:bodyPr>
+          <a:p>
+            <a:pPr indent="0" algn="ctr">
+              <a:lnSpc>
+                <a:spcPct val="100000"/>
+              </a:lnSpc>
+              <a:buNone/>
+              <a:tabLst>
+                <a:tab algn="l" pos="0"/>
+              </a:tabLst>
+            </a:pPr>
+            <a:r>
+              <a:rPr b="0" lang="pt-BR" sz="3630" spc="-1" strike="noStrike">
+                <a:solidFill>
+                  <a:srgbClr val="355e00"/>
+                </a:solidFill>
+                <a:latin typeface="Arial"/>
+              </a:rPr>
+              <a:t>Prática</a:t>
+            </a:r>
+            <a:endParaRPr b="0" lang="pt-BR" sz="3630" spc="-1" strike="noStrike">
+              <a:solidFill>
+                <a:srgbClr val="000000"/>
+              </a:solidFill>
+              <a:latin typeface="Arial"/>
+            </a:endParaRPr>
+          </a:p>
+        </p:txBody>
+      </p:sp>
+      <p:sp>
+        <p:nvSpPr>
+          <p:cNvPr id="59" name="PlaceHolder 2"/>
+          <p:cNvSpPr>
+            <a:spLocks noGrp="1"/>
+          </p:cNvSpPr>
+          <p:nvPr>
+            <p:ph/>
+          </p:nvPr>
+        </p:nvSpPr>
+        <p:spPr>
+          <a:xfrm>
+            <a:off x="182880" y="1188720"/>
+            <a:ext cx="11795040" cy="5864760"/>
+          </a:xfrm>
+          <a:prstGeom prst="rect">
+            <a:avLst/>
+          </a:prstGeom>
+          <a:noFill/>
+          <a:ln w="0">
+            <a:noFill/>
+          </a:ln>
+        </p:spPr>
+        <p:txBody>
+          <a:bodyPr lIns="0" rIns="0" tIns="0" bIns="0" anchor="t">
+            <a:noAutofit/>
+          </a:bodyPr>
+          <a:p>
+            <a:pPr marL="432000" indent="-324000">
+              <a:lnSpc>
+                <a:spcPct val="100000"/>
+              </a:lnSpc>
+              <a:spcAft>
+                <a:spcPts val="1049"/>
+              </a:spcAft>
+              <a:buClr>
+                <a:srgbClr val="000000"/>
+              </a:buClr>
+              <a:buSzPct val="45000"/>
+              <a:buFont typeface="Wingdings" charset="2"/>
+              <a:buChar char=""/>
+            </a:pPr>
+            <a:r>
+              <a:rPr b="0" lang="pt-BR" sz="2400" spc="-1" strike="noStrike">
+                <a:solidFill>
+                  <a:srgbClr val="000000"/>
+                </a:solidFill>
+                <a:latin typeface="Arial"/>
+              </a:rPr>
+              <a:t>Fluxograma no VSCodium</a:t>
+            </a:r>
+            <a:endParaRPr b="0" lang="pt-BR" sz="2400" spc="-1" strike="noStrike">
+              <a:solidFill>
+                <a:srgbClr val="000000"/>
+              </a:solidFill>
+              <a:latin typeface="Arial"/>
+            </a:endParaRPr>
+          </a:p>
+          <a:p>
+            <a:pPr marL="432000" indent="-324000">
+              <a:lnSpc>
+                <a:spcPct val="100000"/>
+              </a:lnSpc>
+              <a:spcAft>
+                <a:spcPts val="1049"/>
+              </a:spcAft>
+              <a:buClr>
+                <a:srgbClr val="000000"/>
+              </a:buClr>
+              <a:buSzPct val="45000"/>
+              <a:buFont typeface="Wingdings" charset="2"/>
+              <a:buChar char=""/>
+            </a:pPr>
+            <a:r>
+              <a:rPr b="0" lang="pt-BR" sz="2400" spc="-1" strike="noStrike">
+                <a:solidFill>
+                  <a:srgbClr val="000000"/>
+                </a:solidFill>
+                <a:latin typeface="Arial"/>
+              </a:rPr>
+              <a:t>Debug no VSCodium</a:t>
+            </a:r>
+            <a:endParaRPr b="0" lang="pt-BR" sz="2400" spc="-1" strike="noStrike">
+              <a:solidFill>
+                <a:srgbClr val="000000"/>
+              </a:solidFill>
+              <a:latin typeface="Arial"/>
+            </a:endParaRPr>
+          </a:p>
+          <a:p>
+            <a:pPr marL="432000" indent="-324000">
+              <a:lnSpc>
+                <a:spcPct val="100000"/>
+              </a:lnSpc>
+              <a:spcAft>
+                <a:spcPts val="1049"/>
+              </a:spcAft>
+              <a:buClr>
+                <a:srgbClr val="000000"/>
+              </a:buClr>
+              <a:buSzPct val="45000"/>
+              <a:buFont typeface="Wingdings" charset="2"/>
+              <a:buChar char=""/>
+            </a:pPr>
+            <a:r>
+              <a:rPr b="0" lang="pt-BR" sz="2400" spc="-1" strike="noStrike">
+                <a:solidFill>
+                  <a:srgbClr val="000000"/>
+                </a:solidFill>
+                <a:latin typeface="Arial"/>
+              </a:rPr>
+              <a:t>Inicializando ambiente:</a:t>
+            </a:r>
+            <a:endParaRPr b="0" lang="pt-BR" sz="2400" spc="-1" strike="noStrike">
+              <a:solidFill>
+                <a:srgbClr val="000000"/>
+              </a:solidFill>
+              <a:latin typeface="Arial"/>
+            </a:endParaRPr>
+          </a:p>
+          <a:p>
+            <a:pPr lvl="1" marL="864000" indent="-324000">
+              <a:lnSpc>
+                <a:spcPct val="100000"/>
+              </a:lnSpc>
+              <a:spcAft>
+                <a:spcPts val="1026"/>
+              </a:spcAft>
+              <a:buClr>
+                <a:srgbClr val="000000"/>
+              </a:buClr>
+              <a:buSzPct val="45000"/>
+              <a:buFont typeface="Wingdings" charset="2"/>
+              <a:buChar char=""/>
+            </a:pPr>
+            <a:r>
+              <a:rPr b="0" lang="pt-BR" sz="2200" spc="-1" strike="noStrike">
+                <a:solidFill>
+                  <a:srgbClr val="000000"/>
+                </a:solidFill>
+                <a:latin typeface="Arial"/>
+              </a:rPr>
+              <a:t>conda create -n hello</a:t>
+            </a:r>
+            <a:endParaRPr b="0" lang="pt-BR" sz="2200" spc="-1" strike="noStrike">
+              <a:solidFill>
+                <a:srgbClr val="000000"/>
+              </a:solidFill>
+              <a:latin typeface="Arial"/>
+            </a:endParaRPr>
+          </a:p>
+          <a:p>
+            <a:pPr marL="432000" indent="-324000">
+              <a:lnSpc>
+                <a:spcPct val="100000"/>
+              </a:lnSpc>
+              <a:spcAft>
+                <a:spcPts val="1049"/>
+              </a:spcAft>
+              <a:buClr>
+                <a:srgbClr val="000000"/>
+              </a:buClr>
+              <a:buSzPct val="45000"/>
+              <a:buFont typeface="Wingdings" charset="2"/>
+              <a:buChar char=""/>
+            </a:pPr>
+            <a:r>
+              <a:rPr b="0" lang="pt-BR" sz="2400" spc="-1" strike="noStrike">
+                <a:solidFill>
+                  <a:srgbClr val="000000"/>
+                </a:solidFill>
+                <a:latin typeface="Arial"/>
+              </a:rPr>
+              <a:t>Ativar o ambiente criado:</a:t>
+            </a:r>
+            <a:endParaRPr b="0" lang="pt-BR" sz="2400" spc="-1" strike="noStrike">
+              <a:solidFill>
+                <a:srgbClr val="000000"/>
+              </a:solidFill>
+              <a:latin typeface="Arial"/>
+            </a:endParaRPr>
+          </a:p>
+          <a:p>
+            <a:pPr lvl="1" marL="864000" indent="-324000">
+              <a:lnSpc>
+                <a:spcPct val="100000"/>
+              </a:lnSpc>
+              <a:spcAft>
+                <a:spcPts val="1026"/>
+              </a:spcAft>
+              <a:buClr>
+                <a:srgbClr val="000000"/>
+              </a:buClr>
+              <a:buSzPct val="45000"/>
+              <a:buFont typeface="Wingdings" charset="2"/>
+              <a:buChar char=""/>
+            </a:pPr>
+            <a:r>
+              <a:rPr b="0" lang="pt-BR" sz="2200" spc="-1" strike="noStrike">
+                <a:solidFill>
+                  <a:srgbClr val="000000"/>
+                </a:solidFill>
+                <a:latin typeface="Arial"/>
+              </a:rPr>
+              <a:t>conda activate hello</a:t>
+            </a:r>
+            <a:endParaRPr b="0" lang="pt-BR" sz="2200" spc="-1" strike="noStrike">
+              <a:solidFill>
+                <a:srgbClr val="000000"/>
+              </a:solidFill>
+              <a:latin typeface="Arial"/>
+            </a:endParaRPr>
+          </a:p>
+          <a:p>
+            <a:pPr marL="432000" indent="-324000">
+              <a:lnSpc>
+                <a:spcPct val="100000"/>
+              </a:lnSpc>
+              <a:spcAft>
+                <a:spcPts val="1049"/>
+              </a:spcAft>
+              <a:buClr>
+                <a:srgbClr val="000000"/>
+              </a:buClr>
+              <a:buSzPct val="45000"/>
+              <a:buFont typeface="Wingdings" charset="2"/>
+              <a:buChar char=""/>
+            </a:pPr>
+            <a:r>
+              <a:rPr b="0" lang="pt-BR" sz="2400" spc="-1" strike="noStrike">
+                <a:solidFill>
+                  <a:srgbClr val="000000"/>
+                </a:solidFill>
+                <a:latin typeface="Arial"/>
+              </a:rPr>
+              <a:t>Instalando pacotes:</a:t>
+            </a:r>
+            <a:endParaRPr b="0" lang="pt-BR" sz="2400" spc="-1" strike="noStrike">
+              <a:solidFill>
+                <a:srgbClr val="000000"/>
+              </a:solidFill>
+              <a:latin typeface="Arial"/>
+            </a:endParaRPr>
+          </a:p>
+          <a:p>
+            <a:pPr lvl="1" marL="864000" indent="-324000">
+              <a:lnSpc>
+                <a:spcPct val="100000"/>
+              </a:lnSpc>
+              <a:spcAft>
+                <a:spcPts val="1026"/>
+              </a:spcAft>
+              <a:buClr>
+                <a:srgbClr val="000000"/>
+              </a:buClr>
+              <a:buSzPct val="45000"/>
+              <a:buFont typeface="Wingdings" charset="2"/>
+              <a:buChar char=""/>
+            </a:pPr>
+            <a:r>
+              <a:rPr b="0" lang="pt-BR" sz="2200" spc="-1" strike="noStrike">
+                <a:solidFill>
+                  <a:srgbClr val="000000"/>
+                </a:solidFill>
+                <a:latin typeface="Arial"/>
+                <a:ea typeface="SimSun"/>
+              </a:rPr>
+              <a:t>conda install scipy</a:t>
+            </a:r>
+            <a:endParaRPr b="0" lang="pt-BR" sz="2200" spc="-1" strike="noStrike">
+              <a:solidFill>
+                <a:srgbClr val="000000"/>
+              </a:solidFill>
+              <a:latin typeface="Arial"/>
+            </a:endParaRPr>
+          </a:p>
+          <a:p>
+            <a:pPr marL="432000" indent="-324000">
+              <a:lnSpc>
+                <a:spcPct val="100000"/>
+              </a:lnSpc>
+              <a:spcAft>
+                <a:spcPts val="1049"/>
+              </a:spcAft>
+              <a:buClr>
+                <a:srgbClr val="000000"/>
+              </a:buClr>
+              <a:buSzPct val="45000"/>
+              <a:buFont typeface="Wingdings" charset="2"/>
+              <a:buChar char=""/>
+            </a:pPr>
+            <a:r>
+              <a:rPr b="0" lang="pt-BR" sz="2400" spc="-1" strike="noStrike">
+                <a:solidFill>
+                  <a:srgbClr val="000000"/>
+                </a:solidFill>
+                <a:latin typeface="Arial"/>
+                <a:ea typeface="SimSun"/>
+              </a:rPr>
+              <a:t>No VSCodium</a:t>
+            </a:r>
+            <a:endParaRPr b="0" lang="pt-BR" sz="2400" spc="-1" strike="noStrike">
+              <a:solidFill>
+                <a:srgbClr val="000000"/>
+              </a:solidFill>
+              <a:latin typeface="Arial"/>
+            </a:endParaRPr>
+          </a:p>
+          <a:p>
+            <a:pPr lvl="1" marL="864000" indent="-324000">
+              <a:lnSpc>
+                <a:spcPct val="100000"/>
+              </a:lnSpc>
+              <a:spcAft>
+                <a:spcPts val="1026"/>
+              </a:spcAft>
+              <a:buClr>
+                <a:srgbClr val="000000"/>
+              </a:buClr>
+              <a:buSzPct val="45000"/>
+              <a:buFont typeface="Wingdings" charset="2"/>
+              <a:buChar char=""/>
+            </a:pPr>
+            <a:r>
+              <a:rPr b="0" lang="pt-BR" sz="2200" spc="-1" strike="noStrike">
+                <a:solidFill>
+                  <a:srgbClr val="000000"/>
+                </a:solidFill>
+                <a:latin typeface="Arial"/>
+                <a:ea typeface="SimSun"/>
+              </a:rPr>
+              <a:t>Ctrl+Shift+P</a:t>
+            </a:r>
+            <a:endParaRPr b="0" lang="pt-BR" sz="2200" spc="-1" strike="noStrike">
+              <a:solidFill>
+                <a:srgbClr val="000000"/>
+              </a:solidFill>
+              <a:latin typeface="Arial"/>
+            </a:endParaRPr>
+          </a:p>
+          <a:p>
+            <a:pPr lvl="1" marL="864000" indent="-324000">
+              <a:lnSpc>
+                <a:spcPct val="100000"/>
+              </a:lnSpc>
+              <a:spcAft>
+                <a:spcPts val="1026"/>
+              </a:spcAft>
+              <a:buClr>
+                <a:srgbClr val="000000"/>
+              </a:buClr>
+              <a:buSzPct val="45000"/>
+              <a:buFont typeface="Wingdings" charset="2"/>
+              <a:buChar char=""/>
+            </a:pPr>
+            <a:r>
+              <a:rPr b="0" lang="pt-BR" sz="2200" spc="-1" strike="noStrike">
+                <a:solidFill>
+                  <a:srgbClr val="000000"/>
+                </a:solidFill>
+                <a:latin typeface="Arial"/>
+                <a:ea typeface="SimSun"/>
+              </a:rPr>
+              <a:t>Select Python Interpreter</a:t>
+            </a:r>
+            <a:endParaRPr b="0" lang="pt-BR" sz="2200" spc="-1" strike="noStrike">
+              <a:solidFill>
+                <a:srgbClr val="000000"/>
+              </a:solidFill>
+              <a:latin typeface="Arial"/>
+            </a:endParaRPr>
+          </a:p>
+          <a:p>
+            <a:pPr marL="432000" indent="-324000">
+              <a:lnSpc>
+                <a:spcPct val="100000"/>
+              </a:lnSpc>
+              <a:spcAft>
+                <a:spcPts val="1049"/>
+              </a:spcAft>
+              <a:buClr>
+                <a:srgbClr val="000000"/>
+              </a:buClr>
+              <a:buSzPct val="45000"/>
+              <a:buFont typeface="Wingdings" charset="2"/>
+              <a:buChar char=""/>
+            </a:pPr>
+            <a:r>
+              <a:rPr b="0" lang="pt-BR" sz="2400" spc="-1" strike="noStrike">
+                <a:solidFill>
+                  <a:srgbClr val="000000"/>
+                </a:solidFill>
+                <a:latin typeface="Arial"/>
+                <a:ea typeface="SimSun"/>
+              </a:rPr>
+              <a:t>Parar debugar: F5</a:t>
+            </a:r>
+            <a:endParaRPr b="0" lang="pt-BR" sz="2400" spc="-1" strike="noStrike">
+              <a:solidFill>
+                <a:srgbClr val="000000"/>
+              </a:solidFill>
+              <a:latin typeface="Arial"/>
+            </a:endParaRPr>
+          </a:p>
+          <a:p>
+            <a:pPr marL="432000" indent="0">
+              <a:lnSpc>
+                <a:spcPct val="100000"/>
+              </a:lnSpc>
+              <a:spcAft>
+                <a:spcPts val="1049"/>
+              </a:spcAft>
+              <a:buNone/>
+              <a:tabLst>
+                <a:tab algn="l" pos="0"/>
+              </a:tabLst>
+            </a:pPr>
+            <a:endParaRPr b="0" lang="pt-BR" sz="2400" spc="-1" strike="noStrike">
+              <a:solidFill>
+                <a:srgbClr val="000000"/>
+              </a:solidFill>
+              <a:latin typeface="Arial"/>
+            </a:endParaRPr>
+          </a:p>
+        </p:txBody>
+      </p:sp>
+      <p:sp>
+        <p:nvSpPr>
+          <p:cNvPr id="4" name="PlaceHolder 3"/>
+          <p:cNvSpPr>
+            <a:spLocks noGrp="1"/>
+          </p:cNvSpPr>
+          <p:nvPr>
+            <p:ph type="sldNum" idx="5"/>
+          </p:nvPr>
+        </p:nvSpPr>
+        <p:spPr/>
+        <p:txBody>
+          <a:bodyPr/>
+          <a:p>
+            <a:fld id="{5B20CCA0-C8F2-4A71-96A6-75820933ABFB}" type="slidenum">
+              <a:t>17</a:t>
+            </a:fld>
+          </a:p>
+        </p:txBody>
+      </p:sp>
+    </p:spTree>
+  </p:cSld>
+  <mc:AlternateContent>
+    <mc:Choice Requires="p14">
+      <p:transition spd="slow" p14:dur="2000"/>
+    </mc:Choice>
+    <mc:Fallback>
+      <p:transition spd="slow"/>
+    </mc:Fallback>
+  </mc:AlternateContent>
+</p:sld>
+</file>
+
+<file path=ppt/slides/slide18.xml><?xml version="1.0" encoding="utf-8"?>
 <p:sld xmlns:a="http://schemas.openxmlformats.org/drawingml/2006/main" xmlns:p="http://schemas.openxmlformats.org/presentationml/2006/main" xmlns:r="http://schemas.openxmlformats.org/officeDocument/2006/relationships" xmlns:p14="http://schemas.microsoft.com/office/powerpoint/2010/main" xmlns:p15="http://schemas.microsoft.com/office/powerpoint/2012/main" xmlns:mc="http://schemas.openxmlformats.org/markup-compatibility/2006" show="0">
   <p:cSld>
     <p:spTree>
@@ -3635,7 +4965,7 @@
       </p:grpSpPr>
       <p:sp>
         <p:nvSpPr>
-          <p:cNvPr id="53" name="PlaceHolder 1"/>
+          <p:cNvPr id="60" name="PlaceHolder 1"/>
           <p:cNvSpPr>
             <a:spLocks noGrp="1"/>
           </p:cNvSpPr>
@@ -3646,7 +4976,7 @@
         <p:spPr>
           <a:xfrm>
             <a:off x="640080" y="5760"/>
-            <a:ext cx="10699200" cy="1053360"/>
+            <a:ext cx="10698840" cy="1053000"/>
           </a:xfrm>
           <a:prstGeom prst="rect">
             <a:avLst/>
@@ -3692,7 +5022,7 @@
       </p:sp>
       <p:sp>
         <p:nvSpPr>
-          <p:cNvPr id="54" name="PlaceHolder 2"/>
+          <p:cNvPr id="61" name="PlaceHolder 2"/>
           <p:cNvSpPr>
             <a:spLocks noGrp="1"/>
           </p:cNvSpPr>
@@ -3703,7 +5033,7 @@
         <p:spPr>
           <a:xfrm>
             <a:off x="182880" y="1188720"/>
-            <a:ext cx="11795400" cy="3977280"/>
+            <a:ext cx="11795040" cy="3976920"/>
           </a:xfrm>
           <a:prstGeom prst="rect">
             <a:avLst/>
@@ -3795,8 +5125,8 @@
         <p:txBody>
           <a:bodyPr/>
           <a:p>
-            <a:fld id="{2C5C9C4E-1497-48E7-96C0-037B59ABB260}" type="slidenum">
-              <a:t>15</a:t>
+            <a:fld id="{53600679-E8A4-44F9-B974-0D308F8B9A7E}" type="slidenum">
+              <a:t>18</a:t>
             </a:fld>
           </a:p>
         </p:txBody>
@@ -3844,7 +5174,7 @@
         <p:spPr>
           <a:xfrm>
             <a:off x="640080" y="5760"/>
-            <a:ext cx="10699200" cy="1053360"/>
+            <a:ext cx="10698840" cy="1053000"/>
           </a:xfrm>
           <a:prstGeom prst="rect">
             <a:avLst/>
@@ -3901,7 +5231,7 @@
         <p:spPr>
           <a:xfrm>
             <a:off x="182880" y="1188720"/>
-            <a:ext cx="11795400" cy="5513040"/>
+            <a:ext cx="11795040" cy="5512680"/>
           </a:xfrm>
           <a:prstGeom prst="rect">
             <a:avLst/>
@@ -4375,7 +5705,7 @@
         <p:txBody>
           <a:bodyPr/>
           <a:p>
-            <a:fld id="{552CB187-D7CD-4D35-A80B-C31D71E2DAF8}" type="slidenum">
+            <a:fld id="{B911A41A-AE12-49C5-98E6-F1FE84115AED}" type="slidenum">
               <a:t>2</a:t>
             </a:fld>
           </a:p>
@@ -4424,7 +5754,7 @@
         <p:spPr>
           <a:xfrm>
             <a:off x="640080" y="5760"/>
-            <a:ext cx="10699200" cy="1053360"/>
+            <a:ext cx="10698840" cy="1053000"/>
           </a:xfrm>
           <a:prstGeom prst="rect">
             <a:avLst/>
@@ -4481,7 +5811,7 @@
         <p:spPr>
           <a:xfrm>
             <a:off x="182880" y="1188720"/>
-            <a:ext cx="11697120" cy="5470920"/>
+            <a:ext cx="11696760" cy="5470560"/>
           </a:xfrm>
           <a:prstGeom prst="rect">
             <a:avLst/>
@@ -4703,100 +6033,7 @@
                 </a:solidFill>
                 <a:latin typeface="Arial"/>
               </a:rPr>
-              <a:t>Gerenciadores de ambientes:</a:t>
-            </a:r>
-            <a:endParaRPr b="0" lang="pt-BR" sz="2400" spc="-1" strike="noStrike">
-              <a:solidFill>
-                <a:srgbClr val="000000"/>
-              </a:solidFill>
-              <a:latin typeface="Arial"/>
-            </a:endParaRPr>
-          </a:p>
-          <a:p>
-            <a:pPr lvl="1" marL="864000" indent="-324000">
-              <a:lnSpc>
-                <a:spcPct val="100000"/>
-              </a:lnSpc>
-              <a:spcBef>
-                <a:spcPts val="1134"/>
-              </a:spcBef>
-              <a:buClr>
-                <a:srgbClr val="000000"/>
-              </a:buClr>
-              <a:buSzPct val="75000"/>
-              <a:buFont typeface="Symbol" charset="2"/>
-              <a:buChar char=""/>
-            </a:pPr>
-            <a:r>
-              <a:rPr b="0" lang="pt-BR" sz="2400" spc="-1" strike="noStrike">
-                <a:solidFill>
-                  <a:srgbClr val="000000"/>
-                </a:solidFill>
-                <a:latin typeface="Arial"/>
-              </a:rPr>
-              <a:t>Miniforge: Ambiente conda de código aberto. </a:t>
-            </a:r>
-            <a:endParaRPr b="0" lang="pt-BR" sz="2400" spc="-1" strike="noStrike">
-              <a:solidFill>
-                <a:srgbClr val="000000"/>
-              </a:solidFill>
-              <a:latin typeface="Arial"/>
-            </a:endParaRPr>
-          </a:p>
-          <a:p>
-            <a:pPr marL="432000" indent="-324000">
-              <a:lnSpc>
-                <a:spcPct val="100000"/>
-              </a:lnSpc>
-              <a:spcAft>
-                <a:spcPts val="1049"/>
-              </a:spcAft>
-              <a:buClr>
-                <a:srgbClr val="000000"/>
-              </a:buClr>
-              <a:buSzPct val="45000"/>
-              <a:buFont typeface="Wingdings" charset="2"/>
-              <a:buChar char=""/>
-            </a:pPr>
-            <a:r>
-              <a:rPr b="0" lang="pt-BR" sz="2400" spc="-1" strike="noStrike">
-                <a:solidFill>
-                  <a:srgbClr val="000000"/>
-                </a:solidFill>
-                <a:latin typeface="Arial"/>
-              </a:rPr>
-              <a:t>Por que usar ambientes controlados? Para evitar conflito de versões de bibliotecas.</a:t>
-            </a:r>
-            <a:endParaRPr b="0" lang="pt-BR" sz="2400" spc="-1" strike="noStrike">
-              <a:solidFill>
-                <a:srgbClr val="000000"/>
-              </a:solidFill>
-              <a:latin typeface="Arial"/>
-            </a:endParaRPr>
-          </a:p>
-          <a:p>
-            <a:pPr marL="432000" indent="-324000">
-              <a:lnSpc>
-                <a:spcPct val="100000"/>
-              </a:lnSpc>
-              <a:spcAft>
-                <a:spcPts val="1049"/>
-              </a:spcAft>
-              <a:buClr>
-                <a:srgbClr val="000000"/>
-              </a:buClr>
-              <a:buSzPct val="45000"/>
-              <a:buFont typeface="Wingdings" charset="2"/>
-              <a:buChar char=""/>
-            </a:pPr>
-            <a:r>
-              <a:rPr b="0" lang="pt-BR" sz="2400" spc="-1" strike="noStrike">
-                <a:solidFill>
-                  <a:srgbClr val="000000"/>
-                </a:solidFill>
-                <a:latin typeface="Arial"/>
-              </a:rPr>
-              <a:t>https://github.com/conda-forge/miniforge</a:t>
+              <a:t>Principal objetivo: instalar GDAL e QGIS</a:t>
             </a:r>
             <a:endParaRPr b="0" lang="pt-BR" sz="2400" spc="-1" strike="noStrike">
               <a:solidFill>
@@ -4821,7 +6058,7 @@
         <p:txBody>
           <a:bodyPr/>
           <a:p>
-            <a:fld id="{8E972AF4-6B10-452A-87E1-EFF241B58F71}" type="slidenum">
+            <a:fld id="{80704181-6AB6-4EAB-B0B3-8C252B624848}" type="slidenum">
               <a:t>3</a:t>
             </a:fld>
           </a:p>
@@ -4870,7 +6107,7 @@
         <p:spPr>
           <a:xfrm>
             <a:off x="640080" y="5760"/>
-            <a:ext cx="10699200" cy="1053360"/>
+            <a:ext cx="10698840" cy="1053000"/>
           </a:xfrm>
           <a:prstGeom prst="rect">
             <a:avLst/>
@@ -4903,7 +6140,7 @@
                 </a:solidFill>
                 <a:latin typeface="Arial"/>
               </a:rPr>
-              <a:t>Interface de desenvolvimento</a:t>
+              <a:t>Instalação do Python (com ambientes virtuais)</a:t>
             </a:r>
             <a:endParaRPr b="0" lang="pt-BR" sz="3630" spc="-1" strike="noStrike">
               <a:solidFill>
@@ -4927,7 +6164,7 @@
         <p:spPr>
           <a:xfrm>
             <a:off x="182880" y="1188720"/>
-            <a:ext cx="6116760" cy="5470920"/>
+            <a:ext cx="11696760" cy="5470560"/>
           </a:xfrm>
           <a:prstGeom prst="rect">
             <a:avLst/>
@@ -4963,7 +6200,19 @@
                 </a:solidFill>
                 <a:latin typeface="Arial"/>
               </a:rPr>
-              <a:t>Integrated Development Environment (IDE)</a:t>
+              <a:t>Gerenciadores de ambientes:</a:t>
+            </a:r>
+            <a:br>
+              <a:rPr sz="2400"/>
+            </a:br>
+            <a:r>
+              <a:rPr b="0" lang="pt-BR" sz="2400" spc="-1" strike="noStrike">
+                <a:solidFill>
+                  <a:srgbClr val="000000"/>
+                </a:solidFill>
+                <a:latin typeface="Arial"/>
+              </a:rPr>
+              <a:t> </a:t>
             </a:r>
             <a:endParaRPr b="0" lang="pt-BR" sz="2400" spc="-1" strike="noStrike">
               <a:solidFill>
@@ -4973,81 +6222,107 @@
             </a:endParaRPr>
           </a:p>
           <a:p>
-            <a:pPr lvl="1" marL="864000" indent="-324000">
-              <a:lnSpc>
-                <a:spcPct val="100000"/>
-              </a:lnSpc>
-              <a:spcAft>
-                <a:spcPts val="1026"/>
-              </a:spcAft>
-              <a:buClr>
-                <a:srgbClr val="000000"/>
-              </a:buClr>
-              <a:buSzPct val="45000"/>
-              <a:buFont typeface="Wingdings" charset="2"/>
-              <a:buChar char=""/>
-            </a:pPr>
-            <a:r>
-              <a:rPr b="0" lang="pt-BR" sz="2200" spc="-1" strike="noStrike">
-                <a:solidFill>
-                  <a:srgbClr val="000000"/>
-                </a:solidFill>
-                <a:latin typeface="Arial"/>
-              </a:rPr>
-              <a:t>VSCodium (</a:t>
-            </a:r>
-            <a:r>
-              <a:rPr b="0" lang="pt-BR" sz="2200" spc="-1" strike="noStrike" u="sng">
-                <a:solidFill>
-                  <a:srgbClr val="0000ee"/>
-                </a:solidFill>
-                <a:uFillTx/>
-                <a:latin typeface="Arial"/>
-                <a:hlinkClick r:id="rId1"/>
-              </a:rPr>
-              <a:t>https://vscodium.com/</a:t>
-            </a:r>
-            <a:r>
-              <a:rPr b="0" lang="pt-BR" sz="2200" spc="-1" strike="noStrike">
-                <a:solidFill>
-                  <a:srgbClr val="000000"/>
-                </a:solidFill>
-                <a:latin typeface="Arial"/>
-              </a:rPr>
-              <a:t>) </a:t>
-            </a:r>
-            <a:endParaRPr b="0" lang="pt-BR" sz="2200" spc="-1" strike="noStrike">
-              <a:solidFill>
-                <a:srgbClr val="000000"/>
-              </a:solidFill>
-              <a:latin typeface="Arial"/>
-            </a:endParaRPr>
-          </a:p>
-          <a:p>
-            <a:pPr lvl="1" marL="864000" indent="-324000">
-              <a:lnSpc>
-                <a:spcPct val="100000"/>
-              </a:lnSpc>
-              <a:spcAft>
-                <a:spcPts val="1026"/>
-              </a:spcAft>
-              <a:buClr>
-                <a:srgbClr val="000000"/>
-              </a:buClr>
-              <a:buSzPct val="45000"/>
-              <a:buFont typeface="Wingdings" charset="2"/>
-              <a:buChar char=""/>
-            </a:pPr>
-            <a:r>
-              <a:rPr b="0" lang="pt-BR" sz="2200" spc="-1" strike="noStrike">
-                <a:solidFill>
-                  <a:srgbClr val="000000"/>
-                </a:solidFill>
-                <a:latin typeface="Arial"/>
-              </a:rPr>
-              <a:t>Versão código aberto do VSCode</a:t>
-            </a:r>
-            <a:endParaRPr b="0" lang="pt-BR" sz="2200" spc="-1" strike="noStrike">
+            <a:pPr marL="432000" indent="0">
+              <a:lnSpc>
+                <a:spcPct val="100000"/>
+              </a:lnSpc>
+              <a:spcAft>
+                <a:spcPts val="1049"/>
+              </a:spcAft>
+              <a:buNone/>
+            </a:pPr>
+            <a:endParaRPr b="0" lang="pt-BR" sz="2400" spc="-1" strike="noStrike">
+              <a:solidFill>
+                <a:srgbClr val="000000"/>
+              </a:solidFill>
+              <a:latin typeface="Arial"/>
+            </a:endParaRPr>
+          </a:p>
+          <a:p>
+            <a:pPr marL="432000" indent="0">
+              <a:lnSpc>
+                <a:spcPct val="100000"/>
+              </a:lnSpc>
+              <a:spcAft>
+                <a:spcPts val="1049"/>
+              </a:spcAft>
+              <a:buNone/>
+            </a:pPr>
+            <a:endParaRPr b="0" lang="pt-BR" sz="2400" spc="-1" strike="noStrike">
+              <a:solidFill>
+                <a:srgbClr val="000000"/>
+              </a:solidFill>
+              <a:latin typeface="Arial"/>
+            </a:endParaRPr>
+          </a:p>
+          <a:p>
+            <a:pPr marL="432000" indent="0">
+              <a:lnSpc>
+                <a:spcPct val="100000"/>
+              </a:lnSpc>
+              <a:spcAft>
+                <a:spcPts val="1049"/>
+              </a:spcAft>
+              <a:buNone/>
+            </a:pPr>
+            <a:endParaRPr b="0" lang="pt-BR" sz="2400" spc="-1" strike="noStrike">
+              <a:solidFill>
+                <a:srgbClr val="000000"/>
+              </a:solidFill>
+              <a:latin typeface="Arial"/>
+            </a:endParaRPr>
+          </a:p>
+          <a:p>
+            <a:pPr marL="432000" indent="0">
+              <a:lnSpc>
+                <a:spcPct val="100000"/>
+              </a:lnSpc>
+              <a:spcAft>
+                <a:spcPts val="1049"/>
+              </a:spcAft>
+              <a:buNone/>
+            </a:pPr>
+            <a:endParaRPr b="0" lang="pt-BR" sz="2400" spc="-1" strike="noStrike">
+              <a:solidFill>
+                <a:srgbClr val="000000"/>
+              </a:solidFill>
+              <a:latin typeface="Arial"/>
+            </a:endParaRPr>
+          </a:p>
+          <a:p>
+            <a:pPr marL="432000" indent="0">
+              <a:lnSpc>
+                <a:spcPct val="100000"/>
+              </a:lnSpc>
+              <a:spcAft>
+                <a:spcPts val="1049"/>
+              </a:spcAft>
+              <a:buNone/>
+            </a:pPr>
+            <a:endParaRPr b="0" lang="pt-BR" sz="2400" spc="-1" strike="noStrike">
+              <a:solidFill>
+                <a:srgbClr val="000000"/>
+              </a:solidFill>
+              <a:latin typeface="Arial"/>
+            </a:endParaRPr>
+          </a:p>
+          <a:p>
+            <a:pPr marL="432000" indent="0">
+              <a:lnSpc>
+                <a:spcPct val="100000"/>
+              </a:lnSpc>
+              <a:spcAft>
+                <a:spcPts val="1049"/>
+              </a:spcAft>
+              <a:buNone/>
+            </a:pPr>
+            <a:br>
+              <a:rPr sz="2400"/>
+            </a:br>
+            <a:br>
+              <a:rPr sz="2400"/>
+            </a:br>
+            <a:endParaRPr b="0" lang="pt-BR" sz="2400" spc="-1" strike="noStrike">
               <a:solidFill>
                 <a:srgbClr val="000000"/>
               </a:solidFill>
@@ -5076,7 +6351,7 @@
                 </a:solidFill>
                 <a:latin typeface="Arial"/>
               </a:rPr>
-              <a:t>Usaremos para:</a:t>
+              <a:t>GDAL e QGIS: Pixi (recomendado) ou miniforge (conda)</a:t>
             </a:r>
             <a:endParaRPr b="0" lang="pt-BR" sz="2400" spc="-1" strike="noStrike">
               <a:solidFill>
@@ -5086,236 +6361,30 @@
             </a:endParaRPr>
           </a:p>
           <a:p>
-            <a:pPr lvl="1" marL="864000" indent="-324000">
-              <a:lnSpc>
-                <a:spcPct val="100000"/>
-              </a:lnSpc>
-              <a:spcAft>
-                <a:spcPts val="1026"/>
-              </a:spcAft>
-              <a:buClr>
-                <a:srgbClr val="000000"/>
-              </a:buClr>
-              <a:buSzPct val="45000"/>
-              <a:buFont typeface="Wingdings" charset="2"/>
-              <a:buChar char=""/>
-            </a:pPr>
-            <a:r>
-              <a:rPr b="0" lang="pt-BR" sz="2200" spc="-1" strike="noStrike">
-                <a:solidFill>
-                  <a:srgbClr val="000000"/>
-                </a:solidFill>
-                <a:latin typeface="Arial"/>
-              </a:rPr>
-              <a:t>Escrever código python</a:t>
-            </a:r>
-            <a:endParaRPr b="0" lang="pt-BR" sz="2200" spc="-1" strike="noStrike">
-              <a:solidFill>
-                <a:srgbClr val="000000"/>
-              </a:solidFill>
-              <a:latin typeface="Arial"/>
-            </a:endParaRPr>
-          </a:p>
-          <a:p>
-            <a:pPr lvl="1" marL="864000" indent="-324000">
-              <a:lnSpc>
-                <a:spcPct val="100000"/>
-              </a:lnSpc>
-              <a:spcAft>
-                <a:spcPts val="1026"/>
-              </a:spcAft>
-              <a:buClr>
-                <a:srgbClr val="000000"/>
-              </a:buClr>
-              <a:buSzPct val="45000"/>
-              <a:buFont typeface="Wingdings" charset="2"/>
-              <a:buChar char=""/>
-            </a:pPr>
-            <a:r>
-              <a:rPr b="0" lang="pt-BR" sz="2200" spc="-1" strike="noStrike">
-                <a:solidFill>
-                  <a:srgbClr val="000000"/>
-                </a:solidFill>
-                <a:latin typeface="Arial"/>
-              </a:rPr>
-              <a:t>Depuração (Debug)</a:t>
-            </a:r>
-            <a:endParaRPr b="0" lang="pt-BR" sz="2200" spc="-1" strike="noStrike">
-              <a:solidFill>
-                <a:srgbClr val="000000"/>
-              </a:solidFill>
-              <a:latin typeface="Arial"/>
-            </a:endParaRPr>
-          </a:p>
-          <a:p>
-            <a:pPr lvl="1" marL="864000" indent="-324000">
-              <a:lnSpc>
-                <a:spcPct val="100000"/>
-              </a:lnSpc>
-              <a:spcAft>
-                <a:spcPts val="1026"/>
-              </a:spcAft>
-              <a:buClr>
-                <a:srgbClr val="000000"/>
-              </a:buClr>
-              <a:buSzPct val="45000"/>
-              <a:buFont typeface="Wingdings" charset="2"/>
-              <a:buChar char=""/>
-            </a:pPr>
-            <a:r>
-              <a:rPr b="0" lang="pt-BR" sz="2200" spc="-1" strike="noStrike">
-                <a:solidFill>
-                  <a:srgbClr val="000000"/>
-                </a:solidFill>
-                <a:latin typeface="Arial"/>
-              </a:rPr>
-              <a:t>Controle de versões de código (Git)</a:t>
-            </a:r>
-            <a:endParaRPr b="0" lang="pt-BR" sz="2200" spc="-1" strike="noStrike">
-              <a:solidFill>
-                <a:srgbClr val="000000"/>
-              </a:solidFill>
-              <a:latin typeface="Arial"/>
-            </a:endParaRPr>
-          </a:p>
-          <a:p>
-            <a:pPr lvl="1" marL="864000" indent="-324000">
-              <a:lnSpc>
-                <a:spcPct val="100000"/>
-              </a:lnSpc>
-              <a:spcAft>
-                <a:spcPts val="1026"/>
-              </a:spcAft>
-              <a:buClr>
-                <a:srgbClr val="000000"/>
-              </a:buClr>
-              <a:buSzPct val="45000"/>
-              <a:buFont typeface="Wingdings" charset="2"/>
-              <a:buChar char=""/>
-            </a:pPr>
-            <a:r>
-              <a:rPr b="0" lang="pt-BR" sz="2200" spc="-1" strike="noStrike">
-                <a:solidFill>
-                  <a:srgbClr val="000000"/>
-                </a:solidFill>
-                <a:latin typeface="Arial"/>
-              </a:rPr>
-              <a:t>Cadernos jupyter</a:t>
-            </a:r>
-            <a:endParaRPr b="0" lang="pt-BR" sz="2200" spc="-1" strike="noStrike">
-              <a:solidFill>
-                <a:srgbClr val="000000"/>
-              </a:solidFill>
-              <a:latin typeface="Arial"/>
-            </a:endParaRPr>
-          </a:p>
-          <a:p>
-            <a:pPr lvl="1" marL="864000" indent="-324000">
-              <a:lnSpc>
-                <a:spcPct val="100000"/>
-              </a:lnSpc>
-              <a:spcAft>
-                <a:spcPts val="1026"/>
-              </a:spcAft>
-              <a:buClr>
-                <a:srgbClr val="000000"/>
-              </a:buClr>
-              <a:buSzPct val="45000"/>
-              <a:buFont typeface="Wingdings" charset="2"/>
-              <a:buChar char=""/>
-            </a:pPr>
-            <a:r>
-              <a:rPr b="0" lang="pt-BR" sz="2200" spc="-1" strike="noStrike">
-                <a:solidFill>
-                  <a:srgbClr val="000000"/>
-                </a:solidFill>
-                <a:latin typeface="Arial"/>
-              </a:rPr>
-              <a:t>Desenhar diagramas</a:t>
-            </a:r>
-            <a:endParaRPr b="0" lang="pt-BR" sz="2200" spc="-1" strike="noStrike">
-              <a:solidFill>
-                <a:srgbClr val="000000"/>
-              </a:solidFill>
-              <a:latin typeface="Arial"/>
-            </a:endParaRPr>
-          </a:p>
-          <a:p>
-            <a:pPr lvl="2" marL="1296000" indent="-288000">
-              <a:lnSpc>
-                <a:spcPct val="100000"/>
-              </a:lnSpc>
-              <a:spcAft>
-                <a:spcPts val="763"/>
-              </a:spcAft>
-              <a:buClr>
-                <a:srgbClr val="000000"/>
-              </a:buClr>
-              <a:buSzPct val="75000"/>
-              <a:buFont typeface="Symbol" charset="2"/>
-              <a:buChar char=""/>
-            </a:pPr>
-            <a:r>
-              <a:rPr b="0" lang="pt-BR" sz="2000" spc="-1" strike="noStrike">
-                <a:solidFill>
-                  <a:srgbClr val="000000"/>
-                </a:solidFill>
-                <a:latin typeface="Arial"/>
-              </a:rPr>
-              <a:t>Fluxograma</a:t>
-            </a:r>
-            <a:endParaRPr b="0" lang="pt-BR" sz="2000" spc="-1" strike="noStrike">
-              <a:solidFill>
-                <a:srgbClr val="000000"/>
-              </a:solidFill>
-              <a:latin typeface="Arial"/>
-            </a:endParaRPr>
-          </a:p>
-          <a:p>
-            <a:pPr lvl="2" marL="1296000" indent="-288000">
-              <a:lnSpc>
-                <a:spcPct val="100000"/>
-              </a:lnSpc>
-              <a:spcAft>
-                <a:spcPts val="763"/>
-              </a:spcAft>
-              <a:buClr>
-                <a:srgbClr val="000000"/>
-              </a:buClr>
-              <a:buSzPct val="75000"/>
-              <a:buFont typeface="Symbol" charset="2"/>
-              <a:buChar char=""/>
-            </a:pPr>
-            <a:r>
-              <a:rPr b="0" lang="pt-BR" sz="2000" spc="-1" strike="noStrike">
-                <a:solidFill>
-                  <a:srgbClr val="000000"/>
-                </a:solidFill>
-                <a:latin typeface="Arial"/>
-              </a:rPr>
-              <a:t>UML: Classes</a:t>
-            </a:r>
-            <a:endParaRPr b="0" lang="pt-BR" sz="2000" spc="-1" strike="noStrike">
-              <a:solidFill>
-                <a:srgbClr val="000000"/>
-              </a:solidFill>
-              <a:latin typeface="Arial"/>
-            </a:endParaRPr>
-          </a:p>
-          <a:p>
-            <a:pPr marL="864000" indent="0">
-              <a:lnSpc>
-                <a:spcPct val="100000"/>
-              </a:lnSpc>
-              <a:spcAft>
-                <a:spcPts val="1026"/>
-              </a:spcAft>
-              <a:buNone/>
-              <a:tabLst>
-                <a:tab algn="l" pos="0"/>
-              </a:tabLst>
-            </a:pPr>
-            <a:endParaRPr b="0" lang="pt-BR" sz="2200" spc="-1" strike="noStrike">
+            <a:pPr marL="432000" indent="-324000">
+              <a:lnSpc>
+                <a:spcPct val="100000"/>
+              </a:lnSpc>
+              <a:spcAft>
+                <a:spcPts val="1049"/>
+              </a:spcAft>
+              <a:buClr>
+                <a:srgbClr val="000000"/>
+              </a:buClr>
+              <a:buSzPct val="45000"/>
+              <a:buFont typeface="Wingdings" charset="2"/>
+              <a:buChar char=""/>
+            </a:pPr>
+            <a:r>
+              <a:rPr b="0" lang="pt-BR" sz="2400" spc="-1" strike="noStrike">
+                <a:solidFill>
+                  <a:srgbClr val="000000"/>
+                </a:solidFill>
+                <a:latin typeface="Arial"/>
+              </a:rPr>
+              <a:t>Deep learning: uv para pytorch, tensorflow, etc.</a:t>
+            </a:r>
+            <a:endParaRPr b="0" lang="pt-BR" sz="2400" spc="-1" strike="noStrike">
               <a:solidFill>
                 <a:srgbClr val="000000"/>
               </a:solidFill>
@@ -5324,29 +6393,1319 @@
           </a:p>
         </p:txBody>
       </p:sp>
-      <p:pic>
-        <p:nvPicPr>
-          <p:cNvPr id="28" name="" descr=""/>
-          <p:cNvPicPr/>
+      <p:graphicFrame>
+        <p:nvGraphicFramePr>
+          <p:cNvPr id="28" name=""/>
+          <p:cNvGraphicFramePr/>
           <p:nvPr/>
-        </p:nvPicPr>
-        <p:blipFill>
-          <a:blip r:embed="rId2"/>
-          <a:stretch/>
-        </p:blipFill>
-        <p:spPr>
-          <a:xfrm>
-            <a:off x="6660000" y="1383840"/>
-            <a:ext cx="4736520" cy="5095800"/>
-          </a:xfrm>
-          <a:prstGeom prst="rect">
-            <a:avLst/>
-          </a:prstGeom>
-          <a:ln w="0">
-            <a:noFill/>
-          </a:ln>
-        </p:spPr>
-      </p:pic>
+        </p:nvGraphicFramePr>
+        <p:xfrm>
+          <a:off x="200160" y="1547280"/>
+          <a:ext cx="11856960" cy="3852720"/>
+        </p:xfrm>
+        <a:graphic>
+          <a:graphicData uri="http://schemas.openxmlformats.org/drawingml/2006/table">
+            <a:tbl>
+              <a:tblPr/>
+              <a:tblGrid>
+                <a:gridCol w="1303200"/>
+                <a:gridCol w="1965960"/>
+                <a:gridCol w="3128400"/>
+                <a:gridCol w="2525400"/>
+                <a:gridCol w="2934360"/>
+              </a:tblGrid>
+              <a:tr h="670320">
+                <a:tc>
+                  <a:txBody>
+                    <a:bodyPr lIns="36000" rIns="36000" tIns="36000" bIns="36000" anchor="t">
+                      <a:noAutofit/>
+                    </a:bodyPr>
+                    <a:p>
+                      <a:r>
+                        <a:rPr b="0" lang="pt-BR" sz="1800" spc="-1" strike="noStrike">
+                          <a:solidFill>
+                            <a:srgbClr val="000000"/>
+                          </a:solidFill>
+                          <a:latin typeface="Arial"/>
+                        </a:rPr>
+                        <a:t>Ferramenta</a:t>
+                      </a:r>
+                      <a:endParaRPr b="0" lang="pt-BR" sz="1800" spc="-1" strike="noStrike">
+                        <a:solidFill>
+                          <a:srgbClr val="000000"/>
+                        </a:solidFill>
+                        <a:latin typeface="Arial"/>
+                      </a:endParaRPr>
+                    </a:p>
+                  </a:txBody>
+                  <a:tcPr anchor="t" marL="36000" marR="36000">
+                    <a:lnL w="7200">
+                      <a:solidFill>
+                        <a:srgbClr val="000000"/>
+                      </a:solidFill>
+                      <a:prstDash val="solid"/>
+                    </a:lnL>
+                    <a:lnR w="7200">
+                      <a:solidFill>
+                        <a:srgbClr val="000000"/>
+                      </a:solidFill>
+                      <a:prstDash val="solid"/>
+                    </a:lnR>
+                    <a:lnT w="7200">
+                      <a:solidFill>
+                        <a:srgbClr val="000000"/>
+                      </a:solidFill>
+                      <a:prstDash val="solid"/>
+                    </a:lnT>
+                    <a:lnB w="7200">
+                      <a:solidFill>
+                        <a:srgbClr val="000000"/>
+                      </a:solidFill>
+                      <a:prstDash val="solid"/>
+                    </a:lnB>
+                    <a:noFill/>
+                  </a:tcPr>
+                </a:tc>
+                <a:tc>
+                  <a:txBody>
+                    <a:bodyPr lIns="36000" rIns="36000" tIns="36000" bIns="36000" anchor="t">
+                      <a:noAutofit/>
+                    </a:bodyPr>
+                    <a:p>
+                      <a:r>
+                        <a:rPr b="0" lang="pt-BR" sz="1800" spc="-1" strike="noStrike">
+                          <a:solidFill>
+                            <a:srgbClr val="000000"/>
+                          </a:solidFill>
+                          <a:latin typeface="Arial"/>
+                        </a:rPr>
+                        <a:t>Descrição</a:t>
+                      </a:r>
+                      <a:endParaRPr b="0" lang="pt-BR" sz="1800" spc="-1" strike="noStrike">
+                        <a:solidFill>
+                          <a:srgbClr val="000000"/>
+                        </a:solidFill>
+                        <a:latin typeface="Arial"/>
+                      </a:endParaRPr>
+                    </a:p>
+                  </a:txBody>
+                  <a:tcPr anchor="t" marL="36000" marR="36000">
+                    <a:lnL w="7200">
+                      <a:solidFill>
+                        <a:srgbClr val="000000"/>
+                      </a:solidFill>
+                      <a:prstDash val="solid"/>
+                    </a:lnL>
+                    <a:lnR w="7200">
+                      <a:solidFill>
+                        <a:srgbClr val="000000"/>
+                      </a:solidFill>
+                      <a:prstDash val="solid"/>
+                    </a:lnR>
+                    <a:lnT w="7200">
+                      <a:solidFill>
+                        <a:srgbClr val="000000"/>
+                      </a:solidFill>
+                      <a:prstDash val="solid"/>
+                    </a:lnT>
+                    <a:lnB w="7200">
+                      <a:solidFill>
+                        <a:srgbClr val="000000"/>
+                      </a:solidFill>
+                      <a:prstDash val="solid"/>
+                    </a:lnB>
+                    <a:noFill/>
+                  </a:tcPr>
+                </a:tc>
+                <a:tc>
+                  <a:txBody>
+                    <a:bodyPr lIns="36000" rIns="36000" tIns="36000" bIns="36000" anchor="t">
+                      <a:noAutofit/>
+                    </a:bodyPr>
+                    <a:p>
+                      <a:r>
+                        <a:rPr b="0" lang="pt-BR" sz="1800" spc="-1" strike="noStrike">
+                          <a:solidFill>
+                            <a:srgbClr val="000000"/>
+                          </a:solidFill>
+                          <a:latin typeface="Arial"/>
+                        </a:rPr>
+                        <a:t>Gerenciamento de Ambiente</a:t>
+                      </a:r>
+                      <a:endParaRPr b="0" lang="pt-BR" sz="1800" spc="-1" strike="noStrike">
+                        <a:solidFill>
+                          <a:srgbClr val="000000"/>
+                        </a:solidFill>
+                        <a:latin typeface="Arial"/>
+                      </a:endParaRPr>
+                    </a:p>
+                  </a:txBody>
+                  <a:tcPr anchor="t" marL="36000" marR="36000">
+                    <a:lnL w="7200">
+                      <a:solidFill>
+                        <a:srgbClr val="000000"/>
+                      </a:solidFill>
+                      <a:prstDash val="solid"/>
+                    </a:lnL>
+                    <a:lnR w="7200">
+                      <a:solidFill>
+                        <a:srgbClr val="000000"/>
+                      </a:solidFill>
+                      <a:prstDash val="solid"/>
+                    </a:lnR>
+                    <a:lnT w="7200">
+                      <a:solidFill>
+                        <a:srgbClr val="000000"/>
+                      </a:solidFill>
+                      <a:prstDash val="solid"/>
+                    </a:lnT>
+                    <a:lnB w="7200">
+                      <a:solidFill>
+                        <a:srgbClr val="000000"/>
+                      </a:solidFill>
+                      <a:prstDash val="solid"/>
+                    </a:lnB>
+                    <a:noFill/>
+                  </a:tcPr>
+                </a:tc>
+                <a:tc>
+                  <a:txBody>
+                    <a:bodyPr lIns="36000" rIns="36000" tIns="36000" bIns="36000" anchor="t">
+                      <a:noAutofit/>
+                    </a:bodyPr>
+                    <a:p>
+                      <a:r>
+                        <a:rPr b="0" lang="pt-BR" sz="1800" spc="-1" strike="noStrike">
+                          <a:solidFill>
+                            <a:srgbClr val="000000"/>
+                          </a:solidFill>
+                          <a:latin typeface="Arial"/>
+                        </a:rPr>
+                        <a:t>Observações</a:t>
+                      </a:r>
+                      <a:endParaRPr b="0" lang="pt-BR" sz="1800" spc="-1" strike="noStrike">
+                        <a:solidFill>
+                          <a:srgbClr val="000000"/>
+                        </a:solidFill>
+                        <a:latin typeface="Arial"/>
+                      </a:endParaRPr>
+                    </a:p>
+                  </a:txBody>
+                  <a:tcPr anchor="t" marL="36000" marR="36000">
+                    <a:lnL w="7200">
+                      <a:solidFill>
+                        <a:srgbClr val="000000"/>
+                      </a:solidFill>
+                      <a:prstDash val="solid"/>
+                    </a:lnL>
+                    <a:lnR w="7200">
+                      <a:solidFill>
+                        <a:srgbClr val="000000"/>
+                      </a:solidFill>
+                      <a:prstDash val="solid"/>
+                    </a:lnR>
+                    <a:lnT w="7200">
+                      <a:solidFill>
+                        <a:srgbClr val="000000"/>
+                      </a:solidFill>
+                      <a:prstDash val="solid"/>
+                    </a:lnT>
+                    <a:lnB w="7200">
+                      <a:solidFill>
+                        <a:srgbClr val="000000"/>
+                      </a:solidFill>
+                      <a:prstDash val="solid"/>
+                    </a:lnB>
+                    <a:noFill/>
+                  </a:tcPr>
+                </a:tc>
+                <a:tc>
+                  <a:txBody>
+                    <a:bodyPr lIns="36000" rIns="36000" tIns="36000" bIns="36000" anchor="t">
+                      <a:noAutofit/>
+                    </a:bodyPr>
+                    <a:p>
+                      <a:r>
+                        <a:rPr b="0" lang="pt-BR" sz="1800" spc="-1" strike="noStrike">
+                          <a:solidFill>
+                            <a:srgbClr val="000000"/>
+                          </a:solidFill>
+                          <a:latin typeface="Arial"/>
+                        </a:rPr>
+                        <a:t>Link</a:t>
+                      </a:r>
+                      <a:endParaRPr b="0" lang="pt-BR" sz="1800" spc="-1" strike="noStrike">
+                        <a:solidFill>
+                          <a:srgbClr val="000000"/>
+                        </a:solidFill>
+                        <a:latin typeface="Arial"/>
+                      </a:endParaRPr>
+                    </a:p>
+                  </a:txBody>
+                  <a:tcPr anchor="t" marL="36000" marR="36000">
+                    <a:lnL w="7200">
+                      <a:solidFill>
+                        <a:srgbClr val="000000"/>
+                      </a:solidFill>
+                      <a:prstDash val="solid"/>
+                    </a:lnL>
+                    <a:lnR w="7200">
+                      <a:solidFill>
+                        <a:srgbClr val="000000"/>
+                      </a:solidFill>
+                      <a:prstDash val="solid"/>
+                    </a:lnR>
+                    <a:lnT w="7200">
+                      <a:solidFill>
+                        <a:srgbClr val="000000"/>
+                      </a:solidFill>
+                      <a:prstDash val="solid"/>
+                    </a:lnT>
+                    <a:lnB w="7200">
+                      <a:solidFill>
+                        <a:srgbClr val="000000"/>
+                      </a:solidFill>
+                      <a:prstDash val="solid"/>
+                    </a:lnB>
+                    <a:noFill/>
+                  </a:tcPr>
+                </a:tc>
+              </a:tr>
+              <a:tr h="670320">
+                <a:tc>
+                  <a:txBody>
+                    <a:bodyPr lIns="36000" rIns="36000" tIns="36000" bIns="36000" anchor="t">
+                      <a:noAutofit/>
+                    </a:bodyPr>
+                    <a:p>
+                      <a:r>
+                        <a:rPr b="0" lang="pt-BR" sz="1800" spc="-1" strike="noStrike">
+                          <a:solidFill>
+                            <a:srgbClr val="000000"/>
+                          </a:solidFill>
+                          <a:latin typeface="Arial"/>
+                        </a:rPr>
+                        <a:t>pip + venv (nativo)</a:t>
+                      </a:r>
+                      <a:endParaRPr b="0" lang="pt-BR" sz="1800" spc="-1" strike="noStrike">
+                        <a:solidFill>
+                          <a:srgbClr val="000000"/>
+                        </a:solidFill>
+                        <a:latin typeface="Arial"/>
+                      </a:endParaRPr>
+                    </a:p>
+                  </a:txBody>
+                  <a:tcPr anchor="t" marL="36000" marR="36000">
+                    <a:lnL w="7200">
+                      <a:solidFill>
+                        <a:srgbClr val="000000"/>
+                      </a:solidFill>
+                      <a:prstDash val="solid"/>
+                    </a:lnL>
+                    <a:lnR w="7200">
+                      <a:solidFill>
+                        <a:srgbClr val="000000"/>
+                      </a:solidFill>
+                      <a:prstDash val="solid"/>
+                    </a:lnR>
+                    <a:lnT w="7200">
+                      <a:solidFill>
+                        <a:srgbClr val="000000"/>
+                      </a:solidFill>
+                      <a:prstDash val="solid"/>
+                    </a:lnT>
+                    <a:lnB w="7200">
+                      <a:solidFill>
+                        <a:srgbClr val="000000"/>
+                      </a:solidFill>
+                      <a:prstDash val="solid"/>
+                    </a:lnB>
+                    <a:noFill/>
+                  </a:tcPr>
+                </a:tc>
+                <a:tc>
+                  <a:txBody>
+                    <a:bodyPr lIns="36000" rIns="36000" tIns="36000" bIns="36000" anchor="t">
+                      <a:noAutofit/>
+                    </a:bodyPr>
+                    <a:p>
+                      <a:r>
+                        <a:rPr b="0" lang="pt-BR" sz="1800" spc="-1" strike="noStrike">
+                          <a:solidFill>
+                            <a:srgbClr val="000000"/>
+                          </a:solidFill>
+                          <a:latin typeface="Arial"/>
+                        </a:rPr>
+                        <a:t>Gerencia pacotes Python</a:t>
+                      </a:r>
+                      <a:endParaRPr b="0" lang="pt-BR" sz="1800" spc="-1" strike="noStrike">
+                        <a:solidFill>
+                          <a:srgbClr val="000000"/>
+                        </a:solidFill>
+                        <a:latin typeface="Arial"/>
+                      </a:endParaRPr>
+                    </a:p>
+                  </a:txBody>
+                  <a:tcPr anchor="t" marL="36000" marR="36000">
+                    <a:lnL w="7200">
+                      <a:solidFill>
+                        <a:srgbClr val="000000"/>
+                      </a:solidFill>
+                      <a:prstDash val="solid"/>
+                    </a:lnL>
+                    <a:lnR w="7200">
+                      <a:solidFill>
+                        <a:srgbClr val="000000"/>
+                      </a:solidFill>
+                      <a:prstDash val="solid"/>
+                    </a:lnR>
+                    <a:lnT w="7200">
+                      <a:solidFill>
+                        <a:srgbClr val="000000"/>
+                      </a:solidFill>
+                      <a:prstDash val="solid"/>
+                    </a:lnT>
+                    <a:lnB w="7200">
+                      <a:solidFill>
+                        <a:srgbClr val="000000"/>
+                      </a:solidFill>
+                      <a:prstDash val="solid"/>
+                    </a:lnB>
+                    <a:noFill/>
+                  </a:tcPr>
+                </a:tc>
+                <a:tc>
+                  <a:txBody>
+                    <a:bodyPr lIns="36000" rIns="36000" tIns="36000" bIns="36000" anchor="t">
+                      <a:noAutofit/>
+                    </a:bodyPr>
+                    <a:p>
+                      <a:r>
+                        <a:rPr b="0" lang="pt-BR" sz="1800" spc="-1" strike="noStrike">
+                          <a:solidFill>
+                            <a:srgbClr val="000000"/>
+                          </a:solidFill>
+                          <a:latin typeface="Arial"/>
+                        </a:rPr>
+                        <a:t>Ambiente virtual criado dentro da pasta do projeto</a:t>
+                      </a:r>
+                      <a:endParaRPr b="0" lang="pt-BR" sz="1800" spc="-1" strike="noStrike">
+                        <a:solidFill>
+                          <a:srgbClr val="000000"/>
+                        </a:solidFill>
+                        <a:latin typeface="Arial"/>
+                      </a:endParaRPr>
+                    </a:p>
+                  </a:txBody>
+                  <a:tcPr anchor="t" marL="36000" marR="36000">
+                    <a:lnL w="7200">
+                      <a:solidFill>
+                        <a:srgbClr val="000000"/>
+                      </a:solidFill>
+                      <a:prstDash val="solid"/>
+                    </a:lnL>
+                    <a:lnR w="7200">
+                      <a:solidFill>
+                        <a:srgbClr val="000000"/>
+                      </a:solidFill>
+                      <a:prstDash val="solid"/>
+                    </a:lnR>
+                    <a:lnT w="7200">
+                      <a:solidFill>
+                        <a:srgbClr val="000000"/>
+                      </a:solidFill>
+                      <a:prstDash val="solid"/>
+                    </a:lnT>
+                    <a:lnB w="7200">
+                      <a:solidFill>
+                        <a:srgbClr val="000000"/>
+                      </a:solidFill>
+                      <a:prstDash val="solid"/>
+                    </a:lnB>
+                    <a:noFill/>
+                  </a:tcPr>
+                </a:tc>
+                <a:tc>
+                  <a:txBody>
+                    <a:bodyPr lIns="36000" rIns="36000" tIns="36000" bIns="36000" anchor="t">
+                      <a:noAutofit/>
+                    </a:bodyPr>
+                    <a:p>
+                      <a:r>
+                        <a:rPr b="0" lang="pt-BR" sz="1800" spc="-1" strike="noStrike">
+                          <a:solidFill>
+                            <a:srgbClr val="000000"/>
+                          </a:solidFill>
+                          <a:latin typeface="Arial"/>
+                        </a:rPr>
+                        <a:t>Solução padrão do Python</a:t>
+                      </a:r>
+                      <a:endParaRPr b="0" lang="pt-BR" sz="1800" spc="-1" strike="noStrike">
+                        <a:solidFill>
+                          <a:srgbClr val="000000"/>
+                        </a:solidFill>
+                        <a:latin typeface="Arial"/>
+                      </a:endParaRPr>
+                    </a:p>
+                  </a:txBody>
+                  <a:tcPr anchor="t" marL="36000" marR="36000">
+                    <a:lnL w="7200">
+                      <a:solidFill>
+                        <a:srgbClr val="000000"/>
+                      </a:solidFill>
+                      <a:prstDash val="solid"/>
+                    </a:lnL>
+                    <a:lnR w="7200">
+                      <a:solidFill>
+                        <a:srgbClr val="000000"/>
+                      </a:solidFill>
+                      <a:prstDash val="solid"/>
+                    </a:lnR>
+                    <a:lnT w="7200">
+                      <a:solidFill>
+                        <a:srgbClr val="000000"/>
+                      </a:solidFill>
+                      <a:prstDash val="solid"/>
+                    </a:lnT>
+                    <a:lnB w="7200">
+                      <a:solidFill>
+                        <a:srgbClr val="000000"/>
+                      </a:solidFill>
+                      <a:prstDash val="solid"/>
+                    </a:lnB>
+                    <a:noFill/>
+                  </a:tcPr>
+                </a:tc>
+                <a:tc>
+                  <a:txBody>
+                    <a:bodyPr lIns="36000" rIns="36000" tIns="36000" bIns="36000" anchor="t">
+                      <a:noAutofit/>
+                    </a:bodyPr>
+                    <a:p>
+                      <a:r>
+                        <a:rPr b="0" lang="pt-BR" sz="1800" spc="-1" strike="noStrike">
+                          <a:solidFill>
+                            <a:srgbClr val="000000"/>
+                          </a:solidFill>
+                          <a:latin typeface="Arial"/>
+                        </a:rPr>
+                        <a:t>—</a:t>
+                      </a:r>
+                      <a:endParaRPr b="0" lang="pt-BR" sz="1800" spc="-1" strike="noStrike">
+                        <a:solidFill>
+                          <a:srgbClr val="000000"/>
+                        </a:solidFill>
+                        <a:latin typeface="Arial"/>
+                      </a:endParaRPr>
+                    </a:p>
+                  </a:txBody>
+                  <a:tcPr anchor="t" marL="36000" marR="36000">
+                    <a:lnL w="7200">
+                      <a:solidFill>
+                        <a:srgbClr val="000000"/>
+                      </a:solidFill>
+                      <a:prstDash val="solid"/>
+                    </a:lnL>
+                    <a:lnR w="7200">
+                      <a:solidFill>
+                        <a:srgbClr val="000000"/>
+                      </a:solidFill>
+                      <a:prstDash val="solid"/>
+                    </a:lnR>
+                    <a:lnT w="7200">
+                      <a:solidFill>
+                        <a:srgbClr val="000000"/>
+                      </a:solidFill>
+                      <a:prstDash val="solid"/>
+                    </a:lnT>
+                    <a:lnB w="7200">
+                      <a:solidFill>
+                        <a:srgbClr val="000000"/>
+                      </a:solidFill>
+                      <a:prstDash val="solid"/>
+                    </a:lnB>
+                    <a:noFill/>
+                  </a:tcPr>
+                </a:tc>
+              </a:tr>
+              <a:tr h="964080">
+                <a:tc>
+                  <a:txBody>
+                    <a:bodyPr lIns="36000" rIns="36000" tIns="36000" bIns="36000" anchor="t">
+                      <a:noAutofit/>
+                    </a:bodyPr>
+                    <a:p>
+                      <a:r>
+                        <a:rPr b="0" lang="pt-BR" sz="1800" spc="-1" strike="noStrike">
+                          <a:solidFill>
+                            <a:srgbClr val="000000"/>
+                          </a:solidFill>
+                          <a:latin typeface="Arial"/>
+                        </a:rPr>
+                        <a:t>uv</a:t>
+                      </a:r>
+                      <a:endParaRPr b="0" lang="pt-BR" sz="1800" spc="-1" strike="noStrike">
+                        <a:solidFill>
+                          <a:srgbClr val="000000"/>
+                        </a:solidFill>
+                        <a:latin typeface="Arial"/>
+                      </a:endParaRPr>
+                    </a:p>
+                  </a:txBody>
+                  <a:tcPr anchor="t" marL="36000" marR="36000">
+                    <a:lnL w="7200">
+                      <a:solidFill>
+                        <a:srgbClr val="000000"/>
+                      </a:solidFill>
+                      <a:prstDash val="solid"/>
+                    </a:lnL>
+                    <a:lnR w="7200">
+                      <a:solidFill>
+                        <a:srgbClr val="000000"/>
+                      </a:solidFill>
+                      <a:prstDash val="solid"/>
+                    </a:lnR>
+                    <a:lnT w="7200">
+                      <a:solidFill>
+                        <a:srgbClr val="000000"/>
+                      </a:solidFill>
+                      <a:prstDash val="solid"/>
+                    </a:lnT>
+                    <a:lnB w="7200">
+                      <a:solidFill>
+                        <a:srgbClr val="000000"/>
+                      </a:solidFill>
+                      <a:prstDash val="solid"/>
+                    </a:lnB>
+                    <a:noFill/>
+                  </a:tcPr>
+                </a:tc>
+                <a:tc>
+                  <a:txBody>
+                    <a:bodyPr lIns="36000" rIns="36000" tIns="36000" bIns="36000" anchor="t">
+                      <a:noAutofit/>
+                    </a:bodyPr>
+                    <a:p>
+                      <a:r>
+                        <a:rPr b="0" lang="pt-BR" sz="1800" spc="-1" strike="noStrike">
+                          <a:solidFill>
+                            <a:srgbClr val="000000"/>
+                          </a:solidFill>
+                          <a:latin typeface="Arial"/>
+                        </a:rPr>
+                        <a:t>Similar ao pip + venv, porém mais rápido</a:t>
+                      </a:r>
+                      <a:endParaRPr b="0" lang="pt-BR" sz="1800" spc="-1" strike="noStrike">
+                        <a:solidFill>
+                          <a:srgbClr val="000000"/>
+                        </a:solidFill>
+                        <a:latin typeface="Arial"/>
+                      </a:endParaRPr>
+                    </a:p>
+                  </a:txBody>
+                  <a:tcPr anchor="t" marL="36000" marR="36000">
+                    <a:lnL w="7200">
+                      <a:solidFill>
+                        <a:srgbClr val="000000"/>
+                      </a:solidFill>
+                      <a:prstDash val="solid"/>
+                    </a:lnL>
+                    <a:lnR w="7200">
+                      <a:solidFill>
+                        <a:srgbClr val="000000"/>
+                      </a:solidFill>
+                      <a:prstDash val="solid"/>
+                    </a:lnR>
+                    <a:lnT w="7200">
+                      <a:solidFill>
+                        <a:srgbClr val="000000"/>
+                      </a:solidFill>
+                      <a:prstDash val="solid"/>
+                    </a:lnT>
+                    <a:lnB w="7200">
+                      <a:solidFill>
+                        <a:srgbClr val="000000"/>
+                      </a:solidFill>
+                      <a:prstDash val="solid"/>
+                    </a:lnB>
+                    <a:noFill/>
+                  </a:tcPr>
+                </a:tc>
+                <a:tc>
+                  <a:txBody>
+                    <a:bodyPr lIns="36000" rIns="36000" tIns="36000" bIns="36000" anchor="t">
+                      <a:noAutofit/>
+                    </a:bodyPr>
+                    <a:p>
+                      <a:r>
+                        <a:rPr b="0" lang="pt-BR" sz="1800" spc="-1" strike="noStrike">
+                          <a:solidFill>
+                            <a:srgbClr val="000000"/>
+                          </a:solidFill>
+                          <a:latin typeface="Arial"/>
+                        </a:rPr>
+                        <a:t>Pode organizar ambientes e projetos</a:t>
+                      </a:r>
+                      <a:endParaRPr b="0" lang="pt-BR" sz="1800" spc="-1" strike="noStrike">
+                        <a:solidFill>
+                          <a:srgbClr val="000000"/>
+                        </a:solidFill>
+                        <a:latin typeface="Arial"/>
+                      </a:endParaRPr>
+                    </a:p>
+                  </a:txBody>
+                  <a:tcPr anchor="t" marL="36000" marR="36000">
+                    <a:lnL w="7200">
+                      <a:solidFill>
+                        <a:srgbClr val="000000"/>
+                      </a:solidFill>
+                      <a:prstDash val="solid"/>
+                    </a:lnL>
+                    <a:lnR w="7200">
+                      <a:solidFill>
+                        <a:srgbClr val="000000"/>
+                      </a:solidFill>
+                      <a:prstDash val="solid"/>
+                    </a:lnR>
+                    <a:lnT w="7200">
+                      <a:solidFill>
+                        <a:srgbClr val="000000"/>
+                      </a:solidFill>
+                      <a:prstDash val="solid"/>
+                    </a:lnT>
+                    <a:lnB w="7200">
+                      <a:solidFill>
+                        <a:srgbClr val="000000"/>
+                      </a:solidFill>
+                      <a:prstDash val="solid"/>
+                    </a:lnB>
+                    <a:noFill/>
+                  </a:tcPr>
+                </a:tc>
+                <a:tc>
+                  <a:txBody>
+                    <a:bodyPr lIns="36000" rIns="36000" tIns="36000" bIns="36000" anchor="t">
+                      <a:noAutofit/>
+                    </a:bodyPr>
+                    <a:p>
+                      <a:r>
+                        <a:rPr b="0" lang="pt-BR" sz="1800" spc="-1" strike="noStrike">
+                          <a:solidFill>
+                            <a:srgbClr val="000000"/>
+                          </a:solidFill>
+                          <a:latin typeface="Arial"/>
+                        </a:rPr>
+                        <a:t>Foco em desempenho</a:t>
+                      </a:r>
+                      <a:endParaRPr b="0" lang="pt-BR" sz="1800" spc="-1" strike="noStrike">
+                        <a:solidFill>
+                          <a:srgbClr val="000000"/>
+                        </a:solidFill>
+                        <a:latin typeface="Arial"/>
+                      </a:endParaRPr>
+                    </a:p>
+                  </a:txBody>
+                  <a:tcPr anchor="t" marL="36000" marR="36000">
+                    <a:lnL w="7200">
+                      <a:solidFill>
+                        <a:srgbClr val="000000"/>
+                      </a:solidFill>
+                      <a:prstDash val="solid"/>
+                    </a:lnL>
+                    <a:lnR w="7200">
+                      <a:solidFill>
+                        <a:srgbClr val="000000"/>
+                      </a:solidFill>
+                      <a:prstDash val="solid"/>
+                    </a:lnR>
+                    <a:lnT w="7200">
+                      <a:solidFill>
+                        <a:srgbClr val="000000"/>
+                      </a:solidFill>
+                      <a:prstDash val="solid"/>
+                    </a:lnT>
+                    <a:lnB w="7200">
+                      <a:solidFill>
+                        <a:srgbClr val="000000"/>
+                      </a:solidFill>
+                      <a:prstDash val="solid"/>
+                    </a:lnB>
+                    <a:noFill/>
+                  </a:tcPr>
+                </a:tc>
+                <a:tc>
+                  <a:txBody>
+                    <a:bodyPr lIns="36000" rIns="36000" tIns="36000" bIns="36000" anchor="t">
+                      <a:noAutofit/>
+                    </a:bodyPr>
+                    <a:p>
+                      <a:r>
+                        <a:rPr b="0" lang="pt-BR" sz="1800" spc="-1" strike="noStrike">
+                          <a:solidFill>
+                            <a:srgbClr val="000000"/>
+                          </a:solidFill>
+                          <a:latin typeface="Arial"/>
+                          <a:hlinkClick r:id="rId1"/>
+                        </a:rPr>
+                        <a:t>https://docs.astral.sh/uv/</a:t>
+                      </a:r>
+                      <a:endParaRPr b="0" lang="pt-BR" sz="1800" spc="-1" strike="noStrike">
+                        <a:solidFill>
+                          <a:srgbClr val="000000"/>
+                        </a:solidFill>
+                        <a:latin typeface="Arial"/>
+                      </a:endParaRPr>
+                    </a:p>
+                  </a:txBody>
+                  <a:tcPr anchor="t" marL="36000" marR="36000">
+                    <a:lnL w="7200">
+                      <a:solidFill>
+                        <a:srgbClr val="000000"/>
+                      </a:solidFill>
+                      <a:prstDash val="solid"/>
+                    </a:lnL>
+                    <a:lnR w="7200">
+                      <a:solidFill>
+                        <a:srgbClr val="000000"/>
+                      </a:solidFill>
+                      <a:prstDash val="solid"/>
+                    </a:lnR>
+                    <a:lnT w="7200">
+                      <a:solidFill>
+                        <a:srgbClr val="000000"/>
+                      </a:solidFill>
+                      <a:prstDash val="solid"/>
+                    </a:lnT>
+                    <a:lnB w="7200">
+                      <a:solidFill>
+                        <a:srgbClr val="000000"/>
+                      </a:solidFill>
+                      <a:prstDash val="solid"/>
+                    </a:lnB>
+                    <a:noFill/>
+                  </a:tcPr>
+                </a:tc>
+              </a:tr>
+              <a:tr h="964080">
+                <a:tc>
+                  <a:txBody>
+                    <a:bodyPr lIns="36000" rIns="36000" tIns="36000" bIns="36000" anchor="t">
+                      <a:noAutofit/>
+                    </a:bodyPr>
+                    <a:p>
+                      <a:r>
+                        <a:rPr b="0" lang="pt-BR" sz="1800" spc="-1" strike="noStrike">
+                          <a:solidFill>
+                            <a:srgbClr val="000000"/>
+                          </a:solidFill>
+                          <a:latin typeface="Arial"/>
+                        </a:rPr>
+                        <a:t>Conda (Miniforge)</a:t>
+                      </a:r>
+                      <a:endParaRPr b="0" lang="pt-BR" sz="1800" spc="-1" strike="noStrike">
+                        <a:solidFill>
+                          <a:srgbClr val="000000"/>
+                        </a:solidFill>
+                        <a:latin typeface="Arial"/>
+                      </a:endParaRPr>
+                    </a:p>
+                  </a:txBody>
+                  <a:tcPr anchor="t" marL="36000" marR="36000">
+                    <a:lnL w="7200">
+                      <a:solidFill>
+                        <a:srgbClr val="000000"/>
+                      </a:solidFill>
+                      <a:prstDash val="solid"/>
+                    </a:lnL>
+                    <a:lnR w="7200">
+                      <a:solidFill>
+                        <a:srgbClr val="000000"/>
+                      </a:solidFill>
+                      <a:prstDash val="solid"/>
+                    </a:lnR>
+                    <a:lnT w="7200">
+                      <a:solidFill>
+                        <a:srgbClr val="000000"/>
+                      </a:solidFill>
+                      <a:prstDash val="solid"/>
+                    </a:lnT>
+                    <a:lnB w="7200">
+                      <a:solidFill>
+                        <a:srgbClr val="000000"/>
+                      </a:solidFill>
+                      <a:prstDash val="solid"/>
+                    </a:lnB>
+                    <a:noFill/>
+                  </a:tcPr>
+                </a:tc>
+                <a:tc>
+                  <a:txBody>
+                    <a:bodyPr lIns="36000" rIns="36000" tIns="36000" bIns="36000" anchor="t">
+                      <a:noAutofit/>
+                    </a:bodyPr>
+                    <a:p>
+                      <a:r>
+                        <a:rPr b="0" lang="pt-BR" sz="1800" spc="-1" strike="noStrike">
+                          <a:solidFill>
+                            <a:srgbClr val="000000"/>
+                          </a:solidFill>
+                          <a:latin typeface="Arial"/>
+                        </a:rPr>
+                        <a:t>Gerencia pacotes Python e não Python</a:t>
+                      </a:r>
+                      <a:endParaRPr b="0" lang="pt-BR" sz="1800" spc="-1" strike="noStrike">
+                        <a:solidFill>
+                          <a:srgbClr val="000000"/>
+                        </a:solidFill>
+                        <a:latin typeface="Arial"/>
+                      </a:endParaRPr>
+                    </a:p>
+                  </a:txBody>
+                  <a:tcPr anchor="t" marL="36000" marR="36000">
+                    <a:lnL w="7200">
+                      <a:solidFill>
+                        <a:srgbClr val="000000"/>
+                      </a:solidFill>
+                      <a:prstDash val="solid"/>
+                    </a:lnL>
+                    <a:lnR w="7200">
+                      <a:solidFill>
+                        <a:srgbClr val="000000"/>
+                      </a:solidFill>
+                      <a:prstDash val="solid"/>
+                    </a:lnR>
+                    <a:lnT w="7200">
+                      <a:solidFill>
+                        <a:srgbClr val="000000"/>
+                      </a:solidFill>
+                      <a:prstDash val="solid"/>
+                    </a:lnT>
+                    <a:lnB w="7200">
+                      <a:solidFill>
+                        <a:srgbClr val="000000"/>
+                      </a:solidFill>
+                      <a:prstDash val="solid"/>
+                    </a:lnB>
+                    <a:noFill/>
+                  </a:tcPr>
+                </a:tc>
+                <a:tc>
+                  <a:txBody>
+                    <a:bodyPr lIns="36000" rIns="36000" tIns="36000" bIns="36000" anchor="t">
+                      <a:noAutofit/>
+                    </a:bodyPr>
+                    <a:p>
+                      <a:r>
+                        <a:rPr b="0" lang="pt-BR" sz="1800" spc="-1" strike="noStrike">
+                          <a:solidFill>
+                            <a:srgbClr val="000000"/>
+                          </a:solidFill>
+                          <a:latin typeface="Arial"/>
+                        </a:rPr>
+                        <a:t>Ambientes organizados na estrutura do Conda</a:t>
+                      </a:r>
+                      <a:endParaRPr b="0" lang="pt-BR" sz="1800" spc="-1" strike="noStrike">
+                        <a:solidFill>
+                          <a:srgbClr val="000000"/>
+                        </a:solidFill>
+                        <a:latin typeface="Arial"/>
+                      </a:endParaRPr>
+                    </a:p>
+                  </a:txBody>
+                  <a:tcPr anchor="t" marL="36000" marR="36000">
+                    <a:lnL w="7200">
+                      <a:solidFill>
+                        <a:srgbClr val="000000"/>
+                      </a:solidFill>
+                      <a:prstDash val="solid"/>
+                    </a:lnL>
+                    <a:lnR w="7200">
+                      <a:solidFill>
+                        <a:srgbClr val="000000"/>
+                      </a:solidFill>
+                      <a:prstDash val="solid"/>
+                    </a:lnR>
+                    <a:lnT w="7200">
+                      <a:solidFill>
+                        <a:srgbClr val="000000"/>
+                      </a:solidFill>
+                      <a:prstDash val="solid"/>
+                    </a:lnT>
+                    <a:lnB w="7200">
+                      <a:solidFill>
+                        <a:srgbClr val="000000"/>
+                      </a:solidFill>
+                      <a:prstDash val="solid"/>
+                    </a:lnB>
+                    <a:noFill/>
+                  </a:tcPr>
+                </a:tc>
+                <a:tc>
+                  <a:txBody>
+                    <a:bodyPr lIns="36000" rIns="36000" tIns="36000" bIns="36000" anchor="t">
+                      <a:noAutofit/>
+                    </a:bodyPr>
+                    <a:p>
+                      <a:r>
+                        <a:rPr b="0" lang="pt-BR" sz="1800" spc="-1" strike="noStrike">
+                          <a:solidFill>
+                            <a:srgbClr val="000000"/>
+                          </a:solidFill>
+                          <a:latin typeface="Arial"/>
+                        </a:rPr>
+                        <a:t>Muito usado em ciência de dados</a:t>
+                      </a:r>
+                      <a:endParaRPr b="0" lang="pt-BR" sz="1800" spc="-1" strike="noStrike">
+                        <a:solidFill>
+                          <a:srgbClr val="000000"/>
+                        </a:solidFill>
+                        <a:latin typeface="Arial"/>
+                      </a:endParaRPr>
+                    </a:p>
+                  </a:txBody>
+                  <a:tcPr anchor="t" marL="36000" marR="36000">
+                    <a:lnL w="7200">
+                      <a:solidFill>
+                        <a:srgbClr val="000000"/>
+                      </a:solidFill>
+                      <a:prstDash val="solid"/>
+                    </a:lnL>
+                    <a:lnR w="7200">
+                      <a:solidFill>
+                        <a:srgbClr val="000000"/>
+                      </a:solidFill>
+                      <a:prstDash val="solid"/>
+                    </a:lnR>
+                    <a:lnT w="7200">
+                      <a:solidFill>
+                        <a:srgbClr val="000000"/>
+                      </a:solidFill>
+                      <a:prstDash val="solid"/>
+                    </a:lnT>
+                    <a:lnB w="7200">
+                      <a:solidFill>
+                        <a:srgbClr val="000000"/>
+                      </a:solidFill>
+                      <a:prstDash val="solid"/>
+                    </a:lnB>
+                    <a:noFill/>
+                  </a:tcPr>
+                </a:tc>
+                <a:tc>
+                  <a:txBody>
+                    <a:bodyPr lIns="36000" rIns="36000" tIns="36000" bIns="36000" anchor="t">
+                      <a:noAutofit/>
+                    </a:bodyPr>
+                    <a:p>
+                      <a:r>
+                        <a:rPr b="0" lang="pt-BR" sz="1800" spc="-1" strike="noStrike">
+                          <a:solidFill>
+                            <a:srgbClr val="000000"/>
+                          </a:solidFill>
+                          <a:latin typeface="Arial"/>
+                          <a:hlinkClick r:id="rId2"/>
+                        </a:rPr>
+                        <a:t>https://github.com/conda-forge/miniforge</a:t>
+                      </a:r>
+                      <a:endParaRPr b="0" lang="pt-BR" sz="1800" spc="-1" strike="noStrike">
+                        <a:solidFill>
+                          <a:srgbClr val="000000"/>
+                        </a:solidFill>
+                        <a:latin typeface="Arial"/>
+                      </a:endParaRPr>
+                    </a:p>
+                  </a:txBody>
+                  <a:tcPr anchor="t" marL="36000" marR="36000">
+                    <a:lnL w="7200">
+                      <a:solidFill>
+                        <a:srgbClr val="000000"/>
+                      </a:solidFill>
+                      <a:prstDash val="solid"/>
+                    </a:lnL>
+                    <a:lnR w="7200">
+                      <a:solidFill>
+                        <a:srgbClr val="000000"/>
+                      </a:solidFill>
+                      <a:prstDash val="solid"/>
+                    </a:lnR>
+                    <a:lnT w="7200">
+                      <a:solidFill>
+                        <a:srgbClr val="000000"/>
+                      </a:solidFill>
+                      <a:prstDash val="solid"/>
+                    </a:lnT>
+                    <a:lnB w="7200">
+                      <a:solidFill>
+                        <a:srgbClr val="000000"/>
+                      </a:solidFill>
+                      <a:prstDash val="solid"/>
+                    </a:lnB>
+                    <a:noFill/>
+                  </a:tcPr>
+                </a:tc>
+              </a:tr>
+              <a:tr h="216000">
+                <a:tc>
+                  <a:txBody>
+                    <a:bodyPr lIns="36000" rIns="36000" tIns="36000" bIns="36000" anchor="t">
+                      <a:noAutofit/>
+                    </a:bodyPr>
+                    <a:p>
+                      <a:r>
+                        <a:rPr b="0" lang="pt-BR" sz="1800" spc="-1" strike="noStrike">
+                          <a:solidFill>
+                            <a:srgbClr val="000000"/>
+                          </a:solidFill>
+                          <a:latin typeface="Arial"/>
+                        </a:rPr>
+                        <a:t>Pixi</a:t>
+                      </a:r>
+                      <a:endParaRPr b="0" lang="pt-BR" sz="1800" spc="-1" strike="noStrike">
+                        <a:solidFill>
+                          <a:srgbClr val="000000"/>
+                        </a:solidFill>
+                        <a:latin typeface="Arial"/>
+                      </a:endParaRPr>
+                    </a:p>
+                  </a:txBody>
+                  <a:tcPr anchor="t" marL="36000" marR="36000">
+                    <a:lnL w="7200">
+                      <a:solidFill>
+                        <a:srgbClr val="000000"/>
+                      </a:solidFill>
+                      <a:prstDash val="solid"/>
+                    </a:lnL>
+                    <a:lnR w="7200">
+                      <a:solidFill>
+                        <a:srgbClr val="000000"/>
+                      </a:solidFill>
+                      <a:prstDash val="solid"/>
+                    </a:lnR>
+                    <a:lnT w="7200">
+                      <a:solidFill>
+                        <a:srgbClr val="000000"/>
+                      </a:solidFill>
+                      <a:prstDash val="solid"/>
+                    </a:lnT>
+                    <a:lnB w="7200">
+                      <a:solidFill>
+                        <a:srgbClr val="000000"/>
+                      </a:solidFill>
+                      <a:prstDash val="solid"/>
+                    </a:lnB>
+                    <a:noFill/>
+                  </a:tcPr>
+                </a:tc>
+                <a:tc>
+                  <a:txBody>
+                    <a:bodyPr lIns="36000" rIns="36000" tIns="36000" bIns="36000" anchor="t">
+                      <a:noAutofit/>
+                    </a:bodyPr>
+                    <a:p>
+                      <a:r>
+                        <a:rPr b="0" lang="pt-BR" sz="1800" spc="-1" strike="noStrike">
+                          <a:solidFill>
+                            <a:srgbClr val="000000"/>
+                          </a:solidFill>
+                          <a:latin typeface="Arial"/>
+                        </a:rPr>
+                        <a:t>Similar ao Conda, porém mais rápido</a:t>
+                      </a:r>
+                      <a:endParaRPr b="0" lang="pt-BR" sz="1800" spc="-1" strike="noStrike">
+                        <a:solidFill>
+                          <a:srgbClr val="000000"/>
+                        </a:solidFill>
+                        <a:latin typeface="Arial"/>
+                      </a:endParaRPr>
+                    </a:p>
+                  </a:txBody>
+                  <a:tcPr anchor="t" marL="36000" marR="36000">
+                    <a:lnL w="7200">
+                      <a:solidFill>
+                        <a:srgbClr val="000000"/>
+                      </a:solidFill>
+                      <a:prstDash val="solid"/>
+                    </a:lnL>
+                    <a:lnR w="7200">
+                      <a:solidFill>
+                        <a:srgbClr val="000000"/>
+                      </a:solidFill>
+                      <a:prstDash val="solid"/>
+                    </a:lnR>
+                    <a:lnT w="7200">
+                      <a:solidFill>
+                        <a:srgbClr val="000000"/>
+                      </a:solidFill>
+                      <a:prstDash val="solid"/>
+                    </a:lnT>
+                    <a:lnB w="7200">
+                      <a:solidFill>
+                        <a:srgbClr val="000000"/>
+                      </a:solidFill>
+                      <a:prstDash val="solid"/>
+                    </a:lnB>
+                    <a:noFill/>
+                  </a:tcPr>
+                </a:tc>
+                <a:tc>
+                  <a:txBody>
+                    <a:bodyPr lIns="36000" rIns="36000" tIns="36000" bIns="36000" anchor="t">
+                      <a:noAutofit/>
+                    </a:bodyPr>
+                    <a:p>
+                      <a:r>
+                        <a:rPr b="0" lang="pt-BR" sz="1800" spc="-1" strike="noStrike">
+                          <a:solidFill>
+                            <a:srgbClr val="000000"/>
+                          </a:solidFill>
+                          <a:latin typeface="Arial"/>
+                        </a:rPr>
+                        <a:t>Ambientes no estilo Conda</a:t>
+                      </a:r>
+                      <a:endParaRPr b="0" lang="pt-BR" sz="1800" spc="-1" strike="noStrike">
+                        <a:solidFill>
+                          <a:srgbClr val="000000"/>
+                        </a:solidFill>
+                        <a:latin typeface="Arial"/>
+                      </a:endParaRPr>
+                    </a:p>
+                  </a:txBody>
+                  <a:tcPr anchor="t" marL="36000" marR="36000">
+                    <a:lnL w="7200">
+                      <a:solidFill>
+                        <a:srgbClr val="000000"/>
+                      </a:solidFill>
+                      <a:prstDash val="solid"/>
+                    </a:lnL>
+                    <a:lnR w="7200">
+                      <a:solidFill>
+                        <a:srgbClr val="000000"/>
+                      </a:solidFill>
+                      <a:prstDash val="solid"/>
+                    </a:lnR>
+                    <a:lnT w="7200">
+                      <a:solidFill>
+                        <a:srgbClr val="000000"/>
+                      </a:solidFill>
+                      <a:prstDash val="solid"/>
+                    </a:lnT>
+                    <a:lnB w="7200">
+                      <a:solidFill>
+                        <a:srgbClr val="000000"/>
+                      </a:solidFill>
+                      <a:prstDash val="solid"/>
+                    </a:lnB>
+                    <a:noFill/>
+                  </a:tcPr>
+                </a:tc>
+                <a:tc>
+                  <a:txBody>
+                    <a:bodyPr lIns="36000" rIns="36000" tIns="36000" bIns="36000" anchor="t">
+                      <a:noAutofit/>
+                    </a:bodyPr>
+                    <a:p>
+                      <a:r>
+                        <a:rPr b="0" lang="pt-BR" sz="1800" spc="-1" strike="noStrike">
+                          <a:solidFill>
+                            <a:srgbClr val="000000"/>
+                          </a:solidFill>
+                          <a:latin typeface="Arial"/>
+                        </a:rPr>
+                        <a:t>Considerado substituto do Conda</a:t>
+                      </a:r>
+                      <a:endParaRPr b="0" lang="pt-BR" sz="1800" spc="-1" strike="noStrike">
+                        <a:solidFill>
+                          <a:srgbClr val="000000"/>
+                        </a:solidFill>
+                        <a:latin typeface="Arial"/>
+                      </a:endParaRPr>
+                    </a:p>
+                  </a:txBody>
+                  <a:tcPr anchor="t" marL="36000" marR="36000">
+                    <a:lnL w="7200">
+                      <a:solidFill>
+                        <a:srgbClr val="000000"/>
+                      </a:solidFill>
+                      <a:prstDash val="solid"/>
+                    </a:lnL>
+                    <a:lnR w="7200">
+                      <a:solidFill>
+                        <a:srgbClr val="000000"/>
+                      </a:solidFill>
+                      <a:prstDash val="solid"/>
+                    </a:lnR>
+                    <a:lnT w="7200">
+                      <a:solidFill>
+                        <a:srgbClr val="000000"/>
+                      </a:solidFill>
+                      <a:prstDash val="solid"/>
+                    </a:lnT>
+                    <a:lnB w="7200">
+                      <a:solidFill>
+                        <a:srgbClr val="000000"/>
+                      </a:solidFill>
+                      <a:prstDash val="solid"/>
+                    </a:lnB>
+                    <a:noFill/>
+                  </a:tcPr>
+                </a:tc>
+                <a:tc>
+                  <a:txBody>
+                    <a:bodyPr lIns="36000" rIns="36000" tIns="36000" bIns="36000" anchor="t">
+                      <a:noAutofit/>
+                    </a:bodyPr>
+                    <a:p>
+                      <a:r>
+                        <a:rPr b="0" lang="pt-BR" sz="1800" spc="-1" strike="noStrike">
+                          <a:solidFill>
+                            <a:srgbClr val="000000"/>
+                          </a:solidFill>
+                          <a:latin typeface="Arial"/>
+                          <a:hlinkClick r:id="rId3"/>
+                        </a:rPr>
+                        <a:t>https://pixi.prefix.dev/latest/</a:t>
+                      </a:r>
+                      <a:endParaRPr b="0" lang="pt-BR" sz="1800" spc="-1" strike="noStrike">
+                        <a:solidFill>
+                          <a:srgbClr val="000000"/>
+                        </a:solidFill>
+                        <a:latin typeface="Arial"/>
+                      </a:endParaRPr>
+                    </a:p>
+                  </a:txBody>
+                  <a:tcPr anchor="t" marL="36000" marR="36000">
+                    <a:lnL w="7200">
+                      <a:solidFill>
+                        <a:srgbClr val="000000"/>
+                      </a:solidFill>
+                      <a:prstDash val="solid"/>
+                    </a:lnL>
+                    <a:lnR w="7200">
+                      <a:solidFill>
+                        <a:srgbClr val="000000"/>
+                      </a:solidFill>
+                      <a:prstDash val="solid"/>
+                    </a:lnR>
+                    <a:lnT w="7200">
+                      <a:solidFill>
+                        <a:srgbClr val="000000"/>
+                      </a:solidFill>
+                      <a:prstDash val="solid"/>
+                    </a:lnT>
+                    <a:lnB w="7200">
+                      <a:solidFill>
+                        <a:srgbClr val="000000"/>
+                      </a:solidFill>
+                      <a:prstDash val="solid"/>
+                    </a:lnB>
+                    <a:noFill/>
+                  </a:tcPr>
+                </a:tc>
+              </a:tr>
+            </a:tbl>
+          </a:graphicData>
+        </a:graphic>
+      </p:graphicFrame>
       <p:sp>
         <p:nvSpPr>
           <p:cNvPr id="4" name="PlaceHolder 3"/>
@@ -5361,7 +7720,7 @@
         <p:txBody>
           <a:bodyPr/>
           <a:p>
-            <a:fld id="{BAF45BB0-AA4D-4E58-92A8-78895443E726}" type="slidenum">
+            <a:fld id="{835563BB-B7E6-4DBF-B113-1670CA147CFC}" type="slidenum">
               <a:t>4</a:t>
             </a:fld>
           </a:p>
@@ -5410,7 +7769,7 @@
         <p:spPr>
           <a:xfrm>
             <a:off x="640080" y="5760"/>
-            <a:ext cx="10699200" cy="1053360"/>
+            <a:ext cx="10698840" cy="1053000"/>
           </a:xfrm>
           <a:prstGeom prst="rect">
             <a:avLst/>
@@ -5467,7 +7826,7 @@
         <p:spPr>
           <a:xfrm>
             <a:off x="182880" y="1188720"/>
-            <a:ext cx="11795400" cy="3977280"/>
+            <a:ext cx="6116400" cy="5470560"/>
           </a:xfrm>
           <a:prstGeom prst="rect">
             <a:avLst/>
@@ -5503,7 +7862,7 @@
                 </a:solidFill>
                 <a:latin typeface="Arial"/>
               </a:rPr>
-              <a:t>Caso ainda não tenha instalado, essa é a hora de instalar o VSCodium</a:t>
+              <a:t>Integrated Development Environment (IDE)</a:t>
             </a:r>
             <a:endParaRPr b="0" lang="pt-BR" sz="2400" spc="-1" strike="noStrike">
               <a:solidFill>
@@ -5534,7 +7893,27 @@
                 </a:solidFill>
                 <a:latin typeface="Arial"/>
               </a:rPr>
-              <a:t>Windows: winget VSCodium.VSCodium</a:t>
+              <a:t>VSCodium (</a:t>
+            </a:r>
+            <a:r>
+              <a:rPr b="0" lang="pt-BR" sz="2200" spc="-1" strike="noStrike" u="sng">
+                <a:solidFill>
+                  <a:srgbClr val="0000ee"/>
+                </a:solidFill>
+                <a:uFillTx/>
+                <a:latin typeface="Arial"/>
+                <a:hlinkClick r:id="rId1"/>
+              </a:rPr>
+              <a:t>https://vscodium.com/</a:t>
+            </a:r>
+            <a:r>
+              <a:rPr b="0" lang="pt-BR" sz="2200" spc="-1" strike="noStrike">
+                <a:solidFill>
+                  <a:srgbClr val="000000"/>
+                </a:solidFill>
+                <a:latin typeface="Arial"/>
+              </a:rPr>
+              <a:t>) </a:t>
             </a:r>
             <a:endParaRPr b="0" lang="pt-BR" sz="2200" spc="-1" strike="noStrike">
               <a:solidFill>
@@ -5565,8 +7944,276 @@
                 </a:solidFill>
                 <a:latin typeface="Arial"/>
               </a:rPr>
-              <a:t>Linux: Baixar .deb em https://github.com/VSCodium/vscodium/releases</a:t>
-            </a:r>
+              <a:t>Versão código aberto do VSCode</a:t>
+            </a:r>
+            <a:endParaRPr b="0" lang="pt-BR" sz="2200" spc="-1" strike="noStrike">
+              <a:solidFill>
+                <a:srgbClr val="000000"/>
+              </a:solidFill>
+              <a:latin typeface="Arial"/>
+            </a:endParaRPr>
+          </a:p>
+          <a:p>
+            <a:pPr marL="432000" indent="-324000">
+              <a:lnSpc>
+                <a:spcPct val="100000"/>
+              </a:lnSpc>
+              <a:spcAft>
+                <a:spcPts val="1049"/>
+              </a:spcAft>
+              <a:buClr>
+                <a:srgbClr val="000000"/>
+              </a:buClr>
+              <a:buSzPct val="45000"/>
+              <a:buFont typeface="Wingdings" charset="2"/>
+              <a:buChar char=""/>
+            </a:pPr>
+            <a:r>
+              <a:rPr b="0" lang="pt-BR" sz="2400" spc="-1" strike="noStrike">
+                <a:solidFill>
+                  <a:srgbClr val="000000"/>
+                </a:solidFill>
+                <a:latin typeface="Arial"/>
+              </a:rPr>
+              <a:t>Usaremos para:</a:t>
+            </a:r>
+            <a:endParaRPr b="0" lang="pt-BR" sz="2400" spc="-1" strike="noStrike">
+              <a:solidFill>
+                <a:srgbClr val="000000"/>
+              </a:solidFill>
+              <a:latin typeface="Arial"/>
+            </a:endParaRPr>
+          </a:p>
+          <a:p>
+            <a:pPr lvl="1" marL="864000" indent="-324000">
+              <a:lnSpc>
+                <a:spcPct val="100000"/>
+              </a:lnSpc>
+              <a:spcAft>
+                <a:spcPts val="1026"/>
+              </a:spcAft>
+              <a:buClr>
+                <a:srgbClr val="000000"/>
+              </a:buClr>
+              <a:buSzPct val="45000"/>
+              <a:buFont typeface="Wingdings" charset="2"/>
+              <a:buChar char=""/>
+            </a:pPr>
+            <a:r>
+              <a:rPr b="0" lang="pt-BR" sz="2200" spc="-1" strike="noStrike">
+                <a:solidFill>
+                  <a:srgbClr val="000000"/>
+                </a:solidFill>
+                <a:latin typeface="Arial"/>
+              </a:rPr>
+              <a:t>Escrever código python</a:t>
+            </a:r>
+            <a:endParaRPr b="0" lang="pt-BR" sz="2200" spc="-1" strike="noStrike">
+              <a:solidFill>
+                <a:srgbClr val="000000"/>
+              </a:solidFill>
+              <a:latin typeface="Arial"/>
+            </a:endParaRPr>
+          </a:p>
+          <a:p>
+            <a:pPr lvl="1" marL="864000" indent="-324000">
+              <a:lnSpc>
+                <a:spcPct val="100000"/>
+              </a:lnSpc>
+              <a:spcAft>
+                <a:spcPts val="1026"/>
+              </a:spcAft>
+              <a:buClr>
+                <a:srgbClr val="000000"/>
+              </a:buClr>
+              <a:buSzPct val="45000"/>
+              <a:buFont typeface="Wingdings" charset="2"/>
+              <a:buChar char=""/>
+            </a:pPr>
+            <a:r>
+              <a:rPr b="0" lang="pt-BR" sz="2200" spc="-1" strike="noStrike">
+                <a:solidFill>
+                  <a:srgbClr val="000000"/>
+                </a:solidFill>
+                <a:latin typeface="Arial"/>
+              </a:rPr>
+              <a:t>Depuração (Debug)</a:t>
+            </a:r>
+            <a:endParaRPr b="0" lang="pt-BR" sz="2200" spc="-1" strike="noStrike">
+              <a:solidFill>
+                <a:srgbClr val="000000"/>
+              </a:solidFill>
+              <a:latin typeface="Arial"/>
+            </a:endParaRPr>
+          </a:p>
+          <a:p>
+            <a:pPr lvl="1" marL="864000" indent="-324000">
+              <a:lnSpc>
+                <a:spcPct val="100000"/>
+              </a:lnSpc>
+              <a:spcAft>
+                <a:spcPts val="1026"/>
+              </a:spcAft>
+              <a:buClr>
+                <a:srgbClr val="000000"/>
+              </a:buClr>
+              <a:buSzPct val="45000"/>
+              <a:buFont typeface="Wingdings" charset="2"/>
+              <a:buChar char=""/>
+            </a:pPr>
+            <a:r>
+              <a:rPr b="0" lang="pt-BR" sz="2200" spc="-1" strike="noStrike">
+                <a:solidFill>
+                  <a:srgbClr val="000000"/>
+                </a:solidFill>
+                <a:latin typeface="Arial"/>
+              </a:rPr>
+              <a:t>Controle de versões de código (Git)</a:t>
+            </a:r>
+            <a:endParaRPr b="0" lang="pt-BR" sz="2200" spc="-1" strike="noStrike">
+              <a:solidFill>
+                <a:srgbClr val="000000"/>
+              </a:solidFill>
+              <a:latin typeface="Arial"/>
+            </a:endParaRPr>
+          </a:p>
+          <a:p>
+            <a:pPr lvl="1" marL="864000" indent="-324000">
+              <a:lnSpc>
+                <a:spcPct val="100000"/>
+              </a:lnSpc>
+              <a:spcAft>
+                <a:spcPts val="1026"/>
+              </a:spcAft>
+              <a:buClr>
+                <a:srgbClr val="000000"/>
+              </a:buClr>
+              <a:buSzPct val="45000"/>
+              <a:buFont typeface="Wingdings" charset="2"/>
+              <a:buChar char=""/>
+            </a:pPr>
+            <a:r>
+              <a:rPr b="0" lang="pt-BR" sz="2200" spc="-1" strike="noStrike">
+                <a:solidFill>
+                  <a:srgbClr val="000000"/>
+                </a:solidFill>
+                <a:latin typeface="Arial"/>
+              </a:rPr>
+              <a:t>Cadernos jupyter</a:t>
+            </a:r>
+            <a:endParaRPr b="0" lang="pt-BR" sz="2200" spc="-1" strike="noStrike">
+              <a:solidFill>
+                <a:srgbClr val="000000"/>
+              </a:solidFill>
+              <a:latin typeface="Arial"/>
+            </a:endParaRPr>
+          </a:p>
+          <a:p>
+            <a:pPr lvl="1" marL="864000" indent="-324000">
+              <a:lnSpc>
+                <a:spcPct val="100000"/>
+              </a:lnSpc>
+              <a:spcAft>
+                <a:spcPts val="1026"/>
+              </a:spcAft>
+              <a:buClr>
+                <a:srgbClr val="000000"/>
+              </a:buClr>
+              <a:buSzPct val="45000"/>
+              <a:buFont typeface="Wingdings" charset="2"/>
+              <a:buChar char=""/>
+            </a:pPr>
+            <a:r>
+              <a:rPr b="0" lang="pt-BR" sz="2200" spc="-1" strike="noStrike">
+                <a:solidFill>
+                  <a:srgbClr val="000000"/>
+                </a:solidFill>
+                <a:latin typeface="Arial"/>
+              </a:rPr>
+              <a:t>Desenhar diagramas</a:t>
+            </a:r>
+            <a:endParaRPr b="0" lang="pt-BR" sz="2200" spc="-1" strike="noStrike">
+              <a:solidFill>
+                <a:srgbClr val="000000"/>
+              </a:solidFill>
+              <a:latin typeface="Arial"/>
+            </a:endParaRPr>
+          </a:p>
+          <a:p>
+            <a:pPr lvl="2" marL="1296000" indent="-288000">
+              <a:lnSpc>
+                <a:spcPct val="100000"/>
+              </a:lnSpc>
+              <a:spcAft>
+                <a:spcPts val="763"/>
+              </a:spcAft>
+              <a:buClr>
+                <a:srgbClr val="000000"/>
+              </a:buClr>
+              <a:buSzPct val="75000"/>
+              <a:buFont typeface="Symbol" charset="2"/>
+              <a:buChar char=""/>
+            </a:pPr>
+            <a:r>
+              <a:rPr b="0" lang="pt-BR" sz="2000" spc="-1" strike="noStrike">
+                <a:solidFill>
+                  <a:srgbClr val="000000"/>
+                </a:solidFill>
+                <a:latin typeface="Arial"/>
+              </a:rPr>
+              <a:t>Fluxograma</a:t>
+            </a:r>
+            <a:endParaRPr b="0" lang="pt-BR" sz="2000" spc="-1" strike="noStrike">
+              <a:solidFill>
+                <a:srgbClr val="000000"/>
+              </a:solidFill>
+              <a:latin typeface="Arial"/>
+            </a:endParaRPr>
+          </a:p>
+          <a:p>
+            <a:pPr lvl="2" marL="1296000" indent="-288000">
+              <a:lnSpc>
+                <a:spcPct val="100000"/>
+              </a:lnSpc>
+              <a:spcAft>
+                <a:spcPts val="763"/>
+              </a:spcAft>
+              <a:buClr>
+                <a:srgbClr val="000000"/>
+              </a:buClr>
+              <a:buSzPct val="75000"/>
+              <a:buFont typeface="Symbol" charset="2"/>
+              <a:buChar char=""/>
+            </a:pPr>
+            <a:r>
+              <a:rPr b="0" lang="pt-BR" sz="2000" spc="-1" strike="noStrike">
+                <a:solidFill>
+                  <a:srgbClr val="000000"/>
+                </a:solidFill>
+                <a:latin typeface="Arial"/>
+              </a:rPr>
+              <a:t>UML: Classes</a:t>
+            </a:r>
+            <a:endParaRPr b="0" lang="pt-BR" sz="2000" spc="-1" strike="noStrike">
+              <a:solidFill>
+                <a:srgbClr val="000000"/>
+              </a:solidFill>
+              <a:latin typeface="Arial"/>
+            </a:endParaRPr>
+          </a:p>
+          <a:p>
+            <a:pPr marL="864000" indent="0">
+              <a:lnSpc>
+                <a:spcPct val="100000"/>
+              </a:lnSpc>
+              <a:spcAft>
+                <a:spcPts val="1026"/>
+              </a:spcAft>
+              <a:buNone/>
+              <a:tabLst>
+                <a:tab algn="l" pos="0"/>
+              </a:tabLst>
+            </a:pPr>
             <a:endParaRPr b="0" lang="pt-BR" sz="2200" spc="-1" strike="noStrike">
               <a:solidFill>
                 <a:srgbClr val="000000"/>
@@ -5576,6 +8223,29 @@
           </a:p>
         </p:txBody>
       </p:sp>
+      <p:pic>
+        <p:nvPicPr>
+          <p:cNvPr id="31" name="" descr=""/>
+          <p:cNvPicPr/>
+          <p:nvPr/>
+        </p:nvPicPr>
+        <p:blipFill>
+          <a:blip r:embed="rId2"/>
+          <a:stretch/>
+        </p:blipFill>
+        <p:spPr>
+          <a:xfrm>
+            <a:off x="6660000" y="1383840"/>
+            <a:ext cx="4736160" cy="5095440"/>
+          </a:xfrm>
+          <a:prstGeom prst="rect">
+            <a:avLst/>
+          </a:prstGeom>
+          <a:ln w="0">
+            <a:noFill/>
+          </a:ln>
+        </p:spPr>
+      </p:pic>
       <p:sp>
         <p:nvSpPr>
           <p:cNvPr id="4" name="PlaceHolder 3"/>
@@ -5590,7 +8260,7 @@
         <p:txBody>
           <a:bodyPr/>
           <a:p>
-            <a:fld id="{AD0C4512-7334-46FD-817B-DECC04AFAEF0}" type="slidenum">
+            <a:fld id="{526036B7-5BF0-443E-97C0-1F2D09FB069F}" type="slidenum">
               <a:t>5</a:t>
             </a:fld>
           </a:p>
@@ -5628,7 +8298,7 @@
       </p:grpSpPr>
       <p:sp>
         <p:nvSpPr>
-          <p:cNvPr id="31" name="PlaceHolder 1"/>
+          <p:cNvPr id="32" name="PlaceHolder 1"/>
           <p:cNvSpPr>
             <a:spLocks noGrp="1"/>
           </p:cNvSpPr>
@@ -5639,7 +8309,7 @@
         <p:spPr>
           <a:xfrm>
             <a:off x="640080" y="5760"/>
-            <a:ext cx="10699200" cy="1053360"/>
+            <a:ext cx="10698840" cy="1053000"/>
           </a:xfrm>
           <a:prstGeom prst="rect">
             <a:avLst/>
@@ -5672,7 +8342,7 @@
                 </a:solidFill>
                 <a:latin typeface="Arial"/>
               </a:rPr>
-              <a:t>Fluxograma</a:t>
+              <a:t>Interface de desenvolvimento</a:t>
             </a:r>
             <a:endParaRPr b="0" lang="pt-BR" sz="3630" spc="-1" strike="noStrike">
               <a:solidFill>
@@ -5685,7 +8355,7 @@
       </p:sp>
       <p:sp>
         <p:nvSpPr>
-          <p:cNvPr id="32" name="PlaceHolder 2"/>
+          <p:cNvPr id="33" name="PlaceHolder 2"/>
           <p:cNvSpPr>
             <a:spLocks noGrp="1"/>
           </p:cNvSpPr>
@@ -5696,7 +8366,7 @@
         <p:spPr>
           <a:xfrm>
             <a:off x="182880" y="1188720"/>
-            <a:ext cx="4856760" cy="5290920"/>
+            <a:ext cx="11795040" cy="3976920"/>
           </a:xfrm>
           <a:prstGeom prst="rect">
             <a:avLst/>
@@ -5732,7 +8402,7 @@
                 </a:solidFill>
                 <a:latin typeface="Arial"/>
               </a:rPr>
-              <a:t>Pasta: projeto/docs/fluxograma.drawio</a:t>
+              <a:t>Caso ainda não tenha instalado, essa é a hora de instalar o VSCodium</a:t>
             </a:r>
             <a:endParaRPr b="0" lang="pt-BR" sz="2400" spc="-1" strike="noStrike">
               <a:solidFill>
@@ -5742,61 +8412,28 @@
             </a:endParaRPr>
           </a:p>
           <a:p>
-            <a:pPr marL="432000" indent="-324000">
-              <a:lnSpc>
-                <a:spcPct val="100000"/>
-              </a:lnSpc>
-              <a:spcAft>
-                <a:spcPts val="1049"/>
-              </a:spcAft>
-              <a:buClr>
-                <a:srgbClr val="000000"/>
-              </a:buClr>
-              <a:buSzPct val="45000"/>
-              <a:buFont typeface="Wingdings" charset="2"/>
-              <a:buChar char=""/>
-            </a:pPr>
-            <a:r>
-              <a:rPr b="0" lang="pt-BR" sz="2400" spc="-1" strike="noStrike">
-                <a:solidFill>
-                  <a:srgbClr val="000000"/>
-                </a:solidFill>
-                <a:latin typeface="Arial"/>
-              </a:rPr>
-              <a:t>Abrir com:</a:t>
-            </a:r>
-            <a:endParaRPr b="0" lang="pt-BR" sz="2400" spc="-1" strike="noStrike">
-              <a:solidFill>
-                <a:srgbClr val="000000"/>
-              </a:solidFill>
-              <a:latin typeface="Arial"/>
-            </a:endParaRPr>
-          </a:p>
-          <a:p>
             <a:pPr lvl="1" marL="864000" indent="-324000">
               <a:lnSpc>
                 <a:spcPct val="100000"/>
               </a:lnSpc>
               <a:spcAft>
-                <a:spcPts val="1049"/>
-              </a:spcAft>
-              <a:buClr>
-                <a:srgbClr val="000000"/>
-              </a:buClr>
-              <a:buSzPct val="45000"/>
-              <a:buFont typeface="Wingdings" charset="2"/>
-              <a:buChar char=""/>
-            </a:pPr>
-            <a:r>
-              <a:rPr b="0" lang="pt-BR" sz="2200" spc="-1" strike="noStrike" u="sng">
-                <a:solidFill>
-                  <a:srgbClr val="0000ee"/>
-                </a:solidFill>
-                <a:uFillTx/>
-                <a:latin typeface="Arial"/>
-                <a:hlinkClick r:id="rId1"/>
-              </a:rPr>
-              <a:t>https://www.drawio.com/</a:t>
+                <a:spcPts val="1026"/>
+              </a:spcAft>
+              <a:buClr>
+                <a:srgbClr val="000000"/>
+              </a:buClr>
+              <a:buSzPct val="45000"/>
+              <a:buFont typeface="Wingdings" charset="2"/>
+              <a:buChar char=""/>
+            </a:pPr>
+            <a:r>
+              <a:rPr b="0" lang="pt-BR" sz="2200" spc="-1" strike="noStrike">
+                <a:solidFill>
+                  <a:srgbClr val="000000"/>
+                </a:solidFill>
+                <a:latin typeface="Arial"/>
+              </a:rPr>
+              <a:t>Windows: winget VSCodium.VSCodium</a:t>
             </a:r>
             <a:endParaRPr b="0" lang="pt-BR" sz="2200" spc="-1" strike="noStrike">
               <a:solidFill>
@@ -5811,7 +8448,7 @@
                 <a:spcPct val="100000"/>
               </a:lnSpc>
               <a:spcAft>
-                <a:spcPts val="1049"/>
+                <a:spcPts val="1026"/>
               </a:spcAft>
               <a:buClr>
                 <a:srgbClr val="000000"/>
@@ -5827,60 +8464,9 @@
                 </a:solidFill>
                 <a:latin typeface="Arial"/>
               </a:rPr>
-              <a:t>VSCodium Draw.io Integration (Author: Hediet)</a:t>
+              <a:t>Linux: Baixar .deb em https://github.com/VSCodium/vscodium/releases</a:t>
             </a:r>
             <a:endParaRPr b="0" lang="pt-BR" sz="2200" spc="-1" strike="noStrike">
-              <a:solidFill>
-                <a:srgbClr val="000000"/>
-              </a:solidFill>
-              <a:latin typeface="Arial"/>
-            </a:endParaRPr>
-          </a:p>
-          <a:p>
-            <a:pPr marL="432000" indent="-324000">
-              <a:lnSpc>
-                <a:spcPct val="100000"/>
-              </a:lnSpc>
-              <a:spcAft>
-                <a:spcPts val="1049"/>
-              </a:spcAft>
-              <a:buClr>
-                <a:srgbClr val="000000"/>
-              </a:buClr>
-              <a:buSzPct val="45000"/>
-              <a:buFont typeface="Wingdings" charset="2"/>
-              <a:buChar char=""/>
-            </a:pPr>
-            <a:r>
-              <a:rPr b="0" lang="pt-BR" sz="2400" spc="-1" strike="noStrike">
-                <a:solidFill>
-                  <a:srgbClr val="000000"/>
-                </a:solidFill>
-                <a:latin typeface="Arial"/>
-              </a:rPr>
-              <a:t>Tutorial de edição: </a:t>
-            </a:r>
-            <a:r>
-              <a:rPr b="0" lang="pt-BR" sz="2400" spc="-1" strike="noStrike" u="sng">
-                <a:solidFill>
-                  <a:srgbClr val="0000ee"/>
-                </a:solidFill>
-                <a:uFillTx/>
-                <a:latin typeface="Arial"/>
-                <a:hlinkClick r:id="rId2"/>
-              </a:rPr>
-              <a:t>https://www.drawio.com/doc/getting-started-basic-flow-chart</a:t>
-            </a:r>
-            <a:r>
-              <a:rPr b="0" lang="pt-BR" sz="2400" spc="-1" strike="noStrike">
-                <a:solidFill>
-                  <a:srgbClr val="000000"/>
-                </a:solidFill>
-                <a:latin typeface="Arial"/>
-              </a:rPr>
-              <a:t> </a:t>
-            </a:r>
-            <a:endParaRPr b="0" lang="pt-BR" sz="2400" spc="-1" strike="noStrike">
               <a:solidFill>
                 <a:srgbClr val="000000"/>
               </a:solidFill>
@@ -5889,29 +8475,6 @@
           </a:p>
         </p:txBody>
       </p:sp>
-      <p:pic>
-        <p:nvPicPr>
-          <p:cNvPr id="33" name="" descr=""/>
-          <p:cNvPicPr/>
-          <p:nvPr/>
-        </p:nvPicPr>
-        <p:blipFill>
-          <a:blip r:embed="rId3"/>
-          <a:stretch/>
-        </p:blipFill>
-        <p:spPr>
-          <a:xfrm>
-            <a:off x="4860000" y="1440000"/>
-            <a:ext cx="7023240" cy="3992040"/>
-          </a:xfrm>
-          <a:prstGeom prst="rect">
-            <a:avLst/>
-          </a:prstGeom>
-          <a:ln w="0">
-            <a:noFill/>
-          </a:ln>
-        </p:spPr>
-      </p:pic>
       <p:sp>
         <p:nvSpPr>
           <p:cNvPr id="4" name="PlaceHolder 3"/>
@@ -5926,7 +8489,7 @@
         <p:txBody>
           <a:bodyPr/>
           <a:p>
-            <a:fld id="{15793886-D8BC-49E3-BF0D-D51C7905B42D}" type="slidenum">
+            <a:fld id="{832188CD-AE88-4D07-98EE-57B6F40C3226}" type="slidenum">
               <a:t>6</a:t>
             </a:fld>
           </a:p>
@@ -5975,7 +8538,7 @@
         <p:spPr>
           <a:xfrm>
             <a:off x="640080" y="5760"/>
-            <a:ext cx="10699200" cy="1053360"/>
+            <a:ext cx="10698840" cy="1053000"/>
           </a:xfrm>
           <a:prstGeom prst="rect">
             <a:avLst/>
@@ -6008,7 +8571,7 @@
                 </a:solidFill>
                 <a:latin typeface="Arial"/>
               </a:rPr>
-              <a:t>Diagramas de classes (UML)</a:t>
+              <a:t>Interface de desenvolvimento (copilotos)</a:t>
             </a:r>
             <a:endParaRPr b="0" lang="pt-BR" sz="3630" spc="-1" strike="noStrike">
               <a:solidFill>
@@ -6032,7 +8595,7 @@
         <p:spPr>
           <a:xfrm>
             <a:off x="182880" y="1188720"/>
-            <a:ext cx="4676760" cy="5290920"/>
+            <a:ext cx="11795040" cy="3976920"/>
           </a:xfrm>
           <a:prstGeom prst="rect">
             <a:avLst/>
@@ -6068,7 +8631,7 @@
                 </a:solidFill>
                 <a:latin typeface="Arial"/>
               </a:rPr>
-              <a:t>Pasta: projeto/docs/diagrama_de_classes.drawio</a:t>
+              <a:t>Assistente de código</a:t>
             </a:r>
             <a:endParaRPr b="0" lang="pt-BR" sz="2400" spc="-1" strike="noStrike">
               <a:solidFill>
@@ -6082,8 +8645,11 @@
               <a:lnSpc>
                 <a:spcPct val="100000"/>
               </a:lnSpc>
-              <a:spcAft>
-                <a:spcPts val="1049"/>
+              <a:spcBef>
+                <a:spcPts val="1191"/>
+              </a:spcBef>
+              <a:spcAft>
+                <a:spcPts val="992"/>
               </a:spcAft>
               <a:buClr>
                 <a:srgbClr val="000000"/>
@@ -6099,7 +8665,7 @@
                 </a:solidFill>
                 <a:latin typeface="Arial"/>
               </a:rPr>
-              <a:t>Abrir com:</a:t>
+              <a:t>Get started with Gemini Code Assist's many features:</a:t>
             </a:r>
             <a:endParaRPr b="0" lang="pt-BR" sz="2400" spc="-1" strike="noStrike">
               <a:solidFill>
@@ -6109,63 +8675,62 @@
             </a:endParaRPr>
           </a:p>
           <a:p>
-            <a:pPr lvl="1" marL="864000" indent="-324000">
-              <a:lnSpc>
-                <a:spcPct val="100000"/>
-              </a:lnSpc>
-              <a:spcAft>
-                <a:spcPts val="1049"/>
-              </a:spcAft>
-              <a:buClr>
-                <a:srgbClr val="000000"/>
-              </a:buClr>
-              <a:buSzPct val="45000"/>
-              <a:buFont typeface="Wingdings" charset="2"/>
-              <a:buChar char=""/>
-            </a:pPr>
-            <a:r>
-              <a:rPr b="0" lang="pt-BR" sz="2200" spc="-1" strike="noStrike" u="sng">
-                <a:solidFill>
-                  <a:srgbClr val="0000ee"/>
-                </a:solidFill>
-                <a:uFillTx/>
+            <a:pPr marL="432000" indent="-324000">
+              <a:lnSpc>
+                <a:spcPct val="100000"/>
+              </a:lnSpc>
+              <a:spcBef>
+                <a:spcPts val="1191"/>
+              </a:spcBef>
+              <a:spcAft>
+                <a:spcPts val="992"/>
+              </a:spcAft>
+              <a:buClr>
+                <a:srgbClr val="000000"/>
+              </a:buClr>
+              <a:buSzPct val="45000"/>
+              <a:buFont typeface="Wingdings" charset="2"/>
+              <a:buChar char=""/>
+            </a:pPr>
+            <a:r>
+              <a:rPr b="0" lang="pt-BR" sz="2400" spc="-1" strike="noStrike">
+                <a:solidFill>
+                  <a:srgbClr val="000000"/>
+                </a:solidFill>
+                <a:latin typeface="Arial"/>
+              </a:rPr>
+              <a:t>Press Control+I to </a:t>
+            </a:r>
+            <a:r>
+              <a:rPr b="0" lang="pt-BR" sz="2400" spc="-1" strike="noStrike">
+                <a:solidFill>
+                  <a:srgbClr val="000000"/>
+                </a:solidFill>
                 <a:latin typeface="Arial"/>
                 <a:hlinkClick r:id="rId1"/>
               </a:rPr>
-              <a:t>https://www.drawio.com/</a:t>
-            </a:r>
-            <a:endParaRPr b="0" lang="pt-BR" sz="2200" spc="-1" strike="noStrike">
-              <a:solidFill>
-                <a:srgbClr val="000000"/>
-              </a:solidFill>
-              <a:latin typeface="Arial"/>
-            </a:endParaRPr>
-          </a:p>
-          <a:p>
-            <a:pPr lvl="1" marL="864000" indent="-324000">
-              <a:lnSpc>
-                <a:spcPct val="100000"/>
-              </a:lnSpc>
-              <a:spcAft>
-                <a:spcPts val="1049"/>
-              </a:spcAft>
-              <a:buClr>
-                <a:srgbClr val="000000"/>
-              </a:buClr>
-              <a:buSzPct val="45000"/>
-              <a:buFont typeface="Wingdings" charset="2"/>
-              <a:buChar char=""/>
-            </a:pPr>
-            <a:r>
-              <a:rPr b="0" lang="pt-BR" sz="2200" spc="-1" strike="noStrike">
-                <a:solidFill>
-                  <a:srgbClr val="000000"/>
-                </a:solidFill>
-                <a:latin typeface="Arial"/>
-              </a:rPr>
-              <a:t>VSCodium Draw.io Integration (Author: Hediet)</a:t>
-            </a:r>
-            <a:endParaRPr b="0" lang="pt-BR" sz="2200" spc="-1" strike="noStrike">
+              <a:t>transform your code</a:t>
+            </a:r>
+            <a:r>
+              <a:rPr b="0" lang="pt-BR" sz="2400" spc="-1" strike="noStrike">
+                <a:solidFill>
+                  <a:srgbClr val="000000"/>
+                </a:solidFill>
+                <a:latin typeface="Arial"/>
+              </a:rPr>
+              <a:t> as well as execute your own </a:t>
+            </a:r>
+            <a:r>
+              <a:rPr b="0" lang="pt-BR" sz="2400" spc="-1" strike="noStrike">
+                <a:solidFill>
+                  <a:srgbClr val="000000"/>
+                </a:solidFill>
+                <a:latin typeface="Arial"/>
+                <a:hlinkClick r:id="rId2"/>
+              </a:rPr>
+              <a:t>custom commands</a:t>
+            </a:r>
+            <a:endParaRPr b="0" lang="pt-BR" sz="2400" spc="-1" strike="noStrike">
               <a:solidFill>
                 <a:srgbClr val="000000"/>
               </a:solidFill>
@@ -6177,8 +8742,11 @@
               <a:lnSpc>
                 <a:spcPct val="100000"/>
               </a:lnSpc>
-              <a:spcAft>
-                <a:spcPts val="1049"/>
+              <a:spcBef>
+                <a:spcPts val="1191"/>
+              </a:spcBef>
+              <a:spcAft>
+                <a:spcPts val="992"/>
               </a:spcAft>
               <a:buClr>
                 <a:srgbClr val="000000"/>
@@ -6194,19 +8762,260 @@
                 </a:solidFill>
                 <a:latin typeface="Arial"/>
               </a:rPr>
-              <a:t>Tutorial de edição: </a:t>
-            </a:r>
-            <a:r>
-              <a:rPr b="0" lang="pt-BR" sz="2400" spc="-1" strike="noStrike" u="sng">
-                <a:solidFill>
-                  <a:srgbClr val="0000ee"/>
-                </a:solidFill>
-                <a:uFillTx/>
-                <a:latin typeface="Arial"/>
-                <a:hlinkClick r:id="rId2"/>
-              </a:rPr>
-              <a:t>https://www.drawio.com/blog/uml-class-diagrams</a:t>
-            </a:r>
+              <a:t>Select comments as prompts in the editor and press Control+Enter to </a:t>
+            </a:r>
+            <a:r>
+              <a:rPr b="0" lang="pt-BR" sz="2400" spc="-1" strike="noStrike">
+                <a:solidFill>
+                  <a:srgbClr val="000000"/>
+                </a:solidFill>
+                <a:latin typeface="Arial"/>
+                <a:hlinkClick r:id="rId3"/>
+              </a:rPr>
+              <a:t>generate code</a:t>
+            </a:r>
+            <a:endParaRPr b="0" lang="pt-BR" sz="2400" spc="-1" strike="noStrike">
+              <a:solidFill>
+                <a:srgbClr val="000000"/>
+              </a:solidFill>
+              <a:latin typeface="Arial"/>
+            </a:endParaRPr>
+          </a:p>
+          <a:p>
+            <a:pPr marL="432000" indent="-324000">
+              <a:lnSpc>
+                <a:spcPct val="100000"/>
+              </a:lnSpc>
+              <a:spcBef>
+                <a:spcPts val="1191"/>
+              </a:spcBef>
+              <a:spcAft>
+                <a:spcPts val="992"/>
+              </a:spcAft>
+              <a:buClr>
+                <a:srgbClr val="000000"/>
+              </a:buClr>
+              <a:buSzPct val="45000"/>
+              <a:buFont typeface="Wingdings" charset="2"/>
+              <a:buChar char=""/>
+            </a:pPr>
+            <a:r>
+              <a:rPr b="0" lang="pt-BR" sz="2400" spc="-1" strike="noStrike">
+                <a:solidFill>
+                  <a:srgbClr val="000000"/>
+                </a:solidFill>
+                <a:latin typeface="Arial"/>
+              </a:rPr>
+              <a:t>Click the Gemini Logo () in the Activity Bar to use Gemini Code Assist </a:t>
+            </a:r>
+            <a:r>
+              <a:rPr b="0" lang="pt-BR" sz="2400" spc="-1" strike="noStrike">
+                <a:solidFill>
+                  <a:srgbClr val="000000"/>
+                </a:solidFill>
+                <a:latin typeface="Arial"/>
+                <a:hlinkClick r:id="rId4"/>
+              </a:rPr>
+              <a:t>chat</a:t>
+            </a:r>
+            <a:r>
+              <a:rPr b="0" lang="pt-BR" sz="2400" spc="-1" strike="noStrike">
+                <a:solidFill>
+                  <a:srgbClr val="000000"/>
+                </a:solidFill>
+                <a:latin typeface="Arial"/>
+              </a:rPr>
+              <a:t> to ask questions about and improve your code</a:t>
+            </a:r>
+            <a:endParaRPr b="0" lang="pt-BR" sz="2400" spc="-1" strike="noStrike">
+              <a:solidFill>
+                <a:srgbClr val="000000"/>
+              </a:solidFill>
+              <a:latin typeface="Arial"/>
+            </a:endParaRPr>
+          </a:p>
+          <a:p>
+            <a:pPr marL="432000" indent="-324000">
+              <a:lnSpc>
+                <a:spcPct val="100000"/>
+              </a:lnSpc>
+              <a:spcBef>
+                <a:spcPts val="1191"/>
+              </a:spcBef>
+              <a:spcAft>
+                <a:spcPts val="992"/>
+              </a:spcAft>
+              <a:buClr>
+                <a:srgbClr val="000000"/>
+              </a:buClr>
+              <a:buSzPct val="45000"/>
+              <a:buFont typeface="Wingdings" charset="2"/>
+              <a:buChar char=""/>
+            </a:pPr>
+            <a:r>
+              <a:rPr b="0" lang="pt-BR" sz="2400" spc="-1" strike="noStrike">
+                <a:solidFill>
+                  <a:srgbClr val="000000"/>
+                </a:solidFill>
+                <a:latin typeface="Arial"/>
+              </a:rPr>
+              <a:t>Add </a:t>
+            </a:r>
+            <a:r>
+              <a:rPr b="0" lang="pt-BR" sz="2400" spc="-1" strike="noStrike">
+                <a:solidFill>
+                  <a:srgbClr val="000000"/>
+                </a:solidFill>
+                <a:latin typeface="Arial"/>
+                <a:hlinkClick r:id="rId5"/>
+              </a:rPr>
+              <a:t>files, folders</a:t>
+            </a:r>
+            <a:r>
+              <a:rPr b="0" lang="pt-BR" sz="2400" spc="-1" strike="noStrike">
+                <a:solidFill>
+                  <a:srgbClr val="000000"/>
+                </a:solidFill>
+                <a:latin typeface="Arial"/>
+              </a:rPr>
+              <a:t> and </a:t>
+            </a:r>
+            <a:r>
+              <a:rPr b="0" lang="pt-BR" sz="2400" spc="-1" strike="noStrike">
+                <a:solidFill>
+                  <a:srgbClr val="000000"/>
+                </a:solidFill>
+                <a:latin typeface="Arial"/>
+                <a:hlinkClick r:id="rId6"/>
+              </a:rPr>
+              <a:t>tools</a:t>
+            </a:r>
+            <a:r>
+              <a:rPr b="0" lang="pt-BR" sz="2400" spc="-1" strike="noStrike">
+                <a:solidFill>
+                  <a:srgbClr val="000000"/>
+                </a:solidFill>
+                <a:latin typeface="Arial"/>
+              </a:rPr>
+              <a:t> to your chat context</a:t>
+            </a:r>
+            <a:endParaRPr b="0" lang="pt-BR" sz="2400" spc="-1" strike="noStrike">
+              <a:solidFill>
+                <a:srgbClr val="000000"/>
+              </a:solidFill>
+              <a:latin typeface="Arial"/>
+            </a:endParaRPr>
+          </a:p>
+          <a:p>
+            <a:pPr marL="432000" indent="-324000">
+              <a:lnSpc>
+                <a:spcPct val="100000"/>
+              </a:lnSpc>
+              <a:spcBef>
+                <a:spcPts val="1191"/>
+              </a:spcBef>
+              <a:spcAft>
+                <a:spcPts val="992"/>
+              </a:spcAft>
+              <a:buClr>
+                <a:srgbClr val="000000"/>
+              </a:buClr>
+              <a:buSzPct val="45000"/>
+              <a:buFont typeface="Wingdings" charset="2"/>
+              <a:buChar char=""/>
+            </a:pPr>
+            <a:r>
+              <a:rPr b="0" lang="pt-BR" sz="2400" spc="-1" strike="noStrike">
+                <a:solidFill>
+                  <a:srgbClr val="000000"/>
+                </a:solidFill>
+                <a:latin typeface="Arial"/>
+              </a:rPr>
+              <a:t>Add custom </a:t>
+            </a:r>
+            <a:r>
+              <a:rPr b="0" lang="pt-BR" sz="2400" spc="-1" strike="noStrike">
+                <a:solidFill>
+                  <a:srgbClr val="000000"/>
+                </a:solidFill>
+                <a:latin typeface="Arial"/>
+                <a:hlinkClick r:id="rId7"/>
+              </a:rPr>
+              <a:t>rules</a:t>
+            </a:r>
+            <a:r>
+              <a:rPr b="0" lang="pt-BR" sz="2400" spc="-1" strike="noStrike">
+                <a:solidFill>
+                  <a:srgbClr val="000000"/>
+                </a:solidFill>
+                <a:latin typeface="Arial"/>
+              </a:rPr>
+              <a:t> to enhance chat responses</a:t>
+            </a:r>
+            <a:endParaRPr b="0" lang="pt-BR" sz="2400" spc="-1" strike="noStrike">
+              <a:solidFill>
+                <a:srgbClr val="000000"/>
+              </a:solidFill>
+              <a:latin typeface="Arial"/>
+            </a:endParaRPr>
+          </a:p>
+          <a:p>
+            <a:pPr marL="432000" indent="-324000">
+              <a:lnSpc>
+                <a:spcPct val="100000"/>
+              </a:lnSpc>
+              <a:spcBef>
+                <a:spcPts val="1191"/>
+              </a:spcBef>
+              <a:spcAft>
+                <a:spcPts val="992"/>
+              </a:spcAft>
+              <a:buClr>
+                <a:srgbClr val="000000"/>
+              </a:buClr>
+              <a:buSzPct val="45000"/>
+              <a:buFont typeface="Wingdings" charset="2"/>
+              <a:buChar char=""/>
+            </a:pPr>
+            <a:r>
+              <a:rPr b="0" lang="pt-BR" sz="2400" spc="-1" strike="noStrike">
+                <a:solidFill>
+                  <a:srgbClr val="000000"/>
+                </a:solidFill>
+                <a:latin typeface="Arial"/>
+              </a:rPr>
+              <a:t>Review the latest Code Assist feature </a:t>
+            </a:r>
+            <a:r>
+              <a:rPr b="0" lang="pt-BR" sz="2400" spc="-1" strike="noStrike">
+                <a:solidFill>
+                  <a:srgbClr val="000000"/>
+                </a:solidFill>
+                <a:latin typeface="Arial"/>
+                <a:hlinkClick r:id="rId8"/>
+              </a:rPr>
+              <a:t>releases</a:t>
+            </a:r>
+            <a:endParaRPr b="0" lang="pt-BR" sz="2400" spc="-1" strike="noStrike">
+              <a:solidFill>
+                <a:srgbClr val="000000"/>
+              </a:solidFill>
+              <a:latin typeface="Arial"/>
+            </a:endParaRPr>
+          </a:p>
+          <a:p>
+            <a:pPr marL="432000" indent="0">
+              <a:lnSpc>
+                <a:spcPct val="100000"/>
+              </a:lnSpc>
+              <a:spcBef>
+                <a:spcPts val="1191"/>
+              </a:spcBef>
+              <a:spcAft>
+                <a:spcPts val="992"/>
+              </a:spcAft>
+              <a:buNone/>
+            </a:pPr>
             <a:r>
               <a:rPr b="0" lang="pt-BR" sz="2400" spc="-1" strike="noStrike">
                 <a:solidFill>
@@ -6225,30 +9034,6 @@
           </a:p>
         </p:txBody>
       </p:sp>
-      <p:pic>
-        <p:nvPicPr>
-          <p:cNvPr id="36" name="" descr=""/>
-          <p:cNvPicPr/>
-          <p:nvPr/>
-        </p:nvPicPr>
-        <p:blipFill>
-          <a:blip r:embed="rId3"/>
-          <a:srcRect l="1147" t="0" r="1847" b="0"/>
-          <a:stretch/>
-        </p:blipFill>
-        <p:spPr>
-          <a:xfrm>
-            <a:off x="5040000" y="1602000"/>
-            <a:ext cx="7019280" cy="4157640"/>
-          </a:xfrm>
-          <a:prstGeom prst="rect">
-            <a:avLst/>
-          </a:prstGeom>
-          <a:ln w="0">
-            <a:noFill/>
-          </a:ln>
-        </p:spPr>
-      </p:pic>
       <p:sp>
         <p:nvSpPr>
           <p:cNvPr id="4" name="PlaceHolder 3"/>
@@ -6263,7 +9048,7 @@
         <p:txBody>
           <a:bodyPr/>
           <a:p>
-            <a:fld id="{2AE16A1C-8A48-4111-BAAD-288D205F8D63}" type="slidenum">
+            <a:fld id="{28C1DE38-4677-460D-8F65-E43F53CCF37B}" type="slidenum">
               <a:t>7</a:t>
             </a:fld>
           </a:p>
@@ -6301,7 +9086,7 @@
       </p:grpSpPr>
       <p:sp>
         <p:nvSpPr>
-          <p:cNvPr id="37" name="PlaceHolder 1"/>
+          <p:cNvPr id="36" name="PlaceHolder 1"/>
           <p:cNvSpPr>
             <a:spLocks noGrp="1"/>
           </p:cNvSpPr>
@@ -6312,7 +9097,7 @@
         <p:spPr>
           <a:xfrm>
             <a:off x="640080" y="5760"/>
-            <a:ext cx="10699200" cy="1053360"/>
+            <a:ext cx="10698840" cy="1053000"/>
           </a:xfrm>
           <a:prstGeom prst="rect">
             <a:avLst/>
@@ -6345,7 +9130,7 @@
                 </a:solidFill>
                 <a:latin typeface="Arial"/>
               </a:rPr>
-              <a:t>Ciclos de desenvolvimento</a:t>
+              <a:t>Fluxograma</a:t>
             </a:r>
             <a:endParaRPr b="0" lang="pt-BR" sz="3630" spc="-1" strike="noStrike">
               <a:solidFill>
@@ -6358,7 +9143,7 @@
       </p:sp>
       <p:sp>
         <p:nvSpPr>
-          <p:cNvPr id="38" name="PlaceHolder 2"/>
+          <p:cNvPr id="37" name="PlaceHolder 2"/>
           <p:cNvSpPr>
             <a:spLocks noGrp="1"/>
           </p:cNvSpPr>
@@ -6369,7 +9154,7 @@
         <p:spPr>
           <a:xfrm>
             <a:off x="182880" y="1188720"/>
-            <a:ext cx="11795400" cy="3977280"/>
+            <a:ext cx="4856400" cy="5290560"/>
           </a:xfrm>
           <a:prstGeom prst="rect">
             <a:avLst/>
@@ -6405,7 +9190,7 @@
                 </a:solidFill>
                 <a:latin typeface="Arial"/>
               </a:rPr>
-              <a:t>Desenvolvimento ágil em ciclos de 2 semanas</a:t>
+              <a:t>Pasta: projeto/docs/fluxograma.drawio</a:t>
             </a:r>
             <a:endParaRPr b="0" lang="pt-BR" sz="2400" spc="-1" strike="noStrike">
               <a:solidFill>
@@ -6415,12 +9200,43 @@
             </a:endParaRPr>
           </a:p>
           <a:p>
+            <a:pPr marL="432000" indent="-324000">
+              <a:lnSpc>
+                <a:spcPct val="100000"/>
+              </a:lnSpc>
+              <a:spcAft>
+                <a:spcPts val="1049"/>
+              </a:spcAft>
+              <a:buClr>
+                <a:srgbClr val="000000"/>
+              </a:buClr>
+              <a:buSzPct val="45000"/>
+              <a:buFont typeface="Wingdings" charset="2"/>
+              <a:buChar char=""/>
+            </a:pPr>
+            <a:r>
+              <a:rPr b="0" lang="pt-BR" sz="2400" spc="-1" strike="noStrike">
+                <a:solidFill>
+                  <a:srgbClr val="000000"/>
+                </a:solidFill>
+                <a:latin typeface="Arial"/>
+              </a:rPr>
+              <a:t>Abrir com:</a:t>
+            </a:r>
+            <a:endParaRPr b="0" lang="pt-BR" sz="2400" spc="-1" strike="noStrike">
+              <a:solidFill>
+                <a:srgbClr val="000000"/>
+              </a:solidFill>
+              <a:latin typeface="Arial"/>
+            </a:endParaRPr>
+          </a:p>
+          <a:p>
             <a:pPr lvl="1" marL="864000" indent="-324000">
               <a:lnSpc>
                 <a:spcPct val="100000"/>
               </a:lnSpc>
               <a:spcAft>
-                <a:spcPts val="1026"/>
+                <a:spcPts val="1049"/>
               </a:spcAft>
               <a:buClr>
                 <a:srgbClr val="000000"/>
@@ -6438,8 +9254,30 @@
                 <a:latin typeface="Arial"/>
                 <a:hlinkClick r:id="rId1"/>
               </a:rPr>
-              <a:t>https://ronjeffries.com/xprog/what-is-extreme-programming/</a:t>
-            </a:r>
+              <a:t>https://www.drawio.com/</a:t>
+            </a:r>
+            <a:endParaRPr b="0" lang="pt-BR" sz="2200" spc="-1" strike="noStrike">
+              <a:solidFill>
+                <a:srgbClr val="000000"/>
+              </a:solidFill>
+              <a:latin typeface="Arial"/>
+            </a:endParaRPr>
+          </a:p>
+          <a:p>
+            <a:pPr lvl="1" marL="864000" indent="-324000">
+              <a:lnSpc>
+                <a:spcPct val="100000"/>
+              </a:lnSpc>
+              <a:spcAft>
+                <a:spcPts val="1049"/>
+              </a:spcAft>
+              <a:buClr>
+                <a:srgbClr val="000000"/>
+              </a:buClr>
+              <a:buSzPct val="45000"/>
+              <a:buFont typeface="Wingdings" charset="2"/>
+              <a:buChar char=""/>
+            </a:pPr>
             <a:r>
               <a:rPr b="0" lang="pt-BR" sz="2200" spc="-1" strike="noStrike">
                 <a:solidFill>
@@ -6447,40 +9285,60 @@
                 </a:solidFill>
                 <a:latin typeface="Arial"/>
               </a:rPr>
+              <a:t>VSCodium Draw.io Integration (Author: Hediet)</a:t>
+            </a:r>
+            <a:endParaRPr b="0" lang="pt-BR" sz="2200" spc="-1" strike="noStrike">
+              <a:solidFill>
+                <a:srgbClr val="000000"/>
+              </a:solidFill>
+              <a:latin typeface="Arial"/>
+            </a:endParaRPr>
+          </a:p>
+          <a:p>
+            <a:pPr marL="432000" indent="-324000">
+              <a:lnSpc>
+                <a:spcPct val="100000"/>
+              </a:lnSpc>
+              <a:spcAft>
+                <a:spcPts val="1049"/>
+              </a:spcAft>
+              <a:buClr>
+                <a:srgbClr val="000000"/>
+              </a:buClr>
+              <a:buSzPct val="45000"/>
+              <a:buFont typeface="Wingdings" charset="2"/>
+              <a:buChar char=""/>
+            </a:pPr>
+            <a:r>
+              <a:rPr b="0" lang="pt-BR" sz="2400" spc="-1" strike="noStrike">
+                <a:solidFill>
+                  <a:srgbClr val="000000"/>
+                </a:solidFill>
+                <a:latin typeface="Arial"/>
+              </a:rPr>
+              <a:t>Tutorial de edição: </a:t>
+            </a:r>
+            <a:r>
+              <a:rPr b="0" lang="pt-BR" sz="2400" spc="-1" strike="noStrike" u="sng">
+                <a:solidFill>
+                  <a:srgbClr val="0000ee"/>
+                </a:solidFill>
+                <a:uFillTx/>
+                <a:latin typeface="Arial"/>
+                <a:hlinkClick r:id="rId2"/>
+              </a:rPr>
+              <a:t>https://www.drawio.com/doc/getting-started-basic-flow-chart</a:t>
+            </a:r>
+            <a:r>
+              <a:rPr b="0" lang="pt-BR" sz="2400" spc="-1" strike="noStrike">
+                <a:solidFill>
+                  <a:srgbClr val="000000"/>
+                </a:solidFill>
+                <a:latin typeface="Arial"/>
+              </a:rPr>
               <a:t> </a:t>
             </a:r>
-            <a:endParaRPr b="0" lang="pt-BR" sz="2200" spc="-1" strike="noStrike">
-              <a:solidFill>
-                <a:srgbClr val="000000"/>
-              </a:solidFill>
-              <a:latin typeface="Arial"/>
-            </a:endParaRPr>
-          </a:p>
-          <a:p>
-            <a:pPr lvl="1" marL="864000" indent="-324000">
-              <a:lnSpc>
-                <a:spcPct val="100000"/>
-              </a:lnSpc>
-              <a:spcAft>
-                <a:spcPts val="1026"/>
-              </a:spcAft>
-              <a:buClr>
-                <a:srgbClr val="000000"/>
-              </a:buClr>
-              <a:buSzPct val="45000"/>
-              <a:buFont typeface="Wingdings" charset="2"/>
-              <a:buChar char=""/>
-            </a:pPr>
-            <a:r>
-              <a:rPr b="0" lang="pt-BR" sz="2200" spc="-1" strike="noStrike">
-                <a:solidFill>
-                  <a:srgbClr val="000000"/>
-                </a:solidFill>
-                <a:latin typeface="Arial"/>
-              </a:rPr>
-              <a:t>Programação em pares (Xtreme programming - XP)</a:t>
-            </a:r>
-            <a:endParaRPr b="0" lang="pt-BR" sz="2200" spc="-1" strike="noStrike">
+            <a:endParaRPr b="0" lang="pt-BR" sz="2400" spc="-1" strike="noStrike">
               <a:solidFill>
                 <a:srgbClr val="000000"/>
               </a:solidFill>
@@ -6491,18 +9349,18 @@
       </p:sp>
       <p:pic>
         <p:nvPicPr>
-          <p:cNvPr id="39" name="" descr=""/>
+          <p:cNvPr id="38" name="" descr=""/>
           <p:cNvPicPr/>
           <p:nvPr/>
         </p:nvPicPr>
         <p:blipFill>
-          <a:blip r:embed="rId2"/>
+          <a:blip r:embed="rId3"/>
           <a:stretch/>
         </p:blipFill>
         <p:spPr>
           <a:xfrm>
-            <a:off x="2340000" y="2520000"/>
-            <a:ext cx="8174880" cy="4337640"/>
+            <a:off x="4860000" y="1440000"/>
+            <a:ext cx="7022880" cy="3991680"/>
           </a:xfrm>
           <a:prstGeom prst="rect">
             <a:avLst/>
@@ -6512,59 +9370,6 @@
           </a:ln>
         </p:spPr>
       </p:pic>
-      <p:sp>
-        <p:nvSpPr>
-          <p:cNvPr id="40" name=""/>
-          <p:cNvSpPr/>
-          <p:nvPr/>
-        </p:nvSpPr>
-        <p:spPr>
-          <a:xfrm>
-            <a:off x="3960000" y="6493320"/>
-            <a:ext cx="5399640" cy="345960"/>
-          </a:xfrm>
-          <a:prstGeom prst="rect">
-            <a:avLst/>
-          </a:prstGeom>
-          <a:noFill/>
-          <a:ln w="0">
-            <a:noFill/>
-          </a:ln>
-        </p:spPr>
-        <p:style>
-          <a:lnRef idx="0"/>
-          <a:fillRef idx="0"/>
-          <a:effectRef idx="0"/>
-          <a:fontRef idx="minor"/>
-        </p:style>
-        <p:txBody>
-          <a:bodyPr lIns="90000" rIns="90000" tIns="45000" bIns="45000" anchor="t">
-            <a:noAutofit/>
-          </a:bodyPr>
-          <a:p>
-            <a:pPr>
-              <a:lnSpc>
-                <a:spcPct val="100000"/>
-              </a:lnSpc>
-            </a:pPr>
-            <a:r>
-              <a:rPr b="0" lang="pt-BR" sz="1800" spc="-1" strike="noStrike">
-                <a:solidFill>
-                  <a:srgbClr val="000000"/>
-                </a:solidFill>
-                <a:latin typeface="Arial"/>
-              </a:rPr>
-              <a:t>Fonte: https://newline.tech/extreme-programming/</a:t>
-            </a:r>
-            <a:endParaRPr b="0" lang="pt-BR" sz="1800" spc="-1" strike="noStrike">
-              <a:solidFill>
-                <a:srgbClr val="000000"/>
-              </a:solidFill>
-              <a:latin typeface="Arial"/>
-            </a:endParaRPr>
-          </a:p>
-        </p:txBody>
-      </p:sp>
       <p:sp>
         <p:nvSpPr>
           <p:cNvPr id="4" name="PlaceHolder 3"/>
@@ -6579,7 +9384,7 @@
         <p:txBody>
           <a:bodyPr/>
           <a:p>
-            <a:fld id="{B13DC4F2-A65B-4000-AB1F-64AA239FFDD3}" type="slidenum">
+            <a:fld id="{4F88EE65-B248-42C2-8A00-4A61D2F8DDC0}" type="slidenum">
               <a:t>8</a:t>
             </a:fld>
           </a:p>
@@ -6617,7 +9422,7 @@
       </p:grpSpPr>
       <p:sp>
         <p:nvSpPr>
-          <p:cNvPr id="41" name="PlaceHolder 1"/>
+          <p:cNvPr id="39" name="PlaceHolder 1"/>
           <p:cNvSpPr>
             <a:spLocks noGrp="1"/>
           </p:cNvSpPr>
@@ -6628,7 +9433,7 @@
         <p:spPr>
           <a:xfrm>
             <a:off x="640080" y="5760"/>
-            <a:ext cx="10699200" cy="1053360"/>
+            <a:ext cx="10698840" cy="1053000"/>
           </a:xfrm>
           <a:prstGeom prst="rect">
             <a:avLst/>
@@ -6661,7 +9466,7 @@
                 </a:solidFill>
                 <a:latin typeface="Arial"/>
               </a:rPr>
-              <a:t>Projetos</a:t>
+              <a:t>Diagramas de classes (UML)</a:t>
             </a:r>
             <a:endParaRPr b="0" lang="pt-BR" sz="3630" spc="-1" strike="noStrike">
               <a:solidFill>
@@ -6674,7 +9479,7 @@
       </p:sp>
       <p:sp>
         <p:nvSpPr>
-          <p:cNvPr id="42" name="PlaceHolder 2"/>
+          <p:cNvPr id="40" name="PlaceHolder 2"/>
           <p:cNvSpPr>
             <a:spLocks noGrp="1"/>
           </p:cNvSpPr>
@@ -6685,7 +9490,7 @@
         <p:spPr>
           <a:xfrm>
             <a:off x="182880" y="1188720"/>
-            <a:ext cx="11795400" cy="4976280"/>
+            <a:ext cx="4676400" cy="5290560"/>
           </a:xfrm>
           <a:prstGeom prst="rect">
             <a:avLst/>
@@ -6721,7 +9526,7 @@
                 </a:solidFill>
                 <a:latin typeface="Arial"/>
               </a:rPr>
-              <a:t>Plugin Hello Map</a:t>
+              <a:t>Pasta: projeto/docs/diagrama_de_classes.drawio</a:t>
             </a:r>
             <a:endParaRPr b="0" lang="pt-BR" sz="2400" spc="-1" strike="noStrike">
               <a:solidFill>
@@ -6731,30 +9536,94 @@
             </a:endParaRPr>
           </a:p>
           <a:p>
+            <a:pPr marL="432000" indent="-324000">
+              <a:lnSpc>
+                <a:spcPct val="100000"/>
+              </a:lnSpc>
+              <a:spcAft>
+                <a:spcPts val="1049"/>
+              </a:spcAft>
+              <a:buClr>
+                <a:srgbClr val="000000"/>
+              </a:buClr>
+              <a:buSzPct val="45000"/>
+              <a:buFont typeface="Wingdings" charset="2"/>
+              <a:buChar char=""/>
+            </a:pPr>
+            <a:r>
+              <a:rPr b="0" lang="pt-BR" sz="2400" spc="-1" strike="noStrike">
+                <a:solidFill>
+                  <a:srgbClr val="000000"/>
+                </a:solidFill>
+                <a:latin typeface="Arial"/>
+              </a:rPr>
+              <a:t>Abrir com:</a:t>
+            </a:r>
+            <a:endParaRPr b="0" lang="pt-BR" sz="2400" spc="-1" strike="noStrike">
+              <a:solidFill>
+                <a:srgbClr val="000000"/>
+              </a:solidFill>
+              <a:latin typeface="Arial"/>
+            </a:endParaRPr>
+          </a:p>
+          <a:p>
             <a:pPr lvl="1" marL="864000" indent="-324000">
               <a:lnSpc>
                 <a:spcPct val="100000"/>
               </a:lnSpc>
               <a:spcAft>
-                <a:spcPts val="1026"/>
-              </a:spcAft>
-              <a:buClr>
-                <a:srgbClr val="000000"/>
-              </a:buClr>
-              <a:buSzPct val="45000"/>
-              <a:buFont typeface="Wingdings" charset="2"/>
-              <a:buChar char=""/>
-            </a:pPr>
-            <a:r>
-              <a:rPr b="0" lang="pt-BR" sz="1800" spc="-1" strike="noStrike">
-                <a:solidFill>
-                  <a:srgbClr val="000000"/>
-                </a:solidFill>
-                <a:latin typeface="Arial"/>
-              </a:rPr>
-              <a:t>Carregar dados matriciais e vetoriais no QGIS (GDAL opcional)</a:t>
-            </a:r>
-            <a:endParaRPr b="0" lang="pt-BR" sz="1800" spc="-1" strike="noStrike">
+                <a:spcPts val="1049"/>
+              </a:spcAft>
+              <a:buClr>
+                <a:srgbClr val="000000"/>
+              </a:buClr>
+              <a:buSzPct val="45000"/>
+              <a:buFont typeface="Wingdings" charset="2"/>
+              <a:buChar char=""/>
+            </a:pPr>
+            <a:r>
+              <a:rPr b="0" lang="pt-BR" sz="2200" spc="-1" strike="noStrike" u="sng">
+                <a:solidFill>
+                  <a:srgbClr val="0000ee"/>
+                </a:solidFill>
+                <a:uFillTx/>
+                <a:latin typeface="Arial"/>
+                <a:hlinkClick r:id="rId1"/>
+              </a:rPr>
+              <a:t>https://www.drawio.com/</a:t>
+            </a:r>
+            <a:endParaRPr b="0" lang="pt-BR" sz="2200" spc="-1" strike="noStrike">
+              <a:solidFill>
+                <a:srgbClr val="000000"/>
+              </a:solidFill>
+              <a:latin typeface="Arial"/>
+            </a:endParaRPr>
+          </a:p>
+          <a:p>
+            <a:pPr lvl="1" marL="864000" indent="-324000">
+              <a:lnSpc>
+                <a:spcPct val="100000"/>
+              </a:lnSpc>
+              <a:spcAft>
+                <a:spcPts val="1049"/>
+              </a:spcAft>
+              <a:buClr>
+                <a:srgbClr val="000000"/>
+              </a:buClr>
+              <a:buSzPct val="45000"/>
+              <a:buFont typeface="Wingdings" charset="2"/>
+              <a:buChar char=""/>
+            </a:pPr>
+            <a:r>
+              <a:rPr b="0" lang="pt-BR" sz="2200" spc="-1" strike="noStrike">
+                <a:solidFill>
+                  <a:srgbClr val="000000"/>
+                </a:solidFill>
+                <a:latin typeface="Arial"/>
+              </a:rPr>
+              <a:t>VSCodium Draw.io Integration (Author: Hediet)</a:t>
+            </a:r>
+            <a:endParaRPr b="0" lang="pt-BR" sz="2200" spc="-1" strike="noStrike">
               <a:solidFill>
                 <a:srgbClr val="000000"/>
               </a:solidFill>
@@ -6783,61 +9652,19 @@
                 </a:solidFill>
                 <a:latin typeface="Arial"/>
               </a:rPr>
-              <a:t>Abrir coordenadas da rede de monitoramento SIRGAS e converter para um arquivo vetorial</a:t>
-            </a:r>
-            <a:endParaRPr b="0" lang="pt-BR" sz="2400" spc="-1" strike="noStrike">
-              <a:solidFill>
-                <a:srgbClr val="000000"/>
-              </a:solidFill>
-              <a:latin typeface="Arial"/>
-            </a:endParaRPr>
-          </a:p>
-          <a:p>
-            <a:pPr lvl="1" marL="864000" indent="-324000">
-              <a:lnSpc>
-                <a:spcPct val="100000"/>
-              </a:lnSpc>
-              <a:spcAft>
-                <a:spcPts val="1026"/>
-              </a:spcAft>
-              <a:buClr>
-                <a:srgbClr val="000000"/>
-              </a:buClr>
-              <a:buSzPct val="45000"/>
-              <a:buFont typeface="Wingdings" charset="2"/>
-              <a:buChar char=""/>
-            </a:pPr>
-            <a:r>
-              <a:rPr b="0" lang="pt-BR" sz="1800" spc="-1" strike="noStrike">
-                <a:solidFill>
-                  <a:srgbClr val="000000"/>
-                </a:solidFill>
-                <a:latin typeface="Arial"/>
-              </a:rPr>
-              <a:t>Baixar e manipular dados tabulados com Pandas e escrever com Geopandas.</a:t>
-            </a:r>
-            <a:endParaRPr b="0" lang="pt-BR" sz="1800" spc="-1" strike="noStrike">
-              <a:solidFill>
-                <a:srgbClr val="000000"/>
-              </a:solidFill>
-              <a:latin typeface="Arial"/>
-            </a:endParaRPr>
-          </a:p>
-          <a:p>
-            <a:pPr marL="432000" indent="-324000">
-              <a:lnSpc>
-                <a:spcPct val="100000"/>
-              </a:lnSpc>
-              <a:spcAft>
-                <a:spcPts val="1049"/>
-              </a:spcAft>
-              <a:buClr>
-                <a:srgbClr val="000000"/>
-              </a:buClr>
-              <a:buSzPct val="45000"/>
-              <a:buFont typeface="Wingdings" charset="2"/>
-              <a:buChar char=""/>
-            </a:pPr>
+              <a:t>Tutorial de edição: </a:t>
+            </a:r>
+            <a:r>
+              <a:rPr b="0" lang="pt-BR" sz="2400" spc="-1" strike="noStrike" u="sng">
+                <a:solidFill>
+                  <a:srgbClr val="0000ee"/>
+                </a:solidFill>
+                <a:uFillTx/>
+                <a:latin typeface="Arial"/>
+                <a:hlinkClick r:id="rId2"/>
+              </a:rPr>
+              <a:t>https://www.drawio.com/blog/uml-class-diagrams</a:t>
+            </a:r>
             <a:r>
               <a:rPr b="0" lang="pt-BR" sz="2400" spc="-1" strike="noStrike">
                 <a:solidFill>
@@ -6845,193 +9672,7 @@
                 </a:solidFill>
                 <a:latin typeface="Arial"/>
               </a:rPr>
-              <a:t>Processing Plugin de extrair cotas de um Modelo Digital de Superfícies</a:t>
-            </a:r>
-            <a:endParaRPr b="0" lang="pt-BR" sz="2400" spc="-1" strike="noStrike">
-              <a:solidFill>
-                <a:srgbClr val="000000"/>
-              </a:solidFill>
-              <a:latin typeface="Arial"/>
-            </a:endParaRPr>
-          </a:p>
-          <a:p>
-            <a:pPr lvl="1" marL="864000" indent="-324000">
-              <a:lnSpc>
-                <a:spcPct val="100000"/>
-              </a:lnSpc>
-              <a:spcAft>
-                <a:spcPts val="1026"/>
-              </a:spcAft>
-              <a:buClr>
-                <a:srgbClr val="000000"/>
-              </a:buClr>
-              <a:buSzPct val="45000"/>
-              <a:buFont typeface="Wingdings" charset="2"/>
-              <a:buChar char=""/>
-            </a:pPr>
-            <a:r>
-              <a:rPr b="0" lang="pt-BR" sz="1800" spc="-1" strike="noStrike">
-                <a:solidFill>
-                  <a:srgbClr val="000000"/>
-                </a:solidFill>
-                <a:latin typeface="Arial"/>
-              </a:rPr>
-              <a:t>Manipular dados matriciais e vetoriais no QGIS</a:t>
-            </a:r>
-            <a:endParaRPr b="0" lang="pt-BR" sz="1800" spc="-1" strike="noStrike">
-              <a:solidFill>
-                <a:srgbClr val="000000"/>
-              </a:solidFill>
-              <a:latin typeface="Arial"/>
-            </a:endParaRPr>
-          </a:p>
-          <a:p>
-            <a:pPr marL="432000" indent="-324000">
-              <a:lnSpc>
-                <a:spcPct val="100000"/>
-              </a:lnSpc>
-              <a:spcAft>
-                <a:spcPts val="1049"/>
-              </a:spcAft>
-              <a:buClr>
-                <a:srgbClr val="000000"/>
-              </a:buClr>
-              <a:buSzPct val="45000"/>
-              <a:buFont typeface="Wingdings" charset="2"/>
-              <a:buChar char=""/>
-            </a:pPr>
-            <a:r>
-              <a:rPr b="0" lang="pt-BR" sz="2400" spc="-1" strike="noStrike">
-                <a:solidFill>
-                  <a:srgbClr val="000000"/>
-                </a:solidFill>
-                <a:latin typeface="Arial"/>
-              </a:rPr>
-              <a:t>Operações topológicas</a:t>
-            </a:r>
-            <a:endParaRPr b="0" lang="pt-BR" sz="2400" spc="-1" strike="noStrike">
-              <a:solidFill>
-                <a:srgbClr val="000000"/>
-              </a:solidFill>
-              <a:latin typeface="Arial"/>
-            </a:endParaRPr>
-          </a:p>
-          <a:p>
-            <a:pPr lvl="1" marL="864000" indent="-324000">
-              <a:lnSpc>
-                <a:spcPct val="100000"/>
-              </a:lnSpc>
-              <a:spcAft>
-                <a:spcPts val="1026"/>
-              </a:spcAft>
-              <a:buClr>
-                <a:srgbClr val="000000"/>
-              </a:buClr>
-              <a:buSzPct val="45000"/>
-              <a:buFont typeface="Wingdings" charset="2"/>
-              <a:buChar char=""/>
-            </a:pPr>
-            <a:r>
-              <a:rPr b="0" lang="pt-BR" sz="1800" spc="-1" strike="noStrike">
-                <a:solidFill>
-                  <a:srgbClr val="000000"/>
-                </a:solidFill>
-                <a:latin typeface="Arial"/>
-              </a:rPr>
-              <a:t>Processing Plugin com model builder para resolver um problema de geoprocessamento.</a:t>
-            </a:r>
-            <a:endParaRPr b="0" lang="pt-BR" sz="1800" spc="-1" strike="noStrike">
-              <a:solidFill>
-                <a:srgbClr val="000000"/>
-              </a:solidFill>
-              <a:latin typeface="Arial"/>
-            </a:endParaRPr>
-          </a:p>
-          <a:p>
-            <a:pPr marL="432000" indent="-324000">
-              <a:lnSpc>
-                <a:spcPct val="100000"/>
-              </a:lnSpc>
-              <a:spcAft>
-                <a:spcPts val="1049"/>
-              </a:spcAft>
-              <a:buClr>
-                <a:srgbClr val="000000"/>
-              </a:buClr>
-              <a:buSzPct val="45000"/>
-              <a:buFont typeface="Wingdings" charset="2"/>
-              <a:buChar char=""/>
-            </a:pPr>
-            <a:r>
-              <a:rPr b="0" lang="pt-BR" sz="2400" spc="-1" strike="noStrike">
-                <a:solidFill>
-                  <a:srgbClr val="000000"/>
-                </a:solidFill>
-                <a:latin typeface="Arial"/>
-              </a:rPr>
-              <a:t>FastAPI/Taipy</a:t>
-            </a:r>
-            <a:endParaRPr b="0" lang="pt-BR" sz="2400" spc="-1" strike="noStrike">
-              <a:solidFill>
-                <a:srgbClr val="000000"/>
-              </a:solidFill>
-              <a:latin typeface="Arial"/>
-            </a:endParaRPr>
-          </a:p>
-          <a:p>
-            <a:pPr lvl="1" marL="864000" indent="-324000">
-              <a:lnSpc>
-                <a:spcPct val="100000"/>
-              </a:lnSpc>
-              <a:spcAft>
-                <a:spcPts val="1026"/>
-              </a:spcAft>
-              <a:buClr>
-                <a:srgbClr val="000000"/>
-              </a:buClr>
-              <a:buSzPct val="45000"/>
-              <a:buFont typeface="Wingdings" charset="2"/>
-              <a:buChar char=""/>
-            </a:pPr>
-            <a:r>
-              <a:rPr b="0" lang="pt-BR" sz="1800" spc="-1" strike="noStrike">
-                <a:solidFill>
-                  <a:srgbClr val="000000"/>
-                </a:solidFill>
-                <a:latin typeface="Arial"/>
-              </a:rPr>
-              <a:t>Criar interface web e API web para os projetos 2, 3 e 4.</a:t>
-            </a:r>
-            <a:endParaRPr b="0" lang="pt-BR" sz="1800" spc="-1" strike="noStrike">
-              <a:solidFill>
-                <a:srgbClr val="000000"/>
-              </a:solidFill>
-              <a:latin typeface="Arial"/>
-            </a:endParaRPr>
-          </a:p>
-          <a:p>
-            <a:pPr marL="432000" indent="-324000">
-              <a:lnSpc>
-                <a:spcPct val="100000"/>
-              </a:lnSpc>
-              <a:spcAft>
-                <a:spcPts val="1049"/>
-              </a:spcAft>
-              <a:buClr>
-                <a:srgbClr val="000000"/>
-              </a:buClr>
-              <a:buSzPct val="45000"/>
-              <a:buFont typeface="Wingdings" charset="2"/>
-              <a:buChar char=""/>
-            </a:pPr>
-            <a:r>
-              <a:rPr b="0" lang="pt-BR" sz="2400" spc="-1" strike="noStrike">
-                <a:solidFill>
-                  <a:srgbClr val="000000"/>
-                </a:solidFill>
-                <a:latin typeface="Arial"/>
-              </a:rPr>
-              <a:t>(Opcional): RasterIO+Sklearn (XGBoost)</a:t>
+              <a:t> </a:t>
             </a:r>
             <a:endParaRPr b="0" lang="pt-BR" sz="2400" spc="-1" strike="noStrike">
               <a:solidFill>
@@ -7042,6 +9683,30 @@
           </a:p>
         </p:txBody>
       </p:sp>
+      <p:pic>
+        <p:nvPicPr>
+          <p:cNvPr id="41" name="" descr=""/>
+          <p:cNvPicPr/>
+          <p:nvPr/>
+        </p:nvPicPr>
+        <p:blipFill>
+          <a:blip r:embed="rId3"/>
+          <a:srcRect l="1147" t="0" r="1847" b="0"/>
+          <a:stretch/>
+        </p:blipFill>
+        <p:spPr>
+          <a:xfrm>
+            <a:off x="5040000" y="1602000"/>
+            <a:ext cx="7018920" cy="4157280"/>
+          </a:xfrm>
+          <a:prstGeom prst="rect">
+            <a:avLst/>
+          </a:prstGeom>
+          <a:ln w="0">
+            <a:noFill/>
+          </a:ln>
+        </p:spPr>
+      </p:pic>
       <p:sp>
         <p:nvSpPr>
           <p:cNvPr id="4" name="PlaceHolder 3"/>
@@ -7056,7 +9721,7 @@
         <p:txBody>
           <a:bodyPr/>
           <a:p>
-            <a:fld id="{FC9B4AEA-E3B8-4A80-AAE1-27AE4D777F72}" type="slidenum">
+            <a:fld id="{436B1274-9FA5-400D-B113-230A2D215E81}" type="slidenum">
               <a:t>9</a:t>
             </a:fld>
           </a:p>

--- a/aulas/Aula_1_Ambiente_de_desenvolvimento.pptx
+++ b/aulas/Aula_1_Ambiente_de_desenvolvimento.pptx
@@ -4,26 +4,28 @@
   <p:sldMasterIdLst>
     <p:sldMasterId id="2147483648" r:id="rId2"/>
     <p:sldMasterId id="2147483650" r:id="rId3"/>
+    <p:sldMasterId id="2147483652" r:id="rId4"/>
   </p:sldMasterIdLst>
   <p:sldIdLst>
-    <p:sldId id="256" r:id="rId4"/>
-    <p:sldId id="257" r:id="rId5"/>
-    <p:sldId id="258" r:id="rId6"/>
-    <p:sldId id="259" r:id="rId7"/>
-    <p:sldId id="260" r:id="rId8"/>
-    <p:sldId id="261" r:id="rId9"/>
-    <p:sldId id="262" r:id="rId10"/>
-    <p:sldId id="263" r:id="rId11"/>
-    <p:sldId id="264" r:id="rId12"/>
-    <p:sldId id="265" r:id="rId13"/>
-    <p:sldId id="266" r:id="rId14"/>
-    <p:sldId id="267" r:id="rId15"/>
-    <p:sldId id="268" r:id="rId16"/>
-    <p:sldId id="269" r:id="rId17"/>
-    <p:sldId id="270" r:id="rId18"/>
-    <p:sldId id="271" r:id="rId19"/>
-    <p:sldId id="272" r:id="rId20"/>
-    <p:sldId id="273" r:id="rId21"/>
+    <p:sldId id="256" r:id="rId5"/>
+    <p:sldId id="257" r:id="rId6"/>
+    <p:sldId id="258" r:id="rId7"/>
+    <p:sldId id="259" r:id="rId8"/>
+    <p:sldId id="260" r:id="rId9"/>
+    <p:sldId id="261" r:id="rId10"/>
+    <p:sldId id="262" r:id="rId11"/>
+    <p:sldId id="263" r:id="rId12"/>
+    <p:sldId id="264" r:id="rId13"/>
+    <p:sldId id="265" r:id="rId14"/>
+    <p:sldId id="266" r:id="rId15"/>
+    <p:sldId id="267" r:id="rId16"/>
+    <p:sldId id="268" r:id="rId17"/>
+    <p:sldId id="269" r:id="rId18"/>
+    <p:sldId id="270" r:id="rId19"/>
+    <p:sldId id="271" r:id="rId20"/>
+    <p:sldId id="272" r:id="rId21"/>
+    <p:sldId id="273" r:id="rId22"/>
+    <p:sldId id="274" r:id="rId23"/>
   </p:sldIdLst>
   <p:sldSz cx="12192000" cy="6858000"/>
   <p:notesSz cx="7559675" cy="10691813"/>
@@ -60,7 +62,7 @@
         <p:spPr>
           <a:xfrm>
             <a:off x="640080" y="5760"/>
-            <a:ext cx="10698840" cy="1053000"/>
+            <a:ext cx="10698480" cy="1052640"/>
           </a:xfrm>
           <a:prstGeom prst="rect">
             <a:avLst/>
@@ -100,7 +102,7 @@
         <p:spPr>
           <a:xfrm>
             <a:off x="182880" y="1188720"/>
-            <a:ext cx="11795040" cy="3976920"/>
+            <a:ext cx="11794680" cy="3976560"/>
           </a:xfrm>
           <a:prstGeom prst="rect">
             <a:avLst/>
@@ -164,7 +166,7 @@
         <p:txBody>
           <a:bodyPr/>
           <a:p>
-            <a:fld id="{AC92F9F5-6D2A-4C71-BDD6-EBF984B45E73}" type="slidenum">
+            <a:fld id="{AF7F52AB-5442-400F-902E-0DF41FE23323}" type="slidenum">
               <a:t>&lt;#&gt;</a:t>
             </a:fld>
           </a:p>
@@ -226,7 +228,7 @@
         <p:spPr>
           <a:xfrm>
             <a:off x="640080" y="5760"/>
-            <a:ext cx="10698840" cy="1053000"/>
+            <a:ext cx="10698480" cy="1052640"/>
           </a:xfrm>
           <a:prstGeom prst="rect">
             <a:avLst/>
@@ -266,7 +268,7 @@
         <p:spPr>
           <a:xfrm>
             <a:off x="182880" y="1188720"/>
-            <a:ext cx="11795040" cy="3976920"/>
+            <a:ext cx="11794680" cy="3976560"/>
           </a:xfrm>
           <a:prstGeom prst="rect">
             <a:avLst/>
@@ -330,7 +332,7 @@
         <p:txBody>
           <a:bodyPr/>
           <a:p>
-            <a:fld id="{F96BDF46-6145-4588-B505-0FA6DD3AF1C8}" type="slidenum">
+            <a:fld id="{F9D59900-F0CA-4FD5-BECB-9B0AAD9CB6F7}" type="slidenum">
               <a:t>&lt;#&gt;</a:t>
             </a:fld>
           </a:p>
@@ -344,6 +346,172 @@
           </p:cNvSpPr>
           <p:nvPr>
             <p:ph type="dt" idx="6"/>
+          </p:nvPr>
+        </p:nvSpPr>
+        <p:spPr/>
+        <p:txBody>
+          <a:bodyPr/>
+          <a:p>
+            <a:r>
+              <a:rPr lang="pt-BR"/>
+              <a:t/>
+            </a:r>
+          </a:p>
+        </p:txBody>
+      </p:sp>
+    </p:spTree>
+  </p:cSld>
+</p:sldLayout>
+</file>
+
+<file path=ppt/slideLayouts/slideLayout3.xml><?xml version="1.0" encoding="utf-8"?>
+<p:sldLayout xmlns:a="http://schemas.openxmlformats.org/drawingml/2006/main" xmlns:p="http://schemas.openxmlformats.org/presentationml/2006/main" xmlns:r="http://schemas.openxmlformats.org/officeDocument/2006/relationships" xmlns:p14="http://schemas.microsoft.com/office/powerpoint/2010/main" xmlns:p15="http://schemas.microsoft.com/office/powerpoint/2012/main" xmlns:mc="http://schemas.openxmlformats.org/markup-compatibility/2006" type="tx" preserve="1">
+  <p:cSld name="Default__">
+    <p:spTree>
+      <p:nvGrpSpPr>
+        <p:cNvPr id="1" name=""/>
+        <p:cNvGrpSpPr/>
+        <p:nvPr/>
+      </p:nvGrpSpPr>
+      <p:grpSpPr>
+        <a:xfrm>
+          <a:off x="0" y="0"/>
+          <a:ext cx="0" cy="0"/>
+          <a:chOff x="0" y="0"/>
+          <a:chExt cx="0" cy="0"/>
+        </a:xfrm>
+      </p:grpSpPr>
+      <p:sp>
+        <p:nvSpPr>
+          <p:cNvPr id="29" name="PlaceHolder 1"/>
+          <p:cNvSpPr>
+            <a:spLocks noGrp="1"/>
+          </p:cNvSpPr>
+          <p:nvPr>
+            <p:ph type="title"/>
+          </p:nvPr>
+        </p:nvSpPr>
+        <p:spPr>
+          <a:xfrm>
+            <a:off x="640080" y="5760"/>
+            <a:ext cx="10698480" cy="1052640"/>
+          </a:xfrm>
+          <a:prstGeom prst="rect">
+            <a:avLst/>
+          </a:prstGeom>
+          <a:noFill/>
+          <a:ln w="0">
+            <a:noFill/>
+          </a:ln>
+        </p:spPr>
+        <p:txBody>
+          <a:bodyPr lIns="0" rIns="0" tIns="0" bIns="0" anchor="ctr">
+            <a:noAutofit/>
+          </a:bodyPr>
+          <a:p>
+            <a:pPr indent="0" algn="ctr">
+              <a:buNone/>
+            </a:pPr>
+            <a:endParaRPr b="0" lang="pt-BR" sz="4400" spc="-1" strike="noStrike">
+              <a:solidFill>
+                <a:srgbClr val="000000"/>
+              </a:solidFill>
+              <a:latin typeface="Arial"/>
+            </a:endParaRPr>
+          </a:p>
+        </p:txBody>
+      </p:sp>
+      <p:sp>
+        <p:nvSpPr>
+          <p:cNvPr id="30" name="PlaceHolder 2"/>
+          <p:cNvSpPr>
+            <a:spLocks noGrp="1"/>
+          </p:cNvSpPr>
+          <p:nvPr>
+            <p:ph/>
+          </p:nvPr>
+        </p:nvSpPr>
+        <p:spPr>
+          <a:xfrm>
+            <a:off x="182880" y="1188720"/>
+            <a:ext cx="11794680" cy="3976560"/>
+          </a:xfrm>
+          <a:prstGeom prst="rect">
+            <a:avLst/>
+          </a:prstGeom>
+          <a:noFill/>
+          <a:ln w="0">
+            <a:noFill/>
+          </a:ln>
+        </p:spPr>
+        <p:txBody>
+          <a:bodyPr lIns="0" rIns="0" tIns="0" bIns="0" anchor="t">
+            <a:normAutofit/>
+          </a:bodyPr>
+          <a:p>
+            <a:pPr indent="0">
+              <a:spcBef>
+                <a:spcPts val="1417"/>
+              </a:spcBef>
+              <a:buNone/>
+            </a:pPr>
+            <a:endParaRPr b="0" lang="pt-BR" sz="3200" spc="-1" strike="noStrike">
+              <a:solidFill>
+                <a:srgbClr val="000000"/>
+              </a:solidFill>
+              <a:latin typeface="Arial"/>
+            </a:endParaRPr>
+          </a:p>
+        </p:txBody>
+      </p:sp>
+      <p:sp>
+        <p:nvSpPr>
+          <p:cNvPr id="4" name="PlaceHolder 3"/>
+          <p:cNvSpPr>
+            <a:spLocks noGrp="1"/>
+          </p:cNvSpPr>
+          <p:nvPr>
+            <p:ph type="ftr" idx="7"/>
+          </p:nvPr>
+        </p:nvSpPr>
+        <p:spPr/>
+        <p:txBody>
+          <a:bodyPr/>
+          <a:p>
+            <a:r>
+              <a:t>Footer</a:t>
+            </a:r>
+          </a:p>
+        </p:txBody>
+      </p:sp>
+      <p:sp>
+        <p:nvSpPr>
+          <p:cNvPr id="5" name="PlaceHolder 4"/>
+          <p:cNvSpPr>
+            <a:spLocks noGrp="1"/>
+          </p:cNvSpPr>
+          <p:nvPr>
+            <p:ph type="sldNum" idx="8"/>
+          </p:nvPr>
+        </p:nvSpPr>
+        <p:spPr/>
+        <p:txBody>
+          <a:bodyPr/>
+          <a:p>
+            <a:fld id="{994E66B9-4C21-4680-9AE8-06907D21DF1D}" type="slidenum">
+              <a:t>&lt;#&gt;</a:t>
+            </a:fld>
+          </a:p>
+        </p:txBody>
+      </p:sp>
+      <p:sp>
+        <p:nvSpPr>
+          <p:cNvPr id="6" name="PlaceHolder 5"/>
+          <p:cNvSpPr>
+            <a:spLocks noGrp="1"/>
+          </p:cNvSpPr>
+          <p:nvPr>
+            <p:ph type="dt" idx="9"/>
           </p:nvPr>
         </p:nvSpPr>
         <p:spPr/>
@@ -392,7 +560,7 @@
         <p:spPr>
           <a:xfrm>
             <a:off x="640080" y="5760"/>
-            <a:ext cx="10698840" cy="1053000"/>
+            <a:ext cx="10698480" cy="1052640"/>
           </a:xfrm>
           <a:prstGeom prst="rect">
             <a:avLst/>
@@ -441,7 +609,7 @@
         <p:spPr>
           <a:xfrm>
             <a:off x="182880" y="1188720"/>
-            <a:ext cx="11795040" cy="3976920"/>
+            <a:ext cx="11794680" cy="3976560"/>
           </a:xfrm>
           <a:prstGeom prst="rect">
             <a:avLst/>
@@ -666,7 +834,7 @@
         <p:spPr>
           <a:xfrm>
             <a:off x="4169520" y="6492240"/>
-            <a:ext cx="3863520" cy="227160"/>
+            <a:ext cx="3863160" cy="226800"/>
           </a:xfrm>
           <a:prstGeom prst="rect">
             <a:avLst/>
@@ -738,7 +906,7 @@
         <p:spPr>
           <a:xfrm>
             <a:off x="9209160" y="6492240"/>
-            <a:ext cx="2839680" cy="227160"/>
+            <a:ext cx="2839320" cy="226800"/>
           </a:xfrm>
           <a:prstGeom prst="rect">
             <a:avLst/>
@@ -779,7 +947,7 @@
                 <a:tab algn="l" pos="0"/>
               </a:tabLst>
             </a:pPr>
-            <a:fld id="{1FEA55D0-0F5C-4C38-AA4D-85879BD24DF8}" type="slidenum">
+            <a:fld id="{287529E0-59EF-4E08-A02C-21B65CD9F552}" type="slidenum">
               <a:rPr b="0" lang="pt-BR" sz="1400" spc="-1" strike="noStrike">
                 <a:solidFill>
                   <a:srgbClr val="000000"/>
@@ -810,7 +978,7 @@
         <p:spPr>
           <a:xfrm>
             <a:off x="609480" y="6492240"/>
-            <a:ext cx="2839680" cy="227160"/>
+            <a:ext cx="2839320" cy="226800"/>
           </a:xfrm>
           <a:prstGeom prst="rect">
             <a:avLst/>
@@ -976,7 +1144,7 @@
         <p:spPr>
           <a:xfrm>
             <a:off x="12960" y="6120"/>
-            <a:ext cx="672840" cy="1053360"/>
+            <a:ext cx="672480" cy="1053000"/>
           </a:xfrm>
           <a:prstGeom prst="rect">
             <a:avLst/>
@@ -1023,7 +1191,7 @@
         <p:spPr>
           <a:xfrm>
             <a:off x="11247120" y="6480"/>
-            <a:ext cx="949320" cy="1053360"/>
+            <a:ext cx="948960" cy="1053000"/>
           </a:xfrm>
           <a:prstGeom prst="rect">
             <a:avLst/>
@@ -1069,13 +1237,13 @@
         </p:nvPicPr>
         <p:blipFill>
           <a:blip r:embed="rId2"/>
-          <a:srcRect l="0" t="0" r="75472" b="0"/>
+          <a:srcRect l="0" t="0" r="75459" b="0"/>
           <a:stretch/>
         </p:blipFill>
         <p:spPr>
           <a:xfrm>
             <a:off x="11592720" y="360000"/>
-            <a:ext cx="466560" cy="539280"/>
+            <a:ext cx="466200" cy="538920"/>
           </a:xfrm>
           <a:prstGeom prst="rect">
             <a:avLst/>
@@ -1098,7 +1266,7 @@
         <p:spPr>
           <a:xfrm>
             <a:off x="640080" y="5760"/>
-            <a:ext cx="10698840" cy="1053000"/>
+            <a:ext cx="10698480" cy="1052640"/>
           </a:xfrm>
           <a:prstGeom prst="rect">
             <a:avLst/>
@@ -1147,7 +1315,7 @@
         <p:spPr>
           <a:xfrm>
             <a:off x="182880" y="1188720"/>
-            <a:ext cx="11795040" cy="3976920"/>
+            <a:ext cx="11794680" cy="3976560"/>
           </a:xfrm>
           <a:prstGeom prst="rect">
             <a:avLst/>
@@ -1372,7 +1540,7 @@
         <p:spPr>
           <a:xfrm>
             <a:off x="4169520" y="6492240"/>
-            <a:ext cx="3863520" cy="227160"/>
+            <a:ext cx="3863160" cy="226800"/>
           </a:xfrm>
           <a:prstGeom prst="rect">
             <a:avLst/>
@@ -1444,7 +1612,7 @@
         <p:spPr>
           <a:xfrm>
             <a:off x="9209160" y="6492240"/>
-            <a:ext cx="2839680" cy="227160"/>
+            <a:ext cx="2839320" cy="226800"/>
           </a:xfrm>
           <a:prstGeom prst="rect">
             <a:avLst/>
@@ -1485,7 +1653,7 @@
                 <a:tab algn="l" pos="0"/>
               </a:tabLst>
             </a:pPr>
-            <a:fld id="{50161005-4A56-4C41-87A8-CD6C42916E9B}" type="slidenum">
+            <a:fld id="{72043544-C753-4CE3-AF9B-78B910C527E3}" type="slidenum">
               <a:rPr b="0" lang="pt-BR" sz="1400" spc="-1" strike="noStrike">
                 <a:solidFill>
                   <a:srgbClr val="000000"/>
@@ -1516,7 +1684,7 @@
         <p:spPr>
           <a:xfrm>
             <a:off x="609480" y="6492240"/>
-            <a:ext cx="2839680" cy="227160"/>
+            <a:ext cx="2839320" cy="226800"/>
           </a:xfrm>
           <a:prstGeom prst="rect">
             <a:avLst/>
@@ -1568,6 +1736,702 @@
   <p:clrMap bg1="lt1" bg2="lt2" tx1="dk1" tx2="dk2" accent1="accent1" accent2="accent2" accent3="accent3" accent4="accent4" accent5="accent5" accent6="accent6" hlink="hlink" folHlink="folHlink"/>
   <p:sldLayoutIdLst>
     <p:sldLayoutId id="2147483651" r:id="rId3"/>
+  </p:sldLayoutIdLst>
+</p:sldMaster>
+</file>
+
+<file path=ppt/slideMasters/slideMaster3.xml><?xml version="1.0" encoding="utf-8"?>
+<p:sldMaster xmlns:a="http://schemas.openxmlformats.org/drawingml/2006/main" xmlns:p="http://schemas.openxmlformats.org/presentationml/2006/main" xmlns:r="http://schemas.openxmlformats.org/officeDocument/2006/relationships" xmlns:p14="http://schemas.microsoft.com/office/powerpoint/2010/main" xmlns:p15="http://schemas.microsoft.com/office/powerpoint/2012/main" xmlns:mc="http://schemas.openxmlformats.org/markup-compatibility/2006">
+  <p:cSld>
+    <p:spTree>
+      <p:nvGrpSpPr>
+        <p:cNvPr id="1" name=""/>
+        <p:cNvGrpSpPr/>
+        <p:nvPr/>
+      </p:nvGrpSpPr>
+      <p:grpSpPr>
+        <a:xfrm>
+          <a:off x="0" y="0"/>
+          <a:ext cx="0" cy="0"/>
+          <a:chOff x="0" y="0"/>
+          <a:chExt cx="0" cy="0"/>
+        </a:xfrm>
+      </p:grpSpPr>
+      <p:sp>
+        <p:nvSpPr>
+          <p:cNvPr id="19" name=""/>
+          <p:cNvSpPr/>
+          <p:nvPr/>
+        </p:nvSpPr>
+        <p:spPr>
+          <a:xfrm>
+            <a:off x="0" y="1097280"/>
+            <a:ext cx="12191760" cy="7200"/>
+          </a:xfrm>
+          <a:prstGeom prst="line">
+            <a:avLst/>
+          </a:prstGeom>
+          <a:ln w="7200">
+            <a:solidFill>
+              <a:srgbClr val="5c8526"/>
+            </a:solidFill>
+            <a:round/>
+          </a:ln>
+        </p:spPr>
+        <p:style>
+          <a:lnRef idx="0"/>
+          <a:fillRef idx="0"/>
+          <a:effectRef idx="0"/>
+          <a:fontRef idx="minor"/>
+        </p:style>
+        <p:txBody>
+          <a:bodyPr lIns="93600" rIns="93600" tIns="-41400" bIns="-41400" anchor="ctr" anchorCtr="1">
+            <a:noAutofit/>
+          </a:bodyPr>
+          <a:p>
+            <a:endParaRPr b="0" lang="pt-BR" sz="2400" spc="-1" strike="noStrike">
+              <a:solidFill>
+                <a:srgbClr val="000000"/>
+              </a:solidFill>
+              <a:latin typeface="Times New Roman"/>
+              <a:ea typeface="DejaVu Sans"/>
+            </a:endParaRPr>
+          </a:p>
+        </p:txBody>
+      </p:sp>
+      <p:sp>
+        <p:nvSpPr>
+          <p:cNvPr id="20" name=""/>
+          <p:cNvSpPr/>
+          <p:nvPr/>
+        </p:nvSpPr>
+        <p:spPr>
+          <a:xfrm>
+            <a:off x="0" y="1136880"/>
+            <a:ext cx="12191760" cy="360"/>
+          </a:xfrm>
+          <a:prstGeom prst="line">
+            <a:avLst/>
+          </a:prstGeom>
+          <a:ln w="7200">
+            <a:solidFill>
+              <a:srgbClr val="5c8526"/>
+            </a:solidFill>
+            <a:round/>
+          </a:ln>
+        </p:spPr>
+        <p:style>
+          <a:lnRef idx="0"/>
+          <a:fillRef idx="0"/>
+          <a:effectRef idx="0"/>
+          <a:fontRef idx="minor"/>
+        </p:style>
+        <p:txBody>
+          <a:bodyPr lIns="93600" rIns="93600" tIns="-48600" bIns="-48600" anchor="ctr" anchorCtr="1">
+            <a:noAutofit/>
+          </a:bodyPr>
+          <a:p>
+            <a:endParaRPr b="0" lang="pt-BR" sz="2400" spc="-1" strike="noStrike">
+              <a:solidFill>
+                <a:srgbClr val="000000"/>
+              </a:solidFill>
+              <a:latin typeface="Times New Roman"/>
+              <a:ea typeface="DejaVu Sans"/>
+            </a:endParaRPr>
+          </a:p>
+        </p:txBody>
+      </p:sp>
+      <p:sp>
+        <p:nvSpPr>
+          <p:cNvPr id="21" name=""/>
+          <p:cNvSpPr/>
+          <p:nvPr/>
+        </p:nvSpPr>
+        <p:spPr>
+          <a:xfrm>
+            <a:off x="12960" y="6120"/>
+            <a:ext cx="672480" cy="1053000"/>
+          </a:xfrm>
+          <a:prstGeom prst="rect">
+            <a:avLst/>
+          </a:prstGeom>
+          <a:solidFill>
+            <a:srgbClr val="99cc99"/>
+          </a:solidFill>
+          <a:ln w="0">
+            <a:noFill/>
+          </a:ln>
+        </p:spPr>
+        <p:style>
+          <a:lnRef idx="0"/>
+          <a:fillRef idx="0"/>
+          <a:effectRef idx="0"/>
+          <a:fontRef idx="minor"/>
+        </p:style>
+        <p:txBody>
+          <a:bodyPr wrap="none" lIns="0" rIns="0" tIns="0" bIns="0" anchor="ctr">
+            <a:noAutofit/>
+          </a:bodyPr>
+          <a:p>
+            <a:endParaRPr b="0" lang="pt-BR" sz="2400" spc="-1" strike="noStrike">
+              <a:solidFill>
+                <a:srgbClr val="000000"/>
+              </a:solidFill>
+              <a:latin typeface="Times New Roman"/>
+              <a:ea typeface="DejaVu Sans"/>
+            </a:endParaRPr>
+          </a:p>
+        </p:txBody>
+      </p:sp>
+      <p:sp>
+        <p:nvSpPr>
+          <p:cNvPr id="22" name=""/>
+          <p:cNvSpPr/>
+          <p:nvPr/>
+        </p:nvSpPr>
+        <p:spPr>
+          <a:xfrm>
+            <a:off x="11247120" y="6480"/>
+            <a:ext cx="948960" cy="1053000"/>
+          </a:xfrm>
+          <a:prstGeom prst="rect">
+            <a:avLst/>
+          </a:prstGeom>
+          <a:solidFill>
+            <a:srgbClr val="99cc99"/>
+          </a:solidFill>
+          <a:ln w="0">
+            <a:noFill/>
+          </a:ln>
+        </p:spPr>
+        <p:style>
+          <a:lnRef idx="0"/>
+          <a:fillRef idx="0"/>
+          <a:effectRef idx="0"/>
+          <a:fontRef idx="minor"/>
+        </p:style>
+        <p:txBody>
+          <a:bodyPr wrap="none" lIns="0" rIns="0" tIns="0" bIns="0" anchor="ctr">
+            <a:noAutofit/>
+          </a:bodyPr>
+          <a:p>
+            <a:endParaRPr b="0" lang="pt-BR" sz="2400" spc="-1" strike="noStrike">
+              <a:solidFill>
+                <a:srgbClr val="000000"/>
+              </a:solidFill>
+              <a:latin typeface="Times New Roman"/>
+              <a:ea typeface="DejaVu Sans"/>
+            </a:endParaRPr>
+          </a:p>
+        </p:txBody>
+      </p:sp>
+      <p:pic>
+        <p:nvPicPr>
+          <p:cNvPr id="23" name="" descr=""/>
+          <p:cNvPicPr/>
+          <p:nvPr/>
+        </p:nvPicPr>
+        <p:blipFill>
+          <a:blip r:embed="rId2"/>
+          <a:srcRect l="0" t="0" r="75459" b="0"/>
+          <a:stretch/>
+        </p:blipFill>
+        <p:spPr>
+          <a:xfrm>
+            <a:off x="11592720" y="360000"/>
+            <a:ext cx="466200" cy="538920"/>
+          </a:xfrm>
+          <a:prstGeom prst="rect">
+            <a:avLst/>
+          </a:prstGeom>
+          <a:ln w="0">
+            <a:noFill/>
+          </a:ln>
+        </p:spPr>
+      </p:pic>
+      <p:sp>
+        <p:nvSpPr>
+          <p:cNvPr id="24" name="PlaceHolder 1"/>
+          <p:cNvSpPr>
+            <a:spLocks noGrp="1"/>
+          </p:cNvSpPr>
+          <p:nvPr>
+            <p:ph type="title"/>
+          </p:nvPr>
+        </p:nvSpPr>
+        <p:spPr>
+          <a:xfrm>
+            <a:off x="640080" y="5760"/>
+            <a:ext cx="10698480" cy="1052640"/>
+          </a:xfrm>
+          <a:prstGeom prst="rect">
+            <a:avLst/>
+          </a:prstGeom>
+          <a:noFill/>
+          <a:ln w="0">
+            <a:noFill/>
+          </a:ln>
+        </p:spPr>
+        <p:txBody>
+          <a:bodyPr lIns="0" rIns="0" tIns="0" bIns="0" anchor="ctr">
+            <a:noAutofit/>
+          </a:bodyPr>
+          <a:p>
+            <a:pPr indent="0">
+              <a:buNone/>
+            </a:pPr>
+            <a:r>
+              <a:rPr b="0" lang="pt-BR" sz="1800" spc="-1" strike="noStrike">
+                <a:solidFill>
+                  <a:srgbClr val="000000"/>
+                </a:solidFill>
+                <a:latin typeface="Arial"/>
+              </a:rPr>
+              <a:t>Click to edit the title text format</a:t>
+            </a:r>
+            <a:endParaRPr b="0" lang="pt-BR" sz="1800" spc="-1" strike="noStrike">
+              <a:solidFill>
+                <a:srgbClr val="000000"/>
+              </a:solidFill>
+              <a:latin typeface="Arial"/>
+            </a:endParaRPr>
+          </a:p>
+        </p:txBody>
+      </p:sp>
+      <p:sp>
+        <p:nvSpPr>
+          <p:cNvPr id="25" name="PlaceHolder 2"/>
+          <p:cNvSpPr>
+            <a:spLocks noGrp="1"/>
+          </p:cNvSpPr>
+          <p:nvPr>
+            <p:ph type="body"/>
+          </p:nvPr>
+        </p:nvSpPr>
+        <p:spPr>
+          <a:xfrm>
+            <a:off x="182880" y="1188720"/>
+            <a:ext cx="11794680" cy="3976560"/>
+          </a:xfrm>
+          <a:prstGeom prst="rect">
+            <a:avLst/>
+          </a:prstGeom>
+          <a:noFill/>
+          <a:ln w="0">
+            <a:noFill/>
+          </a:ln>
+        </p:spPr>
+        <p:txBody>
+          <a:bodyPr lIns="0" rIns="0" tIns="0" bIns="0" anchor="t">
+            <a:normAutofit/>
+          </a:bodyPr>
+          <a:p>
+            <a:pPr marL="432000" indent="-324000">
+              <a:spcBef>
+                <a:spcPts val="1417"/>
+              </a:spcBef>
+              <a:buClr>
+                <a:srgbClr val="000000"/>
+              </a:buClr>
+              <a:buSzPct val="45000"/>
+              <a:buFont typeface="Wingdings" charset="2"/>
+              <a:buChar char=""/>
+            </a:pPr>
+            <a:r>
+              <a:rPr b="0" lang="pt-BR" sz="1800" spc="-1" strike="noStrike">
+                <a:solidFill>
+                  <a:srgbClr val="000000"/>
+                </a:solidFill>
+                <a:latin typeface="Arial"/>
+              </a:rPr>
+              <a:t>Click to edit the outline text format</a:t>
+            </a:r>
+            <a:endParaRPr b="0" lang="pt-BR" sz="1800" spc="-1" strike="noStrike">
+              <a:solidFill>
+                <a:srgbClr val="000000"/>
+              </a:solidFill>
+              <a:latin typeface="Arial"/>
+            </a:endParaRPr>
+          </a:p>
+          <a:p>
+            <a:pPr lvl="1" marL="864000" indent="-324000">
+              <a:spcBef>
+                <a:spcPts val="1134"/>
+              </a:spcBef>
+              <a:buClr>
+                <a:srgbClr val="000000"/>
+              </a:buClr>
+              <a:buSzPct val="75000"/>
+              <a:buFont typeface="Symbol" charset="2"/>
+              <a:buChar char=""/>
+            </a:pPr>
+            <a:r>
+              <a:rPr b="0" lang="pt-BR" sz="1800" spc="-1" strike="noStrike">
+                <a:solidFill>
+                  <a:srgbClr val="000000"/>
+                </a:solidFill>
+                <a:latin typeface="Arial"/>
+              </a:rPr>
+              <a:t>Second Outline Level</a:t>
+            </a:r>
+            <a:endParaRPr b="0" lang="pt-BR" sz="1800" spc="-1" strike="noStrike">
+              <a:solidFill>
+                <a:srgbClr val="000000"/>
+              </a:solidFill>
+              <a:latin typeface="Arial"/>
+            </a:endParaRPr>
+          </a:p>
+          <a:p>
+            <a:pPr lvl="2" marL="1296000" indent="-288000">
+              <a:spcBef>
+                <a:spcPts val="850"/>
+              </a:spcBef>
+              <a:buClr>
+                <a:srgbClr val="000000"/>
+              </a:buClr>
+              <a:buSzPct val="45000"/>
+              <a:buFont typeface="Wingdings" charset="2"/>
+              <a:buChar char=""/>
+            </a:pPr>
+            <a:r>
+              <a:rPr b="0" lang="pt-BR" sz="1800" spc="-1" strike="noStrike">
+                <a:solidFill>
+                  <a:srgbClr val="000000"/>
+                </a:solidFill>
+                <a:latin typeface="Arial"/>
+              </a:rPr>
+              <a:t>Third Outline Level</a:t>
+            </a:r>
+            <a:endParaRPr b="0" lang="pt-BR" sz="1800" spc="-1" strike="noStrike">
+              <a:solidFill>
+                <a:srgbClr val="000000"/>
+              </a:solidFill>
+              <a:latin typeface="Arial"/>
+            </a:endParaRPr>
+          </a:p>
+          <a:p>
+            <a:pPr lvl="3" marL="1728000" indent="-216000">
+              <a:spcBef>
+                <a:spcPts val="567"/>
+              </a:spcBef>
+              <a:buClr>
+                <a:srgbClr val="000000"/>
+              </a:buClr>
+              <a:buSzPct val="75000"/>
+              <a:buFont typeface="Symbol" charset="2"/>
+              <a:buChar char=""/>
+            </a:pPr>
+            <a:r>
+              <a:rPr b="0" lang="pt-BR" sz="1800" spc="-1" strike="noStrike">
+                <a:solidFill>
+                  <a:srgbClr val="000000"/>
+                </a:solidFill>
+                <a:latin typeface="Arial"/>
+              </a:rPr>
+              <a:t>Fourth Outline Level</a:t>
+            </a:r>
+            <a:endParaRPr b="0" lang="pt-BR" sz="1800" spc="-1" strike="noStrike">
+              <a:solidFill>
+                <a:srgbClr val="000000"/>
+              </a:solidFill>
+              <a:latin typeface="Arial"/>
+            </a:endParaRPr>
+          </a:p>
+          <a:p>
+            <a:pPr lvl="4" marL="2160000" indent="-216000">
+              <a:spcBef>
+                <a:spcPts val="283"/>
+              </a:spcBef>
+              <a:buClr>
+                <a:srgbClr val="000000"/>
+              </a:buClr>
+              <a:buSzPct val="45000"/>
+              <a:buFont typeface="Wingdings" charset="2"/>
+              <a:buChar char=""/>
+            </a:pPr>
+            <a:r>
+              <a:rPr b="0" lang="pt-BR" sz="1800" spc="-1" strike="noStrike">
+                <a:solidFill>
+                  <a:srgbClr val="000000"/>
+                </a:solidFill>
+                <a:latin typeface="Arial"/>
+              </a:rPr>
+              <a:t>Fifth Outline Level</a:t>
+            </a:r>
+            <a:endParaRPr b="0" lang="pt-BR" sz="1800" spc="-1" strike="noStrike">
+              <a:solidFill>
+                <a:srgbClr val="000000"/>
+              </a:solidFill>
+              <a:latin typeface="Arial"/>
+            </a:endParaRPr>
+          </a:p>
+          <a:p>
+            <a:pPr lvl="5" marL="2592000" indent="-216000">
+              <a:spcBef>
+                <a:spcPts val="283"/>
+              </a:spcBef>
+              <a:buClr>
+                <a:srgbClr val="000000"/>
+              </a:buClr>
+              <a:buSzPct val="45000"/>
+              <a:buFont typeface="Wingdings" charset="2"/>
+              <a:buChar char=""/>
+            </a:pPr>
+            <a:r>
+              <a:rPr b="0" lang="pt-BR" sz="1800" spc="-1" strike="noStrike">
+                <a:solidFill>
+                  <a:srgbClr val="000000"/>
+                </a:solidFill>
+                <a:latin typeface="Arial"/>
+              </a:rPr>
+              <a:t>Sixth Outline Level</a:t>
+            </a:r>
+            <a:endParaRPr b="0" lang="pt-BR" sz="1800" spc="-1" strike="noStrike">
+              <a:solidFill>
+                <a:srgbClr val="000000"/>
+              </a:solidFill>
+              <a:latin typeface="Arial"/>
+            </a:endParaRPr>
+          </a:p>
+          <a:p>
+            <a:pPr lvl="6" marL="3024000" indent="-216000">
+              <a:spcBef>
+                <a:spcPts val="283"/>
+              </a:spcBef>
+              <a:buClr>
+                <a:srgbClr val="000000"/>
+              </a:buClr>
+              <a:buSzPct val="45000"/>
+              <a:buFont typeface="Wingdings" charset="2"/>
+              <a:buChar char=""/>
+            </a:pPr>
+            <a:r>
+              <a:rPr b="0" lang="pt-BR" sz="1800" spc="-1" strike="noStrike">
+                <a:solidFill>
+                  <a:srgbClr val="000000"/>
+                </a:solidFill>
+                <a:latin typeface="Arial"/>
+              </a:rPr>
+              <a:t>Seventh Outline Level</a:t>
+            </a:r>
+            <a:endParaRPr b="0" lang="pt-BR" sz="1800" spc="-1" strike="noStrike">
+              <a:solidFill>
+                <a:srgbClr val="000000"/>
+              </a:solidFill>
+              <a:latin typeface="Arial"/>
+            </a:endParaRPr>
+          </a:p>
+        </p:txBody>
+      </p:sp>
+      <p:sp>
+        <p:nvSpPr>
+          <p:cNvPr id="26" name="PlaceHolder 3"/>
+          <p:cNvSpPr>
+            <a:spLocks noGrp="1"/>
+          </p:cNvSpPr>
+          <p:nvPr>
+            <p:ph type="ftr" idx="7"/>
+          </p:nvPr>
+        </p:nvSpPr>
+        <p:spPr>
+          <a:xfrm>
+            <a:off x="4169520" y="6492240"/>
+            <a:ext cx="3863160" cy="226800"/>
+          </a:xfrm>
+          <a:prstGeom prst="rect">
+            <a:avLst/>
+          </a:prstGeom>
+          <a:noFill/>
+          <a:ln w="0">
+            <a:noFill/>
+          </a:ln>
+        </p:spPr>
+        <p:txBody>
+          <a:bodyPr lIns="0" rIns="0" tIns="0" bIns="0" anchor="t">
+            <a:noAutofit/>
+          </a:bodyPr>
+          <a:lstStyle>
+            <a:lvl1pPr indent="0" algn="ctr">
+              <a:lnSpc>
+                <a:spcPct val="100000"/>
+              </a:lnSpc>
+              <a:buNone/>
+              <a:tabLst>
+                <a:tab algn="l" pos="0"/>
+              </a:tabLst>
+              <a:defRPr b="0" lang="pt-BR" sz="1400" spc="-1" strike="noStrike">
+                <a:solidFill>
+                  <a:srgbClr val="000000"/>
+                </a:solidFill>
+                <a:latin typeface="Times New Roman"/>
+              </a:defRPr>
+            </a:lvl1pPr>
+          </a:lstStyle>
+          <a:p>
+            <a:pPr indent="0" algn="ctr">
+              <a:lnSpc>
+                <a:spcPct val="100000"/>
+              </a:lnSpc>
+              <a:buNone/>
+              <a:tabLst>
+                <a:tab algn="l" pos="0"/>
+              </a:tabLst>
+            </a:pPr>
+            <a:r>
+              <a:rPr b="0" lang="pt-BR" sz="1400" spc="-1" strike="noStrike">
+                <a:solidFill>
+                  <a:srgbClr val="000000"/>
+                </a:solidFill>
+                <a:latin typeface="Times New Roman"/>
+              </a:rPr>
+              <a:t>&lt;footer&gt;</a:t>
+            </a:r>
+            <a:endParaRPr b="0" lang="pt-BR" sz="1400" spc="-1" strike="noStrike">
+              <a:solidFill>
+                <a:srgbClr val="000000"/>
+              </a:solidFill>
+              <a:latin typeface="Times New Roman"/>
+            </a:endParaRPr>
+          </a:p>
+        </p:txBody>
+      </p:sp>
+      <p:sp>
+        <p:nvSpPr>
+          <p:cNvPr id="27" name="PlaceHolder 4"/>
+          <p:cNvSpPr>
+            <a:spLocks noGrp="1"/>
+          </p:cNvSpPr>
+          <p:nvPr>
+            <p:ph type="sldNum" idx="8"/>
+          </p:nvPr>
+        </p:nvSpPr>
+        <p:spPr>
+          <a:xfrm>
+            <a:off x="9209160" y="6492240"/>
+            <a:ext cx="2839320" cy="226800"/>
+          </a:xfrm>
+          <a:prstGeom prst="rect">
+            <a:avLst/>
+          </a:prstGeom>
+          <a:noFill/>
+          <a:ln w="0">
+            <a:noFill/>
+          </a:ln>
+        </p:spPr>
+        <p:txBody>
+          <a:bodyPr lIns="0" rIns="0" tIns="0" bIns="0" anchor="t">
+            <a:noAutofit/>
+          </a:bodyPr>
+          <a:lstStyle>
+            <a:lvl1pPr indent="0" algn="r">
+              <a:lnSpc>
+                <a:spcPct val="100000"/>
+              </a:lnSpc>
+              <a:buNone/>
+              <a:tabLst>
+                <a:tab algn="l" pos="0"/>
+              </a:tabLst>
+              <a:defRPr b="0" lang="pt-BR" sz="1400" spc="-1" strike="noStrike">
+                <a:solidFill>
+                  <a:srgbClr val="000000"/>
+                </a:solidFill>
+                <a:latin typeface="Times New Roman"/>
+              </a:defRPr>
+            </a:lvl1pPr>
+          </a:lstStyle>
+          <a:p>
+            <a:pPr indent="0" algn="r">
+              <a:lnSpc>
+                <a:spcPct val="100000"/>
+              </a:lnSpc>
+              <a:buNone/>
+              <a:tabLst>
+                <a:tab algn="l" pos="0"/>
+              </a:tabLst>
+            </a:pPr>
+            <a:fld id="{3D2F4170-1CF5-489B-AB64-6B601C97955F}" type="slidenum">
+              <a:rPr b="0" lang="pt-BR" sz="1400" spc="-1" strike="noStrike">
+                <a:solidFill>
+                  <a:srgbClr val="000000"/>
+                </a:solidFill>
+                <a:latin typeface="Times New Roman"/>
+              </a:rPr>
+              <a:t>&lt;number&gt;</a:t>
+            </a:fld>
+            <a:endParaRPr b="0" lang="pt-BR" sz="1400" spc="-1" strike="noStrike">
+              <a:solidFill>
+                <a:srgbClr val="000000"/>
+              </a:solidFill>
+              <a:latin typeface="Times New Roman"/>
+            </a:endParaRPr>
+          </a:p>
+        </p:txBody>
+      </p:sp>
+      <p:sp>
+        <p:nvSpPr>
+          <p:cNvPr id="28" name="PlaceHolder 5"/>
+          <p:cNvSpPr>
+            <a:spLocks noGrp="1"/>
+          </p:cNvSpPr>
+          <p:nvPr>
+            <p:ph type="dt" idx="9"/>
+          </p:nvPr>
+        </p:nvSpPr>
+        <p:spPr>
+          <a:xfrm>
+            <a:off x="609480" y="6492240"/>
+            <a:ext cx="2839320" cy="226800"/>
+          </a:xfrm>
+          <a:prstGeom prst="rect">
+            <a:avLst/>
+          </a:prstGeom>
+          <a:noFill/>
+          <a:ln w="0">
+            <a:noFill/>
+          </a:ln>
+        </p:spPr>
+        <p:txBody>
+          <a:bodyPr lIns="0" rIns="0" tIns="0" bIns="0" anchor="t">
+            <a:noAutofit/>
+          </a:bodyPr>
+          <a:lstStyle>
+            <a:lvl1pPr indent="0">
+              <a:buNone/>
+              <a:defRPr b="0" lang="pt-BR" sz="1400" spc="-1" strike="noStrike">
+                <a:solidFill>
+                  <a:srgbClr val="000000"/>
+                </a:solidFill>
+                <a:latin typeface="Times New Roman"/>
+              </a:defRPr>
+            </a:lvl1pPr>
+          </a:lstStyle>
+          <a:p>
+            <a:pPr indent="0">
+              <a:buNone/>
+            </a:pPr>
+            <a:r>
+              <a:rPr b="0" lang="pt-BR" sz="1400" spc="-1" strike="noStrike">
+                <a:solidFill>
+                  <a:srgbClr val="000000"/>
+                </a:solidFill>
+                <a:latin typeface="Times New Roman"/>
+              </a:rPr>
+              <a:t>&lt;date/time&gt;</a:t>
+            </a:r>
+            <a:endParaRPr b="0" lang="pt-BR" sz="1400" spc="-1" strike="noStrike">
+              <a:solidFill>
+                <a:srgbClr val="000000"/>
+              </a:solidFill>
+              <a:latin typeface="Times New Roman"/>
+            </a:endParaRPr>
+          </a:p>
+        </p:txBody>
+      </p:sp>
+    </p:spTree>
+  </p:cSld>
+  <p:clrMap bg1="lt1" bg2="lt2" tx1="dk1" tx2="dk2" accent1="accent1" accent2="accent2" accent3="accent3" accent4="accent4" accent5="accent5" accent6="accent6" hlink="hlink" folHlink="folHlink"/>
+  <p:sldLayoutIdLst>
+    <p:sldLayoutId id="2147483653" r:id="rId3"/>
   </p:sldLayoutIdLst>
 </p:sldMaster>
 </file>
@@ -1591,7 +2455,7 @@
       </p:grpSpPr>
       <p:sp>
         <p:nvSpPr>
-          <p:cNvPr id="19" name="PlaceHolder 1"/>
+          <p:cNvPr id="31" name="PlaceHolder 1"/>
           <p:cNvSpPr>
             <a:spLocks noGrp="1"/>
           </p:cNvSpPr>
@@ -1602,7 +2466,7 @@
         <p:spPr>
           <a:xfrm>
             <a:off x="1105920" y="2382480"/>
-            <a:ext cx="10013400" cy="1929600"/>
+            <a:ext cx="10013040" cy="1929240"/>
           </a:xfrm>
           <a:prstGeom prst="rect">
             <a:avLst/>
@@ -1648,14 +2512,14 @@
       </p:sp>
       <p:sp>
         <p:nvSpPr>
-          <p:cNvPr id="20" name=""/>
+          <p:cNvPr id="32" name=""/>
           <p:cNvSpPr/>
           <p:nvPr/>
         </p:nvSpPr>
         <p:spPr>
           <a:xfrm>
             <a:off x="983520" y="373320"/>
-            <a:ext cx="10040040" cy="1447560"/>
+            <a:ext cx="10039680" cy="1447200"/>
           </a:xfrm>
           <a:prstGeom prst="rect">
             <a:avLst/>
@@ -1708,14 +2572,14 @@
       </p:sp>
       <p:sp>
         <p:nvSpPr>
-          <p:cNvPr id="21" name=""/>
+          <p:cNvPr id="33" name=""/>
           <p:cNvSpPr/>
           <p:nvPr/>
         </p:nvSpPr>
         <p:spPr>
           <a:xfrm>
             <a:off x="1170360" y="4855680"/>
-            <a:ext cx="9999000" cy="1789560"/>
+            <a:ext cx="9998640" cy="1789200"/>
           </a:xfrm>
           <a:prstGeom prst="rect">
             <a:avLst/>
@@ -1846,7 +2710,7 @@
         <p:txBody>
           <a:bodyPr/>
           <a:p>
-            <a:fld id="{3216B74C-0AFB-454B-B83F-53FB70BA2198}" type="slidenum">
+            <a:fld id="{6BF91171-6515-4730-8AC6-293805458E3B}" type="slidenum">
               <a:t>1</a:t>
             </a:fld>
           </a:p>
@@ -1884,7 +2748,7 @@
       </p:grpSpPr>
       <p:sp>
         <p:nvSpPr>
-          <p:cNvPr id="42" name="PlaceHolder 1"/>
+          <p:cNvPr id="53" name="PlaceHolder 1"/>
           <p:cNvSpPr>
             <a:spLocks noGrp="1"/>
           </p:cNvSpPr>
@@ -1895,7 +2759,7 @@
         <p:spPr>
           <a:xfrm>
             <a:off x="640080" y="5760"/>
-            <a:ext cx="10698840" cy="1053000"/>
+            <a:ext cx="10698480" cy="1052640"/>
           </a:xfrm>
           <a:prstGeom prst="rect">
             <a:avLst/>
@@ -1928,7 +2792,7 @@
                 </a:solidFill>
                 <a:latin typeface="Arial"/>
               </a:rPr>
-              <a:t>Ciclos de desenvolvimento</a:t>
+              <a:t>Diagramas de classes (UML)</a:t>
             </a:r>
             <a:endParaRPr b="0" lang="pt-BR" sz="3630" spc="-1" strike="noStrike">
               <a:solidFill>
@@ -1941,7 +2805,7 @@
       </p:sp>
       <p:sp>
         <p:nvSpPr>
-          <p:cNvPr id="43" name="PlaceHolder 2"/>
+          <p:cNvPr id="54" name="PlaceHolder 2"/>
           <p:cNvSpPr>
             <a:spLocks noGrp="1"/>
           </p:cNvSpPr>
@@ -1952,7 +2816,7 @@
         <p:spPr>
           <a:xfrm>
             <a:off x="182880" y="1188720"/>
-            <a:ext cx="11795040" cy="3976920"/>
+            <a:ext cx="4676040" cy="5290200"/>
           </a:xfrm>
           <a:prstGeom prst="rect">
             <a:avLst/>
@@ -1988,7 +2852,7 @@
                 </a:solidFill>
                 <a:latin typeface="Arial"/>
               </a:rPr>
-              <a:t>Desenvolvimento ágil em ciclos de 2 semanas</a:t>
+              <a:t>Pasta: projeto/docs/diagrama_de_classes.drawio</a:t>
             </a:r>
             <a:endParaRPr b="0" lang="pt-BR" sz="2400" spc="-1" strike="noStrike">
               <a:solidFill>
@@ -1998,12 +2862,43 @@
             </a:endParaRPr>
           </a:p>
           <a:p>
+            <a:pPr marL="432000" indent="-324000">
+              <a:lnSpc>
+                <a:spcPct val="100000"/>
+              </a:lnSpc>
+              <a:spcAft>
+                <a:spcPts val="1049"/>
+              </a:spcAft>
+              <a:buClr>
+                <a:srgbClr val="000000"/>
+              </a:buClr>
+              <a:buSzPct val="45000"/>
+              <a:buFont typeface="Wingdings" charset="2"/>
+              <a:buChar char=""/>
+            </a:pPr>
+            <a:r>
+              <a:rPr b="0" lang="pt-BR" sz="2400" spc="-1" strike="noStrike">
+                <a:solidFill>
+                  <a:srgbClr val="000000"/>
+                </a:solidFill>
+                <a:latin typeface="Arial"/>
+              </a:rPr>
+              <a:t>Abrir com:</a:t>
+            </a:r>
+            <a:endParaRPr b="0" lang="pt-BR" sz="2400" spc="-1" strike="noStrike">
+              <a:solidFill>
+                <a:srgbClr val="000000"/>
+              </a:solidFill>
+              <a:latin typeface="Arial"/>
+            </a:endParaRPr>
+          </a:p>
+          <a:p>
             <a:pPr lvl="1" marL="864000" indent="-324000">
               <a:lnSpc>
                 <a:spcPct val="100000"/>
               </a:lnSpc>
               <a:spcAft>
-                <a:spcPts val="1026"/>
+                <a:spcPts val="1049"/>
               </a:spcAft>
               <a:buClr>
                 <a:srgbClr val="000000"/>
@@ -2021,8 +2916,30 @@
                 <a:latin typeface="Arial"/>
                 <a:hlinkClick r:id="rId1"/>
               </a:rPr>
-              <a:t>https://ronjeffries.com/xprog/what-is-extreme-programming/</a:t>
-            </a:r>
+              <a:t>https://www.drawio.com/</a:t>
+            </a:r>
+            <a:endParaRPr b="0" lang="pt-BR" sz="2200" spc="-1" strike="noStrike">
+              <a:solidFill>
+                <a:srgbClr val="000000"/>
+              </a:solidFill>
+              <a:latin typeface="Arial"/>
+            </a:endParaRPr>
+          </a:p>
+          <a:p>
+            <a:pPr lvl="1" marL="864000" indent="-324000">
+              <a:lnSpc>
+                <a:spcPct val="100000"/>
+              </a:lnSpc>
+              <a:spcAft>
+                <a:spcPts val="1049"/>
+              </a:spcAft>
+              <a:buClr>
+                <a:srgbClr val="000000"/>
+              </a:buClr>
+              <a:buSzPct val="45000"/>
+              <a:buFont typeface="Wingdings" charset="2"/>
+              <a:buChar char=""/>
+            </a:pPr>
             <a:r>
               <a:rPr b="0" lang="pt-BR" sz="2200" spc="-1" strike="noStrike">
                 <a:solidFill>
@@ -2030,40 +2947,60 @@
                 </a:solidFill>
                 <a:latin typeface="Arial"/>
               </a:rPr>
+              <a:t>VSCodium Draw.io Integration (Author: Hediet)</a:t>
+            </a:r>
+            <a:endParaRPr b="0" lang="pt-BR" sz="2200" spc="-1" strike="noStrike">
+              <a:solidFill>
+                <a:srgbClr val="000000"/>
+              </a:solidFill>
+              <a:latin typeface="Arial"/>
+            </a:endParaRPr>
+          </a:p>
+          <a:p>
+            <a:pPr marL="432000" indent="-324000">
+              <a:lnSpc>
+                <a:spcPct val="100000"/>
+              </a:lnSpc>
+              <a:spcAft>
+                <a:spcPts val="1049"/>
+              </a:spcAft>
+              <a:buClr>
+                <a:srgbClr val="000000"/>
+              </a:buClr>
+              <a:buSzPct val="45000"/>
+              <a:buFont typeface="Wingdings" charset="2"/>
+              <a:buChar char=""/>
+            </a:pPr>
+            <a:r>
+              <a:rPr b="0" lang="pt-BR" sz="2400" spc="-1" strike="noStrike">
+                <a:solidFill>
+                  <a:srgbClr val="000000"/>
+                </a:solidFill>
+                <a:latin typeface="Arial"/>
+              </a:rPr>
+              <a:t>Tutorial de edição: </a:t>
+            </a:r>
+            <a:r>
+              <a:rPr b="0" lang="pt-BR" sz="2400" spc="-1" strike="noStrike" u="sng">
+                <a:solidFill>
+                  <a:srgbClr val="0000ee"/>
+                </a:solidFill>
+                <a:uFillTx/>
+                <a:latin typeface="Arial"/>
+                <a:hlinkClick r:id="rId2"/>
+              </a:rPr>
+              <a:t>https://www.drawio.com/blog/uml-class-diagrams</a:t>
+            </a:r>
+            <a:r>
+              <a:rPr b="0" lang="pt-BR" sz="2400" spc="-1" strike="noStrike">
+                <a:solidFill>
+                  <a:srgbClr val="000000"/>
+                </a:solidFill>
+                <a:latin typeface="Arial"/>
+              </a:rPr>
               <a:t> </a:t>
             </a:r>
-            <a:endParaRPr b="0" lang="pt-BR" sz="2200" spc="-1" strike="noStrike">
-              <a:solidFill>
-                <a:srgbClr val="000000"/>
-              </a:solidFill>
-              <a:latin typeface="Arial"/>
-            </a:endParaRPr>
-          </a:p>
-          <a:p>
-            <a:pPr lvl="1" marL="864000" indent="-324000">
-              <a:lnSpc>
-                <a:spcPct val="100000"/>
-              </a:lnSpc>
-              <a:spcAft>
-                <a:spcPts val="1026"/>
-              </a:spcAft>
-              <a:buClr>
-                <a:srgbClr val="000000"/>
-              </a:buClr>
-              <a:buSzPct val="45000"/>
-              <a:buFont typeface="Wingdings" charset="2"/>
-              <a:buChar char=""/>
-            </a:pPr>
-            <a:r>
-              <a:rPr b="0" lang="pt-BR" sz="2200" spc="-1" strike="noStrike">
-                <a:solidFill>
-                  <a:srgbClr val="000000"/>
-                </a:solidFill>
-                <a:latin typeface="Arial"/>
-              </a:rPr>
-              <a:t>Programação em pares (Xtreme programming - XP)</a:t>
-            </a:r>
-            <a:endParaRPr b="0" lang="pt-BR" sz="2200" spc="-1" strike="noStrike">
+            <a:endParaRPr b="0" lang="pt-BR" sz="2400" spc="-1" strike="noStrike">
               <a:solidFill>
                 <a:srgbClr val="000000"/>
               </a:solidFill>
@@ -2074,18 +3011,19 @@
       </p:sp>
       <p:pic>
         <p:nvPicPr>
-          <p:cNvPr id="44" name="" descr=""/>
+          <p:cNvPr id="55" name="" descr=""/>
           <p:cNvPicPr/>
           <p:nvPr/>
         </p:nvPicPr>
         <p:blipFill>
-          <a:blip r:embed="rId2"/>
+          <a:blip r:embed="rId3"/>
+          <a:srcRect l="1147" t="0" r="1847" b="0"/>
           <a:stretch/>
         </p:blipFill>
         <p:spPr>
           <a:xfrm>
-            <a:off x="2340000" y="2520000"/>
-            <a:ext cx="8174520" cy="4337280"/>
+            <a:off x="5040000" y="1602000"/>
+            <a:ext cx="7018560" cy="4156920"/>
           </a:xfrm>
           <a:prstGeom prst="rect">
             <a:avLst/>
@@ -2095,60 +3033,6 @@
           </a:ln>
         </p:spPr>
       </p:pic>
-      <p:sp>
-        <p:nvSpPr>
-          <p:cNvPr id="45" name=""/>
-          <p:cNvSpPr/>
-          <p:nvPr/>
-        </p:nvSpPr>
-        <p:spPr>
-          <a:xfrm>
-            <a:off x="3960000" y="6493320"/>
-            <a:ext cx="5399280" cy="345600"/>
-          </a:xfrm>
-          <a:prstGeom prst="rect">
-            <a:avLst/>
-          </a:prstGeom>
-          <a:noFill/>
-          <a:ln w="0">
-            <a:noFill/>
-          </a:ln>
-        </p:spPr>
-        <p:style>
-          <a:lnRef idx="0"/>
-          <a:fillRef idx="0"/>
-          <a:effectRef idx="0"/>
-          <a:fontRef idx="minor"/>
-        </p:style>
-        <p:txBody>
-          <a:bodyPr lIns="90000" rIns="90000" tIns="45000" bIns="45000" anchor="t">
-            <a:noAutofit/>
-          </a:bodyPr>
-          <a:p>
-            <a:pPr>
-              <a:lnSpc>
-                <a:spcPct val="100000"/>
-              </a:lnSpc>
-            </a:pPr>
-            <a:r>
-              <a:rPr b="0" lang="pt-BR" sz="1800" spc="-1" strike="noStrike">
-                <a:solidFill>
-                  <a:srgbClr val="000000"/>
-                </a:solidFill>
-                <a:latin typeface="Arial"/>
-                <a:ea typeface="DejaVu Sans"/>
-              </a:rPr>
-              <a:t>Fonte: https://newline.tech/extreme-programming/</a:t>
-            </a:r>
-            <a:endParaRPr b="0" lang="pt-BR" sz="1800" spc="-1" strike="noStrike">
-              <a:solidFill>
-                <a:srgbClr val="000000"/>
-              </a:solidFill>
-              <a:latin typeface="Arial"/>
-            </a:endParaRPr>
-          </a:p>
-        </p:txBody>
-      </p:sp>
       <p:sp>
         <p:nvSpPr>
           <p:cNvPr id="4" name="PlaceHolder 3"/>
@@ -2163,7 +3047,7 @@
         <p:txBody>
           <a:bodyPr/>
           <a:p>
-            <a:fld id="{3DF1378F-C895-4396-857D-EB89E116D213}" type="slidenum">
+            <a:fld id="{26E8B7FE-70C0-4F86-8BA2-F5E1392B1184}" type="slidenum">
               <a:t>10</a:t>
             </a:fld>
           </a:p>
@@ -2201,7 +3085,7 @@
       </p:grpSpPr>
       <p:sp>
         <p:nvSpPr>
-          <p:cNvPr id="46" name="PlaceHolder 1"/>
+          <p:cNvPr id="56" name="PlaceHolder 1"/>
           <p:cNvSpPr>
             <a:spLocks noGrp="1"/>
           </p:cNvSpPr>
@@ -2212,7 +3096,7 @@
         <p:spPr>
           <a:xfrm>
             <a:off x="640080" y="5760"/>
-            <a:ext cx="10698840" cy="1053000"/>
+            <a:ext cx="10698480" cy="1052640"/>
           </a:xfrm>
           <a:prstGeom prst="rect">
             <a:avLst/>
@@ -2245,7 +3129,7 @@
                 </a:solidFill>
                 <a:latin typeface="Arial"/>
               </a:rPr>
-              <a:t>Projetos</a:t>
+              <a:t>Ciclos de desenvolvimento</a:t>
             </a:r>
             <a:endParaRPr b="0" lang="pt-BR" sz="3630" spc="-1" strike="noStrike">
               <a:solidFill>
@@ -2258,7 +3142,7 @@
       </p:sp>
       <p:sp>
         <p:nvSpPr>
-          <p:cNvPr id="47" name="PlaceHolder 2"/>
+          <p:cNvPr id="57" name="PlaceHolder 2"/>
           <p:cNvSpPr>
             <a:spLocks noGrp="1"/>
           </p:cNvSpPr>
@@ -2269,7 +3153,7 @@
         <p:spPr>
           <a:xfrm>
             <a:off x="182880" y="1188720"/>
-            <a:ext cx="11795040" cy="4975920"/>
+            <a:ext cx="11794680" cy="3976560"/>
           </a:xfrm>
           <a:prstGeom prst="rect">
             <a:avLst/>
@@ -2305,7 +3189,7 @@
                 </a:solidFill>
                 <a:latin typeface="Arial"/>
               </a:rPr>
-              <a:t>Plugin Hello Map</a:t>
+              <a:t>Desenvolvimento ágil em ciclos de 2 semanas</a:t>
             </a:r>
             <a:endParaRPr b="0" lang="pt-BR" sz="2400" spc="-1" strike="noStrike">
               <a:solidFill>
@@ -2330,294 +3214,134 @@
               <a:buChar char=""/>
             </a:pPr>
             <a:r>
+              <a:rPr b="0" lang="pt-BR" sz="2200" spc="-1" strike="noStrike" u="sng">
+                <a:solidFill>
+                  <a:srgbClr val="0000ee"/>
+                </a:solidFill>
+                <a:uFillTx/>
+                <a:latin typeface="Arial"/>
+                <a:hlinkClick r:id="rId1"/>
+              </a:rPr>
+              <a:t>https://ronjeffries.com/xprog/what-is-extreme-programming/</a:t>
+            </a:r>
+            <a:r>
+              <a:rPr b="0" lang="pt-BR" sz="2200" spc="-1" strike="noStrike">
+                <a:solidFill>
+                  <a:srgbClr val="000000"/>
+                </a:solidFill>
+                <a:latin typeface="Arial"/>
+              </a:rPr>
+              <a:t> </a:t>
+            </a:r>
+            <a:endParaRPr b="0" lang="pt-BR" sz="2200" spc="-1" strike="noStrike">
+              <a:solidFill>
+                <a:srgbClr val="000000"/>
+              </a:solidFill>
+              <a:latin typeface="Arial"/>
+            </a:endParaRPr>
+          </a:p>
+          <a:p>
+            <a:pPr lvl="1" marL="864000" indent="-324000">
+              <a:lnSpc>
+                <a:spcPct val="100000"/>
+              </a:lnSpc>
+              <a:spcAft>
+                <a:spcPts val="1026"/>
+              </a:spcAft>
+              <a:buClr>
+                <a:srgbClr val="000000"/>
+              </a:buClr>
+              <a:buSzPct val="45000"/>
+              <a:buFont typeface="Wingdings" charset="2"/>
+              <a:buChar char=""/>
+            </a:pPr>
+            <a:r>
+              <a:rPr b="0" lang="pt-BR" sz="2200" spc="-1" strike="noStrike">
+                <a:solidFill>
+                  <a:srgbClr val="000000"/>
+                </a:solidFill>
+                <a:latin typeface="Arial"/>
+              </a:rPr>
+              <a:t>Programação em pares (Xtreme programming - XP)</a:t>
+            </a:r>
+            <a:endParaRPr b="0" lang="pt-BR" sz="2200" spc="-1" strike="noStrike">
+              <a:solidFill>
+                <a:srgbClr val="000000"/>
+              </a:solidFill>
+              <a:latin typeface="Arial"/>
+            </a:endParaRPr>
+          </a:p>
+        </p:txBody>
+      </p:sp>
+      <p:pic>
+        <p:nvPicPr>
+          <p:cNvPr id="58" name="" descr=""/>
+          <p:cNvPicPr/>
+          <p:nvPr/>
+        </p:nvPicPr>
+        <p:blipFill>
+          <a:blip r:embed="rId2"/>
+          <a:stretch/>
+        </p:blipFill>
+        <p:spPr>
+          <a:xfrm>
+            <a:off x="2340000" y="2520000"/>
+            <a:ext cx="8174160" cy="4336920"/>
+          </a:xfrm>
+          <a:prstGeom prst="rect">
+            <a:avLst/>
+          </a:prstGeom>
+          <a:ln w="0">
+            <a:noFill/>
+          </a:ln>
+        </p:spPr>
+      </p:pic>
+      <p:sp>
+        <p:nvSpPr>
+          <p:cNvPr id="59" name=""/>
+          <p:cNvSpPr/>
+          <p:nvPr/>
+        </p:nvSpPr>
+        <p:spPr>
+          <a:xfrm>
+            <a:off x="3960000" y="6493320"/>
+            <a:ext cx="5398920" cy="345240"/>
+          </a:xfrm>
+          <a:prstGeom prst="rect">
+            <a:avLst/>
+          </a:prstGeom>
+          <a:noFill/>
+          <a:ln w="0">
+            <a:noFill/>
+          </a:ln>
+        </p:spPr>
+        <p:style>
+          <a:lnRef idx="0"/>
+          <a:fillRef idx="0"/>
+          <a:effectRef idx="0"/>
+          <a:fontRef idx="minor"/>
+        </p:style>
+        <p:txBody>
+          <a:bodyPr lIns="90000" rIns="90000" tIns="45000" bIns="45000" anchor="t">
+            <a:noAutofit/>
+          </a:bodyPr>
+          <a:p>
+            <a:pPr>
+              <a:lnSpc>
+                <a:spcPct val="100000"/>
+              </a:lnSpc>
+            </a:pPr>
+            <a:r>
               <a:rPr b="0" lang="pt-BR" sz="1800" spc="-1" strike="noStrike">
                 <a:solidFill>
                   <a:srgbClr val="000000"/>
                 </a:solidFill>
                 <a:latin typeface="Arial"/>
-              </a:rPr>
-              <a:t>Carregar dados matriciais e vetoriais no QGIS (GDAL opcional)</a:t>
+                <a:ea typeface="DejaVu Sans"/>
+              </a:rPr>
+              <a:t>Fonte: https://newline.tech/extreme-programming/</a:t>
             </a:r>
             <a:endParaRPr b="0" lang="pt-BR" sz="1800" spc="-1" strike="noStrike">
-              <a:solidFill>
-                <a:srgbClr val="000000"/>
-              </a:solidFill>
-              <a:latin typeface="Arial"/>
-            </a:endParaRPr>
-          </a:p>
-          <a:p>
-            <a:pPr marL="432000" indent="-324000">
-              <a:lnSpc>
-                <a:spcPct val="100000"/>
-              </a:lnSpc>
-              <a:spcAft>
-                <a:spcPts val="1049"/>
-              </a:spcAft>
-              <a:buClr>
-                <a:srgbClr val="000000"/>
-              </a:buClr>
-              <a:buSzPct val="45000"/>
-              <a:buFont typeface="Wingdings" charset="2"/>
-              <a:buChar char=""/>
-            </a:pPr>
-            <a:r>
-              <a:rPr b="0" lang="pt-BR" sz="2400" spc="-1" strike="noStrike">
-                <a:solidFill>
-                  <a:srgbClr val="000000"/>
-                </a:solidFill>
-                <a:latin typeface="Arial"/>
-              </a:rPr>
-              <a:t>Abrir coordenadas da rede de monitoramento SIRGAS e converter para um arquivo vetorial</a:t>
-            </a:r>
-            <a:endParaRPr b="0" lang="pt-BR" sz="2400" spc="-1" strike="noStrike">
-              <a:solidFill>
-                <a:srgbClr val="000000"/>
-              </a:solidFill>
-              <a:latin typeface="Arial"/>
-            </a:endParaRPr>
-          </a:p>
-          <a:p>
-            <a:pPr lvl="1" marL="864000" indent="-324000">
-              <a:lnSpc>
-                <a:spcPct val="100000"/>
-              </a:lnSpc>
-              <a:spcAft>
-                <a:spcPts val="1026"/>
-              </a:spcAft>
-              <a:buClr>
-                <a:srgbClr val="000000"/>
-              </a:buClr>
-              <a:buSzPct val="45000"/>
-              <a:buFont typeface="Wingdings" charset="2"/>
-              <a:buChar char=""/>
-            </a:pPr>
-            <a:r>
-              <a:rPr b="0" lang="pt-BR" sz="1800" spc="-1" strike="noStrike">
-                <a:solidFill>
-                  <a:srgbClr val="000000"/>
-                </a:solidFill>
-                <a:latin typeface="Arial"/>
-              </a:rPr>
-              <a:t>Baixar e manipular dados tabulados com Pandas e escrever com Geopandas.</a:t>
-            </a:r>
-            <a:endParaRPr b="0" lang="pt-BR" sz="1800" spc="-1" strike="noStrike">
-              <a:solidFill>
-                <a:srgbClr val="000000"/>
-              </a:solidFill>
-              <a:latin typeface="Arial"/>
-            </a:endParaRPr>
-          </a:p>
-          <a:p>
-            <a:pPr marL="432000" indent="-324000">
-              <a:lnSpc>
-                <a:spcPct val="100000"/>
-              </a:lnSpc>
-              <a:spcAft>
-                <a:spcPts val="1049"/>
-              </a:spcAft>
-              <a:buClr>
-                <a:srgbClr val="000000"/>
-              </a:buClr>
-              <a:buSzPct val="45000"/>
-              <a:buFont typeface="Wingdings" charset="2"/>
-              <a:buChar char=""/>
-            </a:pPr>
-            <a:r>
-              <a:rPr b="0" lang="pt-BR" sz="2400" spc="-1" strike="noStrike">
-                <a:solidFill>
-                  <a:srgbClr val="000000"/>
-                </a:solidFill>
-                <a:latin typeface="Arial"/>
-              </a:rPr>
-              <a:t>Processing Plugin de extrair cotas de um Modelo Digital de Superfícies</a:t>
-            </a:r>
-            <a:endParaRPr b="0" lang="pt-BR" sz="2400" spc="-1" strike="noStrike">
-              <a:solidFill>
-                <a:srgbClr val="000000"/>
-              </a:solidFill>
-              <a:latin typeface="Arial"/>
-            </a:endParaRPr>
-          </a:p>
-          <a:p>
-            <a:pPr lvl="1" marL="864000" indent="-324000">
-              <a:lnSpc>
-                <a:spcPct val="100000"/>
-              </a:lnSpc>
-              <a:spcAft>
-                <a:spcPts val="1026"/>
-              </a:spcAft>
-              <a:buClr>
-                <a:srgbClr val="000000"/>
-              </a:buClr>
-              <a:buSzPct val="45000"/>
-              <a:buFont typeface="Wingdings" charset="2"/>
-              <a:buChar char=""/>
-            </a:pPr>
-            <a:r>
-              <a:rPr b="0" lang="pt-BR" sz="1800" spc="-1" strike="noStrike">
-                <a:solidFill>
-                  <a:srgbClr val="000000"/>
-                </a:solidFill>
-                <a:latin typeface="Arial"/>
-              </a:rPr>
-              <a:t>Manipular dados matriciais e vetoriais no QGIS</a:t>
-            </a:r>
-            <a:endParaRPr b="0" lang="pt-BR" sz="1800" spc="-1" strike="noStrike">
-              <a:solidFill>
-                <a:srgbClr val="000000"/>
-              </a:solidFill>
-              <a:latin typeface="Arial"/>
-            </a:endParaRPr>
-          </a:p>
-          <a:p>
-            <a:pPr marL="432000" indent="-324000">
-              <a:lnSpc>
-                <a:spcPct val="100000"/>
-              </a:lnSpc>
-              <a:spcAft>
-                <a:spcPts val="1049"/>
-              </a:spcAft>
-              <a:buClr>
-                <a:srgbClr val="000000"/>
-              </a:buClr>
-              <a:buSzPct val="45000"/>
-              <a:buFont typeface="Wingdings" charset="2"/>
-              <a:buChar char=""/>
-            </a:pPr>
-            <a:r>
-              <a:rPr b="0" lang="pt-BR" sz="2400" spc="-1" strike="noStrike">
-                <a:solidFill>
-                  <a:srgbClr val="000000"/>
-                </a:solidFill>
-                <a:latin typeface="Arial"/>
-              </a:rPr>
-              <a:t>Operações topológicas</a:t>
-            </a:r>
-            <a:endParaRPr b="0" lang="pt-BR" sz="2400" spc="-1" strike="noStrike">
-              <a:solidFill>
-                <a:srgbClr val="000000"/>
-              </a:solidFill>
-              <a:latin typeface="Arial"/>
-            </a:endParaRPr>
-          </a:p>
-          <a:p>
-            <a:pPr lvl="1" marL="864000" indent="-324000">
-              <a:lnSpc>
-                <a:spcPct val="100000"/>
-              </a:lnSpc>
-              <a:spcAft>
-                <a:spcPts val="1026"/>
-              </a:spcAft>
-              <a:buClr>
-                <a:srgbClr val="000000"/>
-              </a:buClr>
-              <a:buSzPct val="45000"/>
-              <a:buFont typeface="Wingdings" charset="2"/>
-              <a:buChar char=""/>
-            </a:pPr>
-            <a:r>
-              <a:rPr b="0" lang="pt-BR" sz="1800" spc="-1" strike="noStrike">
-                <a:solidFill>
-                  <a:srgbClr val="000000"/>
-                </a:solidFill>
-                <a:latin typeface="Arial"/>
-              </a:rPr>
-              <a:t>Processing Plugin com model builder para resolver um problema de geoprocessamento.</a:t>
-            </a:r>
-            <a:endParaRPr b="0" lang="pt-BR" sz="1800" spc="-1" strike="noStrike">
-              <a:solidFill>
-                <a:srgbClr val="000000"/>
-              </a:solidFill>
-              <a:latin typeface="Arial"/>
-            </a:endParaRPr>
-          </a:p>
-          <a:p>
-            <a:pPr marL="432000" indent="-324000">
-              <a:lnSpc>
-                <a:spcPct val="100000"/>
-              </a:lnSpc>
-              <a:spcAft>
-                <a:spcPts val="1049"/>
-              </a:spcAft>
-              <a:buClr>
-                <a:srgbClr val="000000"/>
-              </a:buClr>
-              <a:buSzPct val="45000"/>
-              <a:buFont typeface="Wingdings" charset="2"/>
-              <a:buChar char=""/>
-            </a:pPr>
-            <a:r>
-              <a:rPr b="0" lang="pt-BR" sz="2400" spc="-1" strike="noStrike">
-                <a:solidFill>
-                  <a:srgbClr val="000000"/>
-                </a:solidFill>
-                <a:latin typeface="Arial"/>
-              </a:rPr>
-              <a:t>FastAPI/Taipy</a:t>
-            </a:r>
-            <a:endParaRPr b="0" lang="pt-BR" sz="2400" spc="-1" strike="noStrike">
-              <a:solidFill>
-                <a:srgbClr val="000000"/>
-              </a:solidFill>
-              <a:latin typeface="Arial"/>
-            </a:endParaRPr>
-          </a:p>
-          <a:p>
-            <a:pPr lvl="1" marL="864000" indent="-324000">
-              <a:lnSpc>
-                <a:spcPct val="100000"/>
-              </a:lnSpc>
-              <a:spcAft>
-                <a:spcPts val="1026"/>
-              </a:spcAft>
-              <a:buClr>
-                <a:srgbClr val="000000"/>
-              </a:buClr>
-              <a:buSzPct val="45000"/>
-              <a:buFont typeface="Wingdings" charset="2"/>
-              <a:buChar char=""/>
-            </a:pPr>
-            <a:r>
-              <a:rPr b="0" lang="pt-BR" sz="1800" spc="-1" strike="noStrike">
-                <a:solidFill>
-                  <a:srgbClr val="000000"/>
-                </a:solidFill>
-                <a:latin typeface="Arial"/>
-              </a:rPr>
-              <a:t>Criar interface web e API web para os projetos 2, 3 e 4.</a:t>
-            </a:r>
-            <a:endParaRPr b="0" lang="pt-BR" sz="1800" spc="-1" strike="noStrike">
-              <a:solidFill>
-                <a:srgbClr val="000000"/>
-              </a:solidFill>
-              <a:latin typeface="Arial"/>
-            </a:endParaRPr>
-          </a:p>
-          <a:p>
-            <a:pPr marL="432000" indent="-324000">
-              <a:lnSpc>
-                <a:spcPct val="100000"/>
-              </a:lnSpc>
-              <a:spcAft>
-                <a:spcPts val="1049"/>
-              </a:spcAft>
-              <a:buClr>
-                <a:srgbClr val="000000"/>
-              </a:buClr>
-              <a:buSzPct val="45000"/>
-              <a:buFont typeface="Wingdings" charset="2"/>
-              <a:buChar char=""/>
-            </a:pPr>
-            <a:r>
-              <a:rPr b="0" lang="pt-BR" sz="2400" spc="-1" strike="noStrike">
-                <a:solidFill>
-                  <a:srgbClr val="000000"/>
-                </a:solidFill>
-                <a:latin typeface="Arial"/>
-              </a:rPr>
-              <a:t>(Opcional): RasterIO+Sklearn (XGBoost)</a:t>
-            </a:r>
-            <a:endParaRPr b="0" lang="pt-BR" sz="2400" spc="-1" strike="noStrike">
               <a:solidFill>
                 <a:srgbClr val="000000"/>
               </a:solidFill>
@@ -2640,7 +3364,7 @@
         <p:txBody>
           <a:bodyPr/>
           <a:p>
-            <a:fld id="{77E4539B-F3A1-4C41-BD11-D379102C6FC8}" type="slidenum">
+            <a:fld id="{4BBFBB0E-F296-47FE-8306-C50D89EE1E66}" type="slidenum">
               <a:t>11</a:t>
             </a:fld>
           </a:p>
@@ -2678,7 +3402,7 @@
       </p:grpSpPr>
       <p:sp>
         <p:nvSpPr>
-          <p:cNvPr id="48" name="PlaceHolder 1"/>
+          <p:cNvPr id="60" name="PlaceHolder 1"/>
           <p:cNvSpPr>
             <a:spLocks noGrp="1"/>
           </p:cNvSpPr>
@@ -2689,7 +3413,7 @@
         <p:spPr>
           <a:xfrm>
             <a:off x="640080" y="5760"/>
-            <a:ext cx="10698840" cy="1053000"/>
+            <a:ext cx="10698480" cy="1052640"/>
           </a:xfrm>
           <a:prstGeom prst="rect">
             <a:avLst/>
@@ -2722,7 +3446,7 @@
                 </a:solidFill>
                 <a:latin typeface="Arial"/>
               </a:rPr>
-              <a:t>Estrutura dos projetos</a:t>
+              <a:t>Projetos</a:t>
             </a:r>
             <a:endParaRPr b="0" lang="pt-BR" sz="3630" spc="-1" strike="noStrike">
               <a:solidFill>
@@ -2735,7 +3459,7 @@
       </p:sp>
       <p:sp>
         <p:nvSpPr>
-          <p:cNvPr id="49" name="PlaceHolder 2"/>
+          <p:cNvPr id="61" name="PlaceHolder 2"/>
           <p:cNvSpPr>
             <a:spLocks noGrp="1"/>
           </p:cNvSpPr>
@@ -2746,7 +3470,7 @@
         <p:spPr>
           <a:xfrm>
             <a:off x="182880" y="1188720"/>
-            <a:ext cx="11795040" cy="3976920"/>
+            <a:ext cx="11794680" cy="4975560"/>
           </a:xfrm>
           <a:prstGeom prst="rect">
             <a:avLst/>
@@ -2782,7 +3506,7 @@
                 </a:solidFill>
                 <a:latin typeface="Arial"/>
               </a:rPr>
-              <a:t>/docs</a:t>
+              <a:t>Plugin Hello Map</a:t>
             </a:r>
             <a:endParaRPr b="0" lang="pt-BR" sz="2400" spc="-1" strike="noStrike">
               <a:solidFill>
@@ -2807,15 +3531,46 @@
               <a:buChar char=""/>
             </a:pPr>
             <a:r>
-              <a:rPr b="0" lang="pt-BR" sz="2200" spc="-1" strike="noStrike">
-                <a:solidFill>
-                  <a:srgbClr val="000000"/>
-                </a:solidFill>
-                <a:latin typeface="Arial"/>
-              </a:rPr>
-              <a:t>Diagrama de classes: Representa visualmente as principais classes que serão implementadas.</a:t>
-            </a:r>
-            <a:endParaRPr b="0" lang="pt-BR" sz="2200" spc="-1" strike="noStrike">
+              <a:rPr b="0" lang="pt-BR" sz="1800" spc="-1" strike="noStrike">
+                <a:solidFill>
+                  <a:srgbClr val="000000"/>
+                </a:solidFill>
+                <a:latin typeface="Arial"/>
+              </a:rPr>
+              <a:t>Carregar dados matriciais e vetoriais no QGIS (GDAL opcional)</a:t>
+            </a:r>
+            <a:endParaRPr b="0" lang="pt-BR" sz="1800" spc="-1" strike="noStrike">
+              <a:solidFill>
+                <a:srgbClr val="000000"/>
+              </a:solidFill>
+              <a:latin typeface="Arial"/>
+            </a:endParaRPr>
+          </a:p>
+          <a:p>
+            <a:pPr marL="432000" indent="-324000">
+              <a:lnSpc>
+                <a:spcPct val="100000"/>
+              </a:lnSpc>
+              <a:spcAft>
+                <a:spcPts val="1049"/>
+              </a:spcAft>
+              <a:buClr>
+                <a:srgbClr val="000000"/>
+              </a:buClr>
+              <a:buSzPct val="45000"/>
+              <a:buFont typeface="Wingdings" charset="2"/>
+              <a:buChar char=""/>
+            </a:pPr>
+            <a:r>
+              <a:rPr b="0" lang="pt-BR" sz="2400" spc="-1" strike="noStrike">
+                <a:solidFill>
+                  <a:srgbClr val="000000"/>
+                </a:solidFill>
+                <a:latin typeface="Arial"/>
+              </a:rPr>
+              <a:t>Abrir coordenadas da rede de monitoramento SIRGAS e converter para um arquivo vetorial</a:t>
+            </a:r>
+            <a:endParaRPr b="0" lang="pt-BR" sz="2400" spc="-1" strike="noStrike">
               <a:solidFill>
                 <a:srgbClr val="000000"/>
               </a:solidFill>
@@ -2838,15 +3593,15 @@
               <a:buChar char=""/>
             </a:pPr>
             <a:r>
-              <a:rPr b="0" lang="pt-BR" sz="2200" spc="-1" strike="noStrike">
-                <a:solidFill>
-                  <a:srgbClr val="000000"/>
-                </a:solidFill>
-                <a:latin typeface="Arial"/>
-              </a:rPr>
-              <a:t>Fluxogramas: Representa uma visão geral de um procedimento importante.</a:t>
-            </a:r>
-            <a:endParaRPr b="0" lang="pt-BR" sz="2200" spc="-1" strike="noStrike">
+              <a:rPr b="0" lang="pt-BR" sz="1800" spc="-1" strike="noStrike">
+                <a:solidFill>
+                  <a:srgbClr val="000000"/>
+                </a:solidFill>
+                <a:latin typeface="Arial"/>
+              </a:rPr>
+              <a:t>Baixar e manipular dados tabulados com Pandas e escrever com Geopandas.</a:t>
+            </a:r>
+            <a:endParaRPr b="0" lang="pt-BR" sz="1800" spc="-1" strike="noStrike">
               <a:solidFill>
                 <a:srgbClr val="000000"/>
               </a:solidFill>
@@ -2875,7 +3630,7 @@
                 </a:solidFill>
                 <a:latin typeface="Arial"/>
               </a:rPr>
-              <a:t>/src</a:t>
+              <a:t>Processing Plugin de extrair cotas de um Modelo Digital de Superfícies</a:t>
             </a:r>
             <a:endParaRPr b="0" lang="pt-BR" sz="2400" spc="-1" strike="noStrike">
               <a:solidFill>
@@ -2900,15 +3655,15 @@
               <a:buChar char=""/>
             </a:pPr>
             <a:r>
-              <a:rPr b="0" lang="pt-BR" sz="2200" spc="-1" strike="noStrike">
-                <a:solidFill>
-                  <a:srgbClr val="000000"/>
-                </a:solidFill>
-                <a:latin typeface="Arial"/>
-              </a:rPr>
-              <a:t>Exemplos de código</a:t>
-            </a:r>
-            <a:endParaRPr b="0" lang="pt-BR" sz="2200" spc="-1" strike="noStrike">
+              <a:rPr b="0" lang="pt-BR" sz="1800" spc="-1" strike="noStrike">
+                <a:solidFill>
+                  <a:srgbClr val="000000"/>
+                </a:solidFill>
+                <a:latin typeface="Arial"/>
+              </a:rPr>
+              <a:t>Manipular dados matriciais e vetoriais no QGIS</a:t>
+            </a:r>
+            <a:endParaRPr b="0" lang="pt-BR" sz="1800" spc="-1" strike="noStrike">
               <a:solidFill>
                 <a:srgbClr val="000000"/>
               </a:solidFill>
@@ -2937,7 +3692,7 @@
                 </a:solidFill>
                 <a:latin typeface="Arial"/>
               </a:rPr>
-              <a:t>/tests</a:t>
+              <a:t>Operações topológicas</a:t>
             </a:r>
             <a:endParaRPr b="0" lang="pt-BR" sz="2400" spc="-1" strike="noStrike">
               <a:solidFill>
@@ -2962,15 +3717,46 @@
               <a:buChar char=""/>
             </a:pPr>
             <a:r>
-              <a:rPr b="0" lang="pt-BR" sz="2200" spc="-1" strike="noStrike">
-                <a:solidFill>
-                  <a:srgbClr val="000000"/>
-                </a:solidFill>
-                <a:latin typeface="Arial"/>
-              </a:rPr>
-              <a:t>Testes unitários: Verificam partes do código utilizando entradas e saídas controladas.</a:t>
-            </a:r>
-            <a:endParaRPr b="0" lang="pt-BR" sz="2200" spc="-1" strike="noStrike">
+              <a:rPr b="0" lang="pt-BR" sz="1800" spc="-1" strike="noStrike">
+                <a:solidFill>
+                  <a:srgbClr val="000000"/>
+                </a:solidFill>
+                <a:latin typeface="Arial"/>
+              </a:rPr>
+              <a:t>Processing Plugin com model builder para resolver um problema de geoprocessamento.</a:t>
+            </a:r>
+            <a:endParaRPr b="0" lang="pt-BR" sz="1800" spc="-1" strike="noStrike">
+              <a:solidFill>
+                <a:srgbClr val="000000"/>
+              </a:solidFill>
+              <a:latin typeface="Arial"/>
+            </a:endParaRPr>
+          </a:p>
+          <a:p>
+            <a:pPr marL="432000" indent="-324000">
+              <a:lnSpc>
+                <a:spcPct val="100000"/>
+              </a:lnSpc>
+              <a:spcAft>
+                <a:spcPts val="1049"/>
+              </a:spcAft>
+              <a:buClr>
+                <a:srgbClr val="000000"/>
+              </a:buClr>
+              <a:buSzPct val="45000"/>
+              <a:buFont typeface="Wingdings" charset="2"/>
+              <a:buChar char=""/>
+            </a:pPr>
+            <a:r>
+              <a:rPr b="0" lang="pt-BR" sz="2400" spc="-1" strike="noStrike">
+                <a:solidFill>
+                  <a:srgbClr val="000000"/>
+                </a:solidFill>
+                <a:latin typeface="Arial"/>
+              </a:rPr>
+              <a:t>(Opcional): RasterIO+Sklearn (XGBoost)</a:t>
+            </a:r>
+            <a:endParaRPr b="0" lang="pt-BR" sz="2400" spc="-1" strike="noStrike">
               <a:solidFill>
                 <a:srgbClr val="000000"/>
               </a:solidFill>
@@ -2993,7 +3779,7 @@
         <p:txBody>
           <a:bodyPr/>
           <a:p>
-            <a:fld id="{617A36F5-56E7-4861-A50E-3EF50004BD7E}" type="slidenum">
+            <a:fld id="{DCB791B1-C36B-4365-B665-28E004BE965F}" type="slidenum">
               <a:t>12</a:t>
             </a:fld>
           </a:p>
@@ -3031,7 +3817,7 @@
       </p:grpSpPr>
       <p:sp>
         <p:nvSpPr>
-          <p:cNvPr id="50" name="PlaceHolder 1"/>
+          <p:cNvPr id="62" name="PlaceHolder 1"/>
           <p:cNvSpPr>
             <a:spLocks noGrp="1"/>
           </p:cNvSpPr>
@@ -3042,7 +3828,7 @@
         <p:spPr>
           <a:xfrm>
             <a:off x="640080" y="5760"/>
-            <a:ext cx="10698840" cy="1053000"/>
+            <a:ext cx="10698480" cy="1052640"/>
           </a:xfrm>
           <a:prstGeom prst="rect">
             <a:avLst/>
@@ -3075,7 +3861,7 @@
                 </a:solidFill>
                 <a:latin typeface="Arial"/>
               </a:rPr>
-              <a:t>Avaliação</a:t>
+              <a:t>Estrutura dos projetos</a:t>
             </a:r>
             <a:endParaRPr b="0" lang="pt-BR" sz="3630" spc="-1" strike="noStrike">
               <a:solidFill>
@@ -3088,7 +3874,7 @@
       </p:sp>
       <p:sp>
         <p:nvSpPr>
-          <p:cNvPr id="51" name="PlaceHolder 2"/>
+          <p:cNvPr id="63" name="PlaceHolder 2"/>
           <p:cNvSpPr>
             <a:spLocks noGrp="1"/>
           </p:cNvSpPr>
@@ -3099,7 +3885,7 @@
         <p:spPr>
           <a:xfrm>
             <a:off x="182880" y="1188720"/>
-            <a:ext cx="11795040" cy="3976920"/>
+            <a:ext cx="11794680" cy="3976560"/>
           </a:xfrm>
           <a:prstGeom prst="rect">
             <a:avLst/>
@@ -3135,7 +3921,7 @@
                 </a:solidFill>
                 <a:latin typeface="Arial"/>
               </a:rPr>
-              <a:t>6 – Implementação (entrega no classroom)</a:t>
+              <a:t>/docs</a:t>
             </a:r>
             <a:endParaRPr b="0" lang="pt-BR" sz="2400" spc="-1" strike="noStrike">
               <a:solidFill>
@@ -3166,7 +3952,7 @@
                 </a:solidFill>
                 <a:latin typeface="Arial"/>
               </a:rPr>
-              <a:t>Em pares.</a:t>
+              <a:t>Diagrama de classes: Representa visualmente as principais classes que serão implementadas.</a:t>
             </a:r>
             <a:endParaRPr b="0" lang="pt-BR" sz="2200" spc="-1" strike="noStrike">
               <a:solidFill>
@@ -3176,6 +3962,37 @@
             </a:endParaRPr>
           </a:p>
           <a:p>
+            <a:pPr lvl="1" marL="864000" indent="-324000">
+              <a:lnSpc>
+                <a:spcPct val="100000"/>
+              </a:lnSpc>
+              <a:spcAft>
+                <a:spcPts val="1026"/>
+              </a:spcAft>
+              <a:buClr>
+                <a:srgbClr val="000000"/>
+              </a:buClr>
+              <a:buSzPct val="45000"/>
+              <a:buFont typeface="Wingdings" charset="2"/>
+              <a:buChar char=""/>
+            </a:pPr>
+            <a:r>
+              <a:rPr b="0" lang="pt-BR" sz="2200" spc="-1" strike="noStrike">
+                <a:solidFill>
+                  <a:srgbClr val="000000"/>
+                </a:solidFill>
+                <a:latin typeface="Arial"/>
+              </a:rPr>
+              <a:t>Fluxogramas: Representa uma visão geral de um procedimento importante.</a:t>
+            </a:r>
+            <a:endParaRPr b="0" lang="pt-BR" sz="2200" spc="-1" strike="noStrike">
+              <a:solidFill>
+                <a:srgbClr val="000000"/>
+              </a:solidFill>
+              <a:latin typeface="Arial"/>
+            </a:endParaRPr>
+          </a:p>
+          <a:p>
             <a:pPr marL="432000" indent="-324000">
               <a:lnSpc>
                 <a:spcPct val="100000"/>
@@ -3197,7 +4014,7 @@
                 </a:solidFill>
                 <a:latin typeface="Arial"/>
               </a:rPr>
-              <a:t>3 – Apresentação oral do código (no computador)</a:t>
+              <a:t>/src</a:t>
             </a:r>
             <a:endParaRPr b="0" lang="pt-BR" sz="2400" spc="-1" strike="noStrike">
               <a:solidFill>
@@ -3228,7 +4045,7 @@
                 </a:solidFill>
                 <a:latin typeface="Arial"/>
               </a:rPr>
-              <a:t>Alternado entre os dos dois membros do par.</a:t>
+              <a:t>Exemplos de código</a:t>
             </a:r>
             <a:endParaRPr b="0" lang="pt-BR" sz="2200" spc="-1" strike="noStrike">
               <a:solidFill>
@@ -3259,7 +4076,7 @@
                 </a:solidFill>
                 <a:latin typeface="Arial"/>
               </a:rPr>
-              <a:t>1 – Inovação</a:t>
+              <a:t>/tests</a:t>
             </a:r>
             <a:endParaRPr b="0" lang="pt-BR" sz="2400" spc="-1" strike="noStrike">
               <a:solidFill>
@@ -3290,7 +4107,7 @@
                 </a:solidFill>
                 <a:latin typeface="Arial"/>
               </a:rPr>
-              <a:t>Ponto para ideias interessantes que o par tiver. </a:t>
+              <a:t>Testes unitários: Verificam partes do código utilizando entradas e saídas controladas.</a:t>
             </a:r>
             <a:endParaRPr b="0" lang="pt-BR" sz="2200" spc="-1" strike="noStrike">
               <a:solidFill>
@@ -3315,7 +4132,7 @@
         <p:txBody>
           <a:bodyPr/>
           <a:p>
-            <a:fld id="{9013B032-E6A8-4078-A614-6719A3F16647}" type="slidenum">
+            <a:fld id="{1471B669-0B54-4077-A75D-EDB4EC1EF52F}" type="slidenum">
               <a:t>13</a:t>
             </a:fld>
           </a:p>
@@ -3353,7 +4170,7 @@
       </p:grpSpPr>
       <p:sp>
         <p:nvSpPr>
-          <p:cNvPr id="52" name="PlaceHolder 1"/>
+          <p:cNvPr id="64" name="PlaceHolder 1"/>
           <p:cNvSpPr>
             <a:spLocks noGrp="1"/>
           </p:cNvSpPr>
@@ -3364,7 +4181,7 @@
         <p:spPr>
           <a:xfrm>
             <a:off x="640080" y="5760"/>
-            <a:ext cx="10698840" cy="1053000"/>
+            <a:ext cx="10698480" cy="1052640"/>
           </a:xfrm>
           <a:prstGeom prst="rect">
             <a:avLst/>
@@ -3397,7 +4214,7 @@
                 </a:solidFill>
                 <a:latin typeface="Arial"/>
               </a:rPr>
-              <a:t>Cronograma de aulas</a:t>
+              <a:t>Avaliação</a:t>
             </a:r>
             <a:endParaRPr b="0" lang="pt-BR" sz="3630" spc="-1" strike="noStrike">
               <a:solidFill>
@@ -3408,33 +4225,224 @@
           </a:p>
         </p:txBody>
       </p:sp>
-      <p:pic>
-        <p:nvPicPr>
-          <p:cNvPr id="53" name="" descr=""/>
-          <p:cNvPicPr/>
-          <p:nvPr/>
-        </p:nvPicPr>
-        <p:blipFill>
-          <a:blip r:embed="rId1"/>
-          <a:srcRect l="67166" t="18335" r="66575" b="144304"/>
-          <a:stretch/>
-        </p:blipFill>
+      <p:sp>
+        <p:nvSpPr>
+          <p:cNvPr id="65" name="PlaceHolder 2"/>
+          <p:cNvSpPr>
+            <a:spLocks noGrp="1"/>
+          </p:cNvSpPr>
+          <p:nvPr>
+            <p:ph/>
+          </p:nvPr>
+        </p:nvSpPr>
         <p:spPr>
           <a:xfrm>
-            <a:off x="3799080" y="1260000"/>
-            <a:ext cx="4516200" cy="5579280"/>
+            <a:off x="182880" y="1188720"/>
+            <a:ext cx="11794680" cy="3976560"/>
           </a:xfrm>
           <a:prstGeom prst="rect">
             <a:avLst/>
           </a:prstGeom>
+          <a:noFill/>
           <a:ln w="0">
             <a:noFill/>
           </a:ln>
         </p:spPr>
-      </p:pic>
+        <p:txBody>
+          <a:bodyPr lIns="0" rIns="0" tIns="0" bIns="0" anchor="t">
+            <a:noAutofit/>
+          </a:bodyPr>
+          <a:p>
+            <a:pPr marL="432000" indent="-324000">
+              <a:lnSpc>
+                <a:spcPct val="100000"/>
+              </a:lnSpc>
+              <a:spcAft>
+                <a:spcPts val="1049"/>
+              </a:spcAft>
+              <a:buClr>
+                <a:srgbClr val="000000"/>
+              </a:buClr>
+              <a:buSzPct val="45000"/>
+              <a:buFont typeface="Wingdings" charset="2"/>
+              <a:buChar char=""/>
+            </a:pPr>
+            <a:r>
+              <a:rPr b="0" lang="pt-BR" sz="2400" spc="-1" strike="noStrike">
+                <a:solidFill>
+                  <a:srgbClr val="000000"/>
+                </a:solidFill>
+                <a:latin typeface="Arial"/>
+              </a:rPr>
+              <a:t>6 – Implementação (entrega no classroom)</a:t>
+            </a:r>
+            <a:endParaRPr b="0" lang="pt-BR" sz="2400" spc="-1" strike="noStrike">
+              <a:solidFill>
+                <a:srgbClr val="000000"/>
+              </a:solidFill>
+              <a:latin typeface="Arial"/>
+            </a:endParaRPr>
+          </a:p>
+          <a:p>
+            <a:pPr lvl="1" marL="864000" indent="-324000">
+              <a:lnSpc>
+                <a:spcPct val="100000"/>
+              </a:lnSpc>
+              <a:spcAft>
+                <a:spcPts val="1026"/>
+              </a:spcAft>
+              <a:buClr>
+                <a:srgbClr val="000000"/>
+              </a:buClr>
+              <a:buSzPct val="45000"/>
+              <a:buFont typeface="Wingdings" charset="2"/>
+              <a:buChar char=""/>
+            </a:pPr>
+            <a:r>
+              <a:rPr b="0" lang="pt-BR" sz="2200" spc="-1" strike="noStrike">
+                <a:solidFill>
+                  <a:srgbClr val="000000"/>
+                </a:solidFill>
+                <a:latin typeface="Arial"/>
+              </a:rPr>
+              <a:t>Em pares.</a:t>
+            </a:r>
+            <a:endParaRPr b="0" lang="pt-BR" sz="2200" spc="-1" strike="noStrike">
+              <a:solidFill>
+                <a:srgbClr val="000000"/>
+              </a:solidFill>
+              <a:latin typeface="Arial"/>
+            </a:endParaRPr>
+          </a:p>
+          <a:p>
+            <a:pPr marL="432000" indent="-324000">
+              <a:lnSpc>
+                <a:spcPct val="100000"/>
+              </a:lnSpc>
+              <a:spcAft>
+                <a:spcPts val="1049"/>
+              </a:spcAft>
+              <a:buClr>
+                <a:srgbClr val="000000"/>
+              </a:buClr>
+              <a:buSzPct val="45000"/>
+              <a:buFont typeface="Wingdings" charset="2"/>
+              <a:buChar char=""/>
+            </a:pPr>
+            <a:r>
+              <a:rPr b="0" lang="pt-BR" sz="2400" spc="-1" strike="noStrike">
+                <a:solidFill>
+                  <a:srgbClr val="000000"/>
+                </a:solidFill>
+                <a:latin typeface="Arial"/>
+              </a:rPr>
+              <a:t>3 – Apresentação oral do código (no computador)</a:t>
+            </a:r>
+            <a:endParaRPr b="0" lang="pt-BR" sz="2400" spc="-1" strike="noStrike">
+              <a:solidFill>
+                <a:srgbClr val="000000"/>
+              </a:solidFill>
+              <a:latin typeface="Arial"/>
+            </a:endParaRPr>
+          </a:p>
+          <a:p>
+            <a:pPr lvl="1" marL="864000" indent="-324000">
+              <a:lnSpc>
+                <a:spcPct val="100000"/>
+              </a:lnSpc>
+              <a:spcAft>
+                <a:spcPts val="1026"/>
+              </a:spcAft>
+              <a:buClr>
+                <a:srgbClr val="000000"/>
+              </a:buClr>
+              <a:buSzPct val="45000"/>
+              <a:buFont typeface="Wingdings" charset="2"/>
+              <a:buChar char=""/>
+            </a:pPr>
+            <a:r>
+              <a:rPr b="0" lang="pt-BR" sz="2200" spc="-1" strike="noStrike">
+                <a:solidFill>
+                  <a:srgbClr val="000000"/>
+                </a:solidFill>
+                <a:latin typeface="Arial"/>
+              </a:rPr>
+              <a:t>Alternado entre os dos dois membros do par.</a:t>
+            </a:r>
+            <a:endParaRPr b="0" lang="pt-BR" sz="2200" spc="-1" strike="noStrike">
+              <a:solidFill>
+                <a:srgbClr val="000000"/>
+              </a:solidFill>
+              <a:latin typeface="Arial"/>
+            </a:endParaRPr>
+          </a:p>
+          <a:p>
+            <a:pPr marL="432000" indent="-324000">
+              <a:lnSpc>
+                <a:spcPct val="100000"/>
+              </a:lnSpc>
+              <a:spcAft>
+                <a:spcPts val="1049"/>
+              </a:spcAft>
+              <a:buClr>
+                <a:srgbClr val="000000"/>
+              </a:buClr>
+              <a:buSzPct val="45000"/>
+              <a:buFont typeface="Wingdings" charset="2"/>
+              <a:buChar char=""/>
+            </a:pPr>
+            <a:r>
+              <a:rPr b="0" lang="pt-BR" sz="2400" spc="-1" strike="noStrike">
+                <a:solidFill>
+                  <a:srgbClr val="000000"/>
+                </a:solidFill>
+                <a:latin typeface="Arial"/>
+              </a:rPr>
+              <a:t>1 – Inovação</a:t>
+            </a:r>
+            <a:endParaRPr b="0" lang="pt-BR" sz="2400" spc="-1" strike="noStrike">
+              <a:solidFill>
+                <a:srgbClr val="000000"/>
+              </a:solidFill>
+              <a:latin typeface="Arial"/>
+            </a:endParaRPr>
+          </a:p>
+          <a:p>
+            <a:pPr lvl="1" marL="864000" indent="-324000">
+              <a:lnSpc>
+                <a:spcPct val="100000"/>
+              </a:lnSpc>
+              <a:spcAft>
+                <a:spcPts val="1026"/>
+              </a:spcAft>
+              <a:buClr>
+                <a:srgbClr val="000000"/>
+              </a:buClr>
+              <a:buSzPct val="45000"/>
+              <a:buFont typeface="Wingdings" charset="2"/>
+              <a:buChar char=""/>
+            </a:pPr>
+            <a:r>
+              <a:rPr b="0" lang="pt-BR" sz="2200" spc="-1" strike="noStrike">
+                <a:solidFill>
+                  <a:srgbClr val="000000"/>
+                </a:solidFill>
+                <a:latin typeface="Arial"/>
+              </a:rPr>
+              <a:t>Ponto para ideias interessantes que o par tiver. </a:t>
+            </a:r>
+            <a:endParaRPr b="0" lang="pt-BR" sz="2200" spc="-1" strike="noStrike">
+              <a:solidFill>
+                <a:srgbClr val="000000"/>
+              </a:solidFill>
+              <a:latin typeface="Arial"/>
+            </a:endParaRPr>
+          </a:p>
+        </p:txBody>
+      </p:sp>
       <p:sp>
         <p:nvSpPr>
-          <p:cNvPr id="3" name="PlaceHolder 2"/>
+          <p:cNvPr id="4" name="PlaceHolder 3"/>
           <p:cNvSpPr>
             <a:spLocks noGrp="1"/>
           </p:cNvSpPr>
@@ -3446,7 +4454,7 @@
         <p:txBody>
           <a:bodyPr/>
           <a:p>
-            <a:fld id="{785926A0-AE12-48B2-9096-D2B523FBDD72}" type="slidenum">
+            <a:fld id="{9BC15700-A7D0-4B00-9CC8-FC099B3A38B0}" type="slidenum">
               <a:t>14</a:t>
             </a:fld>
           </a:p>
@@ -3484,7 +4492,7 @@
       </p:grpSpPr>
       <p:sp>
         <p:nvSpPr>
-          <p:cNvPr id="54" name="PlaceHolder 1"/>
+          <p:cNvPr id="66" name="PlaceHolder 1"/>
           <p:cNvSpPr>
             <a:spLocks noGrp="1"/>
           </p:cNvSpPr>
@@ -3495,7 +4503,7 @@
         <p:spPr>
           <a:xfrm>
             <a:off x="640080" y="5760"/>
-            <a:ext cx="10698840" cy="1053000"/>
+            <a:ext cx="10698480" cy="1052640"/>
           </a:xfrm>
           <a:prstGeom prst="rect">
             <a:avLst/>
@@ -3528,7 +4536,7 @@
                 </a:solidFill>
                 <a:latin typeface="Arial"/>
               </a:rPr>
-              <a:t>Bibliotecas úteis</a:t>
+              <a:t>Cronograma de aulas</a:t>
             </a:r>
             <a:endParaRPr b="0" lang="pt-BR" sz="3630" spc="-1" strike="noStrike">
               <a:solidFill>
@@ -3539,317 +4547,33 @@
           </a:p>
         </p:txBody>
       </p:sp>
-      <p:sp>
-        <p:nvSpPr>
-          <p:cNvPr id="55" name="PlaceHolder 2"/>
-          <p:cNvSpPr>
-            <a:spLocks noGrp="1"/>
-          </p:cNvSpPr>
-          <p:nvPr>
-            <p:ph/>
-          </p:nvPr>
-        </p:nvSpPr>
+      <p:pic>
+        <p:nvPicPr>
+          <p:cNvPr id="67" name="" descr=""/>
+          <p:cNvPicPr/>
+          <p:nvPr/>
+        </p:nvPicPr>
+        <p:blipFill>
+          <a:blip r:embed="rId1"/>
+          <a:srcRect l="67161" t="18332" r="66570" b="144284"/>
+          <a:stretch/>
+        </p:blipFill>
         <p:spPr>
           <a:xfrm>
-            <a:off x="182880" y="1188720"/>
-            <a:ext cx="11795040" cy="4123800"/>
+            <a:off x="3799080" y="1260000"/>
+            <a:ext cx="4515840" cy="5578920"/>
           </a:xfrm>
           <a:prstGeom prst="rect">
             <a:avLst/>
           </a:prstGeom>
-          <a:noFill/>
           <a:ln w="0">
             <a:noFill/>
           </a:ln>
         </p:spPr>
-        <p:txBody>
-          <a:bodyPr lIns="0" rIns="0" tIns="0" bIns="0" anchor="t">
-            <a:noAutofit/>
-          </a:bodyPr>
-          <a:p>
-            <a:pPr marL="432000" indent="-324000">
-              <a:lnSpc>
-                <a:spcPct val="100000"/>
-              </a:lnSpc>
-              <a:spcAft>
-                <a:spcPts val="1049"/>
-              </a:spcAft>
-              <a:buClr>
-                <a:srgbClr val="000000"/>
-              </a:buClr>
-              <a:buSzPct val="45000"/>
-              <a:buFont typeface="Wingdings" charset="2"/>
-              <a:buChar char=""/>
-            </a:pPr>
-            <a:r>
-              <a:rPr b="0" lang="pt-BR" sz="2400" spc="-1" strike="noStrike">
-                <a:solidFill>
-                  <a:srgbClr val="000000"/>
-                </a:solidFill>
-                <a:latin typeface="Arial"/>
-              </a:rPr>
-              <a:t>Matemática: Numpy, Scipy</a:t>
-            </a:r>
-            <a:endParaRPr b="0" lang="pt-BR" sz="2400" spc="-1" strike="noStrike">
-              <a:solidFill>
-                <a:srgbClr val="000000"/>
-              </a:solidFill>
-              <a:latin typeface="Arial"/>
-            </a:endParaRPr>
-          </a:p>
-          <a:p>
-            <a:pPr marL="432000" indent="-324000">
-              <a:lnSpc>
-                <a:spcPct val="100000"/>
-              </a:lnSpc>
-              <a:spcAft>
-                <a:spcPts val="1049"/>
-              </a:spcAft>
-              <a:buClr>
-                <a:srgbClr val="000000"/>
-              </a:buClr>
-              <a:buSzPct val="45000"/>
-              <a:buFont typeface="Wingdings" charset="2"/>
-              <a:buChar char=""/>
-            </a:pPr>
-            <a:r>
-              <a:rPr b="0" lang="pt-BR" sz="2400" spc="-1" strike="noStrike">
-                <a:solidFill>
-                  <a:srgbClr val="000000"/>
-                </a:solidFill>
-                <a:latin typeface="Arial"/>
-              </a:rPr>
-              <a:t>Interface gráfica (GUI): PyQt5, Tkinter</a:t>
-            </a:r>
-            <a:endParaRPr b="0" lang="pt-BR" sz="2400" spc="-1" strike="noStrike">
-              <a:solidFill>
-                <a:srgbClr val="000000"/>
-              </a:solidFill>
-              <a:latin typeface="Arial"/>
-            </a:endParaRPr>
-          </a:p>
-          <a:p>
-            <a:pPr marL="432000" indent="-324000">
-              <a:lnSpc>
-                <a:spcPct val="100000"/>
-              </a:lnSpc>
-              <a:spcAft>
-                <a:spcPts val="1049"/>
-              </a:spcAft>
-              <a:buClr>
-                <a:srgbClr val="000000"/>
-              </a:buClr>
-              <a:buSzPct val="45000"/>
-              <a:buFont typeface="Wingdings" charset="2"/>
-              <a:buChar char=""/>
-            </a:pPr>
-            <a:r>
-              <a:rPr b="0" lang="pt-BR" sz="2400" spc="-1" strike="noStrike">
-                <a:solidFill>
-                  <a:srgbClr val="000000"/>
-                </a:solidFill>
-                <a:latin typeface="Arial"/>
-              </a:rPr>
-              <a:t>Análises em SIG: PyQGIS, OGR</a:t>
-            </a:r>
-            <a:endParaRPr b="0" lang="pt-BR" sz="2400" spc="-1" strike="noStrike">
-              <a:solidFill>
-                <a:srgbClr val="000000"/>
-              </a:solidFill>
-              <a:latin typeface="Arial"/>
-            </a:endParaRPr>
-          </a:p>
-          <a:p>
-            <a:pPr marL="432000" indent="-324000">
-              <a:lnSpc>
-                <a:spcPct val="100000"/>
-              </a:lnSpc>
-              <a:spcAft>
-                <a:spcPts val="1049"/>
-              </a:spcAft>
-              <a:buClr>
-                <a:srgbClr val="000000"/>
-              </a:buClr>
-              <a:buSzPct val="45000"/>
-              <a:buFont typeface="Wingdings" charset="2"/>
-              <a:buChar char=""/>
-            </a:pPr>
-            <a:r>
-              <a:rPr b="0" lang="pt-BR" sz="2400" spc="-1" strike="noStrike">
-                <a:solidFill>
-                  <a:srgbClr val="000000"/>
-                </a:solidFill>
-                <a:latin typeface="Arial"/>
-              </a:rPr>
-              <a:t>Dados raster geográficos: GDAL, Fiona, Rasterio,</a:t>
-            </a:r>
-            <a:endParaRPr b="0" lang="pt-BR" sz="2400" spc="-1" strike="noStrike">
-              <a:solidFill>
-                <a:srgbClr val="000000"/>
-              </a:solidFill>
-              <a:latin typeface="Arial"/>
-            </a:endParaRPr>
-          </a:p>
-          <a:p>
-            <a:pPr marL="432000" indent="-324000">
-              <a:lnSpc>
-                <a:spcPct val="100000"/>
-              </a:lnSpc>
-              <a:spcAft>
-                <a:spcPts val="1049"/>
-              </a:spcAft>
-              <a:buClr>
-                <a:srgbClr val="000000"/>
-              </a:buClr>
-              <a:buSzPct val="45000"/>
-              <a:buFont typeface="Wingdings" charset="2"/>
-              <a:buChar char=""/>
-            </a:pPr>
-            <a:r>
-              <a:rPr b="0" lang="pt-BR" sz="2400" spc="-1" strike="noStrike">
-                <a:solidFill>
-                  <a:srgbClr val="000000"/>
-                </a:solidFill>
-                <a:latin typeface="Arial"/>
-              </a:rPr>
-              <a:t>Dataframes (tabelas): Pandas, Geopandas, Polars</a:t>
-            </a:r>
-            <a:endParaRPr b="0" lang="pt-BR" sz="2400" spc="-1" strike="noStrike">
-              <a:solidFill>
-                <a:srgbClr val="000000"/>
-              </a:solidFill>
-              <a:latin typeface="Arial"/>
-            </a:endParaRPr>
-          </a:p>
-          <a:p>
-            <a:pPr marL="432000" indent="-324000">
-              <a:lnSpc>
-                <a:spcPct val="100000"/>
-              </a:lnSpc>
-              <a:spcAft>
-                <a:spcPts val="1049"/>
-              </a:spcAft>
-              <a:buClr>
-                <a:srgbClr val="000000"/>
-              </a:buClr>
-              <a:buSzPct val="45000"/>
-              <a:buFont typeface="Wingdings" charset="2"/>
-              <a:buChar char=""/>
-            </a:pPr>
-            <a:r>
-              <a:rPr b="0" lang="pt-BR" sz="2400" spc="-1" strike="noStrike">
-                <a:solidFill>
-                  <a:srgbClr val="000000"/>
-                </a:solidFill>
-                <a:latin typeface="Arial"/>
-              </a:rPr>
-              <a:t>Gráficos científicos: Matplotlib, Plotly</a:t>
-            </a:r>
-            <a:endParaRPr b="0" lang="pt-BR" sz="2400" spc="-1" strike="noStrike">
-              <a:solidFill>
-                <a:srgbClr val="000000"/>
-              </a:solidFill>
-              <a:latin typeface="Arial"/>
-            </a:endParaRPr>
-          </a:p>
-          <a:p>
-            <a:pPr marL="432000" indent="-324000">
-              <a:lnSpc>
-                <a:spcPct val="100000"/>
-              </a:lnSpc>
-              <a:spcAft>
-                <a:spcPts val="1049"/>
-              </a:spcAft>
-              <a:buClr>
-                <a:srgbClr val="000000"/>
-              </a:buClr>
-              <a:buSzPct val="45000"/>
-              <a:buFont typeface="Wingdings" charset="2"/>
-              <a:buChar char=""/>
-            </a:pPr>
-            <a:r>
-              <a:rPr b="0" lang="pt-BR" sz="2400" spc="-1" strike="noStrike">
-                <a:solidFill>
-                  <a:srgbClr val="000000"/>
-                </a:solidFill>
-                <a:latin typeface="Arial"/>
-              </a:rPr>
-              <a:t>Backend Web: FastAPI, Flask, Django</a:t>
-            </a:r>
-            <a:endParaRPr b="0" lang="pt-BR" sz="2400" spc="-1" strike="noStrike">
-              <a:solidFill>
-                <a:srgbClr val="000000"/>
-              </a:solidFill>
-              <a:latin typeface="Arial"/>
-            </a:endParaRPr>
-          </a:p>
-          <a:p>
-            <a:pPr marL="432000" indent="-324000">
-              <a:lnSpc>
-                <a:spcPct val="100000"/>
-              </a:lnSpc>
-              <a:spcAft>
-                <a:spcPts val="1049"/>
-              </a:spcAft>
-              <a:buClr>
-                <a:srgbClr val="000000"/>
-              </a:buClr>
-              <a:buSzPct val="45000"/>
-              <a:buFont typeface="Wingdings" charset="2"/>
-              <a:buChar char=""/>
-            </a:pPr>
-            <a:r>
-              <a:rPr b="0" lang="pt-BR" sz="2400" spc="-1" strike="noStrike">
-                <a:solidFill>
-                  <a:srgbClr val="000000"/>
-                </a:solidFill>
-                <a:latin typeface="Arial"/>
-              </a:rPr>
-              <a:t>Backend com interface: Taipy, Streamlit</a:t>
-            </a:r>
-            <a:endParaRPr b="0" lang="pt-BR" sz="2400" spc="-1" strike="noStrike">
-              <a:solidFill>
-                <a:srgbClr val="000000"/>
-              </a:solidFill>
-              <a:latin typeface="Arial"/>
-            </a:endParaRPr>
-          </a:p>
-          <a:p>
-            <a:pPr marL="432000" indent="-324000">
-              <a:lnSpc>
-                <a:spcPct val="100000"/>
-              </a:lnSpc>
-              <a:spcAft>
-                <a:spcPts val="1049"/>
-              </a:spcAft>
-              <a:buClr>
-                <a:srgbClr val="000000"/>
-              </a:buClr>
-              <a:buSzPct val="45000"/>
-              <a:buFont typeface="Wingdings" charset="2"/>
-              <a:buChar char=""/>
-            </a:pPr>
-            <a:r>
-              <a:rPr b="0" lang="pt-BR" sz="2400" spc="-1" strike="noStrike">
-                <a:solidFill>
-                  <a:srgbClr val="000000"/>
-                </a:solidFill>
-                <a:latin typeface="Arial"/>
-              </a:rPr>
-              <a:t>Aprendizado de máquina: Sklearn, Keras, Torch, Tensorflow, Jax</a:t>
-            </a:r>
-            <a:endParaRPr b="0" lang="pt-BR" sz="2400" spc="-1" strike="noStrike">
-              <a:solidFill>
-                <a:srgbClr val="000000"/>
-              </a:solidFill>
-              <a:latin typeface="Arial"/>
-            </a:endParaRPr>
-          </a:p>
-        </p:txBody>
-      </p:sp>
+      </p:pic>
       <p:sp>
         <p:nvSpPr>
-          <p:cNvPr id="4" name="PlaceHolder 3"/>
+          <p:cNvPr id="3" name="PlaceHolder 2"/>
           <p:cNvSpPr>
             <a:spLocks noGrp="1"/>
           </p:cNvSpPr>
@@ -3861,7 +4585,7 @@
         <p:txBody>
           <a:bodyPr/>
           <a:p>
-            <a:fld id="{93554351-A8E9-42AF-900D-3808742979F1}" type="slidenum">
+            <a:fld id="{A1171EF9-0704-427A-9560-93E344424039}" type="slidenum">
               <a:t>15</a:t>
             </a:fld>
           </a:p>
@@ -3899,7 +4623,7 @@
       </p:grpSpPr>
       <p:sp>
         <p:nvSpPr>
-          <p:cNvPr id="56" name="PlaceHolder 1"/>
+          <p:cNvPr id="68" name="PlaceHolder 1"/>
           <p:cNvSpPr>
             <a:spLocks noGrp="1"/>
           </p:cNvSpPr>
@@ -3910,7 +4634,7 @@
         <p:spPr>
           <a:xfrm>
             <a:off x="640080" y="5760"/>
-            <a:ext cx="10698840" cy="1053000"/>
+            <a:ext cx="10698480" cy="1052640"/>
           </a:xfrm>
           <a:prstGeom prst="rect">
             <a:avLst/>
@@ -3943,7 +4667,7 @@
                 </a:solidFill>
                 <a:latin typeface="Arial"/>
               </a:rPr>
-              <a:t>Prática</a:t>
+              <a:t>Bibliotecas úteis</a:t>
             </a:r>
             <a:endParaRPr b="0" lang="pt-BR" sz="3630" spc="-1" strike="noStrike">
               <a:solidFill>
@@ -3956,7 +4680,7 @@
       </p:sp>
       <p:sp>
         <p:nvSpPr>
-          <p:cNvPr id="57" name="PlaceHolder 2"/>
+          <p:cNvPr id="69" name="PlaceHolder 2"/>
           <p:cNvSpPr>
             <a:spLocks noGrp="1"/>
           </p:cNvSpPr>
@@ -3967,7 +4691,7 @@
         <p:spPr>
           <a:xfrm>
             <a:off x="182880" y="1188720"/>
-            <a:ext cx="11795040" cy="5864760"/>
+            <a:ext cx="11794680" cy="4123440"/>
           </a:xfrm>
           <a:prstGeom prst="rect">
             <a:avLst/>
@@ -4003,7 +4727,7 @@
                 </a:solidFill>
                 <a:latin typeface="Arial"/>
               </a:rPr>
-              <a:t>Criar a pasta do projeto e acessar a pasta</a:t>
+              <a:t>Matemática: Numpy, Scipy</a:t>
             </a:r>
             <a:endParaRPr b="0" lang="pt-BR" sz="2400" spc="-1" strike="noStrike">
               <a:solidFill>
@@ -4013,19 +4737,19 @@
             </a:endParaRPr>
           </a:p>
           <a:p>
-            <a:pPr lvl="1" marL="864000" indent="-324000">
-              <a:lnSpc>
-                <a:spcPct val="100000"/>
-              </a:lnSpc>
-              <a:spcBef>
-                <a:spcPts val="1134"/>
-              </a:spcBef>
-              <a:buClr>
-                <a:srgbClr val="000000"/>
-              </a:buClr>
-              <a:buSzPct val="75000"/>
-              <a:buFont typeface="Symbol" charset="2"/>
-              <a:buChar char=""/>
+            <a:pPr marL="432000" indent="-324000">
+              <a:lnSpc>
+                <a:spcPct val="100000"/>
+              </a:lnSpc>
+              <a:spcAft>
+                <a:spcPts val="1049"/>
+              </a:spcAft>
+              <a:buClr>
+                <a:srgbClr val="000000"/>
+              </a:buClr>
+              <a:buSzPct val="45000"/>
+              <a:buFont typeface="Wingdings" charset="2"/>
+              <a:buChar char=""/>
             </a:pPr>
             <a:r>
               <a:rPr b="0" lang="pt-BR" sz="2400" spc="-1" strike="noStrike">
@@ -4034,7 +4758,7 @@
                 </a:solidFill>
                 <a:latin typeface="Arial"/>
               </a:rPr>
-              <a:t>mkdir projeto0</a:t>
+              <a:t>Interface gráfica (GUI): PyQt5, Tkinter</a:t>
             </a:r>
             <a:endParaRPr b="0" lang="pt-BR" sz="2400" spc="-1" strike="noStrike">
               <a:solidFill>
@@ -4044,19 +4768,19 @@
             </a:endParaRPr>
           </a:p>
           <a:p>
-            <a:pPr lvl="1" marL="864000" indent="-324000">
-              <a:lnSpc>
-                <a:spcPct val="100000"/>
-              </a:lnSpc>
-              <a:spcBef>
-                <a:spcPts val="1134"/>
-              </a:spcBef>
-              <a:buClr>
-                <a:srgbClr val="000000"/>
-              </a:buClr>
-              <a:buSzPct val="75000"/>
-              <a:buFont typeface="Symbol" charset="2"/>
-              <a:buChar char=""/>
+            <a:pPr marL="432000" indent="-324000">
+              <a:lnSpc>
+                <a:spcPct val="100000"/>
+              </a:lnSpc>
+              <a:spcAft>
+                <a:spcPts val="1049"/>
+              </a:spcAft>
+              <a:buClr>
+                <a:srgbClr val="000000"/>
+              </a:buClr>
+              <a:buSzPct val="45000"/>
+              <a:buFont typeface="Wingdings" charset="2"/>
+              <a:buChar char=""/>
             </a:pPr>
             <a:r>
               <a:rPr b="0" lang="pt-BR" sz="2400" spc="-1" strike="noStrike">
@@ -4065,7 +4789,7 @@
                 </a:solidFill>
                 <a:latin typeface="Arial"/>
               </a:rPr>
-              <a:t>cd projecto0</a:t>
+              <a:t>Análises em SIG: PyQGIS, OGR</a:t>
             </a:r>
             <a:endParaRPr b="0" lang="pt-BR" sz="2400" spc="-1" strike="noStrike">
               <a:solidFill>
@@ -4096,7 +4820,7 @@
                 </a:solidFill>
                 <a:latin typeface="Arial"/>
               </a:rPr>
-              <a:t>Inicializar o ambiente</a:t>
+              <a:t>Dados raster geográficos: GDAL, Fiona, Rasterio,</a:t>
             </a:r>
             <a:endParaRPr b="0" lang="pt-BR" sz="2400" spc="-1" strike="noStrike">
               <a:solidFill>
@@ -4106,37 +4830,6 @@
             </a:endParaRPr>
           </a:p>
           <a:p>
-            <a:pPr lvl="1" marL="864000" indent="-324000">
-              <a:lnSpc>
-                <a:spcPct val="100000"/>
-              </a:lnSpc>
-              <a:spcAft>
-                <a:spcPts val="1026"/>
-              </a:spcAft>
-              <a:buClr>
-                <a:srgbClr val="000000"/>
-              </a:buClr>
-              <a:buSzPct val="45000"/>
-              <a:buFont typeface="Wingdings" charset="2"/>
-              <a:buChar char=""/>
-            </a:pPr>
-            <a:r>
-              <a:rPr b="0" lang="pt-BR" sz="2200" spc="-1" strike="noStrike">
-                <a:solidFill>
-                  <a:srgbClr val="000000"/>
-                </a:solidFill>
-                <a:latin typeface="Arial"/>
-              </a:rPr>
-              <a:t>pixi init</a:t>
-            </a:r>
-            <a:endParaRPr b="0" lang="pt-BR" sz="2200" spc="-1" strike="noStrike">
-              <a:solidFill>
-                <a:srgbClr val="000000"/>
-              </a:solidFill>
-              <a:latin typeface="Arial"/>
-            </a:endParaRPr>
-          </a:p>
-          <a:p>
             <a:pPr marL="432000" indent="-324000">
               <a:lnSpc>
                 <a:spcPct val="100000"/>
@@ -4158,7 +4851,7 @@
                 </a:solidFill>
                 <a:latin typeface="Arial"/>
               </a:rPr>
-              <a:t>Ativar o ambiente criado:</a:t>
+              <a:t>Dataframes (tabelas): Pandas, Geopandas, Polars</a:t>
             </a:r>
             <a:endParaRPr b="0" lang="pt-BR" sz="2400" spc="-1" strike="noStrike">
               <a:solidFill>
@@ -4189,7 +4882,7 @@
                 </a:solidFill>
                 <a:latin typeface="Arial"/>
               </a:rPr>
-              <a:t>Instalando pacotes:</a:t>
+              <a:t>Gráficos científicos: Matplotlib, Plotly</a:t>
             </a:r>
             <a:endParaRPr b="0" lang="pt-BR" sz="2400" spc="-1" strike="noStrike">
               <a:solidFill>
@@ -4199,38 +4892,6 @@
             </a:endParaRPr>
           </a:p>
           <a:p>
-            <a:pPr lvl="1" marL="864000" indent="-324000">
-              <a:lnSpc>
-                <a:spcPct val="100000"/>
-              </a:lnSpc>
-              <a:spcAft>
-                <a:spcPts val="1026"/>
-              </a:spcAft>
-              <a:buClr>
-                <a:srgbClr val="000000"/>
-              </a:buClr>
-              <a:buSzPct val="45000"/>
-              <a:buFont typeface="Wingdings" charset="2"/>
-              <a:buChar char=""/>
-            </a:pPr>
-            <a:r>
-              <a:rPr b="0" lang="pt-BR" sz="2200" spc="-1" strike="noStrike">
-                <a:solidFill>
-                  <a:srgbClr val="000000"/>
-                </a:solidFill>
-                <a:latin typeface="Arial"/>
-                <a:ea typeface="SimSun"/>
-              </a:rPr>
-              <a:t>pixi add planetary-computer pydantic</a:t>
-            </a:r>
-            <a:endParaRPr b="0" lang="pt-BR" sz="2200" spc="-1" strike="noStrike">
-              <a:solidFill>
-                <a:srgbClr val="000000"/>
-              </a:solidFill>
-              <a:latin typeface="Arial"/>
-            </a:endParaRPr>
-          </a:p>
-          <a:p>
             <a:pPr marL="432000" indent="-324000">
               <a:lnSpc>
                 <a:spcPct val="100000"/>
@@ -4251,9 +4912,8 @@
                   <a:srgbClr val="000000"/>
                 </a:solidFill>
                 <a:latin typeface="Arial"/>
-                <a:ea typeface="SimSun"/>
-              </a:rPr>
-              <a:t>No VSCodium</a:t>
+              </a:rPr>
+              <a:t>Backend Web: FastAPI, Flask, Django</a:t>
             </a:r>
             <a:endParaRPr b="0" lang="pt-BR" sz="2400" spc="-1" strike="noStrike">
               <a:solidFill>
@@ -4263,70 +4923,6 @@
             </a:endParaRPr>
           </a:p>
           <a:p>
-            <a:pPr lvl="1" marL="864000" indent="-324000">
-              <a:lnSpc>
-                <a:spcPct val="100000"/>
-              </a:lnSpc>
-              <a:spcAft>
-                <a:spcPts val="1026"/>
-              </a:spcAft>
-              <a:buClr>
-                <a:srgbClr val="000000"/>
-              </a:buClr>
-              <a:buSzPct val="45000"/>
-              <a:buFont typeface="Wingdings" charset="2"/>
-              <a:buChar char=""/>
-            </a:pPr>
-            <a:r>
-              <a:rPr b="0" lang="pt-BR" sz="2200" spc="-1" strike="noStrike">
-                <a:solidFill>
-                  <a:srgbClr val="000000"/>
-                </a:solidFill>
-                <a:latin typeface="Arial"/>
-                <a:ea typeface="SimSun"/>
-              </a:rPr>
-              <a:t>Ctrl+Shift+P</a:t>
-            </a:r>
-            <a:endParaRPr b="0" lang="pt-BR" sz="2200" spc="-1" strike="noStrike">
-              <a:solidFill>
-                <a:srgbClr val="000000"/>
-              </a:solidFill>
-              <a:latin typeface="Arial"/>
-            </a:endParaRPr>
-          </a:p>
-          <a:p>
-            <a:pPr lvl="1" marL="864000" indent="-324000">
-              <a:lnSpc>
-                <a:spcPct val="100000"/>
-              </a:lnSpc>
-              <a:spcAft>
-                <a:spcPts val="1026"/>
-              </a:spcAft>
-              <a:buClr>
-                <a:srgbClr val="000000"/>
-              </a:buClr>
-              <a:buSzPct val="45000"/>
-              <a:buFont typeface="Wingdings" charset="2"/>
-              <a:buChar char=""/>
-            </a:pPr>
-            <a:r>
-              <a:rPr b="0" lang="pt-BR" sz="2200" spc="-1" strike="noStrike">
-                <a:solidFill>
-                  <a:srgbClr val="000000"/>
-                </a:solidFill>
-                <a:latin typeface="Arial"/>
-                <a:ea typeface="SimSun"/>
-              </a:rPr>
-              <a:t>Select Python Interpreter</a:t>
-            </a:r>
-            <a:endParaRPr b="0" lang="pt-BR" sz="2200" spc="-1" strike="noStrike">
-              <a:solidFill>
-                <a:srgbClr val="000000"/>
-              </a:solidFill>
-              <a:latin typeface="Arial"/>
-            </a:endParaRPr>
-          </a:p>
-          <a:p>
             <a:pPr marL="432000" indent="-324000">
               <a:lnSpc>
                 <a:spcPct val="100000"/>
@@ -4347,9 +4943,8 @@
                   <a:srgbClr val="000000"/>
                 </a:solidFill>
                 <a:latin typeface="Arial"/>
-                <a:ea typeface="SimSun"/>
-              </a:rPr>
-              <a:t>Parar debugar: F5</a:t>
+              </a:rPr>
+              <a:t>Backend com interface: Taipy, Streamlit</a:t>
             </a:r>
             <a:endParaRPr b="0" lang="pt-BR" sz="2400" spc="-1" strike="noStrike">
               <a:solidFill>
@@ -4359,18 +4954,29 @@
             </a:endParaRPr>
           </a:p>
           <a:p>
-            <a:pPr marL="432000" indent="0">
+            <a:pPr marL="432000" indent="-324000">
               <a:lnSpc>
                 <a:spcPct val="100000"/>
               </a:lnSpc>
               <a:spcAft>
                 <a:spcPts val="1049"/>
               </a:spcAft>
-              <a:buNone/>
-              <a:tabLst>
-                <a:tab algn="l" pos="0"/>
-              </a:tabLst>
-            </a:pPr>
+              <a:buClr>
+                <a:srgbClr val="000000"/>
+              </a:buClr>
+              <a:buSzPct val="45000"/>
+              <a:buFont typeface="Wingdings" charset="2"/>
+              <a:buChar char=""/>
+            </a:pPr>
+            <a:r>
+              <a:rPr b="0" lang="pt-BR" sz="2400" spc="-1" strike="noStrike">
+                <a:solidFill>
+                  <a:srgbClr val="000000"/>
+                </a:solidFill>
+                <a:latin typeface="Arial"/>
+              </a:rPr>
+              <a:t>Aprendizado de máquina: Sklearn, Keras, Torch, Tensorflow, Jax</a:t>
+            </a:r>
             <a:endParaRPr b="0" lang="pt-BR" sz="2400" spc="-1" strike="noStrike">
               <a:solidFill>
                 <a:srgbClr val="000000"/>
@@ -4394,7 +5000,7 @@
         <p:txBody>
           <a:bodyPr/>
           <a:p>
-            <a:fld id="{A97C07D5-D3EA-4A7D-B2EC-D80CB98CAA3A}" type="slidenum">
+            <a:fld id="{BC245379-C1E3-4AB3-91E0-F2883E0559F7}" type="slidenum">
               <a:t>16</a:t>
             </a:fld>
           </a:p>
@@ -4432,7 +5038,7 @@
       </p:grpSpPr>
       <p:sp>
         <p:nvSpPr>
-          <p:cNvPr id="58" name="PlaceHolder 1"/>
+          <p:cNvPr id="70" name="PlaceHolder 1"/>
           <p:cNvSpPr>
             <a:spLocks noGrp="1"/>
           </p:cNvSpPr>
@@ -4443,7 +5049,7 @@
         <p:spPr>
           <a:xfrm>
             <a:off x="640080" y="5760"/>
-            <a:ext cx="10698840" cy="1053000"/>
+            <a:ext cx="10698480" cy="1052640"/>
           </a:xfrm>
           <a:prstGeom prst="rect">
             <a:avLst/>
@@ -4489,7 +5095,7 @@
       </p:sp>
       <p:sp>
         <p:nvSpPr>
-          <p:cNvPr id="59" name="PlaceHolder 2"/>
+          <p:cNvPr id="71" name="PlaceHolder 2"/>
           <p:cNvSpPr>
             <a:spLocks noGrp="1"/>
           </p:cNvSpPr>
@@ -4500,7 +5106,7 @@
         <p:spPr>
           <a:xfrm>
             <a:off x="182880" y="1188720"/>
-            <a:ext cx="11795040" cy="5864760"/>
+            <a:ext cx="11794680" cy="5864400"/>
           </a:xfrm>
           <a:prstGeom prst="rect">
             <a:avLst/>
@@ -4536,7 +5142,7 @@
                 </a:solidFill>
                 <a:latin typeface="Arial"/>
               </a:rPr>
-              <a:t>Fluxograma no VSCodium</a:t>
+              <a:t>Criar a pasta do projeto e acessar a pasta</a:t>
             </a:r>
             <a:endParaRPr b="0" lang="pt-BR" sz="2400" spc="-1" strike="noStrike">
               <a:solidFill>
@@ -4546,6 +5152,68 @@
             </a:endParaRPr>
           </a:p>
           <a:p>
+            <a:pPr lvl="1" marL="864000" indent="-324000">
+              <a:lnSpc>
+                <a:spcPct val="100000"/>
+              </a:lnSpc>
+              <a:spcBef>
+                <a:spcPts val="1134"/>
+              </a:spcBef>
+              <a:buClr>
+                <a:srgbClr val="000000"/>
+              </a:buClr>
+              <a:buSzPct val="75000"/>
+              <a:buFont typeface="Symbol" charset="2"/>
+              <a:buChar char=""/>
+            </a:pPr>
+            <a:r>
+              <a:rPr b="0" lang="pt-BR" sz="2400" spc="-1" strike="noStrike">
+                <a:solidFill>
+                  <a:srgbClr val="000000"/>
+                </a:solidFill>
+                <a:latin typeface="Arial"/>
+              </a:rPr>
+              <a:t>mkdir projeto0</a:t>
+            </a:r>
+            <a:endParaRPr b="0" lang="pt-BR" sz="2400" spc="-1" strike="noStrike">
+              <a:solidFill>
+                <a:srgbClr val="000000"/>
+              </a:solidFill>
+              <a:latin typeface="Arial"/>
+            </a:endParaRPr>
+          </a:p>
+          <a:p>
+            <a:pPr lvl="1" marL="864000" indent="-324000">
+              <a:lnSpc>
+                <a:spcPct val="100000"/>
+              </a:lnSpc>
+              <a:spcBef>
+                <a:spcPts val="1134"/>
+              </a:spcBef>
+              <a:buClr>
+                <a:srgbClr val="000000"/>
+              </a:buClr>
+              <a:buSzPct val="75000"/>
+              <a:buFont typeface="Symbol" charset="2"/>
+              <a:buChar char=""/>
+            </a:pPr>
+            <a:r>
+              <a:rPr b="0" lang="pt-BR" sz="2400" spc="-1" strike="noStrike">
+                <a:solidFill>
+                  <a:srgbClr val="000000"/>
+                </a:solidFill>
+                <a:latin typeface="Arial"/>
+              </a:rPr>
+              <a:t>cd projecto0</a:t>
+            </a:r>
+            <a:endParaRPr b="0" lang="pt-BR" sz="2400" spc="-1" strike="noStrike">
+              <a:solidFill>
+                <a:srgbClr val="000000"/>
+              </a:solidFill>
+              <a:latin typeface="Arial"/>
+            </a:endParaRPr>
+          </a:p>
+          <a:p>
             <a:pPr marL="432000" indent="-324000">
               <a:lnSpc>
                 <a:spcPct val="100000"/>
@@ -4567,7 +5235,7 @@
                 </a:solidFill>
                 <a:latin typeface="Arial"/>
               </a:rPr>
-              <a:t>Debug no VSCodium</a:t>
+              <a:t>Inicializar o ambiente</a:t>
             </a:r>
             <a:endParaRPr b="0" lang="pt-BR" sz="2400" spc="-1" strike="noStrike">
               <a:solidFill>
@@ -4577,6 +5245,37 @@
             </a:endParaRPr>
           </a:p>
           <a:p>
+            <a:pPr lvl="1" marL="864000" indent="-324000">
+              <a:lnSpc>
+                <a:spcPct val="100000"/>
+              </a:lnSpc>
+              <a:spcAft>
+                <a:spcPts val="1026"/>
+              </a:spcAft>
+              <a:buClr>
+                <a:srgbClr val="000000"/>
+              </a:buClr>
+              <a:buSzPct val="45000"/>
+              <a:buFont typeface="Wingdings" charset="2"/>
+              <a:buChar char=""/>
+            </a:pPr>
+            <a:r>
+              <a:rPr b="0" lang="pt-BR" sz="2200" spc="-1" strike="noStrike">
+                <a:solidFill>
+                  <a:srgbClr val="000000"/>
+                </a:solidFill>
+                <a:latin typeface="Arial"/>
+              </a:rPr>
+              <a:t>pixi init</a:t>
+            </a:r>
+            <a:endParaRPr b="0" lang="pt-BR" sz="2200" spc="-1" strike="noStrike">
+              <a:solidFill>
+                <a:srgbClr val="000000"/>
+              </a:solidFill>
+              <a:latin typeface="Arial"/>
+            </a:endParaRPr>
+          </a:p>
+          <a:p>
             <a:pPr marL="432000" indent="-324000">
               <a:lnSpc>
                 <a:spcPct val="100000"/>
@@ -4598,7 +5297,7 @@
                 </a:solidFill>
                 <a:latin typeface="Arial"/>
               </a:rPr>
-              <a:t>Inicializando ambiente:</a:t>
+              <a:t>Ativar o ambiente criado:</a:t>
             </a:r>
             <a:endParaRPr b="0" lang="pt-BR" sz="2400" spc="-1" strike="noStrike">
               <a:solidFill>
@@ -4608,6 +5307,37 @@
             </a:endParaRPr>
           </a:p>
           <a:p>
+            <a:pPr marL="432000" indent="-324000">
+              <a:lnSpc>
+                <a:spcPct val="100000"/>
+              </a:lnSpc>
+              <a:spcAft>
+                <a:spcPts val="1049"/>
+              </a:spcAft>
+              <a:buClr>
+                <a:srgbClr val="000000"/>
+              </a:buClr>
+              <a:buSzPct val="45000"/>
+              <a:buFont typeface="Wingdings" charset="2"/>
+              <a:buChar char=""/>
+            </a:pPr>
+            <a:r>
+              <a:rPr b="0" lang="pt-BR" sz="2400" spc="-1" strike="noStrike">
+                <a:solidFill>
+                  <a:srgbClr val="000000"/>
+                </a:solidFill>
+                <a:latin typeface="Arial"/>
+              </a:rPr>
+              <a:t>Instalando pacotes:</a:t>
+            </a:r>
+            <a:endParaRPr b="0" lang="pt-BR" sz="2400" spc="-1" strike="noStrike">
+              <a:solidFill>
+                <a:srgbClr val="000000"/>
+              </a:solidFill>
+              <a:latin typeface="Arial"/>
+            </a:endParaRPr>
+          </a:p>
+          <a:p>
             <a:pPr lvl="1" marL="864000" indent="-324000">
               <a:lnSpc>
                 <a:spcPct val="100000"/>
@@ -4628,133 +5358,9 @@
                   <a:srgbClr val="000000"/>
                 </a:solidFill>
                 <a:latin typeface="Arial"/>
-              </a:rPr>
-              <a:t>conda create -n hello</a:t>
-            </a:r>
-            <a:endParaRPr b="0" lang="pt-BR" sz="2200" spc="-1" strike="noStrike">
-              <a:solidFill>
-                <a:srgbClr val="000000"/>
-              </a:solidFill>
-              <a:latin typeface="Arial"/>
-            </a:endParaRPr>
-          </a:p>
-          <a:p>
-            <a:pPr marL="432000" indent="-324000">
-              <a:lnSpc>
-                <a:spcPct val="100000"/>
-              </a:lnSpc>
-              <a:spcAft>
-                <a:spcPts val="1049"/>
-              </a:spcAft>
-              <a:buClr>
-                <a:srgbClr val="000000"/>
-              </a:buClr>
-              <a:buSzPct val="45000"/>
-              <a:buFont typeface="Wingdings" charset="2"/>
-              <a:buChar char=""/>
-            </a:pPr>
-            <a:r>
-              <a:rPr b="0" lang="pt-BR" sz="2400" spc="-1" strike="noStrike">
-                <a:solidFill>
-                  <a:srgbClr val="000000"/>
-                </a:solidFill>
-                <a:latin typeface="Arial"/>
-              </a:rPr>
-              <a:t>Ativar o ambiente criado:</a:t>
-            </a:r>
-            <a:endParaRPr b="0" lang="pt-BR" sz="2400" spc="-1" strike="noStrike">
-              <a:solidFill>
-                <a:srgbClr val="000000"/>
-              </a:solidFill>
-              <a:latin typeface="Arial"/>
-            </a:endParaRPr>
-          </a:p>
-          <a:p>
-            <a:pPr lvl="1" marL="864000" indent="-324000">
-              <a:lnSpc>
-                <a:spcPct val="100000"/>
-              </a:lnSpc>
-              <a:spcAft>
-                <a:spcPts val="1026"/>
-              </a:spcAft>
-              <a:buClr>
-                <a:srgbClr val="000000"/>
-              </a:buClr>
-              <a:buSzPct val="45000"/>
-              <a:buFont typeface="Wingdings" charset="2"/>
-              <a:buChar char=""/>
-            </a:pPr>
-            <a:r>
-              <a:rPr b="0" lang="pt-BR" sz="2200" spc="-1" strike="noStrike">
-                <a:solidFill>
-                  <a:srgbClr val="000000"/>
-                </a:solidFill>
-                <a:latin typeface="Arial"/>
-              </a:rPr>
-              <a:t>conda activate hello</a:t>
-            </a:r>
-            <a:endParaRPr b="0" lang="pt-BR" sz="2200" spc="-1" strike="noStrike">
-              <a:solidFill>
-                <a:srgbClr val="000000"/>
-              </a:solidFill>
-              <a:latin typeface="Arial"/>
-            </a:endParaRPr>
-          </a:p>
-          <a:p>
-            <a:pPr marL="432000" indent="-324000">
-              <a:lnSpc>
-                <a:spcPct val="100000"/>
-              </a:lnSpc>
-              <a:spcAft>
-                <a:spcPts val="1049"/>
-              </a:spcAft>
-              <a:buClr>
-                <a:srgbClr val="000000"/>
-              </a:buClr>
-              <a:buSzPct val="45000"/>
-              <a:buFont typeface="Wingdings" charset="2"/>
-              <a:buChar char=""/>
-            </a:pPr>
-            <a:r>
-              <a:rPr b="0" lang="pt-BR" sz="2400" spc="-1" strike="noStrike">
-                <a:solidFill>
-                  <a:srgbClr val="000000"/>
-                </a:solidFill>
-                <a:latin typeface="Arial"/>
-              </a:rPr>
-              <a:t>Instalando pacotes:</a:t>
-            </a:r>
-            <a:endParaRPr b="0" lang="pt-BR" sz="2400" spc="-1" strike="noStrike">
-              <a:solidFill>
-                <a:srgbClr val="000000"/>
-              </a:solidFill>
-              <a:latin typeface="Arial"/>
-            </a:endParaRPr>
-          </a:p>
-          <a:p>
-            <a:pPr lvl="1" marL="864000" indent="-324000">
-              <a:lnSpc>
-                <a:spcPct val="100000"/>
-              </a:lnSpc>
-              <a:spcAft>
-                <a:spcPts val="1026"/>
-              </a:spcAft>
-              <a:buClr>
-                <a:srgbClr val="000000"/>
-              </a:buClr>
-              <a:buSzPct val="45000"/>
-              <a:buFont typeface="Wingdings" charset="2"/>
-              <a:buChar char=""/>
-            </a:pPr>
-            <a:r>
-              <a:rPr b="0" lang="pt-BR" sz="2200" spc="-1" strike="noStrike">
-                <a:solidFill>
-                  <a:srgbClr val="000000"/>
-                </a:solidFill>
-                <a:latin typeface="Arial"/>
                 <a:ea typeface="SimSun"/>
               </a:rPr>
-              <a:t>conda install scipy</a:t>
+              <a:t>pixi add planetary-computer pydantic</a:t>
             </a:r>
             <a:endParaRPr b="0" lang="pt-BR" sz="2200" spc="-1" strike="noStrike">
               <a:solidFill>
@@ -4927,7 +5533,7 @@
         <p:txBody>
           <a:bodyPr/>
           <a:p>
-            <a:fld id="{5B20CCA0-C8F2-4A71-96A6-75820933ABFB}" type="slidenum">
+            <a:fld id="{42CC5B2C-92C8-4AC8-94FA-3D4D15E00702}" type="slidenum">
               <a:t>17</a:t>
             </a:fld>
           </a:p>
@@ -4947,6 +5553,539 @@
 </file>
 
 <file path=ppt/slides/slide18.xml><?xml version="1.0" encoding="utf-8"?>
+<p:sld xmlns:a="http://schemas.openxmlformats.org/drawingml/2006/main" xmlns:p="http://schemas.openxmlformats.org/presentationml/2006/main" xmlns:r="http://schemas.openxmlformats.org/officeDocument/2006/relationships" xmlns:p14="http://schemas.microsoft.com/office/powerpoint/2010/main" xmlns:p15="http://schemas.microsoft.com/office/powerpoint/2012/main" xmlns:mc="http://schemas.openxmlformats.org/markup-compatibility/2006">
+  <p:cSld>
+    <p:spTree>
+      <p:nvGrpSpPr>
+        <p:cNvPr id="1" name=""/>
+        <p:cNvGrpSpPr/>
+        <p:nvPr/>
+      </p:nvGrpSpPr>
+      <p:grpSpPr>
+        <a:xfrm>
+          <a:off x="0" y="0"/>
+          <a:ext cx="0" cy="0"/>
+          <a:chOff x="0" y="0"/>
+          <a:chExt cx="0" cy="0"/>
+        </a:xfrm>
+      </p:grpSpPr>
+      <p:sp>
+        <p:nvSpPr>
+          <p:cNvPr id="72" name="PlaceHolder 1"/>
+          <p:cNvSpPr>
+            <a:spLocks noGrp="1"/>
+          </p:cNvSpPr>
+          <p:nvPr>
+            <p:ph type="title"/>
+          </p:nvPr>
+        </p:nvSpPr>
+        <p:spPr>
+          <a:xfrm>
+            <a:off x="640080" y="5760"/>
+            <a:ext cx="10698480" cy="1052640"/>
+          </a:xfrm>
+          <a:prstGeom prst="rect">
+            <a:avLst/>
+          </a:prstGeom>
+          <a:solidFill>
+            <a:srgbClr val="99cc99"/>
+          </a:solidFill>
+          <a:ln w="0">
+            <a:noFill/>
+          </a:ln>
+        </p:spPr>
+        <p:txBody>
+          <a:bodyPr lIns="0" rIns="0" tIns="0" bIns="0" anchor="ctr">
+            <a:noAutofit/>
+          </a:bodyPr>
+          <a:p>
+            <a:pPr indent="0" algn="ctr">
+              <a:lnSpc>
+                <a:spcPct val="100000"/>
+              </a:lnSpc>
+              <a:buNone/>
+              <a:tabLst>
+                <a:tab algn="l" pos="0"/>
+              </a:tabLst>
+            </a:pPr>
+            <a:r>
+              <a:rPr b="0" lang="pt-BR" sz="3630" spc="-1" strike="noStrike">
+                <a:solidFill>
+                  <a:srgbClr val="355e00"/>
+                </a:solidFill>
+                <a:latin typeface="Arial"/>
+              </a:rPr>
+              <a:t>Prática</a:t>
+            </a:r>
+            <a:endParaRPr b="0" lang="pt-BR" sz="3630" spc="-1" strike="noStrike">
+              <a:solidFill>
+                <a:srgbClr val="000000"/>
+              </a:solidFill>
+              <a:latin typeface="Arial"/>
+            </a:endParaRPr>
+          </a:p>
+        </p:txBody>
+      </p:sp>
+      <p:sp>
+        <p:nvSpPr>
+          <p:cNvPr id="73" name="PlaceHolder 2"/>
+          <p:cNvSpPr>
+            <a:spLocks noGrp="1"/>
+          </p:cNvSpPr>
+          <p:nvPr>
+            <p:ph/>
+          </p:nvPr>
+        </p:nvSpPr>
+        <p:spPr>
+          <a:xfrm>
+            <a:off x="182880" y="1188720"/>
+            <a:ext cx="11794680" cy="5864400"/>
+          </a:xfrm>
+          <a:prstGeom prst="rect">
+            <a:avLst/>
+          </a:prstGeom>
+          <a:noFill/>
+          <a:ln w="0">
+            <a:noFill/>
+          </a:ln>
+        </p:spPr>
+        <p:txBody>
+          <a:bodyPr lIns="0" rIns="0" tIns="0" bIns="0" anchor="t">
+            <a:noAutofit/>
+          </a:bodyPr>
+          <a:p>
+            <a:pPr marL="432000" indent="-324000">
+              <a:lnSpc>
+                <a:spcPct val="100000"/>
+              </a:lnSpc>
+              <a:spcAft>
+                <a:spcPts val="1049"/>
+              </a:spcAft>
+              <a:buClr>
+                <a:srgbClr val="000000"/>
+              </a:buClr>
+              <a:buSzPct val="45000"/>
+              <a:buFont typeface="Wingdings" charset="2"/>
+              <a:buChar char=""/>
+            </a:pPr>
+            <a:r>
+              <a:rPr b="0" lang="pt-BR" sz="2400" spc="-1" strike="noStrike">
+                <a:solidFill>
+                  <a:srgbClr val="000000"/>
+                </a:solidFill>
+                <a:latin typeface="Arial"/>
+              </a:rPr>
+              <a:t>Fluxograma no VSCodium</a:t>
+            </a:r>
+            <a:endParaRPr b="0" lang="pt-BR" sz="2400" spc="-1" strike="noStrike">
+              <a:solidFill>
+                <a:srgbClr val="000000"/>
+              </a:solidFill>
+              <a:latin typeface="Arial"/>
+            </a:endParaRPr>
+          </a:p>
+          <a:p>
+            <a:pPr marL="432000" indent="-324000">
+              <a:lnSpc>
+                <a:spcPct val="100000"/>
+              </a:lnSpc>
+              <a:spcAft>
+                <a:spcPts val="1049"/>
+              </a:spcAft>
+              <a:buClr>
+                <a:srgbClr val="000000"/>
+              </a:buClr>
+              <a:buSzPct val="45000"/>
+              <a:buFont typeface="Wingdings" charset="2"/>
+              <a:buChar char=""/>
+            </a:pPr>
+            <a:r>
+              <a:rPr b="0" lang="pt-BR" sz="2400" spc="-1" strike="noStrike">
+                <a:solidFill>
+                  <a:srgbClr val="000000"/>
+                </a:solidFill>
+                <a:latin typeface="Arial"/>
+              </a:rPr>
+              <a:t>Debug no VSCodium</a:t>
+            </a:r>
+            <a:endParaRPr b="0" lang="pt-BR" sz="2400" spc="-1" strike="noStrike">
+              <a:solidFill>
+                <a:srgbClr val="000000"/>
+              </a:solidFill>
+              <a:latin typeface="Arial"/>
+            </a:endParaRPr>
+          </a:p>
+          <a:p>
+            <a:pPr marL="432000" indent="-324000">
+              <a:lnSpc>
+                <a:spcPct val="100000"/>
+              </a:lnSpc>
+              <a:spcAft>
+                <a:spcPts val="1049"/>
+              </a:spcAft>
+              <a:buClr>
+                <a:srgbClr val="000000"/>
+              </a:buClr>
+              <a:buSzPct val="45000"/>
+              <a:buFont typeface="Wingdings" charset="2"/>
+              <a:buChar char=""/>
+            </a:pPr>
+            <a:r>
+              <a:rPr b="0" lang="pt-BR" sz="2400" spc="-1" strike="noStrike">
+                <a:solidFill>
+                  <a:srgbClr val="000000"/>
+                </a:solidFill>
+                <a:latin typeface="Arial"/>
+              </a:rPr>
+              <a:t>Inicializando ambiente:</a:t>
+            </a:r>
+            <a:endParaRPr b="0" lang="pt-BR" sz="2400" spc="-1" strike="noStrike">
+              <a:solidFill>
+                <a:srgbClr val="000000"/>
+              </a:solidFill>
+              <a:latin typeface="Arial"/>
+            </a:endParaRPr>
+          </a:p>
+          <a:p>
+            <a:pPr lvl="1" marL="864000" indent="-324000">
+              <a:lnSpc>
+                <a:spcPct val="100000"/>
+              </a:lnSpc>
+              <a:spcAft>
+                <a:spcPts val="1026"/>
+              </a:spcAft>
+              <a:buClr>
+                <a:srgbClr val="000000"/>
+              </a:buClr>
+              <a:buSzPct val="45000"/>
+              <a:buFont typeface="Wingdings" charset="2"/>
+              <a:buChar char=""/>
+            </a:pPr>
+            <a:r>
+              <a:rPr b="0" lang="pt-BR" sz="2200" spc="-1" strike="noStrike">
+                <a:solidFill>
+                  <a:srgbClr val="000000"/>
+                </a:solidFill>
+                <a:latin typeface="Arial"/>
+              </a:rPr>
+              <a:t>conda create -n hello</a:t>
+            </a:r>
+            <a:endParaRPr b="0" lang="pt-BR" sz="2200" spc="-1" strike="noStrike">
+              <a:solidFill>
+                <a:srgbClr val="000000"/>
+              </a:solidFill>
+              <a:latin typeface="Arial"/>
+            </a:endParaRPr>
+          </a:p>
+          <a:p>
+            <a:pPr marL="432000" indent="-324000">
+              <a:lnSpc>
+                <a:spcPct val="100000"/>
+              </a:lnSpc>
+              <a:spcAft>
+                <a:spcPts val="1049"/>
+              </a:spcAft>
+              <a:buClr>
+                <a:srgbClr val="000000"/>
+              </a:buClr>
+              <a:buSzPct val="45000"/>
+              <a:buFont typeface="Wingdings" charset="2"/>
+              <a:buChar char=""/>
+            </a:pPr>
+            <a:r>
+              <a:rPr b="0" lang="pt-BR" sz="2400" spc="-1" strike="noStrike">
+                <a:solidFill>
+                  <a:srgbClr val="000000"/>
+                </a:solidFill>
+                <a:latin typeface="Arial"/>
+              </a:rPr>
+              <a:t>Ativar o ambiente criado:</a:t>
+            </a:r>
+            <a:endParaRPr b="0" lang="pt-BR" sz="2400" spc="-1" strike="noStrike">
+              <a:solidFill>
+                <a:srgbClr val="000000"/>
+              </a:solidFill>
+              <a:latin typeface="Arial"/>
+            </a:endParaRPr>
+          </a:p>
+          <a:p>
+            <a:pPr lvl="1" marL="864000" indent="-324000">
+              <a:lnSpc>
+                <a:spcPct val="100000"/>
+              </a:lnSpc>
+              <a:spcAft>
+                <a:spcPts val="1026"/>
+              </a:spcAft>
+              <a:buClr>
+                <a:srgbClr val="000000"/>
+              </a:buClr>
+              <a:buSzPct val="45000"/>
+              <a:buFont typeface="Wingdings" charset="2"/>
+              <a:buChar char=""/>
+            </a:pPr>
+            <a:r>
+              <a:rPr b="0" lang="pt-BR" sz="2200" spc="-1" strike="noStrike">
+                <a:solidFill>
+                  <a:srgbClr val="000000"/>
+                </a:solidFill>
+                <a:latin typeface="Arial"/>
+              </a:rPr>
+              <a:t>conda activate hello</a:t>
+            </a:r>
+            <a:endParaRPr b="0" lang="pt-BR" sz="2200" spc="-1" strike="noStrike">
+              <a:solidFill>
+                <a:srgbClr val="000000"/>
+              </a:solidFill>
+              <a:latin typeface="Arial"/>
+            </a:endParaRPr>
+          </a:p>
+          <a:p>
+            <a:pPr marL="432000" indent="-324000">
+              <a:lnSpc>
+                <a:spcPct val="100000"/>
+              </a:lnSpc>
+              <a:spcAft>
+                <a:spcPts val="1049"/>
+              </a:spcAft>
+              <a:buClr>
+                <a:srgbClr val="000000"/>
+              </a:buClr>
+              <a:buSzPct val="45000"/>
+              <a:buFont typeface="Wingdings" charset="2"/>
+              <a:buChar char=""/>
+            </a:pPr>
+            <a:r>
+              <a:rPr b="0" lang="pt-BR" sz="2400" spc="-1" strike="noStrike">
+                <a:solidFill>
+                  <a:srgbClr val="000000"/>
+                </a:solidFill>
+                <a:latin typeface="Arial"/>
+              </a:rPr>
+              <a:t>Instalando pacotes:</a:t>
+            </a:r>
+            <a:endParaRPr b="0" lang="pt-BR" sz="2400" spc="-1" strike="noStrike">
+              <a:solidFill>
+                <a:srgbClr val="000000"/>
+              </a:solidFill>
+              <a:latin typeface="Arial"/>
+            </a:endParaRPr>
+          </a:p>
+          <a:p>
+            <a:pPr lvl="1" marL="864000" indent="-324000">
+              <a:lnSpc>
+                <a:spcPct val="100000"/>
+              </a:lnSpc>
+              <a:spcAft>
+                <a:spcPts val="1026"/>
+              </a:spcAft>
+              <a:buClr>
+                <a:srgbClr val="000000"/>
+              </a:buClr>
+              <a:buSzPct val="45000"/>
+              <a:buFont typeface="Wingdings" charset="2"/>
+              <a:buChar char=""/>
+            </a:pPr>
+            <a:r>
+              <a:rPr b="0" lang="pt-BR" sz="2200" spc="-1" strike="noStrike">
+                <a:solidFill>
+                  <a:srgbClr val="000000"/>
+                </a:solidFill>
+                <a:latin typeface="Arial"/>
+                <a:ea typeface="SimSun"/>
+              </a:rPr>
+              <a:t>conda install scipy</a:t>
+            </a:r>
+            <a:endParaRPr b="0" lang="pt-BR" sz="2200" spc="-1" strike="noStrike">
+              <a:solidFill>
+                <a:srgbClr val="000000"/>
+              </a:solidFill>
+              <a:latin typeface="Arial"/>
+            </a:endParaRPr>
+          </a:p>
+          <a:p>
+            <a:pPr marL="432000" indent="-324000">
+              <a:lnSpc>
+                <a:spcPct val="100000"/>
+              </a:lnSpc>
+              <a:spcAft>
+                <a:spcPts val="1049"/>
+              </a:spcAft>
+              <a:buClr>
+                <a:srgbClr val="000000"/>
+              </a:buClr>
+              <a:buSzPct val="45000"/>
+              <a:buFont typeface="Wingdings" charset="2"/>
+              <a:buChar char=""/>
+            </a:pPr>
+            <a:r>
+              <a:rPr b="0" lang="pt-BR" sz="2400" spc="-1" strike="noStrike">
+                <a:solidFill>
+                  <a:srgbClr val="000000"/>
+                </a:solidFill>
+                <a:latin typeface="Arial"/>
+                <a:ea typeface="SimSun"/>
+              </a:rPr>
+              <a:t>No VSCodium</a:t>
+            </a:r>
+            <a:endParaRPr b="0" lang="pt-BR" sz="2400" spc="-1" strike="noStrike">
+              <a:solidFill>
+                <a:srgbClr val="000000"/>
+              </a:solidFill>
+              <a:latin typeface="Arial"/>
+            </a:endParaRPr>
+          </a:p>
+          <a:p>
+            <a:pPr lvl="1" marL="864000" indent="-324000">
+              <a:lnSpc>
+                <a:spcPct val="100000"/>
+              </a:lnSpc>
+              <a:spcAft>
+                <a:spcPts val="1026"/>
+              </a:spcAft>
+              <a:buClr>
+                <a:srgbClr val="000000"/>
+              </a:buClr>
+              <a:buSzPct val="45000"/>
+              <a:buFont typeface="Wingdings" charset="2"/>
+              <a:buChar char=""/>
+            </a:pPr>
+            <a:r>
+              <a:rPr b="0" lang="pt-BR" sz="2200" spc="-1" strike="noStrike">
+                <a:solidFill>
+                  <a:srgbClr val="000000"/>
+                </a:solidFill>
+                <a:latin typeface="Arial"/>
+                <a:ea typeface="SimSun"/>
+              </a:rPr>
+              <a:t>Ctrl+Shift+P</a:t>
+            </a:r>
+            <a:endParaRPr b="0" lang="pt-BR" sz="2200" spc="-1" strike="noStrike">
+              <a:solidFill>
+                <a:srgbClr val="000000"/>
+              </a:solidFill>
+              <a:latin typeface="Arial"/>
+            </a:endParaRPr>
+          </a:p>
+          <a:p>
+            <a:pPr lvl="1" marL="864000" indent="-324000">
+              <a:lnSpc>
+                <a:spcPct val="100000"/>
+              </a:lnSpc>
+              <a:spcAft>
+                <a:spcPts val="1026"/>
+              </a:spcAft>
+              <a:buClr>
+                <a:srgbClr val="000000"/>
+              </a:buClr>
+              <a:buSzPct val="45000"/>
+              <a:buFont typeface="Wingdings" charset="2"/>
+              <a:buChar char=""/>
+            </a:pPr>
+            <a:r>
+              <a:rPr b="0" lang="pt-BR" sz="2200" spc="-1" strike="noStrike">
+                <a:solidFill>
+                  <a:srgbClr val="000000"/>
+                </a:solidFill>
+                <a:latin typeface="Arial"/>
+                <a:ea typeface="SimSun"/>
+              </a:rPr>
+              <a:t>Select Python Interpreter</a:t>
+            </a:r>
+            <a:endParaRPr b="0" lang="pt-BR" sz="2200" spc="-1" strike="noStrike">
+              <a:solidFill>
+                <a:srgbClr val="000000"/>
+              </a:solidFill>
+              <a:latin typeface="Arial"/>
+            </a:endParaRPr>
+          </a:p>
+          <a:p>
+            <a:pPr marL="432000" indent="-324000">
+              <a:lnSpc>
+                <a:spcPct val="100000"/>
+              </a:lnSpc>
+              <a:spcAft>
+                <a:spcPts val="1049"/>
+              </a:spcAft>
+              <a:buClr>
+                <a:srgbClr val="000000"/>
+              </a:buClr>
+              <a:buSzPct val="45000"/>
+              <a:buFont typeface="Wingdings" charset="2"/>
+              <a:buChar char=""/>
+            </a:pPr>
+            <a:r>
+              <a:rPr b="0" lang="pt-BR" sz="2400" spc="-1" strike="noStrike">
+                <a:solidFill>
+                  <a:srgbClr val="000000"/>
+                </a:solidFill>
+                <a:latin typeface="Arial"/>
+                <a:ea typeface="SimSun"/>
+              </a:rPr>
+              <a:t>Parar debugar: F5</a:t>
+            </a:r>
+            <a:endParaRPr b="0" lang="pt-BR" sz="2400" spc="-1" strike="noStrike">
+              <a:solidFill>
+                <a:srgbClr val="000000"/>
+              </a:solidFill>
+              <a:latin typeface="Arial"/>
+            </a:endParaRPr>
+          </a:p>
+          <a:p>
+            <a:pPr marL="432000" indent="0">
+              <a:lnSpc>
+                <a:spcPct val="100000"/>
+              </a:lnSpc>
+              <a:spcAft>
+                <a:spcPts val="1049"/>
+              </a:spcAft>
+              <a:buNone/>
+              <a:tabLst>
+                <a:tab algn="l" pos="0"/>
+              </a:tabLst>
+            </a:pPr>
+            <a:endParaRPr b="0" lang="pt-BR" sz="2400" spc="-1" strike="noStrike">
+              <a:solidFill>
+                <a:srgbClr val="000000"/>
+              </a:solidFill>
+              <a:latin typeface="Arial"/>
+            </a:endParaRPr>
+          </a:p>
+        </p:txBody>
+      </p:sp>
+      <p:sp>
+        <p:nvSpPr>
+          <p:cNvPr id="4" name="PlaceHolder 3"/>
+          <p:cNvSpPr>
+            <a:spLocks noGrp="1"/>
+          </p:cNvSpPr>
+          <p:nvPr>
+            <p:ph type="sldNum" idx="5"/>
+          </p:nvPr>
+        </p:nvSpPr>
+        <p:spPr/>
+        <p:txBody>
+          <a:bodyPr/>
+          <a:p>
+            <a:fld id="{DC69ADF9-3C13-4F4F-9631-4F0922FE0075}" type="slidenum">
+              <a:t>18</a:t>
+            </a:fld>
+          </a:p>
+        </p:txBody>
+      </p:sp>
+    </p:spTree>
+  </p:cSld>
+  <mc:AlternateContent>
+    <mc:Choice Requires="p14">
+      <p:transition spd="slow" p14:dur="2000"/>
+    </mc:Choice>
+    <mc:Fallback>
+      <p:transition spd="slow"/>
+    </mc:Fallback>
+  </mc:AlternateContent>
+</p:sld>
+</file>
+
+<file path=ppt/slides/slide19.xml><?xml version="1.0" encoding="utf-8"?>
 <p:sld xmlns:a="http://schemas.openxmlformats.org/drawingml/2006/main" xmlns:p="http://schemas.openxmlformats.org/presentationml/2006/main" xmlns:r="http://schemas.openxmlformats.org/officeDocument/2006/relationships" xmlns:p14="http://schemas.microsoft.com/office/powerpoint/2010/main" xmlns:p15="http://schemas.microsoft.com/office/powerpoint/2012/main" xmlns:mc="http://schemas.openxmlformats.org/markup-compatibility/2006" show="0">
   <p:cSld>
     <p:spTree>
@@ -4965,7 +6104,7 @@
       </p:grpSpPr>
       <p:sp>
         <p:nvSpPr>
-          <p:cNvPr id="60" name="PlaceHolder 1"/>
+          <p:cNvPr id="74" name="PlaceHolder 1"/>
           <p:cNvSpPr>
             <a:spLocks noGrp="1"/>
           </p:cNvSpPr>
@@ -4976,7 +6115,7 @@
         <p:spPr>
           <a:xfrm>
             <a:off x="640080" y="5760"/>
-            <a:ext cx="10698840" cy="1053000"/>
+            <a:ext cx="10698480" cy="1052640"/>
           </a:xfrm>
           <a:prstGeom prst="rect">
             <a:avLst/>
@@ -5022,7 +6161,7 @@
       </p:sp>
       <p:sp>
         <p:nvSpPr>
-          <p:cNvPr id="61" name="PlaceHolder 2"/>
+          <p:cNvPr id="75" name="PlaceHolder 2"/>
           <p:cNvSpPr>
             <a:spLocks noGrp="1"/>
           </p:cNvSpPr>
@@ -5033,7 +6172,7 @@
         <p:spPr>
           <a:xfrm>
             <a:off x="182880" y="1188720"/>
-            <a:ext cx="11795040" cy="3976920"/>
+            <a:ext cx="11794680" cy="3976560"/>
           </a:xfrm>
           <a:prstGeom prst="rect">
             <a:avLst/>
@@ -5125,8 +6264,8 @@
         <p:txBody>
           <a:bodyPr/>
           <a:p>
-            <a:fld id="{53600679-E8A4-44F9-B974-0D308F8B9A7E}" type="slidenum">
-              <a:t>18</a:t>
+            <a:fld id="{46304A0E-801F-485C-92B7-A5A7EDA64E09}" type="slidenum">
+              <a:t>19</a:t>
             </a:fld>
           </a:p>
         </p:txBody>
@@ -5163,7 +6302,7 @@
       </p:grpSpPr>
       <p:sp>
         <p:nvSpPr>
-          <p:cNvPr id="22" name="PlaceHolder 1"/>
+          <p:cNvPr id="34" name="PlaceHolder 1"/>
           <p:cNvSpPr>
             <a:spLocks noGrp="1"/>
           </p:cNvSpPr>
@@ -5174,7 +6313,7 @@
         <p:spPr>
           <a:xfrm>
             <a:off x="640080" y="5760"/>
-            <a:ext cx="10698840" cy="1053000"/>
+            <a:ext cx="10698480" cy="1052640"/>
           </a:xfrm>
           <a:prstGeom prst="rect">
             <a:avLst/>
@@ -5220,7 +6359,7 @@
       </p:sp>
       <p:sp>
         <p:nvSpPr>
-          <p:cNvPr id="23" name="PlaceHolder 2"/>
+          <p:cNvPr id="35" name="PlaceHolder 2"/>
           <p:cNvSpPr>
             <a:spLocks noGrp="1"/>
           </p:cNvSpPr>
@@ -5231,7 +6370,7 @@
         <p:spPr>
           <a:xfrm>
             <a:off x="182880" y="1188720"/>
-            <a:ext cx="11795040" cy="5512680"/>
+            <a:ext cx="11794680" cy="5512320"/>
           </a:xfrm>
           <a:prstGeom prst="rect">
             <a:avLst/>
@@ -5406,7 +6545,7 @@
                 </a:solidFill>
                 <a:latin typeface="Arial"/>
               </a:rPr>
-              <a:t> (pago)</a:t>
+              <a:t> (gratuito)</a:t>
             </a:r>
             <a:endParaRPr b="0" lang="pt-BR" sz="2400" spc="-1" strike="noStrike">
               <a:solidFill>
@@ -5705,7 +6844,7 @@
         <p:txBody>
           <a:bodyPr/>
           <a:p>
-            <a:fld id="{B911A41A-AE12-49C5-98E6-F1FE84115AED}" type="slidenum">
+            <a:fld id="{1F802460-1163-4243-8F80-CFF23F184DF4}" type="slidenum">
               <a:t>2</a:t>
             </a:fld>
           </a:p>
@@ -5743,7 +6882,7 @@
       </p:grpSpPr>
       <p:sp>
         <p:nvSpPr>
-          <p:cNvPr id="24" name="PlaceHolder 1"/>
+          <p:cNvPr id="36" name="PlaceHolder 1"/>
           <p:cNvSpPr>
             <a:spLocks noGrp="1"/>
           </p:cNvSpPr>
@@ -5754,7 +6893,7 @@
         <p:spPr>
           <a:xfrm>
             <a:off x="640080" y="5760"/>
-            <a:ext cx="10698840" cy="1053000"/>
+            <a:ext cx="10698480" cy="1052640"/>
           </a:xfrm>
           <a:prstGeom prst="rect">
             <a:avLst/>
@@ -5800,7 +6939,7 @@
       </p:sp>
       <p:sp>
         <p:nvSpPr>
-          <p:cNvPr id="25" name="PlaceHolder 2"/>
+          <p:cNvPr id="37" name="PlaceHolder 2"/>
           <p:cNvSpPr>
             <a:spLocks noGrp="1"/>
           </p:cNvSpPr>
@@ -5811,7 +6950,7 @@
         <p:spPr>
           <a:xfrm>
             <a:off x="182880" y="1188720"/>
-            <a:ext cx="11696760" cy="5470560"/>
+            <a:ext cx="11696400" cy="5470200"/>
           </a:xfrm>
           <a:prstGeom prst="rect">
             <a:avLst/>
@@ -6058,7 +7197,7 @@
         <p:txBody>
           <a:bodyPr/>
           <a:p>
-            <a:fld id="{80704181-6AB6-4EAB-B0B3-8C252B624848}" type="slidenum">
+            <a:fld id="{31A00BCA-DCC0-4670-8283-B2BA97836A58}" type="slidenum">
               <a:t>3</a:t>
             </a:fld>
           </a:p>
@@ -6096,7 +7235,7 @@
       </p:grpSpPr>
       <p:sp>
         <p:nvSpPr>
-          <p:cNvPr id="26" name="PlaceHolder 1"/>
+          <p:cNvPr id="38" name="PlaceHolder 1"/>
           <p:cNvSpPr>
             <a:spLocks noGrp="1"/>
           </p:cNvSpPr>
@@ -6107,7 +7246,7 @@
         <p:spPr>
           <a:xfrm>
             <a:off x="640080" y="5760"/>
-            <a:ext cx="10698840" cy="1053000"/>
+            <a:ext cx="10698480" cy="1052640"/>
           </a:xfrm>
           <a:prstGeom prst="rect">
             <a:avLst/>
@@ -6153,7 +7292,7 @@
       </p:sp>
       <p:sp>
         <p:nvSpPr>
-          <p:cNvPr id="27" name="PlaceHolder 2"/>
+          <p:cNvPr id="39" name="PlaceHolder 2"/>
           <p:cNvSpPr>
             <a:spLocks noGrp="1"/>
           </p:cNvSpPr>
@@ -6164,7 +7303,7 @@
         <p:spPr>
           <a:xfrm>
             <a:off x="182880" y="1188720"/>
-            <a:ext cx="11696760" cy="5470560"/>
+            <a:ext cx="11696400" cy="5470200"/>
           </a:xfrm>
           <a:prstGeom prst="rect">
             <a:avLst/>
@@ -6230,6 +7369,9 @@
                 <a:spcPts val="1049"/>
               </a:spcAft>
               <a:buNone/>
+              <a:tabLst>
+                <a:tab algn="l" pos="0"/>
+              </a:tabLst>
             </a:pPr>
             <a:endParaRPr b="0" lang="pt-BR" sz="2400" spc="-1" strike="noStrike">
               <a:solidFill>
@@ -6247,6 +7389,9 @@
                 <a:spcPts val="1049"/>
               </a:spcAft>
               <a:buNone/>
+              <a:tabLst>
+                <a:tab algn="l" pos="0"/>
+              </a:tabLst>
             </a:pPr>
             <a:endParaRPr b="0" lang="pt-BR" sz="2400" spc="-1" strike="noStrike">
               <a:solidFill>
@@ -6264,6 +7409,9 @@
                 <a:spcPts val="1049"/>
               </a:spcAft>
               <a:buNone/>
+              <a:tabLst>
+                <a:tab algn="l" pos="0"/>
+              </a:tabLst>
             </a:pPr>
             <a:endParaRPr b="0" lang="pt-BR" sz="2400" spc="-1" strike="noStrike">
               <a:solidFill>
@@ -6281,6 +7429,9 @@
                 <a:spcPts val="1049"/>
               </a:spcAft>
               <a:buNone/>
+              <a:tabLst>
+                <a:tab algn="l" pos="0"/>
+              </a:tabLst>
             </a:pPr>
             <a:endParaRPr b="0" lang="pt-BR" sz="2400" spc="-1" strike="noStrike">
               <a:solidFill>
@@ -6298,6 +7449,9 @@
                 <a:spcPts val="1049"/>
               </a:spcAft>
               <a:buNone/>
+              <a:tabLst>
+                <a:tab algn="l" pos="0"/>
+              </a:tabLst>
             </a:pPr>
             <a:endParaRPr b="0" lang="pt-BR" sz="2400" spc="-1" strike="noStrike">
               <a:solidFill>
@@ -6315,6 +7469,9 @@
                 <a:spcPts val="1049"/>
               </a:spcAft>
               <a:buNone/>
+              <a:tabLst>
+                <a:tab algn="l" pos="0"/>
+              </a:tabLst>
             </a:pPr>
             <a:br>
               <a:rPr sz="2400"/>
@@ -6343,6 +7500,9 @@
               <a:buSzPct val="45000"/>
               <a:buFont typeface="Wingdings" charset="2"/>
               <a:buChar char=""/>
+              <a:tabLst>
+                <a:tab algn="l" pos="0"/>
+              </a:tabLst>
             </a:pPr>
             <a:r>
               <a:rPr b="0" lang="pt-BR" sz="2400" spc="-1" strike="noStrike">
@@ -6374,6 +7534,9 @@
               <a:buSzPct val="45000"/>
               <a:buFont typeface="Wingdings" charset="2"/>
               <a:buChar char=""/>
+              <a:tabLst>
+                <a:tab algn="l" pos="0"/>
+              </a:tabLst>
             </a:pPr>
             <a:r>
               <a:rPr b="0" lang="pt-BR" sz="2400" spc="-1" strike="noStrike">
@@ -6395,13 +7558,13 @@
       </p:sp>
       <p:graphicFrame>
         <p:nvGraphicFramePr>
-          <p:cNvPr id="28" name=""/>
+          <p:cNvPr id="40" name=""/>
           <p:cNvGraphicFramePr/>
           <p:nvPr/>
         </p:nvGraphicFramePr>
         <p:xfrm>
           <a:off x="200160" y="1547280"/>
-          <a:ext cx="11856960" cy="3852720"/>
+          <a:ext cx="11856960" cy="3872520"/>
         </p:xfrm>
         <a:graphic>
           <a:graphicData uri="http://schemas.openxmlformats.org/drawingml/2006/table">
@@ -6417,10 +7580,15 @@
               <a:tr h="670320">
                 <a:tc>
                   <a:txBody>
-                    <a:bodyPr lIns="36000" rIns="36000" tIns="36000" bIns="36000" anchor="t">
+                    <a:bodyPr lIns="36000" rIns="36000" anchor="t">
                       <a:noAutofit/>
                     </a:bodyPr>
                     <a:p>
+                      <a:pPr>
+                        <a:lnSpc>
+                          <a:spcPct val="100000"/>
+                        </a:lnSpc>
+                      </a:pPr>
                       <a:r>
                         <a:rPr b="0" lang="pt-BR" sz="1800" spc="-1" strike="noStrike">
                           <a:solidFill>
@@ -6468,10 +7636,15 @@
                 </a:tc>
                 <a:tc>
                   <a:txBody>
-                    <a:bodyPr lIns="36000" rIns="36000" tIns="36000" bIns="36000" anchor="t">
+                    <a:bodyPr lIns="36000" rIns="36000" anchor="t">
                       <a:noAutofit/>
                     </a:bodyPr>
                     <a:p>
+                      <a:pPr>
+                        <a:lnSpc>
+                          <a:spcPct val="100000"/>
+                        </a:lnSpc>
+                      </a:pPr>
                       <a:r>
                         <a:rPr b="0" lang="pt-BR" sz="1800" spc="-1" strike="noStrike">
                           <a:solidFill>
@@ -6519,10 +7692,15 @@
                 </a:tc>
                 <a:tc>
                   <a:txBody>
-                    <a:bodyPr lIns="36000" rIns="36000" tIns="36000" bIns="36000" anchor="t">
+                    <a:bodyPr lIns="36000" rIns="36000" anchor="t">
                       <a:noAutofit/>
                     </a:bodyPr>
                     <a:p>
+                      <a:pPr>
+                        <a:lnSpc>
+                          <a:spcPct val="100000"/>
+                        </a:lnSpc>
+                      </a:pPr>
                       <a:r>
                         <a:rPr b="0" lang="pt-BR" sz="1800" spc="-1" strike="noStrike">
                           <a:solidFill>
@@ -6570,10 +7748,15 @@
                 </a:tc>
                 <a:tc>
                   <a:txBody>
-                    <a:bodyPr lIns="36000" rIns="36000" tIns="36000" bIns="36000" anchor="t">
+                    <a:bodyPr lIns="36000" rIns="36000" anchor="t">
                       <a:noAutofit/>
                     </a:bodyPr>
                     <a:p>
+                      <a:pPr>
+                        <a:lnSpc>
+                          <a:spcPct val="100000"/>
+                        </a:lnSpc>
+                      </a:pPr>
                       <a:r>
                         <a:rPr b="0" lang="pt-BR" sz="1800" spc="-1" strike="noStrike">
                           <a:solidFill>
@@ -6621,10 +7804,15 @@
                 </a:tc>
                 <a:tc>
                   <a:txBody>
-                    <a:bodyPr lIns="36000" rIns="36000" tIns="36000" bIns="36000" anchor="t">
+                    <a:bodyPr lIns="36000" rIns="36000" anchor="t">
                       <a:noAutofit/>
                     </a:bodyPr>
                     <a:p>
+                      <a:pPr>
+                        <a:lnSpc>
+                          <a:spcPct val="100000"/>
+                        </a:lnSpc>
+                      </a:pPr>
                       <a:r>
                         <a:rPr b="0" lang="pt-BR" sz="1800" spc="-1" strike="noStrike">
                           <a:solidFill>
@@ -6674,10 +7862,15 @@
               <a:tr h="670320">
                 <a:tc>
                   <a:txBody>
-                    <a:bodyPr lIns="36000" rIns="36000" tIns="36000" bIns="36000" anchor="t">
+                    <a:bodyPr lIns="36000" rIns="36000" anchor="t">
                       <a:noAutofit/>
                     </a:bodyPr>
                     <a:p>
+                      <a:pPr>
+                        <a:lnSpc>
+                          <a:spcPct val="100000"/>
+                        </a:lnSpc>
+                      </a:pPr>
                       <a:r>
                         <a:rPr b="0" lang="pt-BR" sz="1800" spc="-1" strike="noStrike">
                           <a:solidFill>
@@ -6725,10 +7918,15 @@
                 </a:tc>
                 <a:tc>
                   <a:txBody>
-                    <a:bodyPr lIns="36000" rIns="36000" tIns="36000" bIns="36000" anchor="t">
+                    <a:bodyPr lIns="36000" rIns="36000" anchor="t">
                       <a:noAutofit/>
                     </a:bodyPr>
                     <a:p>
+                      <a:pPr>
+                        <a:lnSpc>
+                          <a:spcPct val="100000"/>
+                        </a:lnSpc>
+                      </a:pPr>
                       <a:r>
                         <a:rPr b="0" lang="pt-BR" sz="1800" spc="-1" strike="noStrike">
                           <a:solidFill>
@@ -6776,10 +7974,15 @@
                 </a:tc>
                 <a:tc>
                   <a:txBody>
-                    <a:bodyPr lIns="36000" rIns="36000" tIns="36000" bIns="36000" anchor="t">
+                    <a:bodyPr lIns="36000" rIns="36000" anchor="t">
                       <a:noAutofit/>
                     </a:bodyPr>
                     <a:p>
+                      <a:pPr>
+                        <a:lnSpc>
+                          <a:spcPct val="100000"/>
+                        </a:lnSpc>
+                      </a:pPr>
                       <a:r>
                         <a:rPr b="0" lang="pt-BR" sz="1800" spc="-1" strike="noStrike">
                           <a:solidFill>
@@ -6827,10 +8030,15 @@
                 </a:tc>
                 <a:tc>
                   <a:txBody>
-                    <a:bodyPr lIns="36000" rIns="36000" tIns="36000" bIns="36000" anchor="t">
+                    <a:bodyPr lIns="36000" rIns="36000" anchor="t">
                       <a:noAutofit/>
                     </a:bodyPr>
                     <a:p>
+                      <a:pPr>
+                        <a:lnSpc>
+                          <a:spcPct val="100000"/>
+                        </a:lnSpc>
+                      </a:pPr>
                       <a:r>
                         <a:rPr b="0" lang="pt-BR" sz="1800" spc="-1" strike="noStrike">
                           <a:solidFill>
@@ -6878,10 +8086,15 @@
                 </a:tc>
                 <a:tc>
                   <a:txBody>
-                    <a:bodyPr lIns="36000" rIns="36000" tIns="36000" bIns="36000" anchor="t">
+                    <a:bodyPr lIns="36000" rIns="36000" anchor="t">
                       <a:noAutofit/>
                     </a:bodyPr>
                     <a:p>
+                      <a:pPr>
+                        <a:lnSpc>
+                          <a:spcPct val="100000"/>
+                        </a:lnSpc>
+                      </a:pPr>
                       <a:r>
                         <a:rPr b="0" lang="pt-BR" sz="1800" spc="-1" strike="noStrike">
                           <a:solidFill>
@@ -6931,10 +8144,15 @@
               <a:tr h="964080">
                 <a:tc>
                   <a:txBody>
-                    <a:bodyPr lIns="36000" rIns="36000" tIns="36000" bIns="36000" anchor="t">
+                    <a:bodyPr lIns="36000" rIns="36000" anchor="t">
                       <a:noAutofit/>
                     </a:bodyPr>
                     <a:p>
+                      <a:pPr>
+                        <a:lnSpc>
+                          <a:spcPct val="100000"/>
+                        </a:lnSpc>
+                      </a:pPr>
                       <a:r>
                         <a:rPr b="0" lang="pt-BR" sz="1800" spc="-1" strike="noStrike">
                           <a:solidFill>
@@ -6982,10 +8200,15 @@
                 </a:tc>
                 <a:tc>
                   <a:txBody>
-                    <a:bodyPr lIns="36000" rIns="36000" tIns="36000" bIns="36000" anchor="t">
+                    <a:bodyPr lIns="36000" rIns="36000" anchor="t">
                       <a:noAutofit/>
                     </a:bodyPr>
                     <a:p>
+                      <a:pPr>
+                        <a:lnSpc>
+                          <a:spcPct val="100000"/>
+                        </a:lnSpc>
+                      </a:pPr>
                       <a:r>
                         <a:rPr b="0" lang="pt-BR" sz="1800" spc="-1" strike="noStrike">
                           <a:solidFill>
@@ -7033,10 +8256,15 @@
                 </a:tc>
                 <a:tc>
                   <a:txBody>
-                    <a:bodyPr lIns="36000" rIns="36000" tIns="36000" bIns="36000" anchor="t">
+                    <a:bodyPr lIns="36000" rIns="36000" anchor="t">
                       <a:noAutofit/>
                     </a:bodyPr>
                     <a:p>
+                      <a:pPr>
+                        <a:lnSpc>
+                          <a:spcPct val="100000"/>
+                        </a:lnSpc>
+                      </a:pPr>
                       <a:r>
                         <a:rPr b="0" lang="pt-BR" sz="1800" spc="-1" strike="noStrike">
                           <a:solidFill>
@@ -7084,10 +8312,15 @@
                 </a:tc>
                 <a:tc>
                   <a:txBody>
-                    <a:bodyPr lIns="36000" rIns="36000" tIns="36000" bIns="36000" anchor="t">
+                    <a:bodyPr lIns="36000" rIns="36000" anchor="t">
                       <a:noAutofit/>
                     </a:bodyPr>
                     <a:p>
+                      <a:pPr>
+                        <a:lnSpc>
+                          <a:spcPct val="100000"/>
+                        </a:lnSpc>
+                      </a:pPr>
                       <a:r>
                         <a:rPr b="0" lang="pt-BR" sz="1800" spc="-1" strike="noStrike">
                           <a:solidFill>
@@ -7135,15 +8368,21 @@
                 </a:tc>
                 <a:tc>
                   <a:txBody>
-                    <a:bodyPr lIns="36000" rIns="36000" tIns="36000" bIns="36000" anchor="t">
+                    <a:bodyPr lIns="36000" rIns="36000" anchor="t">
                       <a:noAutofit/>
                     </a:bodyPr>
                     <a:p>
+                      <a:pPr>
+                        <a:lnSpc>
+                          <a:spcPct val="100000"/>
+                        </a:lnSpc>
+                      </a:pPr>
                       <a:r>
-                        <a:rPr b="0" lang="pt-BR" sz="1800" spc="-1" strike="noStrike">
+                        <a:rPr b="0" lang="pt-BR" sz="1800" spc="-1" strike="noStrike" u="sng">
                           <a:solidFill>
-                            <a:srgbClr val="000000"/>
+                            <a:srgbClr val="0000ee"/>
                           </a:solidFill>
+                          <a:uFillTx/>
                           <a:latin typeface="Arial"/>
                           <a:hlinkClick r:id="rId1"/>
                         </a:rPr>
@@ -7189,10 +8428,15 @@
               <a:tr h="964080">
                 <a:tc>
                   <a:txBody>
-                    <a:bodyPr lIns="36000" rIns="36000" tIns="36000" bIns="36000" anchor="t">
+                    <a:bodyPr lIns="36000" rIns="36000" anchor="t">
                       <a:noAutofit/>
                     </a:bodyPr>
                     <a:p>
+                      <a:pPr>
+                        <a:lnSpc>
+                          <a:spcPct val="100000"/>
+                        </a:lnSpc>
+                      </a:pPr>
                       <a:r>
                         <a:rPr b="0" lang="pt-BR" sz="1800" spc="-1" strike="noStrike">
                           <a:solidFill>
@@ -7240,10 +8484,15 @@
                 </a:tc>
                 <a:tc>
                   <a:txBody>
-                    <a:bodyPr lIns="36000" rIns="36000" tIns="36000" bIns="36000" anchor="t">
+                    <a:bodyPr lIns="36000" rIns="36000" anchor="t">
                       <a:noAutofit/>
                     </a:bodyPr>
                     <a:p>
+                      <a:pPr>
+                        <a:lnSpc>
+                          <a:spcPct val="100000"/>
+                        </a:lnSpc>
+                      </a:pPr>
                       <a:r>
                         <a:rPr b="0" lang="pt-BR" sz="1800" spc="-1" strike="noStrike">
                           <a:solidFill>
@@ -7291,10 +8540,15 @@
                 </a:tc>
                 <a:tc>
                   <a:txBody>
-                    <a:bodyPr lIns="36000" rIns="36000" tIns="36000" bIns="36000" anchor="t">
+                    <a:bodyPr lIns="36000" rIns="36000" anchor="t">
                       <a:noAutofit/>
                     </a:bodyPr>
                     <a:p>
+                      <a:pPr>
+                        <a:lnSpc>
+                          <a:spcPct val="100000"/>
+                        </a:lnSpc>
+                      </a:pPr>
                       <a:r>
                         <a:rPr b="0" lang="pt-BR" sz="1800" spc="-1" strike="noStrike">
                           <a:solidFill>
@@ -7342,10 +8596,15 @@
                 </a:tc>
                 <a:tc>
                   <a:txBody>
-                    <a:bodyPr lIns="36000" rIns="36000" tIns="36000" bIns="36000" anchor="t">
+                    <a:bodyPr lIns="36000" rIns="36000" anchor="t">
                       <a:noAutofit/>
                     </a:bodyPr>
                     <a:p>
+                      <a:pPr>
+                        <a:lnSpc>
+                          <a:spcPct val="100000"/>
+                        </a:lnSpc>
+                      </a:pPr>
                       <a:r>
                         <a:rPr b="0" lang="pt-BR" sz="1800" spc="-1" strike="noStrike">
                           <a:solidFill>
@@ -7393,15 +8652,21 @@
                 </a:tc>
                 <a:tc>
                   <a:txBody>
-                    <a:bodyPr lIns="36000" rIns="36000" tIns="36000" bIns="36000" anchor="t">
+                    <a:bodyPr lIns="36000" rIns="36000" anchor="t">
                       <a:noAutofit/>
                     </a:bodyPr>
                     <a:p>
+                      <a:pPr>
+                        <a:lnSpc>
+                          <a:spcPct val="100000"/>
+                        </a:lnSpc>
+                      </a:pPr>
                       <a:r>
-                        <a:rPr b="0" lang="pt-BR" sz="1800" spc="-1" strike="noStrike">
+                        <a:rPr b="0" lang="pt-BR" sz="1800" spc="-1" strike="noStrike" u="sng">
                           <a:solidFill>
-                            <a:srgbClr val="000000"/>
+                            <a:srgbClr val="0000ee"/>
                           </a:solidFill>
+                          <a:uFillTx/>
                           <a:latin typeface="Arial"/>
                           <a:hlinkClick r:id="rId2"/>
                         </a:rPr>
@@ -7447,10 +8712,15 @@
               <a:tr h="216000">
                 <a:tc>
                   <a:txBody>
-                    <a:bodyPr lIns="36000" rIns="36000" tIns="36000" bIns="36000" anchor="t">
+                    <a:bodyPr lIns="36000" rIns="36000" anchor="t">
                       <a:noAutofit/>
                     </a:bodyPr>
                     <a:p>
+                      <a:pPr>
+                        <a:lnSpc>
+                          <a:spcPct val="100000"/>
+                        </a:lnSpc>
+                      </a:pPr>
                       <a:r>
                         <a:rPr b="0" lang="pt-BR" sz="1800" spc="-1" strike="noStrike">
                           <a:solidFill>
@@ -7498,10 +8768,15 @@
                 </a:tc>
                 <a:tc>
                   <a:txBody>
-                    <a:bodyPr lIns="36000" rIns="36000" tIns="36000" bIns="36000" anchor="t">
+                    <a:bodyPr lIns="36000" rIns="36000" anchor="t">
                       <a:noAutofit/>
                     </a:bodyPr>
                     <a:p>
+                      <a:pPr>
+                        <a:lnSpc>
+                          <a:spcPct val="100000"/>
+                        </a:lnSpc>
+                      </a:pPr>
                       <a:r>
                         <a:rPr b="0" lang="pt-BR" sz="1800" spc="-1" strike="noStrike">
                           <a:solidFill>
@@ -7549,10 +8824,15 @@
                 </a:tc>
                 <a:tc>
                   <a:txBody>
-                    <a:bodyPr lIns="36000" rIns="36000" tIns="36000" bIns="36000" anchor="t">
+                    <a:bodyPr lIns="36000" rIns="36000" anchor="t">
                       <a:noAutofit/>
                     </a:bodyPr>
                     <a:p>
+                      <a:pPr>
+                        <a:lnSpc>
+                          <a:spcPct val="100000"/>
+                        </a:lnSpc>
+                      </a:pPr>
                       <a:r>
                         <a:rPr b="0" lang="pt-BR" sz="1800" spc="-1" strike="noStrike">
                           <a:solidFill>
@@ -7600,10 +8880,15 @@
                 </a:tc>
                 <a:tc>
                   <a:txBody>
-                    <a:bodyPr lIns="36000" rIns="36000" tIns="36000" bIns="36000" anchor="t">
+                    <a:bodyPr lIns="36000" rIns="36000" anchor="t">
                       <a:noAutofit/>
                     </a:bodyPr>
                     <a:p>
+                      <a:pPr>
+                        <a:lnSpc>
+                          <a:spcPct val="100000"/>
+                        </a:lnSpc>
+                      </a:pPr>
                       <a:r>
                         <a:rPr b="0" lang="pt-BR" sz="1800" spc="-1" strike="noStrike">
                           <a:solidFill>
@@ -7651,15 +8936,21 @@
                 </a:tc>
                 <a:tc>
                   <a:txBody>
-                    <a:bodyPr lIns="36000" rIns="36000" tIns="36000" bIns="36000" anchor="t">
+                    <a:bodyPr lIns="36000" rIns="36000" anchor="t">
                       <a:noAutofit/>
                     </a:bodyPr>
                     <a:p>
+                      <a:pPr>
+                        <a:lnSpc>
+                          <a:spcPct val="100000"/>
+                        </a:lnSpc>
+                      </a:pPr>
                       <a:r>
-                        <a:rPr b="0" lang="pt-BR" sz="1800" spc="-1" strike="noStrike">
+                        <a:rPr b="0" lang="pt-BR" sz="1800" spc="-1" strike="noStrike" u="sng">
                           <a:solidFill>
-                            <a:srgbClr val="000000"/>
+                            <a:srgbClr val="0000ee"/>
                           </a:solidFill>
+                          <a:uFillTx/>
                           <a:latin typeface="Arial"/>
                           <a:hlinkClick r:id="rId3"/>
                         </a:rPr>
@@ -7720,7 +9011,7 @@
         <p:txBody>
           <a:bodyPr/>
           <a:p>
-            <a:fld id="{835563BB-B7E6-4DBF-B113-1670CA147CFC}" type="slidenum">
+            <a:fld id="{D560AF24-5D62-4499-8262-D5BB645D65AB}" type="slidenum">
               <a:t>4</a:t>
             </a:fld>
           </a:p>
@@ -7758,7 +9049,7 @@
       </p:grpSpPr>
       <p:sp>
         <p:nvSpPr>
-          <p:cNvPr id="29" name="PlaceHolder 1"/>
+          <p:cNvPr id="41" name="PlaceHolder 1"/>
           <p:cNvSpPr>
             <a:spLocks noGrp="1"/>
           </p:cNvSpPr>
@@ -7769,7 +9060,7 @@
         <p:spPr>
           <a:xfrm>
             <a:off x="640080" y="5760"/>
-            <a:ext cx="10698840" cy="1053000"/>
+            <a:ext cx="10698480" cy="1052640"/>
           </a:xfrm>
           <a:prstGeom prst="rect">
             <a:avLst/>
@@ -7815,7 +9106,7 @@
       </p:sp>
       <p:sp>
         <p:nvSpPr>
-          <p:cNvPr id="30" name="PlaceHolder 2"/>
+          <p:cNvPr id="42" name="PlaceHolder 2"/>
           <p:cNvSpPr>
             <a:spLocks noGrp="1"/>
           </p:cNvSpPr>
@@ -7826,7 +9117,7 @@
         <p:spPr>
           <a:xfrm>
             <a:off x="182880" y="1188720"/>
-            <a:ext cx="6116400" cy="5470560"/>
+            <a:ext cx="6116040" cy="5470200"/>
           </a:xfrm>
           <a:prstGeom prst="rect">
             <a:avLst/>
@@ -8225,7 +9516,7 @@
       </p:sp>
       <p:pic>
         <p:nvPicPr>
-          <p:cNvPr id="31" name="" descr=""/>
+          <p:cNvPr id="43" name="" descr=""/>
           <p:cNvPicPr/>
           <p:nvPr/>
         </p:nvPicPr>
@@ -8236,7 +9527,7 @@
         <p:spPr>
           <a:xfrm>
             <a:off x="6660000" y="1383840"/>
-            <a:ext cx="4736160" cy="5095440"/>
+            <a:ext cx="4735800" cy="5095080"/>
           </a:xfrm>
           <a:prstGeom prst="rect">
             <a:avLst/>
@@ -8260,7 +9551,7 @@
         <p:txBody>
           <a:bodyPr/>
           <a:p>
-            <a:fld id="{526036B7-5BF0-443E-97C0-1F2D09FB069F}" type="slidenum">
+            <a:fld id="{943F485A-DECA-478F-AD87-2D2AF3257171}" type="slidenum">
               <a:t>5</a:t>
             </a:fld>
           </a:p>
@@ -8298,7 +9589,7 @@
       </p:grpSpPr>
       <p:sp>
         <p:nvSpPr>
-          <p:cNvPr id="32" name="PlaceHolder 1"/>
+          <p:cNvPr id="44" name="PlaceHolder 1"/>
           <p:cNvSpPr>
             <a:spLocks noGrp="1"/>
           </p:cNvSpPr>
@@ -8309,7 +9600,7 @@
         <p:spPr>
           <a:xfrm>
             <a:off x="640080" y="5760"/>
-            <a:ext cx="10698840" cy="1053000"/>
+            <a:ext cx="10698480" cy="1052640"/>
           </a:xfrm>
           <a:prstGeom prst="rect">
             <a:avLst/>
@@ -8355,7 +9646,7 @@
       </p:sp>
       <p:sp>
         <p:nvSpPr>
-          <p:cNvPr id="33" name="PlaceHolder 2"/>
+          <p:cNvPr id="45" name="PlaceHolder 2"/>
           <p:cNvSpPr>
             <a:spLocks noGrp="1"/>
           </p:cNvSpPr>
@@ -8366,7 +9657,7 @@
         <p:spPr>
           <a:xfrm>
             <a:off x="182880" y="1188720"/>
-            <a:ext cx="11795040" cy="3976920"/>
+            <a:ext cx="11794680" cy="3976560"/>
           </a:xfrm>
           <a:prstGeom prst="rect">
             <a:avLst/>
@@ -8489,7 +9780,7 @@
         <p:txBody>
           <a:bodyPr/>
           <a:p>
-            <a:fld id="{832188CD-AE88-4D07-98EE-57B6F40C3226}" type="slidenum">
+            <a:fld id="{4CE2EEDA-A9AB-4B60-942D-8948CF51DC6F}" type="slidenum">
               <a:t>6</a:t>
             </a:fld>
           </a:p>
@@ -8527,7 +9818,7 @@
       </p:grpSpPr>
       <p:sp>
         <p:nvSpPr>
-          <p:cNvPr id="34" name="PlaceHolder 1"/>
+          <p:cNvPr id="46" name="PlaceHolder 1"/>
           <p:cNvSpPr>
             <a:spLocks noGrp="1"/>
           </p:cNvSpPr>
@@ -8538,7 +9829,7 @@
         <p:spPr>
           <a:xfrm>
             <a:off x="640080" y="5760"/>
-            <a:ext cx="10698840" cy="1053000"/>
+            <a:ext cx="10698480" cy="1052640"/>
           </a:xfrm>
           <a:prstGeom prst="rect">
             <a:avLst/>
@@ -8584,7 +9875,7 @@
       </p:sp>
       <p:sp>
         <p:nvSpPr>
-          <p:cNvPr id="35" name="PlaceHolder 2"/>
+          <p:cNvPr id="47" name="PlaceHolder 2"/>
           <p:cNvSpPr>
             <a:spLocks noGrp="1"/>
           </p:cNvSpPr>
@@ -8595,7 +9886,7 @@
         <p:spPr>
           <a:xfrm>
             <a:off x="182880" y="1188720"/>
-            <a:ext cx="11795040" cy="3976920"/>
+            <a:ext cx="11794680" cy="3976560"/>
           </a:xfrm>
           <a:prstGeom prst="rect">
             <a:avLst/>
@@ -8665,7 +9956,7 @@
                 </a:solidFill>
                 <a:latin typeface="Arial"/>
               </a:rPr>
-              <a:t>Get started with Gemini Code Assist's many features:</a:t>
+              <a:t>Continue.dev</a:t>
             </a:r>
             <a:endParaRPr b="0" lang="pt-BR" sz="2400" spc="-1" strike="noStrike">
               <a:solidFill>
@@ -8675,7 +9966,7 @@
             </a:endParaRPr>
           </a:p>
           <a:p>
-            <a:pPr marL="432000" indent="-324000">
+            <a:pPr marL="432000" indent="0">
               <a:lnSpc>
                 <a:spcPct val="100000"/>
               </a:lnSpc>
@@ -8685,336 +9976,10 @@
               <a:spcAft>
                 <a:spcPts val="992"/>
               </a:spcAft>
-              <a:buClr>
-                <a:srgbClr val="000000"/>
-              </a:buClr>
-              <a:buSzPct val="45000"/>
-              <a:buFont typeface="Wingdings" charset="2"/>
-              <a:buChar char=""/>
-            </a:pPr>
-            <a:r>
-              <a:rPr b="0" lang="pt-BR" sz="2400" spc="-1" strike="noStrike">
-                <a:solidFill>
-                  <a:srgbClr val="000000"/>
-                </a:solidFill>
-                <a:latin typeface="Arial"/>
-              </a:rPr>
-              <a:t>Press Control+I to </a:t>
-            </a:r>
-            <a:r>
-              <a:rPr b="0" lang="pt-BR" sz="2400" spc="-1" strike="noStrike">
-                <a:solidFill>
-                  <a:srgbClr val="000000"/>
-                </a:solidFill>
-                <a:latin typeface="Arial"/>
-                <a:hlinkClick r:id="rId1"/>
-              </a:rPr>
-              <a:t>transform your code</a:t>
-            </a:r>
-            <a:r>
-              <a:rPr b="0" lang="pt-BR" sz="2400" spc="-1" strike="noStrike">
-                <a:solidFill>
-                  <a:srgbClr val="000000"/>
-                </a:solidFill>
-                <a:latin typeface="Arial"/>
-              </a:rPr>
-              <a:t> as well as execute your own </a:t>
-            </a:r>
-            <a:r>
-              <a:rPr b="0" lang="pt-BR" sz="2400" spc="-1" strike="noStrike">
-                <a:solidFill>
-                  <a:srgbClr val="000000"/>
-                </a:solidFill>
-                <a:latin typeface="Arial"/>
-                <a:hlinkClick r:id="rId2"/>
-              </a:rPr>
-              <a:t>custom commands</a:t>
-            </a:r>
-            <a:endParaRPr b="0" lang="pt-BR" sz="2400" spc="-1" strike="noStrike">
-              <a:solidFill>
-                <a:srgbClr val="000000"/>
-              </a:solidFill>
-              <a:latin typeface="Arial"/>
-            </a:endParaRPr>
-          </a:p>
-          <a:p>
-            <a:pPr marL="432000" indent="-324000">
-              <a:lnSpc>
-                <a:spcPct val="100000"/>
-              </a:lnSpc>
-              <a:spcBef>
-                <a:spcPts val="1191"/>
-              </a:spcBef>
-              <a:spcAft>
-                <a:spcPts val="992"/>
-              </a:spcAft>
-              <a:buClr>
-                <a:srgbClr val="000000"/>
-              </a:buClr>
-              <a:buSzPct val="45000"/>
-              <a:buFont typeface="Wingdings" charset="2"/>
-              <a:buChar char=""/>
-            </a:pPr>
-            <a:r>
-              <a:rPr b="0" lang="pt-BR" sz="2400" spc="-1" strike="noStrike">
-                <a:solidFill>
-                  <a:srgbClr val="000000"/>
-                </a:solidFill>
-                <a:latin typeface="Arial"/>
-              </a:rPr>
-              <a:t>Select comments as prompts in the editor and press Control+Enter to </a:t>
-            </a:r>
-            <a:r>
-              <a:rPr b="0" lang="pt-BR" sz="2400" spc="-1" strike="noStrike">
-                <a:solidFill>
-                  <a:srgbClr val="000000"/>
-                </a:solidFill>
-                <a:latin typeface="Arial"/>
-                <a:hlinkClick r:id="rId3"/>
-              </a:rPr>
-              <a:t>generate code</a:t>
-            </a:r>
-            <a:endParaRPr b="0" lang="pt-BR" sz="2400" spc="-1" strike="noStrike">
-              <a:solidFill>
-                <a:srgbClr val="000000"/>
-              </a:solidFill>
-              <a:latin typeface="Arial"/>
-            </a:endParaRPr>
-          </a:p>
-          <a:p>
-            <a:pPr marL="432000" indent="-324000">
-              <a:lnSpc>
-                <a:spcPct val="100000"/>
-              </a:lnSpc>
-              <a:spcBef>
-                <a:spcPts val="1191"/>
-              </a:spcBef>
-              <a:spcAft>
-                <a:spcPts val="992"/>
-              </a:spcAft>
-              <a:buClr>
-                <a:srgbClr val="000000"/>
-              </a:buClr>
-              <a:buSzPct val="45000"/>
-              <a:buFont typeface="Wingdings" charset="2"/>
-              <a:buChar char=""/>
-            </a:pPr>
-            <a:r>
-              <a:rPr b="0" lang="pt-BR" sz="2400" spc="-1" strike="noStrike">
-                <a:solidFill>
-                  <a:srgbClr val="000000"/>
-                </a:solidFill>
-                <a:latin typeface="Arial"/>
-              </a:rPr>
-              <a:t>Click the Gemini Logo () in the Activity Bar to use Gemini Code Assist </a:t>
-            </a:r>
-            <a:r>
-              <a:rPr b="0" lang="pt-BR" sz="2400" spc="-1" strike="noStrike">
-                <a:solidFill>
-                  <a:srgbClr val="000000"/>
-                </a:solidFill>
-                <a:latin typeface="Arial"/>
-                <a:hlinkClick r:id="rId4"/>
-              </a:rPr>
-              <a:t>chat</a:t>
-            </a:r>
-            <a:r>
-              <a:rPr b="0" lang="pt-BR" sz="2400" spc="-1" strike="noStrike">
-                <a:solidFill>
-                  <a:srgbClr val="000000"/>
-                </a:solidFill>
-                <a:latin typeface="Arial"/>
-              </a:rPr>
-              <a:t> to ask questions about and improve your code</a:t>
-            </a:r>
-            <a:endParaRPr b="0" lang="pt-BR" sz="2400" spc="-1" strike="noStrike">
-              <a:solidFill>
-                <a:srgbClr val="000000"/>
-              </a:solidFill>
-              <a:latin typeface="Arial"/>
-            </a:endParaRPr>
-          </a:p>
-          <a:p>
-            <a:pPr marL="432000" indent="-324000">
-              <a:lnSpc>
-                <a:spcPct val="100000"/>
-              </a:lnSpc>
-              <a:spcBef>
-                <a:spcPts val="1191"/>
-              </a:spcBef>
-              <a:spcAft>
-                <a:spcPts val="992"/>
-              </a:spcAft>
-              <a:buClr>
-                <a:srgbClr val="000000"/>
-              </a:buClr>
-              <a:buSzPct val="45000"/>
-              <a:buFont typeface="Wingdings" charset="2"/>
-              <a:buChar char=""/>
-            </a:pPr>
-            <a:r>
-              <a:rPr b="0" lang="pt-BR" sz="2400" spc="-1" strike="noStrike">
-                <a:solidFill>
-                  <a:srgbClr val="000000"/>
-                </a:solidFill>
-                <a:latin typeface="Arial"/>
-              </a:rPr>
-              <a:t>Add </a:t>
-            </a:r>
-            <a:r>
-              <a:rPr b="0" lang="pt-BR" sz="2400" spc="-1" strike="noStrike">
-                <a:solidFill>
-                  <a:srgbClr val="000000"/>
-                </a:solidFill>
-                <a:latin typeface="Arial"/>
-                <a:hlinkClick r:id="rId5"/>
-              </a:rPr>
-              <a:t>files, folders</a:t>
-            </a:r>
-            <a:r>
-              <a:rPr b="0" lang="pt-BR" sz="2400" spc="-1" strike="noStrike">
-                <a:solidFill>
-                  <a:srgbClr val="000000"/>
-                </a:solidFill>
-                <a:latin typeface="Arial"/>
-              </a:rPr>
-              <a:t> and </a:t>
-            </a:r>
-            <a:r>
-              <a:rPr b="0" lang="pt-BR" sz="2400" spc="-1" strike="noStrike">
-                <a:solidFill>
-                  <a:srgbClr val="000000"/>
-                </a:solidFill>
-                <a:latin typeface="Arial"/>
-                <a:hlinkClick r:id="rId6"/>
-              </a:rPr>
-              <a:t>tools</a:t>
-            </a:r>
-            <a:r>
-              <a:rPr b="0" lang="pt-BR" sz="2400" spc="-1" strike="noStrike">
-                <a:solidFill>
-                  <a:srgbClr val="000000"/>
-                </a:solidFill>
-                <a:latin typeface="Arial"/>
-              </a:rPr>
-              <a:t> to your chat context</a:t>
-            </a:r>
-            <a:endParaRPr b="0" lang="pt-BR" sz="2400" spc="-1" strike="noStrike">
-              <a:solidFill>
-                <a:srgbClr val="000000"/>
-              </a:solidFill>
-              <a:latin typeface="Arial"/>
-            </a:endParaRPr>
-          </a:p>
-          <a:p>
-            <a:pPr marL="432000" indent="-324000">
-              <a:lnSpc>
-                <a:spcPct val="100000"/>
-              </a:lnSpc>
-              <a:spcBef>
-                <a:spcPts val="1191"/>
-              </a:spcBef>
-              <a:spcAft>
-                <a:spcPts val="992"/>
-              </a:spcAft>
-              <a:buClr>
-                <a:srgbClr val="000000"/>
-              </a:buClr>
-              <a:buSzPct val="45000"/>
-              <a:buFont typeface="Wingdings" charset="2"/>
-              <a:buChar char=""/>
-            </a:pPr>
-            <a:r>
-              <a:rPr b="0" lang="pt-BR" sz="2400" spc="-1" strike="noStrike">
-                <a:solidFill>
-                  <a:srgbClr val="000000"/>
-                </a:solidFill>
-                <a:latin typeface="Arial"/>
-              </a:rPr>
-              <a:t>Add custom </a:t>
-            </a:r>
-            <a:r>
-              <a:rPr b="0" lang="pt-BR" sz="2400" spc="-1" strike="noStrike">
-                <a:solidFill>
-                  <a:srgbClr val="000000"/>
-                </a:solidFill>
-                <a:latin typeface="Arial"/>
-                <a:hlinkClick r:id="rId7"/>
-              </a:rPr>
-              <a:t>rules</a:t>
-            </a:r>
-            <a:r>
-              <a:rPr b="0" lang="pt-BR" sz="2400" spc="-1" strike="noStrike">
-                <a:solidFill>
-                  <a:srgbClr val="000000"/>
-                </a:solidFill>
-                <a:latin typeface="Arial"/>
-              </a:rPr>
-              <a:t> to enhance chat responses</a:t>
-            </a:r>
-            <a:endParaRPr b="0" lang="pt-BR" sz="2400" spc="-1" strike="noStrike">
-              <a:solidFill>
-                <a:srgbClr val="000000"/>
-              </a:solidFill>
-              <a:latin typeface="Arial"/>
-            </a:endParaRPr>
-          </a:p>
-          <a:p>
-            <a:pPr marL="432000" indent="-324000">
-              <a:lnSpc>
-                <a:spcPct val="100000"/>
-              </a:lnSpc>
-              <a:spcBef>
-                <a:spcPts val="1191"/>
-              </a:spcBef>
-              <a:spcAft>
-                <a:spcPts val="992"/>
-              </a:spcAft>
-              <a:buClr>
-                <a:srgbClr val="000000"/>
-              </a:buClr>
-              <a:buSzPct val="45000"/>
-              <a:buFont typeface="Wingdings" charset="2"/>
-              <a:buChar char=""/>
-            </a:pPr>
-            <a:r>
-              <a:rPr b="0" lang="pt-BR" sz="2400" spc="-1" strike="noStrike">
-                <a:solidFill>
-                  <a:srgbClr val="000000"/>
-                </a:solidFill>
-                <a:latin typeface="Arial"/>
-              </a:rPr>
-              <a:t>Review the latest Code Assist feature </a:t>
-            </a:r>
-            <a:r>
-              <a:rPr b="0" lang="pt-BR" sz="2400" spc="-1" strike="noStrike">
-                <a:solidFill>
-                  <a:srgbClr val="000000"/>
-                </a:solidFill>
-                <a:latin typeface="Arial"/>
-                <a:hlinkClick r:id="rId8"/>
-              </a:rPr>
-              <a:t>releases</a:t>
-            </a:r>
-            <a:endParaRPr b="0" lang="pt-BR" sz="2400" spc="-1" strike="noStrike">
-              <a:solidFill>
-                <a:srgbClr val="000000"/>
-              </a:solidFill>
-              <a:latin typeface="Arial"/>
-            </a:endParaRPr>
-          </a:p>
-          <a:p>
-            <a:pPr marL="432000" indent="0">
-              <a:lnSpc>
-                <a:spcPct val="100000"/>
-              </a:lnSpc>
-              <a:spcBef>
-                <a:spcPts val="1191"/>
-              </a:spcBef>
-              <a:spcAft>
-                <a:spcPts val="992"/>
-              </a:spcAft>
               <a:buNone/>
+              <a:tabLst>
+                <a:tab algn="l" pos="0"/>
+              </a:tabLst>
             </a:pPr>
             <a:r>
               <a:rPr b="0" lang="pt-BR" sz="2400" spc="-1" strike="noStrike">
@@ -9048,7 +10013,7 @@
         <p:txBody>
           <a:bodyPr/>
           <a:p>
-            <a:fld id="{28C1DE38-4677-460D-8F65-E43F53CCF37B}" type="slidenum">
+            <a:fld id="{EEFEBF75-649B-4564-9101-09CDA3EC9010}" type="slidenum">
               <a:t>7</a:t>
             </a:fld>
           </a:p>
@@ -9086,7 +10051,7 @@
       </p:grpSpPr>
       <p:sp>
         <p:nvSpPr>
-          <p:cNvPr id="36" name="PlaceHolder 1"/>
+          <p:cNvPr id="48" name="PlaceHolder 1"/>
           <p:cNvSpPr>
             <a:spLocks noGrp="1"/>
           </p:cNvSpPr>
@@ -9097,7 +10062,7 @@
         <p:spPr>
           <a:xfrm>
             <a:off x="640080" y="5760"/>
-            <a:ext cx="10698840" cy="1053000"/>
+            <a:ext cx="10698480" cy="1052640"/>
           </a:xfrm>
           <a:prstGeom prst="rect">
             <a:avLst/>
@@ -9130,7 +10095,7 @@
                 </a:solidFill>
                 <a:latin typeface="Arial"/>
               </a:rPr>
-              <a:t>Fluxograma</a:t>
+              <a:t>Interface de desenvolvimento (copilotos)</a:t>
             </a:r>
             <a:endParaRPr b="0" lang="pt-BR" sz="3630" spc="-1" strike="noStrike">
               <a:solidFill>
@@ -9143,7 +10108,7 @@
       </p:sp>
       <p:sp>
         <p:nvSpPr>
-          <p:cNvPr id="37" name="PlaceHolder 2"/>
+          <p:cNvPr id="49" name="PlaceHolder 2"/>
           <p:cNvSpPr>
             <a:spLocks noGrp="1"/>
           </p:cNvSpPr>
@@ -9154,7 +10119,7 @@
         <p:spPr>
           <a:xfrm>
             <a:off x="182880" y="1188720"/>
-            <a:ext cx="4856400" cy="5290560"/>
+            <a:ext cx="11794680" cy="3976560"/>
           </a:xfrm>
           <a:prstGeom prst="rect">
             <a:avLst/>
@@ -9190,7 +10155,7 @@
                 </a:solidFill>
                 <a:latin typeface="Arial"/>
               </a:rPr>
-              <a:t>Pasta: projeto/docs/fluxograma.drawio</a:t>
+              <a:t>Assistente de código</a:t>
             </a:r>
             <a:endParaRPr b="0" lang="pt-BR" sz="2400" spc="-1" strike="noStrike">
               <a:solidFill>
@@ -9204,8 +10169,11 @@
               <a:lnSpc>
                 <a:spcPct val="100000"/>
               </a:lnSpc>
-              <a:spcAft>
-                <a:spcPts val="1049"/>
+              <a:spcBef>
+                <a:spcPts val="1191"/>
+              </a:spcBef>
+              <a:spcAft>
+                <a:spcPts val="992"/>
               </a:spcAft>
               <a:buClr>
                 <a:srgbClr val="000000"/>
@@ -9221,7 +10189,7 @@
                 </a:solidFill>
                 <a:latin typeface="Arial"/>
               </a:rPr>
-              <a:t>Abrir com:</a:t>
+              <a:t>Continue.dev</a:t>
             </a:r>
             <a:endParaRPr b="0" lang="pt-BR" sz="2400" spc="-1" strike="noStrike">
               <a:solidFill>
@@ -9231,104 +10199,21 @@
             </a:endParaRPr>
           </a:p>
           <a:p>
-            <a:pPr lvl="1" marL="864000" indent="-324000">
-              <a:lnSpc>
-                <a:spcPct val="100000"/>
-              </a:lnSpc>
-              <a:spcAft>
-                <a:spcPts val="1049"/>
-              </a:spcAft>
-              <a:buClr>
-                <a:srgbClr val="000000"/>
-              </a:buClr>
-              <a:buSzPct val="45000"/>
-              <a:buFont typeface="Wingdings" charset="2"/>
-              <a:buChar char=""/>
-            </a:pPr>
-            <a:r>
-              <a:rPr b="0" lang="pt-BR" sz="2200" spc="-1" strike="noStrike" u="sng">
-                <a:solidFill>
-                  <a:srgbClr val="0000ee"/>
-                </a:solidFill>
-                <a:uFillTx/>
-                <a:latin typeface="Arial"/>
-                <a:hlinkClick r:id="rId1"/>
-              </a:rPr>
-              <a:t>https://www.drawio.com/</a:t>
-            </a:r>
-            <a:endParaRPr b="0" lang="pt-BR" sz="2200" spc="-1" strike="noStrike">
-              <a:solidFill>
-                <a:srgbClr val="000000"/>
-              </a:solidFill>
-              <a:latin typeface="Arial"/>
-            </a:endParaRPr>
-          </a:p>
-          <a:p>
-            <a:pPr lvl="1" marL="864000" indent="-324000">
-              <a:lnSpc>
-                <a:spcPct val="100000"/>
-              </a:lnSpc>
-              <a:spcAft>
-                <a:spcPts val="1049"/>
-              </a:spcAft>
-              <a:buClr>
-                <a:srgbClr val="000000"/>
-              </a:buClr>
-              <a:buSzPct val="45000"/>
-              <a:buFont typeface="Wingdings" charset="2"/>
-              <a:buChar char=""/>
-            </a:pPr>
-            <a:r>
-              <a:rPr b="0" lang="pt-BR" sz="2200" spc="-1" strike="noStrike">
-                <a:solidFill>
-                  <a:srgbClr val="000000"/>
-                </a:solidFill>
-                <a:latin typeface="Arial"/>
-              </a:rPr>
-              <a:t>VSCodium Draw.io Integration (Author: Hediet)</a:t>
-            </a:r>
-            <a:endParaRPr b="0" lang="pt-BR" sz="2200" spc="-1" strike="noStrike">
-              <a:solidFill>
-                <a:srgbClr val="000000"/>
-              </a:solidFill>
-              <a:latin typeface="Arial"/>
-            </a:endParaRPr>
-          </a:p>
-          <a:p>
-            <a:pPr marL="432000" indent="-324000">
-              <a:lnSpc>
-                <a:spcPct val="100000"/>
-              </a:lnSpc>
-              <a:spcAft>
-                <a:spcPts val="1049"/>
-              </a:spcAft>
-              <a:buClr>
-                <a:srgbClr val="000000"/>
-              </a:buClr>
-              <a:buSzPct val="45000"/>
-              <a:buFont typeface="Wingdings" charset="2"/>
-              <a:buChar char=""/>
-            </a:pPr>
-            <a:r>
-              <a:rPr b="0" lang="pt-BR" sz="2400" spc="-1" strike="noStrike">
-                <a:solidFill>
-                  <a:srgbClr val="000000"/>
-                </a:solidFill>
-                <a:latin typeface="Arial"/>
-              </a:rPr>
-              <a:t>Tutorial de edição: </a:t>
-            </a:r>
-            <a:r>
-              <a:rPr b="0" lang="pt-BR" sz="2400" spc="-1" strike="noStrike" u="sng">
-                <a:solidFill>
-                  <a:srgbClr val="0000ee"/>
-                </a:solidFill>
-                <a:uFillTx/>
-                <a:latin typeface="Arial"/>
-                <a:hlinkClick r:id="rId2"/>
-              </a:rPr>
-              <a:t>https://www.drawio.com/doc/getting-started-basic-flow-chart</a:t>
-            </a:r>
+            <a:pPr marL="432000" indent="0">
+              <a:lnSpc>
+                <a:spcPct val="100000"/>
+              </a:lnSpc>
+              <a:spcBef>
+                <a:spcPts val="1191"/>
+              </a:spcBef>
+              <a:spcAft>
+                <a:spcPts val="992"/>
+              </a:spcAft>
+              <a:buNone/>
+              <a:tabLst>
+                <a:tab algn="l" pos="0"/>
+              </a:tabLst>
+            </a:pPr>
             <a:r>
               <a:rPr b="0" lang="pt-BR" sz="2400" spc="-1" strike="noStrike">
                 <a:solidFill>
@@ -9347,29 +10232,6 @@
           </a:p>
         </p:txBody>
       </p:sp>
-      <p:pic>
-        <p:nvPicPr>
-          <p:cNvPr id="38" name="" descr=""/>
-          <p:cNvPicPr/>
-          <p:nvPr/>
-        </p:nvPicPr>
-        <p:blipFill>
-          <a:blip r:embed="rId3"/>
-          <a:stretch/>
-        </p:blipFill>
-        <p:spPr>
-          <a:xfrm>
-            <a:off x="4860000" y="1440000"/>
-            <a:ext cx="7022880" cy="3991680"/>
-          </a:xfrm>
-          <a:prstGeom prst="rect">
-            <a:avLst/>
-          </a:prstGeom>
-          <a:ln w="0">
-            <a:noFill/>
-          </a:ln>
-        </p:spPr>
-      </p:pic>
       <p:sp>
         <p:nvSpPr>
           <p:cNvPr id="4" name="PlaceHolder 3"/>
@@ -9377,14 +10239,14 @@
             <a:spLocks noGrp="1"/>
           </p:cNvSpPr>
           <p:nvPr>
-            <p:ph type="sldNum" idx="5"/>
+            <p:ph type="sldNum" idx="8"/>
           </p:nvPr>
         </p:nvSpPr>
         <p:spPr/>
         <p:txBody>
           <a:bodyPr/>
           <a:p>
-            <a:fld id="{4F88EE65-B248-42C2-8A00-4A61D2F8DDC0}" type="slidenum">
+            <a:fld id="{EB41E614-E549-48DB-B971-0E1603240EC6}" type="slidenum">
               <a:t>8</a:t>
             </a:fld>
           </a:p>
@@ -9422,7 +10284,7 @@
       </p:grpSpPr>
       <p:sp>
         <p:nvSpPr>
-          <p:cNvPr id="39" name="PlaceHolder 1"/>
+          <p:cNvPr id="50" name="PlaceHolder 1"/>
           <p:cNvSpPr>
             <a:spLocks noGrp="1"/>
           </p:cNvSpPr>
@@ -9433,7 +10295,7 @@
         <p:spPr>
           <a:xfrm>
             <a:off x="640080" y="5760"/>
-            <a:ext cx="10698840" cy="1053000"/>
+            <a:ext cx="10698480" cy="1052640"/>
           </a:xfrm>
           <a:prstGeom prst="rect">
             <a:avLst/>
@@ -9466,7 +10328,7 @@
                 </a:solidFill>
                 <a:latin typeface="Arial"/>
               </a:rPr>
-              <a:t>Diagramas de classes (UML)</a:t>
+              <a:t>Fluxograma</a:t>
             </a:r>
             <a:endParaRPr b="0" lang="pt-BR" sz="3630" spc="-1" strike="noStrike">
               <a:solidFill>
@@ -9479,7 +10341,7 @@
       </p:sp>
       <p:sp>
         <p:nvSpPr>
-          <p:cNvPr id="40" name="PlaceHolder 2"/>
+          <p:cNvPr id="51" name="PlaceHolder 2"/>
           <p:cNvSpPr>
             <a:spLocks noGrp="1"/>
           </p:cNvSpPr>
@@ -9490,7 +10352,7 @@
         <p:spPr>
           <a:xfrm>
             <a:off x="182880" y="1188720"/>
-            <a:ext cx="4676400" cy="5290560"/>
+            <a:ext cx="4856040" cy="5290200"/>
           </a:xfrm>
           <a:prstGeom prst="rect">
             <a:avLst/>
@@ -9526,7 +10388,7 @@
                 </a:solidFill>
                 <a:latin typeface="Arial"/>
               </a:rPr>
-              <a:t>Pasta: projeto/docs/diagrama_de_classes.drawio</a:t>
+              <a:t>Pasta: projeto/docs/fluxograma.drawio</a:t>
             </a:r>
             <a:endParaRPr b="0" lang="pt-BR" sz="2400" spc="-1" strike="noStrike">
               <a:solidFill>
@@ -9663,7 +10525,7 @@
                 <a:latin typeface="Arial"/>
                 <a:hlinkClick r:id="rId2"/>
               </a:rPr>
-              <a:t>https://www.drawio.com/blog/uml-class-diagrams</a:t>
+              <a:t>https://www.drawio.com/doc/getting-started-basic-flow-chart</a:t>
             </a:r>
             <a:r>
               <a:rPr b="0" lang="pt-BR" sz="2400" spc="-1" strike="noStrike">
@@ -9685,19 +10547,18 @@
       </p:sp>
       <p:pic>
         <p:nvPicPr>
-          <p:cNvPr id="41" name="" descr=""/>
+          <p:cNvPr id="52" name="" descr=""/>
           <p:cNvPicPr/>
           <p:nvPr/>
         </p:nvPicPr>
         <p:blipFill>
           <a:blip r:embed="rId3"/>
-          <a:srcRect l="1147" t="0" r="1847" b="0"/>
           <a:stretch/>
         </p:blipFill>
         <p:spPr>
           <a:xfrm>
-            <a:off x="5040000" y="1602000"/>
-            <a:ext cx="7018920" cy="4157280"/>
+            <a:off x="4860000" y="1440000"/>
+            <a:ext cx="7022520" cy="3991320"/>
           </a:xfrm>
           <a:prstGeom prst="rect">
             <a:avLst/>
@@ -9721,7 +10582,7 @@
         <p:txBody>
           <a:bodyPr/>
           <a:p>
-            <a:fld id="{436B1274-9FA5-400D-B113-230A2D215E81}" type="slidenum">
+            <a:fld id="{D5A9C90F-08B0-4317-9F2D-B9C8707339F2}" type="slidenum">
               <a:t>9</a:t>
             </a:fld>
           </a:p>
@@ -9950,4 +10811,110 @@
     </a:fmtScheme>
   </a:themeElements>
 </a:theme>
+</file>
+
+<file path=ppt/theme/theme3.xml><?xml version="1.0" encoding="utf-8"?>
+<a:theme xmlns:a="http://schemas.openxmlformats.org/drawingml/2006/main" xmlns:r="http://schemas.openxmlformats.org/officeDocument/2006/relationships" name="Office">
+  <a:themeElements>
+    <a:clrScheme name="LibreOffice">
+      <a:dk1>
+        <a:srgbClr val="000000"/>
+      </a:dk1>
+      <a:lt1>
+        <a:srgbClr val="ffffff"/>
+      </a:lt1>
+      <a:dk2>
+        <a:srgbClr val="000000"/>
+      </a:dk2>
+      <a:lt2>
+        <a:srgbClr val="ffffff"/>
+      </a:lt2>
+      <a:accent1>
+        <a:srgbClr val="18a303"/>
+      </a:accent1>
+      <a:accent2>
+        <a:srgbClr val="0369a3"/>
+      </a:accent2>
+      <a:accent3>
+        <a:srgbClr val="a33e03"/>
+      </a:accent3>
+      <a:accent4>
+        <a:srgbClr val="8e03a3"/>
+      </a:accent4>
+      <a:accent5>
+        <a:srgbClr val="c99c00"/>
+      </a:accent5>
+      <a:accent6>
+        <a:srgbClr val="c9211e"/>
+      </a:accent6>
+      <a:hlink>
+        <a:srgbClr val="0000ee"/>
+      </a:hlink>
+      <a:folHlink>
+        <a:srgbClr val="551a8b"/>
+      </a:folHlink>
+    </a:clrScheme>
+    <a:fontScheme name="Office">
+      <a:majorFont>
+        <a:latin typeface="Arial" pitchFamily="0" charset="1"/>
+        <a:ea typeface="DejaVu Sans" pitchFamily="0" charset="1"/>
+        <a:cs typeface="DejaVu Sans" pitchFamily="0" charset="1"/>
+      </a:majorFont>
+      <a:minorFont>
+        <a:latin typeface="Arial" pitchFamily="0" charset="1"/>
+        <a:ea typeface="DejaVu Sans" pitchFamily="0" charset="1"/>
+        <a:cs typeface="DejaVu Sans" pitchFamily="0" charset="1"/>
+      </a:minorFont>
+    </a:fontScheme>
+    <a:fmtScheme>
+      <a:fillStyleLst>
+        <a:solidFill>
+          <a:schemeClr val="phClr"/>
+        </a:solidFill>
+        <a:solidFill>
+          <a:schemeClr val="phClr"/>
+        </a:solidFill>
+        <a:solidFill>
+          <a:schemeClr val="phClr"/>
+        </a:solidFill>
+      </a:fillStyleLst>
+      <a:lnStyleLst>
+        <a:ln w="6350" cap="flat" cmpd="sng" algn="ctr">
+          <a:prstDash val="solid"/>
+          <a:miter/>
+        </a:ln>
+        <a:ln w="6350" cap="flat" cmpd="sng" algn="ctr">
+          <a:prstDash val="solid"/>
+          <a:miter/>
+        </a:ln>
+        <a:ln w="6350" cap="flat" cmpd="sng" algn="ctr">
+          <a:prstDash val="solid"/>
+          <a:miter/>
+        </a:ln>
+      </a:lnStyleLst>
+      <a:effectStyleLst>
+        <a:effectStyle>
+          <a:effectLst/>
+        </a:effectStyle>
+        <a:effectStyle>
+          <a:effectLst/>
+        </a:effectStyle>
+        <a:effectStyle>
+          <a:effectLst/>
+        </a:effectStyle>
+      </a:effectStyleLst>
+      <a:bgFillStyleLst>
+        <a:solidFill>
+          <a:schemeClr val="phClr"/>
+        </a:solidFill>
+        <a:solidFill>
+          <a:schemeClr val="phClr"/>
+        </a:solidFill>
+        <a:solidFill>
+          <a:schemeClr val="phClr"/>
+        </a:solidFill>
+      </a:bgFillStyleLst>
+    </a:fmtScheme>
+  </a:themeElements>
+</a:theme>
 </file>